--- a/image-sources/o16n-image-source-modern-policy-servicing.pptx
+++ b/image-sources/o16n-image-source-modern-policy-servicing.pptx
@@ -5,14 +5,16 @@
     <p:sldMasterId id="2147484493" r:id="rId4"/>
   </p:sldMasterIdLst>
   <p:notesMasterIdLst>
-    <p:notesMasterId r:id="rId7"/>
+    <p:notesMasterId r:id="rId9"/>
   </p:notesMasterIdLst>
   <p:handoutMasterIdLst>
-    <p:handoutMasterId r:id="rId8"/>
+    <p:handoutMasterId r:id="rId10"/>
   </p:handoutMasterIdLst>
   <p:sldIdLst>
     <p:sldId id="1693" r:id="rId5"/>
-    <p:sldId id="1696" r:id="rId6"/>
+    <p:sldId id="1697" r:id="rId6"/>
+    <p:sldId id="1698" r:id="rId7"/>
+    <p:sldId id="1696" r:id="rId8"/>
   </p:sldIdLst>
   <p:sldSz cx="12436475" cy="6994525"/>
   <p:notesSz cx="7010400" cy="9296400"/>
@@ -152,28 +154,14 @@
 <file path=ppt/commentAuthors.xml><?xml version="1.0" encoding="utf-8"?>
 <p:cmAuthorLst xmlns:a="http://schemas.openxmlformats.org/drawingml/2006/main" xmlns:r="http://schemas.openxmlformats.org/officeDocument/2006/relationships" xmlns:p="http://schemas.openxmlformats.org/presentationml/2006/main">
   <p:cmAuthor id="0" name="Saku Uchikawa" initials="SU" lastIdx="11" clrIdx="0"/>
-  <p:cmAuthor id="7" name="Dawn Hagen" initials="DH" lastIdx="1" clrIdx="7">
-    <p:extLst/>
-  </p:cmAuthor>
+  <p:cmAuthor id="7" name="Dawn Hagen" initials="DH" lastIdx="1" clrIdx="7"/>
   <p:cmAuthor id="1" name="Mary Feil-Jacobs" initials="MFJ" lastIdx="43" clrIdx="1"/>
-  <p:cmAuthor id="8" name="Mark" initials="M" lastIdx="1" clrIdx="8">
-    <p:extLst/>
-  </p:cmAuthor>
-  <p:cmAuthor id="2" name="Monica Lueder" initials="ML" lastIdx="22" clrIdx="2">
-    <p:extLst/>
-  </p:cmAuthor>
-  <p:cmAuthor id="3" name="Mary Feil-Jacobs" initials="MF" lastIdx="22" clrIdx="3">
-    <p:extLst/>
-  </p:cmAuthor>
-  <p:cmAuthor id="4" name="Caitlin McCabe" initials="CM" lastIdx="9" clrIdx="4">
-    <p:extLst/>
-  </p:cmAuthor>
-  <p:cmAuthor id="5" name="Sylvia Tedjo (Silver Fox)" initials="ST(F" lastIdx="9" clrIdx="5">
-    <p:extLst/>
-  </p:cmAuthor>
-  <p:cmAuthor id="6" name="Stephanie Cohen Glass" initials="SCG" lastIdx="6" clrIdx="6">
-    <p:extLst/>
-  </p:cmAuthor>
+  <p:cmAuthor id="8" name="Mark" initials="M" lastIdx="1" clrIdx="8"/>
+  <p:cmAuthor id="2" name="Monica Lueder" initials="ML" lastIdx="22" clrIdx="2"/>
+  <p:cmAuthor id="3" name="Mary Feil-Jacobs" initials="MF" lastIdx="22" clrIdx="3"/>
+  <p:cmAuthor id="4" name="Caitlin McCabe" initials="CM" lastIdx="9" clrIdx="4"/>
+  <p:cmAuthor id="5" name="Sylvia Tedjo (Silver Fox)" initials="ST(F" lastIdx="9" clrIdx="5"/>
+  <p:cmAuthor id="6" name="Stephanie Cohen Glass" initials="SCG" lastIdx="6" clrIdx="6"/>
 </p:cmAuthorLst>
 </file>
 
@@ -193,6 +181,22 @@
           <pc:sldMk cId="46538873" sldId="1693"/>
         </pc:sldMkLst>
         <pc:spChg chg="mod">
+          <ac:chgData name="Carl Nan" userId="ad042ce3-0492-4912-9515-1242776021df" providerId="ADAL" clId="{52ABC6F7-7DB6-442F-9129-3650E16AB1D4}" dt="2017-04-21T17:47:46.814" v="1" actId="14100"/>
+          <ac:spMkLst>
+            <pc:docMk/>
+            <pc:sldMk cId="46538873" sldId="1693"/>
+            <ac:spMk id="6" creationId="{00000000-0000-0000-0000-000000000000}"/>
+          </ac:spMkLst>
+        </pc:spChg>
+        <pc:spChg chg="mod">
+          <ac:chgData name="Carl Nan" userId="ad042ce3-0492-4912-9515-1242776021df" providerId="ADAL" clId="{52ABC6F7-7DB6-442F-9129-3650E16AB1D4}" dt="2017-04-21T17:47:43.623" v="0" actId="14100"/>
+          <ac:spMkLst>
+            <pc:docMk/>
+            <pc:sldMk cId="46538873" sldId="1693"/>
+            <ac:spMk id="7" creationId="{00000000-0000-0000-0000-000000000000}"/>
+          </ac:spMkLst>
+        </pc:spChg>
+        <pc:spChg chg="mod">
           <ac:chgData name="Carl Nan" userId="ad042ce3-0492-4912-9515-1242776021df" providerId="ADAL" clId="{52ABC6F7-7DB6-442F-9129-3650E16AB1D4}" dt="2017-04-21T17:47:49.902" v="2" actId="14100"/>
           <ac:spMkLst>
             <pc:docMk/>
@@ -201,51 +205,11 @@
           </ac:spMkLst>
         </pc:spChg>
         <pc:spChg chg="add mod">
-          <ac:chgData name="Carl Nan" userId="ad042ce3-0492-4912-9515-1242776021df" providerId="ADAL" clId="{52ABC6F7-7DB6-442F-9129-3650E16AB1D4}" dt="2017-04-21T17:48:28.263" v="6" actId="1076"/>
-          <ac:spMkLst>
-            <pc:docMk/>
-            <pc:sldMk cId="46538873" sldId="1693"/>
-            <ac:spMk id="46" creationId="{0C679DF2-5EEA-4329-BA9E-661966A5F739}"/>
-          </ac:spMkLst>
-        </pc:spChg>
-        <pc:spChg chg="mod">
-          <ac:chgData name="Carl Nan" userId="ad042ce3-0492-4912-9515-1242776021df" providerId="ADAL" clId="{52ABC6F7-7DB6-442F-9129-3650E16AB1D4}" dt="2017-04-21T17:48:14.342" v="5" actId="14100"/>
-          <ac:spMkLst>
-            <pc:docMk/>
-            <pc:sldMk cId="46538873" sldId="1693"/>
-            <ac:spMk id="50" creationId="{00000000-0000-0000-0000-000000000000}"/>
-          </ac:spMkLst>
-        </pc:spChg>
-        <pc:spChg chg="mod">
-          <ac:chgData name="Carl Nan" userId="ad042ce3-0492-4912-9515-1242776021df" providerId="ADAL" clId="{52ABC6F7-7DB6-442F-9129-3650E16AB1D4}" dt="2017-04-21T17:47:46.814" v="1" actId="14100"/>
-          <ac:spMkLst>
-            <pc:docMk/>
-            <pc:sldMk cId="46538873" sldId="1693"/>
-            <ac:spMk id="6" creationId="{00000000-0000-0000-0000-000000000000}"/>
-          </ac:spMkLst>
-        </pc:spChg>
-        <pc:spChg chg="add mod">
           <ac:chgData name="Carl Nan" userId="ad042ce3-0492-4912-9515-1242776021df" providerId="ADAL" clId="{52ABC6F7-7DB6-442F-9129-3650E16AB1D4}" dt="2017-04-21T17:48:06.350" v="4" actId="1076"/>
           <ac:spMkLst>
             <pc:docMk/>
             <pc:sldMk cId="46538873" sldId="1693"/>
             <ac:spMk id="37" creationId="{F4E30BC9-DC80-4992-BDC2-2974064176BD}"/>
-          </ac:spMkLst>
-        </pc:spChg>
-        <pc:spChg chg="add mod">
-          <ac:chgData name="Carl Nan" userId="ad042ce3-0492-4912-9515-1242776021df" providerId="ADAL" clId="{52ABC6F7-7DB6-442F-9129-3650E16AB1D4}" dt="2017-04-21T17:48:28.263" v="6" actId="1076"/>
-          <ac:spMkLst>
-            <pc:docMk/>
-            <pc:sldMk cId="46538873" sldId="1693"/>
-            <ac:spMk id="47" creationId="{D037EDAA-0C51-412F-82D6-C31539AC49EE}"/>
-          </ac:spMkLst>
-        </pc:spChg>
-        <pc:spChg chg="add mod">
-          <ac:chgData name="Carl Nan" userId="ad042ce3-0492-4912-9515-1242776021df" providerId="ADAL" clId="{52ABC6F7-7DB6-442F-9129-3650E16AB1D4}" dt="2017-04-21T17:48:46.350" v="8" actId="1076"/>
-          <ac:spMkLst>
-            <pc:docMk/>
-            <pc:sldMk cId="46538873" sldId="1693"/>
-            <ac:spMk id="54" creationId="{CFA73A88-8855-45EE-9639-5B054E952F99}"/>
           </ac:spMkLst>
         </pc:spChg>
         <pc:spChg chg="add mod">
@@ -261,15 +225,39 @@
           <ac:spMkLst>
             <pc:docMk/>
             <pc:sldMk cId="46538873" sldId="1693"/>
+            <ac:spMk id="46" creationId="{0C679DF2-5EEA-4329-BA9E-661966A5F739}"/>
+          </ac:spMkLst>
+        </pc:spChg>
+        <pc:spChg chg="add mod">
+          <ac:chgData name="Carl Nan" userId="ad042ce3-0492-4912-9515-1242776021df" providerId="ADAL" clId="{52ABC6F7-7DB6-442F-9129-3650E16AB1D4}" dt="2017-04-21T17:48:28.263" v="6" actId="1076"/>
+          <ac:spMkLst>
+            <pc:docMk/>
+            <pc:sldMk cId="46538873" sldId="1693"/>
+            <ac:spMk id="47" creationId="{D037EDAA-0C51-412F-82D6-C31539AC49EE}"/>
+          </ac:spMkLst>
+        </pc:spChg>
+        <pc:spChg chg="add mod">
+          <ac:chgData name="Carl Nan" userId="ad042ce3-0492-4912-9515-1242776021df" providerId="ADAL" clId="{52ABC6F7-7DB6-442F-9129-3650E16AB1D4}" dt="2017-04-21T17:48:28.263" v="6" actId="1076"/>
+          <ac:spMkLst>
+            <pc:docMk/>
+            <pc:sldMk cId="46538873" sldId="1693"/>
             <ac:spMk id="48" creationId="{1DDB5FDB-ABC9-4480-9817-18435570BD6D}"/>
           </ac:spMkLst>
         </pc:spChg>
         <pc:spChg chg="mod">
-          <ac:chgData name="Carl Nan" userId="ad042ce3-0492-4912-9515-1242776021df" providerId="ADAL" clId="{52ABC6F7-7DB6-442F-9129-3650E16AB1D4}" dt="2017-04-21T17:47:43.623" v="0" actId="14100"/>
+          <ac:chgData name="Carl Nan" userId="ad042ce3-0492-4912-9515-1242776021df" providerId="ADAL" clId="{52ABC6F7-7DB6-442F-9129-3650E16AB1D4}" dt="2017-04-21T17:48:14.342" v="5" actId="14100"/>
           <ac:spMkLst>
             <pc:docMk/>
             <pc:sldMk cId="46538873" sldId="1693"/>
-            <ac:spMk id="7" creationId="{00000000-0000-0000-0000-000000000000}"/>
+            <ac:spMk id="50" creationId="{00000000-0000-0000-0000-000000000000}"/>
+          </ac:spMkLst>
+        </pc:spChg>
+        <pc:spChg chg="add mod">
+          <ac:chgData name="Carl Nan" userId="ad042ce3-0492-4912-9515-1242776021df" providerId="ADAL" clId="{52ABC6F7-7DB6-442F-9129-3650E16AB1D4}" dt="2017-04-21T17:48:46.350" v="8" actId="1076"/>
+          <ac:spMkLst>
+            <pc:docMk/>
+            <pc:sldMk cId="46538873" sldId="1693"/>
+            <ac:spMk id="54" creationId="{CFA73A88-8855-45EE-9639-5B054E952F99}"/>
           </ac:spMkLst>
         </pc:spChg>
         <pc:cxnChg chg="add mod">
@@ -393,7 +381,7 @@
               <a:rPr lang="en-US" smtClean="0">
                 <a:latin typeface="Segoe UI" pitchFamily="34" charset="0"/>
               </a:rPr>
-              <a:t>4/21/17 1:22 PM</a:t>
+              <a:t>5/23/2019 10:15 AM</a:t>
             </a:fld>
             <a:endParaRPr lang="en-US" dirty="0">
               <a:latin typeface="Segoe UI" pitchFamily="34" charset="0"/>
@@ -690,7 +678,7 @@
           <a:p>
             <a:fld id="{38EEC551-8CDA-4EB6-89BB-2A86C9F091C8}" type="datetime8">
               <a:rPr lang="en-US" smtClean="0"/>
-              <a:t>4/21/17 1:22 PM</a:t>
+              <a:t>5/23/2019 10:14 AM</a:t>
             </a:fld>
             <a:endParaRPr lang="en-US" dirty="0"/>
           </a:p>
@@ -1077,7 +1065,7 @@
           <a:p>
             <a:fld id="{38EEC551-8CDA-4EB6-89BB-2A86C9F091C8}" type="datetime8">
               <a:rPr lang="en-US" smtClean="0"/>
-              <a:t>4/21/17 1:22 PM</a:t>
+              <a:t>5/23/2019 10:14 AM</a:t>
             </a:fld>
             <a:endParaRPr lang="en-US" dirty="0"/>
           </a:p>
@@ -1121,6 +1109,756 @@
 </file>
 
 <file path=ppt/notesSlides/notesSlide2.xml><?xml version="1.0" encoding="utf-8"?>
+<p:notes xmlns:a="http://schemas.openxmlformats.org/drawingml/2006/main" xmlns:r="http://schemas.openxmlformats.org/officeDocument/2006/relationships" xmlns:p="http://schemas.openxmlformats.org/presentationml/2006/main">
+  <p:cSld>
+    <p:spTree>
+      <p:nvGrpSpPr>
+        <p:cNvPr id="1" name=""/>
+        <p:cNvGrpSpPr/>
+        <p:nvPr/>
+      </p:nvGrpSpPr>
+      <p:grpSpPr>
+        <a:xfrm>
+          <a:off x="0" y="0"/>
+          <a:ext cx="0" cy="0"/>
+          <a:chOff x="0" y="0"/>
+          <a:chExt cx="0" cy="0"/>
+        </a:xfrm>
+      </p:grpSpPr>
+      <p:sp>
+        <p:nvSpPr>
+          <p:cNvPr id="2" name="Slide Image Placeholder 1"/>
+          <p:cNvSpPr>
+            <a:spLocks noGrp="1" noRot="1" noChangeAspect="1"/>
+          </p:cNvSpPr>
+          <p:nvPr>
+            <p:ph type="sldImg"/>
+          </p:nvPr>
+        </p:nvSpPr>
+        <p:spPr/>
+      </p:sp>
+      <p:sp>
+        <p:nvSpPr>
+          <p:cNvPr id="3" name="Notes Placeholder 2"/>
+          <p:cNvSpPr>
+            <a:spLocks noGrp="1"/>
+          </p:cNvSpPr>
+          <p:nvPr>
+            <p:ph type="body" idx="1"/>
+          </p:nvPr>
+        </p:nvSpPr>
+        <p:spPr/>
+        <p:txBody>
+          <a:bodyPr/>
+          <a:lstStyle/>
+          <a:p>
+            <a:endParaRPr lang="en-US" dirty="0"/>
+          </a:p>
+        </p:txBody>
+      </p:sp>
+      <p:sp>
+        <p:nvSpPr>
+          <p:cNvPr id="4" name="Header Placeholder 3"/>
+          <p:cNvSpPr>
+            <a:spLocks noGrp="1"/>
+          </p:cNvSpPr>
+          <p:nvPr>
+            <p:ph type="hdr" sz="quarter" idx="10"/>
+          </p:nvPr>
+        </p:nvSpPr>
+        <p:spPr/>
+        <p:txBody>
+          <a:bodyPr/>
+          <a:lstStyle/>
+          <a:p>
+            <a:pPr marL="0" marR="0" lvl="0" indent="0" algn="l" defTabSz="932742" rtl="0" eaLnBrk="1" fontAlgn="auto" latinLnBrk="0" hangingPunct="1">
+              <a:lnSpc>
+                <a:spcPct val="100000"/>
+              </a:lnSpc>
+              <a:spcBef>
+                <a:spcPts val="0"/>
+              </a:spcBef>
+              <a:spcAft>
+                <a:spcPts val="0"/>
+              </a:spcAft>
+              <a:buClrTx/>
+              <a:buSzTx/>
+              <a:buFontTx/>
+              <a:buNone/>
+              <a:tabLst/>
+              <a:defRPr/>
+            </a:pPr>
+            <a:r>
+              <a:rPr kumimoji="0" lang="en-US" sz="1200" b="0" i="0" u="none" strike="noStrike" kern="1200" cap="none" spc="0" normalizeH="0" baseline="0" noProof="0">
+                <a:ln>
+                  <a:noFill/>
+                </a:ln>
+                <a:solidFill>
+                  <a:prstClr val="black"/>
+                </a:solidFill>
+                <a:effectLst/>
+                <a:uLnTx/>
+                <a:uFillTx/>
+                <a:latin typeface="Segoe UI" pitchFamily="34" charset="0"/>
+                <a:ea typeface="+mn-ea"/>
+                <a:cs typeface="+mn-cs"/>
+              </a:rPr>
+              <a:t>MS Story</a:t>
+            </a:r>
+            <a:endParaRPr kumimoji="0" lang="en-US" sz="1200" b="0" i="0" u="none" strike="noStrike" kern="1200" cap="none" spc="0" normalizeH="0" baseline="0" noProof="0" dirty="0">
+              <a:ln>
+                <a:noFill/>
+              </a:ln>
+              <a:solidFill>
+                <a:prstClr val="black"/>
+              </a:solidFill>
+              <a:effectLst/>
+              <a:uLnTx/>
+              <a:uFillTx/>
+              <a:latin typeface="Segoe UI" pitchFamily="34" charset="0"/>
+              <a:ea typeface="+mn-ea"/>
+              <a:cs typeface="+mn-cs"/>
+            </a:endParaRPr>
+          </a:p>
+        </p:txBody>
+      </p:sp>
+      <p:sp>
+        <p:nvSpPr>
+          <p:cNvPr id="5" name="Footer Placeholder 4"/>
+          <p:cNvSpPr>
+            <a:spLocks noGrp="1"/>
+          </p:cNvSpPr>
+          <p:nvPr>
+            <p:ph type="ftr" sz="quarter" idx="11"/>
+          </p:nvPr>
+        </p:nvSpPr>
+        <p:spPr/>
+        <p:txBody>
+          <a:bodyPr/>
+          <a:lstStyle/>
+          <a:p>
+            <a:pPr marL="582296" marR="0" lvl="0" indent="0" algn="l" defTabSz="931365" rtl="0" eaLnBrk="0" fontAlgn="auto" latinLnBrk="0" hangingPunct="0">
+              <a:lnSpc>
+                <a:spcPct val="100000"/>
+              </a:lnSpc>
+              <a:spcBef>
+                <a:spcPts val="0"/>
+              </a:spcBef>
+              <a:spcAft>
+                <a:spcPts val="0"/>
+              </a:spcAft>
+              <a:buClrTx/>
+              <a:buSzTx/>
+              <a:buFontTx/>
+              <a:buNone/>
+              <a:tabLst/>
+              <a:defRPr/>
+            </a:pPr>
+            <a:r>
+              <a:rPr kumimoji="0" lang="en-US" sz="400" b="0" i="0" u="none" strike="noStrike" kern="1200" cap="none" spc="0" normalizeH="0" baseline="0" noProof="0">
+                <a:ln>
+                  <a:noFill/>
+                </a:ln>
+                <a:gradFill>
+                  <a:gsLst>
+                    <a:gs pos="0">
+                      <a:prstClr val="black"/>
+                    </a:gs>
+                    <a:gs pos="100000">
+                      <a:prstClr val="black"/>
+                    </a:gs>
+                  </a:gsLst>
+                  <a:lin ang="5400000" scaled="0"/>
+                </a:gradFill>
+                <a:effectLst/>
+                <a:uLnTx/>
+                <a:uFillTx/>
+                <a:latin typeface="Segoe UI" pitchFamily="34" charset="0"/>
+                <a:ea typeface="Segoe UI" pitchFamily="34" charset="0"/>
+                <a:cs typeface="Segoe UI" pitchFamily="34" charset="0"/>
+              </a:rPr>
+              <a:t>© 2014 Microsoft Corporation. All rights reserved. MICROSOFT MAKES NO WARRANTIES, EXPRESS, IMPLIED OR STATUTORY, AS TO THE INFORMATION IN THIS PRESENTATION.</a:t>
+            </a:r>
+            <a:endParaRPr kumimoji="0" lang="en-US" sz="400" b="0" i="0" u="none" strike="noStrike" kern="1200" cap="none" spc="0" normalizeH="0" baseline="0" noProof="0" dirty="0">
+              <a:ln>
+                <a:noFill/>
+              </a:ln>
+              <a:gradFill>
+                <a:gsLst>
+                  <a:gs pos="0">
+                    <a:prstClr val="black"/>
+                  </a:gs>
+                  <a:gs pos="100000">
+                    <a:prstClr val="black"/>
+                  </a:gs>
+                </a:gsLst>
+                <a:lin ang="5400000" scaled="0"/>
+              </a:gradFill>
+              <a:effectLst/>
+              <a:uLnTx/>
+              <a:uFillTx/>
+              <a:latin typeface="Segoe UI" pitchFamily="34" charset="0"/>
+              <a:ea typeface="Segoe UI" pitchFamily="34" charset="0"/>
+              <a:cs typeface="Segoe UI" pitchFamily="34" charset="0"/>
+            </a:endParaRPr>
+          </a:p>
+        </p:txBody>
+      </p:sp>
+      <p:sp>
+        <p:nvSpPr>
+          <p:cNvPr id="6" name="Date Placeholder 5"/>
+          <p:cNvSpPr>
+            <a:spLocks noGrp="1"/>
+          </p:cNvSpPr>
+          <p:nvPr>
+            <p:ph type="dt" idx="12"/>
+          </p:nvPr>
+        </p:nvSpPr>
+        <p:spPr/>
+        <p:txBody>
+          <a:bodyPr/>
+          <a:lstStyle/>
+          <a:p>
+            <a:pPr marL="0" marR="0" lvl="0" indent="0" algn="r" defTabSz="932742" rtl="0" eaLnBrk="1" fontAlgn="auto" latinLnBrk="0" hangingPunct="1">
+              <a:lnSpc>
+                <a:spcPct val="100000"/>
+              </a:lnSpc>
+              <a:spcBef>
+                <a:spcPts val="0"/>
+              </a:spcBef>
+              <a:spcAft>
+                <a:spcPts val="0"/>
+              </a:spcAft>
+              <a:buClrTx/>
+              <a:buSzTx/>
+              <a:buFontTx/>
+              <a:buNone/>
+              <a:tabLst/>
+              <a:defRPr/>
+            </a:pPr>
+            <a:fld id="{38EEC551-8CDA-4EB6-89BB-2A86C9F091C8}" type="datetime8">
+              <a:rPr kumimoji="0" lang="en-US" sz="1200" b="0" i="0" u="none" strike="noStrike" kern="1200" cap="none" spc="0" normalizeH="0" baseline="0" noProof="0" smtClean="0">
+                <a:ln>
+                  <a:noFill/>
+                </a:ln>
+                <a:solidFill>
+                  <a:prstClr val="black"/>
+                </a:solidFill>
+                <a:effectLst/>
+                <a:uLnTx/>
+                <a:uFillTx/>
+                <a:latin typeface="Segoe UI" pitchFamily="34" charset="0"/>
+                <a:ea typeface="+mn-ea"/>
+                <a:cs typeface="+mn-cs"/>
+              </a:rPr>
+              <a:pPr marL="0" marR="0" lvl="0" indent="0" algn="r" defTabSz="932742" rtl="0" eaLnBrk="1" fontAlgn="auto" latinLnBrk="0" hangingPunct="1">
+                <a:lnSpc>
+                  <a:spcPct val="100000"/>
+                </a:lnSpc>
+                <a:spcBef>
+                  <a:spcPts val="0"/>
+                </a:spcBef>
+                <a:spcAft>
+                  <a:spcPts val="0"/>
+                </a:spcAft>
+                <a:buClrTx/>
+                <a:buSzTx/>
+                <a:buFontTx/>
+                <a:buNone/>
+                <a:tabLst/>
+                <a:defRPr/>
+              </a:pPr>
+              <a:t>5/23/2019 10:57 AM</a:t>
+            </a:fld>
+            <a:endParaRPr kumimoji="0" lang="en-US" sz="1200" b="0" i="0" u="none" strike="noStrike" kern="1200" cap="none" spc="0" normalizeH="0" baseline="0" noProof="0" dirty="0">
+              <a:ln>
+                <a:noFill/>
+              </a:ln>
+              <a:solidFill>
+                <a:prstClr val="black"/>
+              </a:solidFill>
+              <a:effectLst/>
+              <a:uLnTx/>
+              <a:uFillTx/>
+              <a:latin typeface="Segoe UI" pitchFamily="34" charset="0"/>
+              <a:ea typeface="+mn-ea"/>
+              <a:cs typeface="+mn-cs"/>
+            </a:endParaRPr>
+          </a:p>
+        </p:txBody>
+      </p:sp>
+      <p:sp>
+        <p:nvSpPr>
+          <p:cNvPr id="7" name="Slide Number Placeholder 6"/>
+          <p:cNvSpPr>
+            <a:spLocks noGrp="1"/>
+          </p:cNvSpPr>
+          <p:nvPr>
+            <p:ph type="sldNum" sz="quarter" idx="13"/>
+          </p:nvPr>
+        </p:nvSpPr>
+        <p:spPr/>
+        <p:txBody>
+          <a:bodyPr/>
+          <a:lstStyle/>
+          <a:p>
+            <a:pPr marL="0" marR="0" lvl="0" indent="0" algn="r" defTabSz="932742" rtl="0" eaLnBrk="1" fontAlgn="auto" latinLnBrk="0" hangingPunct="1">
+              <a:lnSpc>
+                <a:spcPct val="100000"/>
+              </a:lnSpc>
+              <a:spcBef>
+                <a:spcPts val="0"/>
+              </a:spcBef>
+              <a:spcAft>
+                <a:spcPts val="0"/>
+              </a:spcAft>
+              <a:buClrTx/>
+              <a:buSzTx/>
+              <a:buFontTx/>
+              <a:buNone/>
+              <a:tabLst/>
+              <a:defRPr/>
+            </a:pPr>
+            <a:fld id="{B4008EB6-D09E-4580-8CD6-DDB14511944F}" type="slidenum">
+              <a:rPr kumimoji="0" lang="en-US" sz="1200" b="0" i="0" u="none" strike="noStrike" kern="1200" cap="none" spc="0" normalizeH="0" baseline="0" noProof="0" smtClean="0">
+                <a:ln>
+                  <a:noFill/>
+                </a:ln>
+                <a:solidFill>
+                  <a:prstClr val="black"/>
+                </a:solidFill>
+                <a:effectLst/>
+                <a:uLnTx/>
+                <a:uFillTx/>
+                <a:latin typeface="Segoe UI" pitchFamily="34" charset="0"/>
+                <a:ea typeface="+mn-ea"/>
+                <a:cs typeface="+mn-cs"/>
+              </a:rPr>
+              <a:pPr marL="0" marR="0" lvl="0" indent="0" algn="r" defTabSz="932742" rtl="0" eaLnBrk="1" fontAlgn="auto" latinLnBrk="0" hangingPunct="1">
+                <a:lnSpc>
+                  <a:spcPct val="100000"/>
+                </a:lnSpc>
+                <a:spcBef>
+                  <a:spcPts val="0"/>
+                </a:spcBef>
+                <a:spcAft>
+                  <a:spcPts val="0"/>
+                </a:spcAft>
+                <a:buClrTx/>
+                <a:buSzTx/>
+                <a:buFontTx/>
+                <a:buNone/>
+                <a:tabLst/>
+                <a:defRPr/>
+              </a:pPr>
+              <a:t>2</a:t>
+            </a:fld>
+            <a:endParaRPr kumimoji="0" lang="en-US" sz="1200" b="0" i="0" u="none" strike="noStrike" kern="1200" cap="none" spc="0" normalizeH="0" baseline="0" noProof="0" dirty="0">
+              <a:ln>
+                <a:noFill/>
+              </a:ln>
+              <a:solidFill>
+                <a:prstClr val="black"/>
+              </a:solidFill>
+              <a:effectLst/>
+              <a:uLnTx/>
+              <a:uFillTx/>
+              <a:latin typeface="Segoe UI" pitchFamily="34" charset="0"/>
+              <a:ea typeface="+mn-ea"/>
+              <a:cs typeface="+mn-cs"/>
+            </a:endParaRPr>
+          </a:p>
+        </p:txBody>
+      </p:sp>
+    </p:spTree>
+    <p:extLst>
+      <p:ext uri="{BB962C8B-B14F-4D97-AF65-F5344CB8AC3E}">
+        <p14:creationId xmlns:p14="http://schemas.microsoft.com/office/powerpoint/2010/main" val="2813026155"/>
+      </p:ext>
+    </p:extLst>
+  </p:cSld>
+  <p:clrMapOvr>
+    <a:masterClrMapping/>
+  </p:clrMapOvr>
+</p:notes>
+</file>
+
+<file path=ppt/notesSlides/notesSlide3.xml><?xml version="1.0" encoding="utf-8"?>
+<p:notes xmlns:a="http://schemas.openxmlformats.org/drawingml/2006/main" xmlns:r="http://schemas.openxmlformats.org/officeDocument/2006/relationships" xmlns:p="http://schemas.openxmlformats.org/presentationml/2006/main">
+  <p:cSld>
+    <p:spTree>
+      <p:nvGrpSpPr>
+        <p:cNvPr id="1" name=""/>
+        <p:cNvGrpSpPr/>
+        <p:nvPr/>
+      </p:nvGrpSpPr>
+      <p:grpSpPr>
+        <a:xfrm>
+          <a:off x="0" y="0"/>
+          <a:ext cx="0" cy="0"/>
+          <a:chOff x="0" y="0"/>
+          <a:chExt cx="0" cy="0"/>
+        </a:xfrm>
+      </p:grpSpPr>
+      <p:sp>
+        <p:nvSpPr>
+          <p:cNvPr id="2" name="Slide Image Placeholder 1"/>
+          <p:cNvSpPr>
+            <a:spLocks noGrp="1" noRot="1" noChangeAspect="1"/>
+          </p:cNvSpPr>
+          <p:nvPr>
+            <p:ph type="sldImg"/>
+          </p:nvPr>
+        </p:nvSpPr>
+        <p:spPr/>
+      </p:sp>
+      <p:sp>
+        <p:nvSpPr>
+          <p:cNvPr id="3" name="Notes Placeholder 2"/>
+          <p:cNvSpPr>
+            <a:spLocks noGrp="1"/>
+          </p:cNvSpPr>
+          <p:nvPr>
+            <p:ph type="body" idx="1"/>
+          </p:nvPr>
+        </p:nvSpPr>
+        <p:spPr/>
+        <p:txBody>
+          <a:bodyPr/>
+          <a:lstStyle/>
+          <a:p>
+            <a:endParaRPr lang="en-US" dirty="0"/>
+          </a:p>
+        </p:txBody>
+      </p:sp>
+      <p:sp>
+        <p:nvSpPr>
+          <p:cNvPr id="4" name="Header Placeholder 3"/>
+          <p:cNvSpPr>
+            <a:spLocks noGrp="1"/>
+          </p:cNvSpPr>
+          <p:nvPr>
+            <p:ph type="hdr" sz="quarter" idx="10"/>
+          </p:nvPr>
+        </p:nvSpPr>
+        <p:spPr/>
+        <p:txBody>
+          <a:bodyPr/>
+          <a:lstStyle/>
+          <a:p>
+            <a:pPr marL="0" marR="0" lvl="0" indent="0" algn="l" defTabSz="932742" rtl="0" eaLnBrk="1" fontAlgn="auto" latinLnBrk="0" hangingPunct="1">
+              <a:lnSpc>
+                <a:spcPct val="100000"/>
+              </a:lnSpc>
+              <a:spcBef>
+                <a:spcPts val="0"/>
+              </a:spcBef>
+              <a:spcAft>
+                <a:spcPts val="0"/>
+              </a:spcAft>
+              <a:buClrTx/>
+              <a:buSzTx/>
+              <a:buFontTx/>
+              <a:buNone/>
+              <a:tabLst/>
+              <a:defRPr/>
+            </a:pPr>
+            <a:r>
+              <a:rPr kumimoji="0" lang="en-US" sz="1200" b="0" i="0" u="none" strike="noStrike" kern="1200" cap="none" spc="0" normalizeH="0" baseline="0" noProof="0">
+                <a:ln>
+                  <a:noFill/>
+                </a:ln>
+                <a:solidFill>
+                  <a:prstClr val="black"/>
+                </a:solidFill>
+                <a:effectLst/>
+                <a:uLnTx/>
+                <a:uFillTx/>
+                <a:latin typeface="Segoe UI" pitchFamily="34" charset="0"/>
+                <a:ea typeface="+mn-ea"/>
+                <a:cs typeface="+mn-cs"/>
+              </a:rPr>
+              <a:t>MS Story</a:t>
+            </a:r>
+            <a:endParaRPr kumimoji="0" lang="en-US" sz="1200" b="0" i="0" u="none" strike="noStrike" kern="1200" cap="none" spc="0" normalizeH="0" baseline="0" noProof="0" dirty="0">
+              <a:ln>
+                <a:noFill/>
+              </a:ln>
+              <a:solidFill>
+                <a:prstClr val="black"/>
+              </a:solidFill>
+              <a:effectLst/>
+              <a:uLnTx/>
+              <a:uFillTx/>
+              <a:latin typeface="Segoe UI" pitchFamily="34" charset="0"/>
+              <a:ea typeface="+mn-ea"/>
+              <a:cs typeface="+mn-cs"/>
+            </a:endParaRPr>
+          </a:p>
+        </p:txBody>
+      </p:sp>
+      <p:sp>
+        <p:nvSpPr>
+          <p:cNvPr id="5" name="Footer Placeholder 4"/>
+          <p:cNvSpPr>
+            <a:spLocks noGrp="1"/>
+          </p:cNvSpPr>
+          <p:nvPr>
+            <p:ph type="ftr" sz="quarter" idx="11"/>
+          </p:nvPr>
+        </p:nvSpPr>
+        <p:spPr/>
+        <p:txBody>
+          <a:bodyPr/>
+          <a:lstStyle/>
+          <a:p>
+            <a:pPr marL="582296" marR="0" lvl="0" indent="0" algn="l" defTabSz="931365" rtl="0" eaLnBrk="0" fontAlgn="auto" latinLnBrk="0" hangingPunct="0">
+              <a:lnSpc>
+                <a:spcPct val="100000"/>
+              </a:lnSpc>
+              <a:spcBef>
+                <a:spcPts val="0"/>
+              </a:spcBef>
+              <a:spcAft>
+                <a:spcPts val="0"/>
+              </a:spcAft>
+              <a:buClrTx/>
+              <a:buSzTx/>
+              <a:buFontTx/>
+              <a:buNone/>
+              <a:tabLst/>
+              <a:defRPr/>
+            </a:pPr>
+            <a:r>
+              <a:rPr kumimoji="0" lang="en-US" sz="400" b="0" i="0" u="none" strike="noStrike" kern="1200" cap="none" spc="0" normalizeH="0" baseline="0" noProof="0">
+                <a:ln>
+                  <a:noFill/>
+                </a:ln>
+                <a:gradFill>
+                  <a:gsLst>
+                    <a:gs pos="0">
+                      <a:prstClr val="black"/>
+                    </a:gs>
+                    <a:gs pos="100000">
+                      <a:prstClr val="black"/>
+                    </a:gs>
+                  </a:gsLst>
+                  <a:lin ang="5400000" scaled="0"/>
+                </a:gradFill>
+                <a:effectLst/>
+                <a:uLnTx/>
+                <a:uFillTx/>
+                <a:latin typeface="Segoe UI" pitchFamily="34" charset="0"/>
+                <a:ea typeface="Segoe UI" pitchFamily="34" charset="0"/>
+                <a:cs typeface="Segoe UI" pitchFamily="34" charset="0"/>
+              </a:rPr>
+              <a:t>© 2014 Microsoft Corporation. All rights reserved. MICROSOFT MAKES NO WARRANTIES, EXPRESS, IMPLIED OR STATUTORY, AS TO THE INFORMATION IN THIS PRESENTATION.</a:t>
+            </a:r>
+            <a:endParaRPr kumimoji="0" lang="en-US" sz="400" b="0" i="0" u="none" strike="noStrike" kern="1200" cap="none" spc="0" normalizeH="0" baseline="0" noProof="0" dirty="0">
+              <a:ln>
+                <a:noFill/>
+              </a:ln>
+              <a:gradFill>
+                <a:gsLst>
+                  <a:gs pos="0">
+                    <a:prstClr val="black"/>
+                  </a:gs>
+                  <a:gs pos="100000">
+                    <a:prstClr val="black"/>
+                  </a:gs>
+                </a:gsLst>
+                <a:lin ang="5400000" scaled="0"/>
+              </a:gradFill>
+              <a:effectLst/>
+              <a:uLnTx/>
+              <a:uFillTx/>
+              <a:latin typeface="Segoe UI" pitchFamily="34" charset="0"/>
+              <a:ea typeface="Segoe UI" pitchFamily="34" charset="0"/>
+              <a:cs typeface="Segoe UI" pitchFamily="34" charset="0"/>
+            </a:endParaRPr>
+          </a:p>
+        </p:txBody>
+      </p:sp>
+      <p:sp>
+        <p:nvSpPr>
+          <p:cNvPr id="6" name="Date Placeholder 5"/>
+          <p:cNvSpPr>
+            <a:spLocks noGrp="1"/>
+          </p:cNvSpPr>
+          <p:nvPr>
+            <p:ph type="dt" idx="12"/>
+          </p:nvPr>
+        </p:nvSpPr>
+        <p:spPr/>
+        <p:txBody>
+          <a:bodyPr/>
+          <a:lstStyle/>
+          <a:p>
+            <a:pPr marL="0" marR="0" lvl="0" indent="0" algn="r" defTabSz="932742" rtl="0" eaLnBrk="1" fontAlgn="auto" latinLnBrk="0" hangingPunct="1">
+              <a:lnSpc>
+                <a:spcPct val="100000"/>
+              </a:lnSpc>
+              <a:spcBef>
+                <a:spcPts val="0"/>
+              </a:spcBef>
+              <a:spcAft>
+                <a:spcPts val="0"/>
+              </a:spcAft>
+              <a:buClrTx/>
+              <a:buSzTx/>
+              <a:buFontTx/>
+              <a:buNone/>
+              <a:tabLst/>
+              <a:defRPr/>
+            </a:pPr>
+            <a:fld id="{38EEC551-8CDA-4EB6-89BB-2A86C9F091C8}" type="datetime8">
+              <a:rPr kumimoji="0" lang="en-US" sz="1200" b="0" i="0" u="none" strike="noStrike" kern="1200" cap="none" spc="0" normalizeH="0" baseline="0" noProof="0" smtClean="0">
+                <a:ln>
+                  <a:noFill/>
+                </a:ln>
+                <a:solidFill>
+                  <a:prstClr val="black"/>
+                </a:solidFill>
+                <a:effectLst/>
+                <a:uLnTx/>
+                <a:uFillTx/>
+                <a:latin typeface="Segoe UI" pitchFamily="34" charset="0"/>
+                <a:ea typeface="+mn-ea"/>
+                <a:cs typeface="+mn-cs"/>
+              </a:rPr>
+              <a:pPr marL="0" marR="0" lvl="0" indent="0" algn="r" defTabSz="932742" rtl="0" eaLnBrk="1" fontAlgn="auto" latinLnBrk="0" hangingPunct="1">
+                <a:lnSpc>
+                  <a:spcPct val="100000"/>
+                </a:lnSpc>
+                <a:spcBef>
+                  <a:spcPts val="0"/>
+                </a:spcBef>
+                <a:spcAft>
+                  <a:spcPts val="0"/>
+                </a:spcAft>
+                <a:buClrTx/>
+                <a:buSzTx/>
+                <a:buFontTx/>
+                <a:buNone/>
+                <a:tabLst/>
+                <a:defRPr/>
+              </a:pPr>
+              <a:t>5/23/2019 10:57 AM</a:t>
+            </a:fld>
+            <a:endParaRPr kumimoji="0" lang="en-US" sz="1200" b="0" i="0" u="none" strike="noStrike" kern="1200" cap="none" spc="0" normalizeH="0" baseline="0" noProof="0" dirty="0">
+              <a:ln>
+                <a:noFill/>
+              </a:ln>
+              <a:solidFill>
+                <a:prstClr val="black"/>
+              </a:solidFill>
+              <a:effectLst/>
+              <a:uLnTx/>
+              <a:uFillTx/>
+              <a:latin typeface="Segoe UI" pitchFamily="34" charset="0"/>
+              <a:ea typeface="+mn-ea"/>
+              <a:cs typeface="+mn-cs"/>
+            </a:endParaRPr>
+          </a:p>
+        </p:txBody>
+      </p:sp>
+      <p:sp>
+        <p:nvSpPr>
+          <p:cNvPr id="7" name="Slide Number Placeholder 6"/>
+          <p:cNvSpPr>
+            <a:spLocks noGrp="1"/>
+          </p:cNvSpPr>
+          <p:nvPr>
+            <p:ph type="sldNum" sz="quarter" idx="13"/>
+          </p:nvPr>
+        </p:nvSpPr>
+        <p:spPr/>
+        <p:txBody>
+          <a:bodyPr/>
+          <a:lstStyle/>
+          <a:p>
+            <a:pPr marL="0" marR="0" lvl="0" indent="0" algn="r" defTabSz="932742" rtl="0" eaLnBrk="1" fontAlgn="auto" latinLnBrk="0" hangingPunct="1">
+              <a:lnSpc>
+                <a:spcPct val="100000"/>
+              </a:lnSpc>
+              <a:spcBef>
+                <a:spcPts val="0"/>
+              </a:spcBef>
+              <a:spcAft>
+                <a:spcPts val="0"/>
+              </a:spcAft>
+              <a:buClrTx/>
+              <a:buSzTx/>
+              <a:buFontTx/>
+              <a:buNone/>
+              <a:tabLst/>
+              <a:defRPr/>
+            </a:pPr>
+            <a:fld id="{B4008EB6-D09E-4580-8CD6-DDB14511944F}" type="slidenum">
+              <a:rPr kumimoji="0" lang="en-US" sz="1200" b="0" i="0" u="none" strike="noStrike" kern="1200" cap="none" spc="0" normalizeH="0" baseline="0" noProof="0" smtClean="0">
+                <a:ln>
+                  <a:noFill/>
+                </a:ln>
+                <a:solidFill>
+                  <a:prstClr val="black"/>
+                </a:solidFill>
+                <a:effectLst/>
+                <a:uLnTx/>
+                <a:uFillTx/>
+                <a:latin typeface="Segoe UI" pitchFamily="34" charset="0"/>
+                <a:ea typeface="+mn-ea"/>
+                <a:cs typeface="+mn-cs"/>
+              </a:rPr>
+              <a:pPr marL="0" marR="0" lvl="0" indent="0" algn="r" defTabSz="932742" rtl="0" eaLnBrk="1" fontAlgn="auto" latinLnBrk="0" hangingPunct="1">
+                <a:lnSpc>
+                  <a:spcPct val="100000"/>
+                </a:lnSpc>
+                <a:spcBef>
+                  <a:spcPts val="0"/>
+                </a:spcBef>
+                <a:spcAft>
+                  <a:spcPts val="0"/>
+                </a:spcAft>
+                <a:buClrTx/>
+                <a:buSzTx/>
+                <a:buFontTx/>
+                <a:buNone/>
+                <a:tabLst/>
+                <a:defRPr/>
+              </a:pPr>
+              <a:t>3</a:t>
+            </a:fld>
+            <a:endParaRPr kumimoji="0" lang="en-US" sz="1200" b="0" i="0" u="none" strike="noStrike" kern="1200" cap="none" spc="0" normalizeH="0" baseline="0" noProof="0" dirty="0">
+              <a:ln>
+                <a:noFill/>
+              </a:ln>
+              <a:solidFill>
+                <a:prstClr val="black"/>
+              </a:solidFill>
+              <a:effectLst/>
+              <a:uLnTx/>
+              <a:uFillTx/>
+              <a:latin typeface="Segoe UI" pitchFamily="34" charset="0"/>
+              <a:ea typeface="+mn-ea"/>
+              <a:cs typeface="+mn-cs"/>
+            </a:endParaRPr>
+          </a:p>
+        </p:txBody>
+      </p:sp>
+    </p:spTree>
+    <p:extLst>
+      <p:ext uri="{BB962C8B-B14F-4D97-AF65-F5344CB8AC3E}">
+        <p14:creationId xmlns:p14="http://schemas.microsoft.com/office/powerpoint/2010/main" val="251867589"/>
+      </p:ext>
+    </p:extLst>
+  </p:cSld>
+  <p:clrMapOvr>
+    <a:masterClrMapping/>
+  </p:clrMapOvr>
+</p:notes>
+</file>
+
+<file path=ppt/notesSlides/notesSlide4.xml><?xml version="1.0" encoding="utf-8"?>
 <p:notes xmlns:a="http://schemas.openxmlformats.org/drawingml/2006/main" xmlns:r="http://schemas.openxmlformats.org/officeDocument/2006/relationships" xmlns:p="http://schemas.openxmlformats.org/presentationml/2006/main">
   <p:cSld>
     <p:spTree>
@@ -1262,7 +2000,7 @@
           <a:p>
             <a:fld id="{38EEC551-8CDA-4EB6-89BB-2A86C9F091C8}" type="datetime8">
               <a:rPr lang="en-US" smtClean="0"/>
-              <a:t>4/21/17 1:22 PM</a:t>
+              <a:t>5/23/2019 10:14 AM</a:t>
             </a:fld>
             <a:endParaRPr lang="en-US" dirty="0"/>
           </a:p>
@@ -1286,7 +2024,7 @@
             <a:fld id="{B4008EB6-D09E-4580-8CD6-DDB14511944F}" type="slidenum">
               <a:rPr lang="en-US" smtClean="0"/>
               <a:pPr/>
-              <a:t>2</a:t>
+              <a:t>4</a:t>
             </a:fld>
             <a:endParaRPr lang="en-US" dirty="0"/>
           </a:p>
@@ -8427,7 +9165,7 @@
       </a:lvl9pPr>
     </p:otherStyle>
   </p:txStyles>
-  <p:extLst mod="1">
+  <p:extLst>
     <p:ext uri="{27BBF7A9-308A-43DC-89C8-2F10F3537804}">
       <p15:sldGuideLst xmlns:p15="http://schemas.microsoft.com/office/powerpoint/2012/main">
         <p15:guide id="1" orient="horz" pos="187">
@@ -9814,7 +10552,7 @@
           <p:cNvPr id="37" name="Rectangle 36">
             <a:extLst>
               <a:ext uri="{FF2B5EF4-FFF2-40B4-BE49-F238E27FC236}">
-                <a16:creationId xmlns:a16="http://schemas.microsoft.com/office/drawing/2014/main" xmlns="" id="{F4E30BC9-DC80-4992-BDC2-2974064176BD}"/>
+                <a16:creationId xmlns:a16="http://schemas.microsoft.com/office/drawing/2014/main" id="{F4E30BC9-DC80-4992-BDC2-2974064176BD}"/>
               </a:ext>
             </a:extLst>
           </p:cNvPr>
@@ -9910,7 +10648,7 @@
           <p:cNvPr id="43" name="TextBox 42">
             <a:extLst>
               <a:ext uri="{FF2B5EF4-FFF2-40B4-BE49-F238E27FC236}">
-                <a16:creationId xmlns:a16="http://schemas.microsoft.com/office/drawing/2014/main" xmlns="" id="{D6022DB0-C905-477D-9AE0-CA7BB3A48125}"/>
+                <a16:creationId xmlns:a16="http://schemas.microsoft.com/office/drawing/2014/main" id="{D6022DB0-C905-477D-9AE0-CA7BB3A48125}"/>
               </a:ext>
             </a:extLst>
           </p:cNvPr>
@@ -9973,7 +10711,7 @@
           <p:cNvPr id="49" name="Straight Connector 48">
             <a:extLst>
               <a:ext uri="{FF2B5EF4-FFF2-40B4-BE49-F238E27FC236}">
-                <a16:creationId xmlns:a16="http://schemas.microsoft.com/office/drawing/2014/main" xmlns="" id="{8DDDD963-603A-4EFC-8427-94A09E2849DE}"/>
+                <a16:creationId xmlns:a16="http://schemas.microsoft.com/office/drawing/2014/main" id="{8DDDD963-603A-4EFC-8427-94A09E2849DE}"/>
               </a:ext>
             </a:extLst>
           </p:cNvPr>
@@ -10020,7 +10758,7 @@
           <p:cNvPr id="54" name="TextBox 53">
             <a:extLst>
               <a:ext uri="{FF2B5EF4-FFF2-40B4-BE49-F238E27FC236}">
-                <a16:creationId xmlns:a16="http://schemas.microsoft.com/office/drawing/2014/main" xmlns="" id="{CFA73A88-8855-45EE-9639-5B054E952F99}"/>
+                <a16:creationId xmlns:a16="http://schemas.microsoft.com/office/drawing/2014/main" id="{CFA73A88-8855-45EE-9639-5B054E952F99}"/>
               </a:ext>
             </a:extLst>
           </p:cNvPr>
@@ -10847,7 +11585,7 @@
           <p:cNvPr id="46" name="Rectangle 45">
             <a:extLst>
               <a:ext uri="{FF2B5EF4-FFF2-40B4-BE49-F238E27FC236}">
-                <a16:creationId xmlns:a16="http://schemas.microsoft.com/office/drawing/2014/main" xmlns="" id="{0C679DF2-5EEA-4329-BA9E-661966A5F739}"/>
+                <a16:creationId xmlns:a16="http://schemas.microsoft.com/office/drawing/2014/main" id="{0C679DF2-5EEA-4329-BA9E-661966A5F739}"/>
               </a:ext>
             </a:extLst>
           </p:cNvPr>
@@ -10925,7 +11663,7 @@
           <p:cNvPr id="47" name="Rectangle 46">
             <a:extLst>
               <a:ext uri="{FF2B5EF4-FFF2-40B4-BE49-F238E27FC236}">
-                <a16:creationId xmlns:a16="http://schemas.microsoft.com/office/drawing/2014/main" xmlns="" id="{D037EDAA-0C51-412F-82D6-C31539AC49EE}"/>
+                <a16:creationId xmlns:a16="http://schemas.microsoft.com/office/drawing/2014/main" id="{D037EDAA-0C51-412F-82D6-C31539AC49EE}"/>
               </a:ext>
             </a:extLst>
           </p:cNvPr>
@@ -11288,7 +12026,7 @@
           <p:cNvPr id="48" name="Diamond 47">
             <a:extLst>
               <a:ext uri="{FF2B5EF4-FFF2-40B4-BE49-F238E27FC236}">
-                <a16:creationId xmlns:a16="http://schemas.microsoft.com/office/drawing/2014/main" xmlns="" id="{1DDB5FDB-ABC9-4480-9817-18435570BD6D}"/>
+                <a16:creationId xmlns:a16="http://schemas.microsoft.com/office/drawing/2014/main" id="{1DDB5FDB-ABC9-4480-9817-18435570BD6D}"/>
               </a:ext>
             </a:extLst>
           </p:cNvPr>
@@ -11425,6 +12163,8595 @@
       </p:grpSpPr>
       <p:sp>
         <p:nvSpPr>
+          <p:cNvPr id="7" name="Rectangle 6"/>
+          <p:cNvSpPr/>
+          <p:nvPr/>
+        </p:nvSpPr>
+        <p:spPr bwMode="auto">
+          <a:xfrm>
+            <a:off x="-1" y="627630"/>
+            <a:ext cx="14833173" cy="914400"/>
+          </a:xfrm>
+          <a:prstGeom prst="rect">
+            <a:avLst/>
+          </a:prstGeom>
+          <a:solidFill>
+            <a:schemeClr val="bg1">
+              <a:lumMod val="85000"/>
+            </a:schemeClr>
+          </a:solidFill>
+          <a:ln>
+            <a:noFill/>
+            <a:headEnd type="none" w="med" len="med"/>
+            <a:tailEnd type="none" w="med" len="med"/>
+          </a:ln>
+          <a:effectLst/>
+        </p:spPr>
+        <p:style>
+          <a:lnRef idx="1">
+            <a:schemeClr val="accent2"/>
+          </a:lnRef>
+          <a:fillRef idx="3">
+            <a:schemeClr val="accent2"/>
+          </a:fillRef>
+          <a:effectRef idx="2">
+            <a:schemeClr val="accent2"/>
+          </a:effectRef>
+          <a:fontRef idx="minor">
+            <a:schemeClr val="lt1"/>
+          </a:fontRef>
+        </p:style>
+        <p:txBody>
+          <a:bodyPr rot="0" spcFirstLastPara="0" vertOverflow="overflow" horzOverflow="overflow" vert="horz" wrap="square" lIns="186494" tIns="149196" rIns="186494" bIns="149196" numCol="1" spcCol="0" rtlCol="0" fromWordArt="0" anchor="t" anchorCtr="0" forceAA="0" compatLnSpc="1">
+            <a:prstTxWarp prst="textNoShape">
+              <a:avLst/>
+            </a:prstTxWarp>
+            <a:noAutofit/>
+          </a:bodyPr>
+          <a:lstStyle/>
+          <a:p>
+            <a:pPr marL="0" marR="0" lvl="0" indent="0" algn="ctr" defTabSz="950846" rtl="0" eaLnBrk="1" fontAlgn="base" latinLnBrk="0" hangingPunct="1">
+              <a:lnSpc>
+                <a:spcPct val="90000"/>
+              </a:lnSpc>
+              <a:spcBef>
+                <a:spcPct val="0"/>
+              </a:spcBef>
+              <a:spcAft>
+                <a:spcPct val="0"/>
+              </a:spcAft>
+              <a:buClrTx/>
+              <a:buSzTx/>
+              <a:buFontTx/>
+              <a:buNone/>
+              <a:tabLst/>
+              <a:defRPr/>
+            </a:pPr>
+            <a:endParaRPr kumimoji="0" lang="en-US" sz="2400" b="0" i="0" u="none" strike="noStrike" kern="0" cap="none" spc="0" normalizeH="0" baseline="0" noProof="0" dirty="0" err="1">
+              <a:ln>
+                <a:noFill/>
+              </a:ln>
+              <a:gradFill>
+                <a:gsLst>
+                  <a:gs pos="0">
+                    <a:srgbClr val="FFFFFF"/>
+                  </a:gs>
+                  <a:gs pos="100000">
+                    <a:srgbClr val="FFFFFF"/>
+                  </a:gs>
+                </a:gsLst>
+                <a:lin ang="5400000" scaled="0"/>
+              </a:gradFill>
+              <a:effectLst/>
+              <a:uLnTx/>
+              <a:uFillTx/>
+              <a:latin typeface="Segoe UI"/>
+              <a:ea typeface="Segoe UI" pitchFamily="34" charset="0"/>
+              <a:cs typeface="Segoe UI" pitchFamily="34" charset="0"/>
+            </a:endParaRPr>
+          </a:p>
+        </p:txBody>
+      </p:sp>
+      <p:sp>
+        <p:nvSpPr>
+          <p:cNvPr id="6" name="Rectangle 5"/>
+          <p:cNvSpPr/>
+          <p:nvPr/>
+        </p:nvSpPr>
+        <p:spPr bwMode="auto">
+          <a:xfrm>
+            <a:off x="-1" y="1657696"/>
+            <a:ext cx="14833173" cy="914400"/>
+          </a:xfrm>
+          <a:prstGeom prst="rect">
+            <a:avLst/>
+          </a:prstGeom>
+          <a:solidFill>
+            <a:schemeClr val="bg1">
+              <a:lumMod val="85000"/>
+            </a:schemeClr>
+          </a:solidFill>
+          <a:ln>
+            <a:noFill/>
+            <a:headEnd type="none" w="med" len="med"/>
+            <a:tailEnd type="none" w="med" len="med"/>
+          </a:ln>
+          <a:effectLst/>
+        </p:spPr>
+        <p:style>
+          <a:lnRef idx="1">
+            <a:schemeClr val="accent2"/>
+          </a:lnRef>
+          <a:fillRef idx="3">
+            <a:schemeClr val="accent2"/>
+          </a:fillRef>
+          <a:effectRef idx="2">
+            <a:schemeClr val="accent2"/>
+          </a:effectRef>
+          <a:fontRef idx="minor">
+            <a:schemeClr val="lt1"/>
+          </a:fontRef>
+        </p:style>
+        <p:txBody>
+          <a:bodyPr rot="0" spcFirstLastPara="0" vertOverflow="overflow" horzOverflow="overflow" vert="horz" wrap="square" lIns="186494" tIns="149196" rIns="186494" bIns="149196" numCol="1" spcCol="0" rtlCol="0" fromWordArt="0" anchor="t" anchorCtr="0" forceAA="0" compatLnSpc="1">
+            <a:prstTxWarp prst="textNoShape">
+              <a:avLst/>
+            </a:prstTxWarp>
+            <a:noAutofit/>
+          </a:bodyPr>
+          <a:lstStyle/>
+          <a:p>
+            <a:pPr marL="0" marR="0" lvl="0" indent="0" algn="ctr" defTabSz="950846" rtl="0" eaLnBrk="1" fontAlgn="base" latinLnBrk="0" hangingPunct="1">
+              <a:lnSpc>
+                <a:spcPct val="90000"/>
+              </a:lnSpc>
+              <a:spcBef>
+                <a:spcPct val="0"/>
+              </a:spcBef>
+              <a:spcAft>
+                <a:spcPct val="0"/>
+              </a:spcAft>
+              <a:buClrTx/>
+              <a:buSzTx/>
+              <a:buFontTx/>
+              <a:buNone/>
+              <a:tabLst/>
+              <a:defRPr/>
+            </a:pPr>
+            <a:endParaRPr kumimoji="0" lang="en-US" sz="2400" b="0" i="0" u="none" strike="noStrike" kern="0" cap="none" spc="0" normalizeH="0" baseline="0" noProof="0" dirty="0" err="1">
+              <a:ln>
+                <a:noFill/>
+              </a:ln>
+              <a:gradFill>
+                <a:gsLst>
+                  <a:gs pos="0">
+                    <a:srgbClr val="FFFFFF"/>
+                  </a:gs>
+                  <a:gs pos="100000">
+                    <a:srgbClr val="FFFFFF"/>
+                  </a:gs>
+                </a:gsLst>
+                <a:lin ang="5400000" scaled="0"/>
+              </a:gradFill>
+              <a:effectLst/>
+              <a:uLnTx/>
+              <a:uFillTx/>
+              <a:latin typeface="Segoe UI"/>
+              <a:ea typeface="Segoe UI" pitchFamily="34" charset="0"/>
+              <a:cs typeface="Segoe UI" pitchFamily="34" charset="0"/>
+            </a:endParaRPr>
+          </a:p>
+        </p:txBody>
+      </p:sp>
+      <p:sp>
+        <p:nvSpPr>
+          <p:cNvPr id="35" name="Rectangle 34"/>
+          <p:cNvSpPr/>
+          <p:nvPr/>
+        </p:nvSpPr>
+        <p:spPr bwMode="auto">
+          <a:xfrm>
+            <a:off x="-1" y="2687762"/>
+            <a:ext cx="14833595" cy="914400"/>
+          </a:xfrm>
+          <a:prstGeom prst="rect">
+            <a:avLst/>
+          </a:prstGeom>
+          <a:solidFill>
+            <a:schemeClr val="bg1">
+              <a:lumMod val="85000"/>
+            </a:schemeClr>
+          </a:solidFill>
+          <a:ln>
+            <a:noFill/>
+            <a:headEnd type="none" w="med" len="med"/>
+            <a:tailEnd type="none" w="med" len="med"/>
+          </a:ln>
+          <a:effectLst/>
+        </p:spPr>
+        <p:style>
+          <a:lnRef idx="1">
+            <a:schemeClr val="accent2"/>
+          </a:lnRef>
+          <a:fillRef idx="3">
+            <a:schemeClr val="accent2"/>
+          </a:fillRef>
+          <a:effectRef idx="2">
+            <a:schemeClr val="accent2"/>
+          </a:effectRef>
+          <a:fontRef idx="minor">
+            <a:schemeClr val="lt1"/>
+          </a:fontRef>
+        </p:style>
+        <p:txBody>
+          <a:bodyPr rot="0" spcFirstLastPara="0" vertOverflow="overflow" horzOverflow="overflow" vert="horz" wrap="square" lIns="186494" tIns="149196" rIns="186494" bIns="149196" numCol="1" spcCol="0" rtlCol="0" fromWordArt="0" anchor="t" anchorCtr="0" forceAA="0" compatLnSpc="1">
+            <a:prstTxWarp prst="textNoShape">
+              <a:avLst/>
+            </a:prstTxWarp>
+            <a:noAutofit/>
+          </a:bodyPr>
+          <a:lstStyle/>
+          <a:p>
+            <a:pPr marL="0" marR="0" lvl="0" indent="0" algn="ctr" defTabSz="950846" rtl="0" eaLnBrk="1" fontAlgn="base" latinLnBrk="0" hangingPunct="1">
+              <a:lnSpc>
+                <a:spcPct val="90000"/>
+              </a:lnSpc>
+              <a:spcBef>
+                <a:spcPct val="0"/>
+              </a:spcBef>
+              <a:spcAft>
+                <a:spcPct val="0"/>
+              </a:spcAft>
+              <a:buClrTx/>
+              <a:buSzTx/>
+              <a:buFontTx/>
+              <a:buNone/>
+              <a:tabLst/>
+              <a:defRPr/>
+            </a:pPr>
+            <a:endParaRPr kumimoji="0" lang="en-US" sz="2400" b="0" i="0" u="none" strike="noStrike" kern="0" cap="none" spc="0" normalizeH="0" baseline="0" noProof="0" dirty="0" err="1">
+              <a:ln>
+                <a:noFill/>
+              </a:ln>
+              <a:gradFill>
+                <a:gsLst>
+                  <a:gs pos="0">
+                    <a:srgbClr val="FFFFFF"/>
+                  </a:gs>
+                  <a:gs pos="100000">
+                    <a:srgbClr val="FFFFFF"/>
+                  </a:gs>
+                </a:gsLst>
+                <a:lin ang="5400000" scaled="0"/>
+              </a:gradFill>
+              <a:effectLst/>
+              <a:uLnTx/>
+              <a:uFillTx/>
+              <a:latin typeface="Segoe UI"/>
+              <a:ea typeface="Segoe UI" pitchFamily="34" charset="0"/>
+              <a:cs typeface="Segoe UI" pitchFamily="34" charset="0"/>
+            </a:endParaRPr>
+          </a:p>
+        </p:txBody>
+      </p:sp>
+      <p:sp>
+        <p:nvSpPr>
+          <p:cNvPr id="37" name="Rectangle 36">
+            <a:extLst>
+              <a:ext uri="{FF2B5EF4-FFF2-40B4-BE49-F238E27FC236}">
+                <a16:creationId xmlns:a16="http://schemas.microsoft.com/office/drawing/2014/main" id="{F4E30BC9-DC80-4992-BDC2-2974064176BD}"/>
+              </a:ext>
+            </a:extLst>
+          </p:cNvPr>
+          <p:cNvSpPr/>
+          <p:nvPr/>
+        </p:nvSpPr>
+        <p:spPr bwMode="auto">
+          <a:xfrm>
+            <a:off x="-1" y="3717828"/>
+            <a:ext cx="14833595" cy="914400"/>
+          </a:xfrm>
+          <a:prstGeom prst="rect">
+            <a:avLst/>
+          </a:prstGeom>
+          <a:solidFill>
+            <a:schemeClr val="bg1">
+              <a:lumMod val="85000"/>
+            </a:schemeClr>
+          </a:solidFill>
+          <a:ln>
+            <a:noFill/>
+            <a:headEnd type="none" w="med" len="med"/>
+            <a:tailEnd type="none" w="med" len="med"/>
+          </a:ln>
+          <a:effectLst/>
+        </p:spPr>
+        <p:style>
+          <a:lnRef idx="1">
+            <a:schemeClr val="accent2"/>
+          </a:lnRef>
+          <a:fillRef idx="3">
+            <a:schemeClr val="accent2"/>
+          </a:fillRef>
+          <a:effectRef idx="2">
+            <a:schemeClr val="accent2"/>
+          </a:effectRef>
+          <a:fontRef idx="minor">
+            <a:schemeClr val="lt1"/>
+          </a:fontRef>
+        </p:style>
+        <p:txBody>
+          <a:bodyPr rot="0" spcFirstLastPara="0" vertOverflow="overflow" horzOverflow="overflow" vert="horz" wrap="square" lIns="186494" tIns="149196" rIns="186494" bIns="149196" numCol="1" spcCol="0" rtlCol="0" fromWordArt="0" anchor="t" anchorCtr="0" forceAA="0" compatLnSpc="1">
+            <a:prstTxWarp prst="textNoShape">
+              <a:avLst/>
+            </a:prstTxWarp>
+            <a:noAutofit/>
+          </a:bodyPr>
+          <a:lstStyle/>
+          <a:p>
+            <a:pPr marL="0" marR="0" lvl="0" indent="0" algn="ctr" defTabSz="950846" rtl="0" eaLnBrk="1" fontAlgn="base" latinLnBrk="0" hangingPunct="1">
+              <a:lnSpc>
+                <a:spcPct val="90000"/>
+              </a:lnSpc>
+              <a:spcBef>
+                <a:spcPct val="0"/>
+              </a:spcBef>
+              <a:spcAft>
+                <a:spcPct val="0"/>
+              </a:spcAft>
+              <a:buClrTx/>
+              <a:buSzTx/>
+              <a:buFontTx/>
+              <a:buNone/>
+              <a:tabLst/>
+              <a:defRPr/>
+            </a:pPr>
+            <a:endParaRPr kumimoji="0" lang="en-US" sz="2400" b="0" i="0" u="none" strike="noStrike" kern="0" cap="none" spc="0" normalizeH="0" baseline="0" noProof="0" dirty="0" err="1">
+              <a:ln>
+                <a:noFill/>
+              </a:ln>
+              <a:gradFill>
+                <a:gsLst>
+                  <a:gs pos="0">
+                    <a:srgbClr val="FFFFFF"/>
+                  </a:gs>
+                  <a:gs pos="100000">
+                    <a:srgbClr val="FFFFFF"/>
+                  </a:gs>
+                </a:gsLst>
+                <a:lin ang="5400000" scaled="0"/>
+              </a:gradFill>
+              <a:effectLst/>
+              <a:uLnTx/>
+              <a:uFillTx/>
+              <a:latin typeface="Segoe UI"/>
+              <a:ea typeface="Segoe UI" pitchFamily="34" charset="0"/>
+              <a:cs typeface="Segoe UI" pitchFamily="34" charset="0"/>
+            </a:endParaRPr>
+          </a:p>
+        </p:txBody>
+      </p:sp>
+      <p:sp>
+        <p:nvSpPr>
+          <p:cNvPr id="55" name="Rectangle 54">
+            <a:extLst>
+              <a:ext uri="{FF2B5EF4-FFF2-40B4-BE49-F238E27FC236}">
+                <a16:creationId xmlns:a16="http://schemas.microsoft.com/office/drawing/2014/main" id="{054602D8-A89D-489A-B823-E652F12DFA66}"/>
+              </a:ext>
+            </a:extLst>
+          </p:cNvPr>
+          <p:cNvSpPr/>
+          <p:nvPr/>
+        </p:nvSpPr>
+        <p:spPr bwMode="auto">
+          <a:xfrm>
+            <a:off x="-1" y="4747894"/>
+            <a:ext cx="14833595" cy="914400"/>
+          </a:xfrm>
+          <a:prstGeom prst="rect">
+            <a:avLst/>
+          </a:prstGeom>
+          <a:solidFill>
+            <a:schemeClr val="bg1">
+              <a:lumMod val="85000"/>
+            </a:schemeClr>
+          </a:solidFill>
+          <a:ln>
+            <a:noFill/>
+            <a:headEnd type="none" w="med" len="med"/>
+            <a:tailEnd type="none" w="med" len="med"/>
+          </a:ln>
+          <a:effectLst/>
+        </p:spPr>
+        <p:style>
+          <a:lnRef idx="1">
+            <a:schemeClr val="accent2"/>
+          </a:lnRef>
+          <a:fillRef idx="3">
+            <a:schemeClr val="accent2"/>
+          </a:fillRef>
+          <a:effectRef idx="2">
+            <a:schemeClr val="accent2"/>
+          </a:effectRef>
+          <a:fontRef idx="minor">
+            <a:schemeClr val="lt1"/>
+          </a:fontRef>
+        </p:style>
+        <p:txBody>
+          <a:bodyPr rot="0" spcFirstLastPara="0" vertOverflow="overflow" horzOverflow="overflow" vert="horz" wrap="square" lIns="186494" tIns="149196" rIns="186494" bIns="149196" numCol="1" spcCol="0" rtlCol="0" fromWordArt="0" anchor="t" anchorCtr="0" forceAA="0" compatLnSpc="1">
+            <a:prstTxWarp prst="textNoShape">
+              <a:avLst/>
+            </a:prstTxWarp>
+            <a:noAutofit/>
+          </a:bodyPr>
+          <a:lstStyle/>
+          <a:p>
+            <a:pPr marL="0" marR="0" lvl="0" indent="0" algn="ctr" defTabSz="950846" rtl="0" eaLnBrk="1" fontAlgn="base" latinLnBrk="0" hangingPunct="1">
+              <a:lnSpc>
+                <a:spcPct val="90000"/>
+              </a:lnSpc>
+              <a:spcBef>
+                <a:spcPct val="0"/>
+              </a:spcBef>
+              <a:spcAft>
+                <a:spcPct val="0"/>
+              </a:spcAft>
+              <a:buClrTx/>
+              <a:buSzTx/>
+              <a:buFontTx/>
+              <a:buNone/>
+              <a:tabLst/>
+              <a:defRPr/>
+            </a:pPr>
+            <a:endParaRPr kumimoji="0" lang="en-US" sz="2400" b="0" i="0" u="none" strike="noStrike" kern="0" cap="none" spc="0" normalizeH="0" baseline="0" noProof="0" dirty="0" err="1">
+              <a:ln>
+                <a:noFill/>
+              </a:ln>
+              <a:gradFill>
+                <a:gsLst>
+                  <a:gs pos="0">
+                    <a:srgbClr val="FFFFFF"/>
+                  </a:gs>
+                  <a:gs pos="100000">
+                    <a:srgbClr val="FFFFFF"/>
+                  </a:gs>
+                </a:gsLst>
+                <a:lin ang="5400000" scaled="0"/>
+              </a:gradFill>
+              <a:effectLst/>
+              <a:uLnTx/>
+              <a:uFillTx/>
+              <a:latin typeface="Segoe UI"/>
+              <a:ea typeface="Segoe UI" pitchFamily="34" charset="0"/>
+              <a:cs typeface="Segoe UI" pitchFamily="34" charset="0"/>
+            </a:endParaRPr>
+          </a:p>
+        </p:txBody>
+      </p:sp>
+      <p:sp>
+        <p:nvSpPr>
+          <p:cNvPr id="56" name="Rectangle 55">
+            <a:extLst>
+              <a:ext uri="{FF2B5EF4-FFF2-40B4-BE49-F238E27FC236}">
+                <a16:creationId xmlns:a16="http://schemas.microsoft.com/office/drawing/2014/main" id="{FEF5780C-BF53-437F-AEEC-FDB67C025AFA}"/>
+              </a:ext>
+            </a:extLst>
+          </p:cNvPr>
+          <p:cNvSpPr/>
+          <p:nvPr/>
+        </p:nvSpPr>
+        <p:spPr bwMode="auto">
+          <a:xfrm>
+            <a:off x="-1" y="5777960"/>
+            <a:ext cx="14833595" cy="914400"/>
+          </a:xfrm>
+          <a:prstGeom prst="rect">
+            <a:avLst/>
+          </a:prstGeom>
+          <a:solidFill>
+            <a:schemeClr val="bg1">
+              <a:lumMod val="85000"/>
+            </a:schemeClr>
+          </a:solidFill>
+          <a:ln>
+            <a:noFill/>
+            <a:headEnd type="none" w="med" len="med"/>
+            <a:tailEnd type="none" w="med" len="med"/>
+          </a:ln>
+          <a:effectLst/>
+        </p:spPr>
+        <p:style>
+          <a:lnRef idx="1">
+            <a:schemeClr val="accent2"/>
+          </a:lnRef>
+          <a:fillRef idx="3">
+            <a:schemeClr val="accent2"/>
+          </a:fillRef>
+          <a:effectRef idx="2">
+            <a:schemeClr val="accent2"/>
+          </a:effectRef>
+          <a:fontRef idx="minor">
+            <a:schemeClr val="lt1"/>
+          </a:fontRef>
+        </p:style>
+        <p:txBody>
+          <a:bodyPr rot="0" spcFirstLastPara="0" vertOverflow="overflow" horzOverflow="overflow" vert="horz" wrap="square" lIns="186494" tIns="149196" rIns="186494" bIns="149196" numCol="1" spcCol="0" rtlCol="0" fromWordArt="0" anchor="t" anchorCtr="0" forceAA="0" compatLnSpc="1">
+            <a:prstTxWarp prst="textNoShape">
+              <a:avLst/>
+            </a:prstTxWarp>
+            <a:noAutofit/>
+          </a:bodyPr>
+          <a:lstStyle/>
+          <a:p>
+            <a:pPr marL="0" marR="0" lvl="0" indent="0" algn="ctr" defTabSz="950846" rtl="0" eaLnBrk="1" fontAlgn="base" latinLnBrk="0" hangingPunct="1">
+              <a:lnSpc>
+                <a:spcPct val="90000"/>
+              </a:lnSpc>
+              <a:spcBef>
+                <a:spcPct val="0"/>
+              </a:spcBef>
+              <a:spcAft>
+                <a:spcPct val="0"/>
+              </a:spcAft>
+              <a:buClrTx/>
+              <a:buSzTx/>
+              <a:buFontTx/>
+              <a:buNone/>
+              <a:tabLst/>
+              <a:defRPr/>
+            </a:pPr>
+            <a:endParaRPr kumimoji="0" lang="en-US" sz="2400" b="0" i="0" u="none" strike="noStrike" kern="0" cap="none" spc="0" normalizeH="0" baseline="0" noProof="0" dirty="0" err="1">
+              <a:ln>
+                <a:noFill/>
+              </a:ln>
+              <a:gradFill>
+                <a:gsLst>
+                  <a:gs pos="0">
+                    <a:srgbClr val="FFFFFF"/>
+                  </a:gs>
+                  <a:gs pos="100000">
+                    <a:srgbClr val="FFFFFF"/>
+                  </a:gs>
+                </a:gsLst>
+                <a:lin ang="5400000" scaled="0"/>
+              </a:gradFill>
+              <a:effectLst/>
+              <a:uLnTx/>
+              <a:uFillTx/>
+              <a:latin typeface="Segoe UI"/>
+              <a:ea typeface="Segoe UI" pitchFamily="34" charset="0"/>
+              <a:cs typeface="Segoe UI" pitchFamily="34" charset="0"/>
+            </a:endParaRPr>
+          </a:p>
+        </p:txBody>
+      </p:sp>
+      <p:sp>
+        <p:nvSpPr>
+          <p:cNvPr id="112" name="Rectangle 111">
+            <a:extLst>
+              <a:ext uri="{FF2B5EF4-FFF2-40B4-BE49-F238E27FC236}">
+                <a16:creationId xmlns:a16="http://schemas.microsoft.com/office/drawing/2014/main" id="{4316E862-BBE6-4F4D-9E61-3A3519B96670}"/>
+              </a:ext>
+            </a:extLst>
+          </p:cNvPr>
+          <p:cNvSpPr/>
+          <p:nvPr/>
+        </p:nvSpPr>
+        <p:spPr bwMode="auto">
+          <a:xfrm>
+            <a:off x="-1" y="6808024"/>
+            <a:ext cx="14833595" cy="914400"/>
+          </a:xfrm>
+          <a:prstGeom prst="rect">
+            <a:avLst/>
+          </a:prstGeom>
+          <a:solidFill>
+            <a:schemeClr val="bg1">
+              <a:lumMod val="85000"/>
+            </a:schemeClr>
+          </a:solidFill>
+          <a:ln>
+            <a:noFill/>
+            <a:headEnd type="none" w="med" len="med"/>
+            <a:tailEnd type="none" w="med" len="med"/>
+          </a:ln>
+          <a:effectLst/>
+        </p:spPr>
+        <p:style>
+          <a:lnRef idx="1">
+            <a:schemeClr val="accent2"/>
+          </a:lnRef>
+          <a:fillRef idx="3">
+            <a:schemeClr val="accent2"/>
+          </a:fillRef>
+          <a:effectRef idx="2">
+            <a:schemeClr val="accent2"/>
+          </a:effectRef>
+          <a:fontRef idx="minor">
+            <a:schemeClr val="lt1"/>
+          </a:fontRef>
+        </p:style>
+        <p:txBody>
+          <a:bodyPr rot="0" spcFirstLastPara="0" vertOverflow="overflow" horzOverflow="overflow" vert="horz" wrap="square" lIns="186494" tIns="149196" rIns="186494" bIns="149196" numCol="1" spcCol="0" rtlCol="0" fromWordArt="0" anchor="t" anchorCtr="0" forceAA="0" compatLnSpc="1">
+            <a:prstTxWarp prst="textNoShape">
+              <a:avLst/>
+            </a:prstTxWarp>
+            <a:noAutofit/>
+          </a:bodyPr>
+          <a:lstStyle/>
+          <a:p>
+            <a:pPr marL="0" marR="0" lvl="0" indent="0" algn="ctr" defTabSz="950846" rtl="0" eaLnBrk="1" fontAlgn="base" latinLnBrk="0" hangingPunct="1">
+              <a:lnSpc>
+                <a:spcPct val="90000"/>
+              </a:lnSpc>
+              <a:spcBef>
+                <a:spcPct val="0"/>
+              </a:spcBef>
+              <a:spcAft>
+                <a:spcPct val="0"/>
+              </a:spcAft>
+              <a:buClrTx/>
+              <a:buSzTx/>
+              <a:buFontTx/>
+              <a:buNone/>
+              <a:tabLst/>
+              <a:defRPr/>
+            </a:pPr>
+            <a:endParaRPr kumimoji="0" lang="en-US" sz="2400" b="0" i="0" u="none" strike="noStrike" kern="0" cap="none" spc="0" normalizeH="0" baseline="0" noProof="0" dirty="0" err="1">
+              <a:ln>
+                <a:noFill/>
+              </a:ln>
+              <a:gradFill>
+                <a:gsLst>
+                  <a:gs pos="0">
+                    <a:srgbClr val="FFFFFF"/>
+                  </a:gs>
+                  <a:gs pos="100000">
+                    <a:srgbClr val="FFFFFF"/>
+                  </a:gs>
+                </a:gsLst>
+                <a:lin ang="5400000" scaled="0"/>
+              </a:gradFill>
+              <a:effectLst/>
+              <a:uLnTx/>
+              <a:uFillTx/>
+              <a:latin typeface="Segoe UI"/>
+              <a:ea typeface="Segoe UI" pitchFamily="34" charset="0"/>
+              <a:cs typeface="Segoe UI" pitchFamily="34" charset="0"/>
+            </a:endParaRPr>
+          </a:p>
+        </p:txBody>
+      </p:sp>
+      <p:sp>
+        <p:nvSpPr>
+          <p:cNvPr id="26" name="TextBox 25"/>
+          <p:cNvSpPr txBox="1"/>
+          <p:nvPr/>
+        </p:nvSpPr>
+        <p:spPr>
+          <a:xfrm>
+            <a:off x="2460420" y="266663"/>
+            <a:ext cx="1323041" cy="452044"/>
+          </a:xfrm>
+          <a:prstGeom prst="rect">
+            <a:avLst/>
+          </a:prstGeom>
+          <a:noFill/>
+        </p:spPr>
+        <p:txBody>
+          <a:bodyPr wrap="square" lIns="142635" tIns="114108" rIns="142635" bIns="114108" rtlCol="0">
+            <a:spAutoFit/>
+          </a:bodyPr>
+          <a:lstStyle/>
+          <a:p>
+            <a:pPr marL="0" marR="0" lvl="0" indent="0" algn="ctr" defTabSz="950766" rtl="0" eaLnBrk="1" fontAlgn="auto" latinLnBrk="0" hangingPunct="1">
+              <a:lnSpc>
+                <a:spcPct val="90000"/>
+              </a:lnSpc>
+              <a:spcBef>
+                <a:spcPts val="624"/>
+              </a:spcBef>
+              <a:spcAft>
+                <a:spcPts val="0"/>
+              </a:spcAft>
+              <a:buClrTx/>
+              <a:buSzTx/>
+              <a:buFontTx/>
+              <a:buNone/>
+              <a:tabLst/>
+              <a:defRPr/>
+            </a:pPr>
+            <a:r>
+              <a:rPr kumimoji="0" lang="en-US" sz="1600" b="1" i="0" u="none" strike="noStrike" kern="0" cap="none" spc="-31" normalizeH="0" baseline="0" noProof="0" dirty="0">
+                <a:ln>
+                  <a:noFill/>
+                </a:ln>
+                <a:solidFill>
+                  <a:srgbClr val="505050"/>
+                </a:solidFill>
+                <a:effectLst/>
+                <a:uLnTx/>
+                <a:uFillTx/>
+                <a:latin typeface="Segoe UI"/>
+                <a:ea typeface="+mn-ea"/>
+                <a:cs typeface="+mn-cs"/>
+              </a:rPr>
+              <a:t>Jan</a:t>
+            </a:r>
+          </a:p>
+        </p:txBody>
+      </p:sp>
+      <p:sp>
+        <p:nvSpPr>
+          <p:cNvPr id="27" name="TextBox 26"/>
+          <p:cNvSpPr txBox="1"/>
+          <p:nvPr/>
+        </p:nvSpPr>
+        <p:spPr>
+          <a:xfrm>
+            <a:off x="3503413" y="255273"/>
+            <a:ext cx="1323041" cy="452044"/>
+          </a:xfrm>
+          <a:prstGeom prst="rect">
+            <a:avLst/>
+          </a:prstGeom>
+          <a:noFill/>
+        </p:spPr>
+        <p:txBody>
+          <a:bodyPr wrap="square" lIns="142635" tIns="114108" rIns="142635" bIns="114108" rtlCol="0">
+            <a:spAutoFit/>
+          </a:bodyPr>
+          <a:lstStyle/>
+          <a:p>
+            <a:pPr marL="0" marR="0" lvl="0" indent="0" algn="ctr" defTabSz="950766" rtl="0" eaLnBrk="1" fontAlgn="auto" latinLnBrk="0" hangingPunct="1">
+              <a:lnSpc>
+                <a:spcPct val="90000"/>
+              </a:lnSpc>
+              <a:spcBef>
+                <a:spcPts val="624"/>
+              </a:spcBef>
+              <a:spcAft>
+                <a:spcPts val="0"/>
+              </a:spcAft>
+              <a:buClrTx/>
+              <a:buSzTx/>
+              <a:buFontTx/>
+              <a:buNone/>
+              <a:tabLst/>
+              <a:defRPr/>
+            </a:pPr>
+            <a:r>
+              <a:rPr kumimoji="0" lang="en-US" sz="1600" b="1" i="0" u="none" strike="noStrike" kern="0" cap="none" spc="-31" normalizeH="0" baseline="0" noProof="0" dirty="0">
+                <a:ln>
+                  <a:noFill/>
+                </a:ln>
+                <a:solidFill>
+                  <a:srgbClr val="505050"/>
+                </a:solidFill>
+                <a:effectLst/>
+                <a:uLnTx/>
+                <a:uFillTx/>
+                <a:latin typeface="Segoe UI"/>
+                <a:ea typeface="+mn-ea"/>
+                <a:cs typeface="+mn-cs"/>
+              </a:rPr>
+              <a:t>Jul</a:t>
+            </a:r>
+          </a:p>
+        </p:txBody>
+      </p:sp>
+      <p:sp>
+        <p:nvSpPr>
+          <p:cNvPr id="28" name="TextBox 27"/>
+          <p:cNvSpPr txBox="1"/>
+          <p:nvPr/>
+        </p:nvSpPr>
+        <p:spPr>
+          <a:xfrm>
+            <a:off x="4546406" y="247660"/>
+            <a:ext cx="1323041" cy="452044"/>
+          </a:xfrm>
+          <a:prstGeom prst="rect">
+            <a:avLst/>
+          </a:prstGeom>
+          <a:noFill/>
+        </p:spPr>
+        <p:txBody>
+          <a:bodyPr wrap="square" lIns="142635" tIns="114108" rIns="142635" bIns="114108" rtlCol="0">
+            <a:spAutoFit/>
+          </a:bodyPr>
+          <a:lstStyle/>
+          <a:p>
+            <a:pPr marL="0" marR="0" lvl="0" indent="0" algn="ctr" defTabSz="950766" rtl="0" eaLnBrk="1" fontAlgn="auto" latinLnBrk="0" hangingPunct="1">
+              <a:lnSpc>
+                <a:spcPct val="90000"/>
+              </a:lnSpc>
+              <a:spcBef>
+                <a:spcPts val="624"/>
+              </a:spcBef>
+              <a:spcAft>
+                <a:spcPts val="0"/>
+              </a:spcAft>
+              <a:buClrTx/>
+              <a:buSzTx/>
+              <a:buFontTx/>
+              <a:buNone/>
+              <a:tabLst/>
+              <a:defRPr/>
+            </a:pPr>
+            <a:r>
+              <a:rPr kumimoji="0" lang="en-US" sz="1600" b="1" i="0" u="none" strike="noStrike" kern="0" cap="none" spc="-31" normalizeH="0" baseline="0" noProof="0" dirty="0">
+                <a:ln>
+                  <a:noFill/>
+                </a:ln>
+                <a:solidFill>
+                  <a:srgbClr val="505050"/>
+                </a:solidFill>
+                <a:effectLst/>
+                <a:uLnTx/>
+                <a:uFillTx/>
+                <a:latin typeface="Segoe UI"/>
+                <a:ea typeface="+mn-ea"/>
+                <a:cs typeface="+mn-cs"/>
+              </a:rPr>
+              <a:t>Jan</a:t>
+            </a:r>
+          </a:p>
+        </p:txBody>
+      </p:sp>
+      <p:sp>
+        <p:nvSpPr>
+          <p:cNvPr id="29" name="TextBox 28"/>
+          <p:cNvSpPr txBox="1"/>
+          <p:nvPr/>
+        </p:nvSpPr>
+        <p:spPr>
+          <a:xfrm>
+            <a:off x="5589399" y="260894"/>
+            <a:ext cx="1323041" cy="452044"/>
+          </a:xfrm>
+          <a:prstGeom prst="rect">
+            <a:avLst/>
+          </a:prstGeom>
+          <a:noFill/>
+        </p:spPr>
+        <p:txBody>
+          <a:bodyPr wrap="square" lIns="142635" tIns="114108" rIns="142635" bIns="114108" rtlCol="0">
+            <a:spAutoFit/>
+          </a:bodyPr>
+          <a:lstStyle/>
+          <a:p>
+            <a:pPr marL="0" marR="0" lvl="0" indent="0" algn="ctr" defTabSz="950766" rtl="0" eaLnBrk="1" fontAlgn="auto" latinLnBrk="0" hangingPunct="1">
+              <a:lnSpc>
+                <a:spcPct val="90000"/>
+              </a:lnSpc>
+              <a:spcBef>
+                <a:spcPts val="624"/>
+              </a:spcBef>
+              <a:spcAft>
+                <a:spcPts val="0"/>
+              </a:spcAft>
+              <a:buClrTx/>
+              <a:buSzTx/>
+              <a:buFontTx/>
+              <a:buNone/>
+              <a:tabLst/>
+              <a:defRPr/>
+            </a:pPr>
+            <a:r>
+              <a:rPr kumimoji="0" lang="en-US" sz="1600" b="1" i="0" u="none" strike="noStrike" kern="0" cap="none" spc="-31" normalizeH="0" baseline="0" noProof="0" dirty="0">
+                <a:ln>
+                  <a:noFill/>
+                </a:ln>
+                <a:solidFill>
+                  <a:srgbClr val="505050"/>
+                </a:solidFill>
+                <a:effectLst/>
+                <a:uLnTx/>
+                <a:uFillTx/>
+                <a:latin typeface="Segoe UI"/>
+                <a:ea typeface="+mn-ea"/>
+                <a:cs typeface="+mn-cs"/>
+              </a:rPr>
+              <a:t>Jul</a:t>
+            </a:r>
+          </a:p>
+        </p:txBody>
+      </p:sp>
+      <p:sp>
+        <p:nvSpPr>
+          <p:cNvPr id="30" name="TextBox 29"/>
+          <p:cNvSpPr txBox="1"/>
+          <p:nvPr/>
+        </p:nvSpPr>
+        <p:spPr>
+          <a:xfrm>
+            <a:off x="6632392" y="269723"/>
+            <a:ext cx="1323041" cy="452044"/>
+          </a:xfrm>
+          <a:prstGeom prst="rect">
+            <a:avLst/>
+          </a:prstGeom>
+          <a:noFill/>
+        </p:spPr>
+        <p:txBody>
+          <a:bodyPr wrap="square" lIns="142635" tIns="114108" rIns="142635" bIns="114108" rtlCol="0">
+            <a:spAutoFit/>
+          </a:bodyPr>
+          <a:lstStyle/>
+          <a:p>
+            <a:pPr marL="0" marR="0" lvl="0" indent="0" algn="ctr" defTabSz="950766" rtl="0" eaLnBrk="1" fontAlgn="auto" latinLnBrk="0" hangingPunct="1">
+              <a:lnSpc>
+                <a:spcPct val="90000"/>
+              </a:lnSpc>
+              <a:spcBef>
+                <a:spcPts val="624"/>
+              </a:spcBef>
+              <a:spcAft>
+                <a:spcPts val="0"/>
+              </a:spcAft>
+              <a:buClrTx/>
+              <a:buSzTx/>
+              <a:buFontTx/>
+              <a:buNone/>
+              <a:tabLst/>
+              <a:defRPr/>
+            </a:pPr>
+            <a:r>
+              <a:rPr kumimoji="0" lang="en-US" sz="1600" b="1" i="0" u="none" strike="noStrike" kern="0" cap="none" spc="-31" normalizeH="0" baseline="0" noProof="0" dirty="0">
+                <a:ln>
+                  <a:noFill/>
+                </a:ln>
+                <a:solidFill>
+                  <a:srgbClr val="505050"/>
+                </a:solidFill>
+                <a:effectLst/>
+                <a:uLnTx/>
+                <a:uFillTx/>
+                <a:latin typeface="Segoe UI"/>
+                <a:ea typeface="+mn-ea"/>
+                <a:cs typeface="+mn-cs"/>
+              </a:rPr>
+              <a:t>Jan</a:t>
+            </a:r>
+          </a:p>
+        </p:txBody>
+      </p:sp>
+      <p:sp>
+        <p:nvSpPr>
+          <p:cNvPr id="31" name="TextBox 30"/>
+          <p:cNvSpPr txBox="1"/>
+          <p:nvPr/>
+        </p:nvSpPr>
+        <p:spPr>
+          <a:xfrm>
+            <a:off x="7675385" y="260745"/>
+            <a:ext cx="1323041" cy="452044"/>
+          </a:xfrm>
+          <a:prstGeom prst="rect">
+            <a:avLst/>
+          </a:prstGeom>
+          <a:noFill/>
+        </p:spPr>
+        <p:txBody>
+          <a:bodyPr wrap="square" lIns="142635" tIns="114108" rIns="142635" bIns="114108" rtlCol="0">
+            <a:spAutoFit/>
+          </a:bodyPr>
+          <a:lstStyle/>
+          <a:p>
+            <a:pPr marL="0" marR="0" lvl="0" indent="0" algn="ctr" defTabSz="950766" rtl="0" eaLnBrk="1" fontAlgn="auto" latinLnBrk="0" hangingPunct="1">
+              <a:lnSpc>
+                <a:spcPct val="90000"/>
+              </a:lnSpc>
+              <a:spcBef>
+                <a:spcPts val="624"/>
+              </a:spcBef>
+              <a:spcAft>
+                <a:spcPts val="0"/>
+              </a:spcAft>
+              <a:buClrTx/>
+              <a:buSzTx/>
+              <a:buFontTx/>
+              <a:buNone/>
+              <a:tabLst/>
+              <a:defRPr/>
+            </a:pPr>
+            <a:r>
+              <a:rPr kumimoji="0" lang="en-US" sz="1600" b="1" i="0" u="none" strike="noStrike" kern="0" cap="none" spc="-31" normalizeH="0" baseline="0" noProof="0" dirty="0">
+                <a:ln>
+                  <a:noFill/>
+                </a:ln>
+                <a:solidFill>
+                  <a:srgbClr val="505050"/>
+                </a:solidFill>
+                <a:effectLst/>
+                <a:uLnTx/>
+                <a:uFillTx/>
+                <a:latin typeface="Segoe UI"/>
+                <a:ea typeface="+mn-ea"/>
+                <a:cs typeface="+mn-cs"/>
+              </a:rPr>
+              <a:t>Jul</a:t>
+            </a:r>
+          </a:p>
+        </p:txBody>
+      </p:sp>
+      <p:sp>
+        <p:nvSpPr>
+          <p:cNvPr id="32" name="TextBox 31"/>
+          <p:cNvSpPr txBox="1"/>
+          <p:nvPr/>
+        </p:nvSpPr>
+        <p:spPr>
+          <a:xfrm>
+            <a:off x="8718378" y="247659"/>
+            <a:ext cx="1323041" cy="452044"/>
+          </a:xfrm>
+          <a:prstGeom prst="rect">
+            <a:avLst/>
+          </a:prstGeom>
+          <a:noFill/>
+        </p:spPr>
+        <p:txBody>
+          <a:bodyPr wrap="square" lIns="142635" tIns="114108" rIns="142635" bIns="114108" rtlCol="0">
+            <a:spAutoFit/>
+          </a:bodyPr>
+          <a:lstStyle/>
+          <a:p>
+            <a:pPr marL="0" marR="0" lvl="0" indent="0" algn="ctr" defTabSz="950766" rtl="0" eaLnBrk="1" fontAlgn="auto" latinLnBrk="0" hangingPunct="1">
+              <a:lnSpc>
+                <a:spcPct val="90000"/>
+              </a:lnSpc>
+              <a:spcBef>
+                <a:spcPts val="624"/>
+              </a:spcBef>
+              <a:spcAft>
+                <a:spcPts val="0"/>
+              </a:spcAft>
+              <a:buClrTx/>
+              <a:buSzTx/>
+              <a:buFontTx/>
+              <a:buNone/>
+              <a:tabLst/>
+              <a:defRPr/>
+            </a:pPr>
+            <a:r>
+              <a:rPr kumimoji="0" lang="en-US" sz="1600" b="1" i="0" u="none" strike="noStrike" kern="0" cap="none" spc="-31" normalizeH="0" baseline="0" noProof="0" dirty="0">
+                <a:ln>
+                  <a:noFill/>
+                </a:ln>
+                <a:solidFill>
+                  <a:srgbClr val="505050"/>
+                </a:solidFill>
+                <a:effectLst/>
+                <a:uLnTx/>
+                <a:uFillTx/>
+                <a:latin typeface="Segoe UI"/>
+                <a:ea typeface="+mn-ea"/>
+                <a:cs typeface="+mn-cs"/>
+              </a:rPr>
+              <a:t>Jan</a:t>
+            </a:r>
+          </a:p>
+        </p:txBody>
+      </p:sp>
+      <p:sp>
+        <p:nvSpPr>
+          <p:cNvPr id="57" name="TextBox 56"/>
+          <p:cNvSpPr txBox="1"/>
+          <p:nvPr/>
+        </p:nvSpPr>
+        <p:spPr>
+          <a:xfrm>
+            <a:off x="6646879" y="-33122"/>
+            <a:ext cx="1323041" cy="452044"/>
+          </a:xfrm>
+          <a:prstGeom prst="rect">
+            <a:avLst/>
+          </a:prstGeom>
+          <a:noFill/>
+        </p:spPr>
+        <p:txBody>
+          <a:bodyPr wrap="square" lIns="142635" tIns="114108" rIns="142635" bIns="114108" rtlCol="0">
+            <a:spAutoFit/>
+          </a:bodyPr>
+          <a:lstStyle/>
+          <a:p>
+            <a:pPr marL="0" marR="0" lvl="0" indent="0" algn="ctr" defTabSz="950766" rtl="0" eaLnBrk="1" fontAlgn="auto" latinLnBrk="0" hangingPunct="1">
+              <a:lnSpc>
+                <a:spcPct val="90000"/>
+              </a:lnSpc>
+              <a:spcBef>
+                <a:spcPts val="624"/>
+              </a:spcBef>
+              <a:spcAft>
+                <a:spcPts val="0"/>
+              </a:spcAft>
+              <a:buClrTx/>
+              <a:buSzTx/>
+              <a:buFontTx/>
+              <a:buNone/>
+              <a:tabLst/>
+              <a:defRPr/>
+            </a:pPr>
+            <a:r>
+              <a:rPr kumimoji="0" lang="en-US" sz="1600" b="1" i="0" u="none" strike="noStrike" kern="0" cap="none" spc="-31" normalizeH="0" baseline="0" noProof="0" dirty="0">
+                <a:ln>
+                  <a:noFill/>
+                </a:ln>
+                <a:solidFill>
+                  <a:srgbClr val="505050"/>
+                </a:solidFill>
+                <a:effectLst/>
+                <a:uLnTx/>
+                <a:uFillTx/>
+                <a:latin typeface="Segoe UI Semibold" panose="020B0702040204020203" pitchFamily="34" charset="0"/>
+                <a:ea typeface="+mn-ea"/>
+                <a:cs typeface="Segoe UI Semibold" panose="020B0702040204020203" pitchFamily="34" charset="0"/>
+              </a:rPr>
+              <a:t>2018</a:t>
+            </a:r>
+          </a:p>
+        </p:txBody>
+      </p:sp>
+      <p:sp>
+        <p:nvSpPr>
+          <p:cNvPr id="75" name="TextBox 74"/>
+          <p:cNvSpPr txBox="1"/>
+          <p:nvPr/>
+        </p:nvSpPr>
+        <p:spPr>
+          <a:xfrm>
+            <a:off x="8732912" y="-33122"/>
+            <a:ext cx="1323041" cy="452044"/>
+          </a:xfrm>
+          <a:prstGeom prst="rect">
+            <a:avLst/>
+          </a:prstGeom>
+          <a:noFill/>
+        </p:spPr>
+        <p:txBody>
+          <a:bodyPr wrap="square" lIns="142635" tIns="114108" rIns="142635" bIns="114108" rtlCol="0">
+            <a:spAutoFit/>
+          </a:bodyPr>
+          <a:lstStyle/>
+          <a:p>
+            <a:pPr marL="0" marR="0" lvl="0" indent="0" algn="ctr" defTabSz="950766" rtl="0" eaLnBrk="1" fontAlgn="auto" latinLnBrk="0" hangingPunct="1">
+              <a:lnSpc>
+                <a:spcPct val="90000"/>
+              </a:lnSpc>
+              <a:spcBef>
+                <a:spcPts val="624"/>
+              </a:spcBef>
+              <a:spcAft>
+                <a:spcPts val="0"/>
+              </a:spcAft>
+              <a:buClrTx/>
+              <a:buSzTx/>
+              <a:buFontTx/>
+              <a:buNone/>
+              <a:tabLst/>
+              <a:defRPr/>
+            </a:pPr>
+            <a:r>
+              <a:rPr kumimoji="0" lang="en-US" sz="1600" b="1" i="0" u="none" strike="noStrike" kern="0" cap="none" spc="-31" normalizeH="0" baseline="0" noProof="0" dirty="0">
+                <a:ln>
+                  <a:noFill/>
+                </a:ln>
+                <a:solidFill>
+                  <a:srgbClr val="505050"/>
+                </a:solidFill>
+                <a:effectLst/>
+                <a:uLnTx/>
+                <a:uFillTx/>
+                <a:latin typeface="Segoe UI Semibold" panose="020B0702040204020203" pitchFamily="34" charset="0"/>
+                <a:ea typeface="+mn-ea"/>
+                <a:cs typeface="Segoe UI Semibold" panose="020B0702040204020203" pitchFamily="34" charset="0"/>
+              </a:rPr>
+              <a:t>2019</a:t>
+            </a:r>
+          </a:p>
+        </p:txBody>
+      </p:sp>
+      <p:sp>
+        <p:nvSpPr>
+          <p:cNvPr id="68" name="TextBox 67"/>
+          <p:cNvSpPr txBox="1"/>
+          <p:nvPr/>
+        </p:nvSpPr>
+        <p:spPr>
+          <a:xfrm>
+            <a:off x="2474813" y="-33122"/>
+            <a:ext cx="1323041" cy="452044"/>
+          </a:xfrm>
+          <a:prstGeom prst="rect">
+            <a:avLst/>
+          </a:prstGeom>
+          <a:noFill/>
+        </p:spPr>
+        <p:txBody>
+          <a:bodyPr wrap="square" lIns="142635" tIns="114108" rIns="142635" bIns="114108" rtlCol="0">
+            <a:spAutoFit/>
+          </a:bodyPr>
+          <a:lstStyle/>
+          <a:p>
+            <a:pPr marL="0" marR="0" lvl="0" indent="0" algn="ctr" defTabSz="950766" rtl="0" eaLnBrk="1" fontAlgn="auto" latinLnBrk="0" hangingPunct="1">
+              <a:lnSpc>
+                <a:spcPct val="90000"/>
+              </a:lnSpc>
+              <a:spcBef>
+                <a:spcPts val="624"/>
+              </a:spcBef>
+              <a:spcAft>
+                <a:spcPts val="0"/>
+              </a:spcAft>
+              <a:buClrTx/>
+              <a:buSzTx/>
+              <a:buFontTx/>
+              <a:buNone/>
+              <a:tabLst/>
+              <a:defRPr/>
+            </a:pPr>
+            <a:r>
+              <a:rPr kumimoji="0" lang="en-US" sz="1600" b="1" i="0" u="none" strike="noStrike" kern="0" cap="none" spc="-31" normalizeH="0" baseline="0" noProof="0" dirty="0">
+                <a:ln>
+                  <a:noFill/>
+                </a:ln>
+                <a:solidFill>
+                  <a:srgbClr val="505050"/>
+                </a:solidFill>
+                <a:effectLst/>
+                <a:uLnTx/>
+                <a:uFillTx/>
+                <a:latin typeface="Segoe UI Semibold" panose="020B0702040204020203" pitchFamily="34" charset="0"/>
+                <a:ea typeface="+mn-ea"/>
+                <a:cs typeface="Segoe UI Semibold" panose="020B0702040204020203" pitchFamily="34" charset="0"/>
+              </a:rPr>
+              <a:t>2016</a:t>
+            </a:r>
+          </a:p>
+        </p:txBody>
+      </p:sp>
+      <p:sp>
+        <p:nvSpPr>
+          <p:cNvPr id="38" name="TextBox 37"/>
+          <p:cNvSpPr txBox="1"/>
+          <p:nvPr/>
+        </p:nvSpPr>
+        <p:spPr>
+          <a:xfrm>
+            <a:off x="4560846" y="-33122"/>
+            <a:ext cx="1323041" cy="452044"/>
+          </a:xfrm>
+          <a:prstGeom prst="rect">
+            <a:avLst/>
+          </a:prstGeom>
+          <a:noFill/>
+        </p:spPr>
+        <p:txBody>
+          <a:bodyPr wrap="square" lIns="142635" tIns="114108" rIns="142635" bIns="114108" rtlCol="0">
+            <a:spAutoFit/>
+          </a:bodyPr>
+          <a:lstStyle/>
+          <a:p>
+            <a:pPr marL="0" marR="0" lvl="0" indent="0" algn="ctr" defTabSz="950766" rtl="0" eaLnBrk="1" fontAlgn="auto" latinLnBrk="0" hangingPunct="1">
+              <a:lnSpc>
+                <a:spcPct val="90000"/>
+              </a:lnSpc>
+              <a:spcBef>
+                <a:spcPts val="624"/>
+              </a:spcBef>
+              <a:spcAft>
+                <a:spcPts val="0"/>
+              </a:spcAft>
+              <a:buClrTx/>
+              <a:buSzTx/>
+              <a:buFontTx/>
+              <a:buNone/>
+              <a:tabLst/>
+              <a:defRPr/>
+            </a:pPr>
+            <a:r>
+              <a:rPr kumimoji="0" lang="en-US" sz="1600" b="1" i="0" u="none" strike="noStrike" kern="0" cap="none" spc="-31" normalizeH="0" baseline="0" noProof="0" dirty="0">
+                <a:ln>
+                  <a:noFill/>
+                </a:ln>
+                <a:solidFill>
+                  <a:srgbClr val="505050"/>
+                </a:solidFill>
+                <a:effectLst/>
+                <a:uLnTx/>
+                <a:uFillTx/>
+                <a:latin typeface="Segoe UI Semibold" panose="020B0702040204020203" pitchFamily="34" charset="0"/>
+                <a:ea typeface="+mn-ea"/>
+                <a:cs typeface="Segoe UI Semibold" panose="020B0702040204020203" pitchFamily="34" charset="0"/>
+              </a:rPr>
+              <a:t>2017</a:t>
+            </a:r>
+          </a:p>
+        </p:txBody>
+      </p:sp>
+      <p:cxnSp>
+        <p:nvCxnSpPr>
+          <p:cNvPr id="49" name="Straight Connector 48">
+            <a:extLst>
+              <a:ext uri="{FF2B5EF4-FFF2-40B4-BE49-F238E27FC236}">
+                <a16:creationId xmlns:a16="http://schemas.microsoft.com/office/drawing/2014/main" id="{8DDDD963-603A-4EFC-8427-94A09E2849DE}"/>
+              </a:ext>
+            </a:extLst>
+          </p:cNvPr>
+          <p:cNvCxnSpPr>
+            <a:cxnSpLocks/>
+          </p:cNvCxnSpPr>
+          <p:nvPr/>
+        </p:nvCxnSpPr>
+        <p:spPr>
+          <a:xfrm>
+            <a:off x="10426923" y="639934"/>
+            <a:ext cx="0" cy="7088876"/>
+          </a:xfrm>
+          <a:prstGeom prst="line">
+            <a:avLst/>
+          </a:prstGeom>
+          <a:ln w="9525" cap="flat" cmpd="sng" algn="ctr">
+            <a:solidFill>
+              <a:schemeClr val="bg1">
+                <a:lumMod val="65000"/>
+              </a:schemeClr>
+            </a:solidFill>
+            <a:prstDash val="dash"/>
+            <a:round/>
+            <a:headEnd type="none" w="med" len="med"/>
+            <a:tailEnd type="none" w="med" len="med"/>
+          </a:ln>
+        </p:spPr>
+        <p:style>
+          <a:lnRef idx="0">
+            <a:scrgbClr r="0" g="0" b="0"/>
+          </a:lnRef>
+          <a:fillRef idx="0">
+            <a:scrgbClr r="0" g="0" b="0"/>
+          </a:fillRef>
+          <a:effectRef idx="0">
+            <a:scrgbClr r="0" g="0" b="0"/>
+          </a:effectRef>
+          <a:fontRef idx="minor">
+            <a:schemeClr val="tx1"/>
+          </a:fontRef>
+        </p:style>
+      </p:cxnSp>
+      <p:sp>
+        <p:nvSpPr>
+          <p:cNvPr id="54" name="TextBox 53">
+            <a:extLst>
+              <a:ext uri="{FF2B5EF4-FFF2-40B4-BE49-F238E27FC236}">
+                <a16:creationId xmlns:a16="http://schemas.microsoft.com/office/drawing/2014/main" id="{CFA73A88-8855-45EE-9639-5B054E952F99}"/>
+              </a:ext>
+            </a:extLst>
+          </p:cNvPr>
+          <p:cNvSpPr txBox="1"/>
+          <p:nvPr/>
+        </p:nvSpPr>
+        <p:spPr>
+          <a:xfrm>
+            <a:off x="9761371" y="266663"/>
+            <a:ext cx="1323041" cy="452044"/>
+          </a:xfrm>
+          <a:prstGeom prst="rect">
+            <a:avLst/>
+          </a:prstGeom>
+          <a:noFill/>
+        </p:spPr>
+        <p:txBody>
+          <a:bodyPr wrap="square" lIns="142635" tIns="114108" rIns="142635" bIns="114108" rtlCol="0">
+            <a:spAutoFit/>
+          </a:bodyPr>
+          <a:lstStyle/>
+          <a:p>
+            <a:pPr marL="0" marR="0" lvl="0" indent="0" algn="ctr" defTabSz="950766" rtl="0" eaLnBrk="1" fontAlgn="auto" latinLnBrk="0" hangingPunct="1">
+              <a:lnSpc>
+                <a:spcPct val="90000"/>
+              </a:lnSpc>
+              <a:spcBef>
+                <a:spcPts val="624"/>
+              </a:spcBef>
+              <a:spcAft>
+                <a:spcPts val="0"/>
+              </a:spcAft>
+              <a:buClrTx/>
+              <a:buSzTx/>
+              <a:buFontTx/>
+              <a:buNone/>
+              <a:tabLst/>
+              <a:defRPr/>
+            </a:pPr>
+            <a:r>
+              <a:rPr kumimoji="0" lang="en-US" sz="1600" b="1" i="0" u="none" strike="noStrike" kern="0" cap="none" spc="-31" normalizeH="0" baseline="0" noProof="0" dirty="0">
+                <a:ln>
+                  <a:noFill/>
+                </a:ln>
+                <a:solidFill>
+                  <a:srgbClr val="505050"/>
+                </a:solidFill>
+                <a:effectLst/>
+                <a:uLnTx/>
+                <a:uFillTx/>
+                <a:latin typeface="Segoe UI"/>
+                <a:ea typeface="+mn-ea"/>
+                <a:cs typeface="+mn-cs"/>
+              </a:rPr>
+              <a:t>Jul</a:t>
+            </a:r>
+          </a:p>
+        </p:txBody>
+      </p:sp>
+      <p:cxnSp>
+        <p:nvCxnSpPr>
+          <p:cNvPr id="13" name="Straight Connector 12"/>
+          <p:cNvCxnSpPr>
+            <a:cxnSpLocks/>
+          </p:cNvCxnSpPr>
+          <p:nvPr/>
+        </p:nvCxnSpPr>
+        <p:spPr>
+          <a:xfrm>
+            <a:off x="3126119" y="614916"/>
+            <a:ext cx="0" cy="7094794"/>
+          </a:xfrm>
+          <a:prstGeom prst="line">
+            <a:avLst/>
+          </a:prstGeom>
+          <a:ln w="9525" cap="flat" cmpd="sng" algn="ctr">
+            <a:solidFill>
+              <a:schemeClr val="bg1">
+                <a:lumMod val="65000"/>
+              </a:schemeClr>
+            </a:solidFill>
+            <a:prstDash val="dash"/>
+            <a:round/>
+            <a:headEnd type="none" w="med" len="med"/>
+            <a:tailEnd type="none" w="med" len="med"/>
+          </a:ln>
+        </p:spPr>
+        <p:style>
+          <a:lnRef idx="0">
+            <a:scrgbClr r="0" g="0" b="0"/>
+          </a:lnRef>
+          <a:fillRef idx="0">
+            <a:scrgbClr r="0" g="0" b="0"/>
+          </a:fillRef>
+          <a:effectRef idx="0">
+            <a:scrgbClr r="0" g="0" b="0"/>
+          </a:effectRef>
+          <a:fontRef idx="minor">
+            <a:schemeClr val="tx1"/>
+          </a:fontRef>
+        </p:style>
+      </p:cxnSp>
+      <p:cxnSp>
+        <p:nvCxnSpPr>
+          <p:cNvPr id="10" name="Straight Connector 9"/>
+          <p:cNvCxnSpPr>
+            <a:cxnSpLocks/>
+          </p:cNvCxnSpPr>
+          <p:nvPr/>
+        </p:nvCxnSpPr>
+        <p:spPr>
+          <a:xfrm>
+            <a:off x="4169091" y="618490"/>
+            <a:ext cx="0" cy="7094794"/>
+          </a:xfrm>
+          <a:prstGeom prst="line">
+            <a:avLst/>
+          </a:prstGeom>
+          <a:ln w="9525" cap="flat" cmpd="sng" algn="ctr">
+            <a:solidFill>
+              <a:schemeClr val="bg1">
+                <a:lumMod val="65000"/>
+              </a:schemeClr>
+            </a:solidFill>
+            <a:prstDash val="dash"/>
+            <a:round/>
+            <a:headEnd type="none" w="med" len="med"/>
+            <a:tailEnd type="none" w="med" len="med"/>
+          </a:ln>
+        </p:spPr>
+        <p:style>
+          <a:lnRef idx="0">
+            <a:scrgbClr r="0" g="0" b="0"/>
+          </a:lnRef>
+          <a:fillRef idx="0">
+            <a:scrgbClr r="0" g="0" b="0"/>
+          </a:fillRef>
+          <a:effectRef idx="0">
+            <a:scrgbClr r="0" g="0" b="0"/>
+          </a:effectRef>
+          <a:fontRef idx="minor">
+            <a:schemeClr val="tx1"/>
+          </a:fontRef>
+        </p:style>
+      </p:cxnSp>
+      <p:cxnSp>
+        <p:nvCxnSpPr>
+          <p:cNvPr id="12" name="Straight Connector 11"/>
+          <p:cNvCxnSpPr>
+            <a:cxnSpLocks/>
+          </p:cNvCxnSpPr>
+          <p:nvPr/>
+        </p:nvCxnSpPr>
+        <p:spPr>
+          <a:xfrm>
+            <a:off x="5212063" y="622064"/>
+            <a:ext cx="0" cy="7094794"/>
+          </a:xfrm>
+          <a:prstGeom prst="line">
+            <a:avLst/>
+          </a:prstGeom>
+          <a:ln w="9525" cap="flat" cmpd="sng" algn="ctr">
+            <a:solidFill>
+              <a:schemeClr val="bg1">
+                <a:lumMod val="65000"/>
+              </a:schemeClr>
+            </a:solidFill>
+            <a:prstDash val="dash"/>
+            <a:round/>
+            <a:headEnd type="none" w="med" len="med"/>
+            <a:tailEnd type="none" w="med" len="med"/>
+          </a:ln>
+        </p:spPr>
+        <p:style>
+          <a:lnRef idx="0">
+            <a:scrgbClr r="0" g="0" b="0"/>
+          </a:lnRef>
+          <a:fillRef idx="0">
+            <a:scrgbClr r="0" g="0" b="0"/>
+          </a:fillRef>
+          <a:effectRef idx="0">
+            <a:scrgbClr r="0" g="0" b="0"/>
+          </a:effectRef>
+          <a:fontRef idx="minor">
+            <a:schemeClr val="tx1"/>
+          </a:fontRef>
+        </p:style>
+      </p:cxnSp>
+      <p:cxnSp>
+        <p:nvCxnSpPr>
+          <p:cNvPr id="9" name="Straight Connector 8"/>
+          <p:cNvCxnSpPr>
+            <a:cxnSpLocks/>
+          </p:cNvCxnSpPr>
+          <p:nvPr/>
+        </p:nvCxnSpPr>
+        <p:spPr>
+          <a:xfrm>
+            <a:off x="8340979" y="632786"/>
+            <a:ext cx="0" cy="7094794"/>
+          </a:xfrm>
+          <a:prstGeom prst="line">
+            <a:avLst/>
+          </a:prstGeom>
+          <a:ln w="9525" cap="flat" cmpd="sng" algn="ctr">
+            <a:solidFill>
+              <a:schemeClr val="bg1">
+                <a:lumMod val="65000"/>
+              </a:schemeClr>
+            </a:solidFill>
+            <a:prstDash val="dash"/>
+            <a:round/>
+            <a:headEnd type="none" w="med" len="med"/>
+            <a:tailEnd type="none" w="med" len="med"/>
+          </a:ln>
+        </p:spPr>
+        <p:style>
+          <a:lnRef idx="0">
+            <a:scrgbClr r="0" g="0" b="0"/>
+          </a:lnRef>
+          <a:fillRef idx="0">
+            <a:scrgbClr r="0" g="0" b="0"/>
+          </a:fillRef>
+          <a:effectRef idx="0">
+            <a:scrgbClr r="0" g="0" b="0"/>
+          </a:effectRef>
+          <a:fontRef idx="minor">
+            <a:schemeClr val="tx1"/>
+          </a:fontRef>
+        </p:style>
+      </p:cxnSp>
+      <p:cxnSp>
+        <p:nvCxnSpPr>
+          <p:cNvPr id="11" name="Straight Connector 10"/>
+          <p:cNvCxnSpPr>
+            <a:cxnSpLocks/>
+          </p:cNvCxnSpPr>
+          <p:nvPr/>
+        </p:nvCxnSpPr>
+        <p:spPr>
+          <a:xfrm>
+            <a:off x="6255035" y="625638"/>
+            <a:ext cx="0" cy="7094794"/>
+          </a:xfrm>
+          <a:prstGeom prst="line">
+            <a:avLst/>
+          </a:prstGeom>
+          <a:ln w="9525" cap="flat" cmpd="sng" algn="ctr">
+            <a:solidFill>
+              <a:schemeClr val="bg1">
+                <a:lumMod val="65000"/>
+              </a:schemeClr>
+            </a:solidFill>
+            <a:prstDash val="dash"/>
+            <a:round/>
+            <a:headEnd type="none" w="med" len="med"/>
+            <a:tailEnd type="none" w="med" len="med"/>
+          </a:ln>
+        </p:spPr>
+        <p:style>
+          <a:lnRef idx="0">
+            <a:scrgbClr r="0" g="0" b="0"/>
+          </a:lnRef>
+          <a:fillRef idx="0">
+            <a:scrgbClr r="0" g="0" b="0"/>
+          </a:fillRef>
+          <a:effectRef idx="0">
+            <a:scrgbClr r="0" g="0" b="0"/>
+          </a:effectRef>
+          <a:fontRef idx="minor">
+            <a:schemeClr val="tx1"/>
+          </a:fontRef>
+        </p:style>
+      </p:cxnSp>
+      <p:cxnSp>
+        <p:nvCxnSpPr>
+          <p:cNvPr id="14" name="Straight Connector 13"/>
+          <p:cNvCxnSpPr>
+            <a:cxnSpLocks/>
+          </p:cNvCxnSpPr>
+          <p:nvPr/>
+        </p:nvCxnSpPr>
+        <p:spPr>
+          <a:xfrm>
+            <a:off x="7298007" y="629212"/>
+            <a:ext cx="0" cy="7094794"/>
+          </a:xfrm>
+          <a:prstGeom prst="line">
+            <a:avLst/>
+          </a:prstGeom>
+          <a:ln w="9525" cap="flat" cmpd="sng" algn="ctr">
+            <a:solidFill>
+              <a:schemeClr val="bg1">
+                <a:lumMod val="65000"/>
+              </a:schemeClr>
+            </a:solidFill>
+            <a:prstDash val="dash"/>
+            <a:round/>
+            <a:headEnd type="none" w="med" len="med"/>
+            <a:tailEnd type="none" w="med" len="med"/>
+          </a:ln>
+        </p:spPr>
+        <p:style>
+          <a:lnRef idx="0">
+            <a:scrgbClr r="0" g="0" b="0"/>
+          </a:lnRef>
+          <a:fillRef idx="0">
+            <a:scrgbClr r="0" g="0" b="0"/>
+          </a:fillRef>
+          <a:effectRef idx="0">
+            <a:scrgbClr r="0" g="0" b="0"/>
+          </a:effectRef>
+          <a:fontRef idx="minor">
+            <a:schemeClr val="tx1"/>
+          </a:fontRef>
+        </p:style>
+      </p:cxnSp>
+      <p:cxnSp>
+        <p:nvCxnSpPr>
+          <p:cNvPr id="15" name="Straight Connector 14"/>
+          <p:cNvCxnSpPr>
+            <a:cxnSpLocks/>
+          </p:cNvCxnSpPr>
+          <p:nvPr/>
+        </p:nvCxnSpPr>
+        <p:spPr>
+          <a:xfrm>
+            <a:off x="9383951" y="636360"/>
+            <a:ext cx="0" cy="7094794"/>
+          </a:xfrm>
+          <a:prstGeom prst="line">
+            <a:avLst/>
+          </a:prstGeom>
+          <a:ln w="9525" cap="flat" cmpd="sng" algn="ctr">
+            <a:solidFill>
+              <a:schemeClr val="bg1">
+                <a:lumMod val="65000"/>
+              </a:schemeClr>
+            </a:solidFill>
+            <a:prstDash val="dash"/>
+            <a:round/>
+            <a:headEnd type="none" w="med" len="med"/>
+            <a:tailEnd type="none" w="med" len="med"/>
+          </a:ln>
+        </p:spPr>
+        <p:style>
+          <a:lnRef idx="0">
+            <a:scrgbClr r="0" g="0" b="0"/>
+          </a:lnRef>
+          <a:fillRef idx="0">
+            <a:scrgbClr r="0" g="0" b="0"/>
+          </a:fillRef>
+          <a:effectRef idx="0">
+            <a:scrgbClr r="0" g="0" b="0"/>
+          </a:effectRef>
+          <a:fontRef idx="minor">
+            <a:schemeClr val="tx1"/>
+          </a:fontRef>
+        </p:style>
+      </p:cxnSp>
+      <p:sp>
+        <p:nvSpPr>
+          <p:cNvPr id="20" name="TextBox 19"/>
+          <p:cNvSpPr txBox="1"/>
+          <p:nvPr/>
+        </p:nvSpPr>
+        <p:spPr>
+          <a:xfrm>
+            <a:off x="2039939" y="795678"/>
+            <a:ext cx="1445652" cy="578305"/>
+          </a:xfrm>
+          <a:prstGeom prst="rect">
+            <a:avLst/>
+          </a:prstGeom>
+          <a:noFill/>
+        </p:spPr>
+        <p:txBody>
+          <a:bodyPr wrap="square" lIns="186494" tIns="149196" rIns="186494" bIns="149196" rtlCol="0">
+            <a:spAutoFit/>
+          </a:bodyPr>
+          <a:lstStyle/>
+          <a:p>
+            <a:pPr marL="0" marR="0" lvl="0" indent="0" algn="l" defTabSz="932418" rtl="0" eaLnBrk="1" fontAlgn="auto" latinLnBrk="0" hangingPunct="1">
+              <a:lnSpc>
+                <a:spcPct val="90000"/>
+              </a:lnSpc>
+              <a:spcBef>
+                <a:spcPts val="0"/>
+              </a:spcBef>
+              <a:spcAft>
+                <a:spcPts val="600"/>
+              </a:spcAft>
+              <a:buClrTx/>
+              <a:buSzTx/>
+              <a:buFontTx/>
+              <a:buNone/>
+              <a:tabLst/>
+              <a:defRPr/>
+            </a:pPr>
+            <a:r>
+              <a:rPr kumimoji="0" lang="en-US" sz="2000" b="1" i="0" u="none" strike="noStrike" kern="0" cap="none" spc="0" normalizeH="0" baseline="0" noProof="0" dirty="0">
+                <a:ln>
+                  <a:noFill/>
+                </a:ln>
+                <a:solidFill>
+                  <a:srgbClr val="505050"/>
+                </a:solidFill>
+                <a:effectLst/>
+                <a:uLnTx/>
+                <a:uFillTx/>
+                <a:latin typeface="Segoe UI"/>
+                <a:ea typeface="+mn-ea"/>
+                <a:cs typeface="+mn-cs"/>
+              </a:rPr>
+              <a:t>8.0.0</a:t>
+            </a:r>
+          </a:p>
+        </p:txBody>
+      </p:sp>
+      <p:grpSp>
+        <p:nvGrpSpPr>
+          <p:cNvPr id="132" name="Group 131">
+            <a:extLst>
+              <a:ext uri="{FF2B5EF4-FFF2-40B4-BE49-F238E27FC236}">
+                <a16:creationId xmlns:a16="http://schemas.microsoft.com/office/drawing/2014/main" id="{B1A663DA-376D-4E34-8E90-FDB2D706F1FC}"/>
+              </a:ext>
+            </a:extLst>
+          </p:cNvPr>
+          <p:cNvGrpSpPr/>
+          <p:nvPr/>
+        </p:nvGrpSpPr>
+        <p:grpSpPr>
+          <a:xfrm>
+            <a:off x="2984007" y="793990"/>
+            <a:ext cx="4313999" cy="578211"/>
+            <a:chOff x="2984325" y="784386"/>
+            <a:chExt cx="4313999" cy="578211"/>
+          </a:xfrm>
+        </p:grpSpPr>
+        <p:sp>
+          <p:nvSpPr>
+            <p:cNvPr id="39" name="Rectangle 38"/>
+            <p:cNvSpPr/>
+            <p:nvPr/>
+          </p:nvSpPr>
+          <p:spPr bwMode="auto">
+            <a:xfrm>
+              <a:off x="3126124" y="784386"/>
+              <a:ext cx="2086257" cy="578210"/>
+            </a:xfrm>
+            <a:prstGeom prst="rect">
+              <a:avLst/>
+            </a:prstGeom>
+            <a:solidFill>
+              <a:srgbClr val="429AE2"/>
+            </a:solidFill>
+            <a:ln>
+              <a:noFill/>
+              <a:headEnd type="none" w="med" len="med"/>
+              <a:tailEnd type="none" w="med" len="med"/>
+            </a:ln>
+            <a:effectLst/>
+          </p:spPr>
+          <p:style>
+            <a:lnRef idx="1">
+              <a:schemeClr val="accent2"/>
+            </a:lnRef>
+            <a:fillRef idx="3">
+              <a:schemeClr val="accent2"/>
+            </a:fillRef>
+            <a:effectRef idx="2">
+              <a:schemeClr val="accent2"/>
+            </a:effectRef>
+            <a:fontRef idx="minor">
+              <a:schemeClr val="lt1"/>
+            </a:fontRef>
+          </p:style>
+          <p:txBody>
+            <a:bodyPr rot="0" spcFirstLastPara="0" vertOverflow="overflow" horzOverflow="overflow" vert="horz" wrap="square" lIns="186494" tIns="149196" rIns="186494" bIns="149196" numCol="1" spcCol="0" rtlCol="0" fromWordArt="0" anchor="ctr" anchorCtr="0" forceAA="0" compatLnSpc="1">
+              <a:prstTxWarp prst="textNoShape">
+                <a:avLst/>
+              </a:prstTxWarp>
+              <a:noAutofit/>
+            </a:bodyPr>
+            <a:lstStyle/>
+            <a:p>
+              <a:pPr marL="0" marR="0" lvl="0" indent="0" algn="ctr" defTabSz="950846" rtl="0" eaLnBrk="1" fontAlgn="base" latinLnBrk="0" hangingPunct="1">
+                <a:lnSpc>
+                  <a:spcPct val="90000"/>
+                </a:lnSpc>
+                <a:spcBef>
+                  <a:spcPct val="0"/>
+                </a:spcBef>
+                <a:spcAft>
+                  <a:spcPct val="0"/>
+                </a:spcAft>
+                <a:buClrTx/>
+                <a:buSzTx/>
+                <a:buFontTx/>
+                <a:buNone/>
+                <a:tabLst/>
+                <a:defRPr/>
+              </a:pPr>
+              <a:r>
+                <a:rPr kumimoji="0" lang="en-US" sz="1100" b="0" i="0" u="none" strike="noStrike" kern="0" cap="none" spc="0" normalizeH="0" baseline="0" noProof="0" dirty="0">
+                  <a:ln>
+                    <a:noFill/>
+                  </a:ln>
+                  <a:solidFill>
+                    <a:srgbClr val="FFFFFF"/>
+                  </a:solidFill>
+                  <a:effectLst/>
+                  <a:uLnTx/>
+                  <a:uFillTx/>
+                  <a:latin typeface="Segoe UI"/>
+                  <a:ea typeface="Segoe UI" pitchFamily="34" charset="0"/>
+                  <a:cs typeface="Segoe UI" pitchFamily="34" charset="0"/>
+                </a:rPr>
+                <a:t>Security &amp; Critical Updates</a:t>
+              </a:r>
+            </a:p>
+          </p:txBody>
+        </p:sp>
+        <p:sp>
+          <p:nvSpPr>
+            <p:cNvPr id="40" name="Rectangle 39"/>
+            <p:cNvSpPr/>
+            <p:nvPr/>
+          </p:nvSpPr>
+          <p:spPr bwMode="auto">
+            <a:xfrm>
+              <a:off x="5212380" y="784387"/>
+              <a:ext cx="2085944" cy="578210"/>
+            </a:xfrm>
+            <a:prstGeom prst="rect">
+              <a:avLst/>
+            </a:prstGeom>
+            <a:solidFill>
+              <a:srgbClr val="0078D7"/>
+            </a:solidFill>
+            <a:ln>
+              <a:noFill/>
+              <a:headEnd type="none" w="med" len="med"/>
+              <a:tailEnd type="none" w="med" len="med"/>
+            </a:ln>
+            <a:effectLst/>
+          </p:spPr>
+          <p:style>
+            <a:lnRef idx="1">
+              <a:schemeClr val="accent2"/>
+            </a:lnRef>
+            <a:fillRef idx="3">
+              <a:schemeClr val="accent2"/>
+            </a:fillRef>
+            <a:effectRef idx="2">
+              <a:schemeClr val="accent2"/>
+            </a:effectRef>
+            <a:fontRef idx="minor">
+              <a:schemeClr val="lt1"/>
+            </a:fontRef>
+          </p:style>
+          <p:txBody>
+            <a:bodyPr rot="0" spcFirstLastPara="0" vertOverflow="overflow" horzOverflow="overflow" vert="horz" wrap="square" lIns="186494" tIns="149196" rIns="186494" bIns="149196" numCol="1" spcCol="0" rtlCol="0" fromWordArt="0" anchor="ctr" anchorCtr="0" forceAA="0" compatLnSpc="1">
+              <a:prstTxWarp prst="textNoShape">
+                <a:avLst/>
+              </a:prstTxWarp>
+              <a:noAutofit/>
+            </a:bodyPr>
+            <a:lstStyle/>
+            <a:p>
+              <a:pPr marL="0" marR="0" lvl="0" indent="0" algn="ctr" defTabSz="950846" rtl="0" eaLnBrk="1" fontAlgn="base" latinLnBrk="0" hangingPunct="1">
+                <a:lnSpc>
+                  <a:spcPct val="90000"/>
+                </a:lnSpc>
+                <a:spcBef>
+                  <a:spcPct val="0"/>
+                </a:spcBef>
+                <a:spcAft>
+                  <a:spcPct val="0"/>
+                </a:spcAft>
+                <a:buClrTx/>
+                <a:buSzTx/>
+                <a:buFontTx/>
+                <a:buNone/>
+                <a:tabLst/>
+                <a:defRPr/>
+              </a:pPr>
+              <a:r>
+                <a:rPr kumimoji="0" lang="en-US" sz="1100" b="0" i="0" u="none" strike="noStrike" kern="0" cap="none" spc="0" normalizeH="0" baseline="0" noProof="0" dirty="0">
+                  <a:ln>
+                    <a:noFill/>
+                  </a:ln>
+                  <a:solidFill>
+                    <a:srgbClr val="FFFFFF"/>
+                  </a:solidFill>
+                  <a:effectLst/>
+                  <a:uLnTx/>
+                  <a:uFillTx/>
+                  <a:latin typeface="Segoe UI"/>
+                  <a:ea typeface="Segoe UI" pitchFamily="34" charset="0"/>
+                  <a:cs typeface="Segoe UI" pitchFamily="34" charset="0"/>
+                </a:rPr>
+                <a:t>Security Updates</a:t>
+              </a:r>
+            </a:p>
+          </p:txBody>
+        </p:sp>
+        <p:sp>
+          <p:nvSpPr>
+            <p:cNvPr id="41" name="Diamond 40"/>
+            <p:cNvSpPr/>
+            <p:nvPr/>
+          </p:nvSpPr>
+          <p:spPr bwMode="auto">
+            <a:xfrm>
+              <a:off x="2984325" y="933600"/>
+              <a:ext cx="279781" cy="279781"/>
+            </a:xfrm>
+            <a:prstGeom prst="diamond">
+              <a:avLst/>
+            </a:prstGeom>
+            <a:solidFill>
+              <a:srgbClr val="0078D7"/>
+            </a:solidFill>
+            <a:ln w="41275">
+              <a:solidFill>
+                <a:srgbClr val="FFFFFF"/>
+              </a:solidFill>
+              <a:miter lim="800000"/>
+              <a:headEnd type="none" w="med" len="med"/>
+              <a:tailEnd type="none" w="med" len="med"/>
+            </a:ln>
+            <a:effectLst/>
+          </p:spPr>
+          <p:style>
+            <a:lnRef idx="1">
+              <a:schemeClr val="accent2"/>
+            </a:lnRef>
+            <a:fillRef idx="3">
+              <a:schemeClr val="accent2"/>
+            </a:fillRef>
+            <a:effectRef idx="2">
+              <a:schemeClr val="accent2"/>
+            </a:effectRef>
+            <a:fontRef idx="minor">
+              <a:schemeClr val="lt1"/>
+            </a:fontRef>
+          </p:style>
+          <p:txBody>
+            <a:bodyPr rot="0" spcFirstLastPara="0" vertOverflow="overflow" horzOverflow="overflow" vert="horz" wrap="square" lIns="186494" tIns="149196" rIns="186494" bIns="149196" numCol="1" spcCol="0" rtlCol="0" fromWordArt="0" anchor="t" anchorCtr="0" forceAA="0" compatLnSpc="1">
+              <a:prstTxWarp prst="textNoShape">
+                <a:avLst/>
+              </a:prstTxWarp>
+              <a:noAutofit/>
+            </a:bodyPr>
+            <a:lstStyle/>
+            <a:p>
+              <a:pPr marL="0" marR="0" lvl="0" indent="0" algn="ctr" defTabSz="950846" rtl="0" eaLnBrk="1" fontAlgn="base" latinLnBrk="0" hangingPunct="1">
+                <a:lnSpc>
+                  <a:spcPct val="90000"/>
+                </a:lnSpc>
+                <a:spcBef>
+                  <a:spcPct val="0"/>
+                </a:spcBef>
+                <a:spcAft>
+                  <a:spcPct val="0"/>
+                </a:spcAft>
+                <a:buClrTx/>
+                <a:buSzTx/>
+                <a:buFontTx/>
+                <a:buNone/>
+                <a:tabLst/>
+                <a:defRPr/>
+              </a:pPr>
+              <a:endParaRPr kumimoji="0" lang="en-US" sz="2400" b="0" i="0" u="none" strike="noStrike" kern="0" cap="none" spc="0" normalizeH="0" baseline="0" noProof="0" dirty="0" err="1">
+                <a:ln>
+                  <a:noFill/>
+                </a:ln>
+                <a:gradFill>
+                  <a:gsLst>
+                    <a:gs pos="0">
+                      <a:srgbClr val="FFFFFF"/>
+                    </a:gs>
+                    <a:gs pos="100000">
+                      <a:srgbClr val="FFFFFF"/>
+                    </a:gs>
+                  </a:gsLst>
+                  <a:lin ang="5400000" scaled="0"/>
+                </a:gradFill>
+                <a:effectLst/>
+                <a:uLnTx/>
+                <a:uFillTx/>
+                <a:latin typeface="Segoe UI"/>
+                <a:ea typeface="Segoe UI" pitchFamily="34" charset="0"/>
+                <a:cs typeface="Segoe UI" pitchFamily="34" charset="0"/>
+              </a:endParaRPr>
+            </a:p>
+          </p:txBody>
+        </p:sp>
+      </p:grpSp>
+      <p:sp>
+        <p:nvSpPr>
+          <p:cNvPr id="21" name="TextBox 20"/>
+          <p:cNvSpPr txBox="1"/>
+          <p:nvPr/>
+        </p:nvSpPr>
+        <p:spPr>
+          <a:xfrm>
+            <a:off x="2039939" y="1825744"/>
+            <a:ext cx="1445652" cy="578305"/>
+          </a:xfrm>
+          <a:prstGeom prst="rect">
+            <a:avLst/>
+          </a:prstGeom>
+          <a:noFill/>
+        </p:spPr>
+        <p:txBody>
+          <a:bodyPr wrap="square" lIns="186494" tIns="149196" rIns="186494" bIns="149196" rtlCol="0">
+            <a:spAutoFit/>
+          </a:bodyPr>
+          <a:lstStyle/>
+          <a:p>
+            <a:pPr marL="0" marR="0" lvl="0" indent="0" algn="l" defTabSz="932418" rtl="0" eaLnBrk="1" fontAlgn="auto" latinLnBrk="0" hangingPunct="1">
+              <a:lnSpc>
+                <a:spcPct val="90000"/>
+              </a:lnSpc>
+              <a:spcBef>
+                <a:spcPts val="0"/>
+              </a:spcBef>
+              <a:spcAft>
+                <a:spcPts val="600"/>
+              </a:spcAft>
+              <a:buClrTx/>
+              <a:buSzTx/>
+              <a:buFontTx/>
+              <a:buNone/>
+              <a:tabLst/>
+              <a:defRPr/>
+            </a:pPr>
+            <a:r>
+              <a:rPr kumimoji="0" lang="en-US" sz="2000" b="1" i="0" u="none" strike="noStrike" kern="0" cap="none" spc="0" normalizeH="0" baseline="0" noProof="0" dirty="0">
+                <a:ln>
+                  <a:noFill/>
+                </a:ln>
+                <a:solidFill>
+                  <a:srgbClr val="505050"/>
+                </a:solidFill>
+                <a:effectLst/>
+                <a:uLnTx/>
+                <a:uFillTx/>
+                <a:latin typeface="Segoe UI"/>
+                <a:ea typeface="+mn-ea"/>
+                <a:cs typeface="+mn-cs"/>
+              </a:rPr>
+              <a:t>8.0.5</a:t>
+            </a:r>
+          </a:p>
+        </p:txBody>
+      </p:sp>
+      <p:sp>
+        <p:nvSpPr>
+          <p:cNvPr id="36" name="TextBox 35"/>
+          <p:cNvSpPr txBox="1"/>
+          <p:nvPr/>
+        </p:nvSpPr>
+        <p:spPr>
+          <a:xfrm>
+            <a:off x="2039940" y="2855810"/>
+            <a:ext cx="1445652" cy="578305"/>
+          </a:xfrm>
+          <a:prstGeom prst="rect">
+            <a:avLst/>
+          </a:prstGeom>
+          <a:noFill/>
+        </p:spPr>
+        <p:txBody>
+          <a:bodyPr wrap="square" lIns="186494" tIns="149196" rIns="186494" bIns="149196" rtlCol="0">
+            <a:spAutoFit/>
+          </a:bodyPr>
+          <a:lstStyle/>
+          <a:p>
+            <a:pPr marL="0" marR="0" lvl="0" indent="0" algn="l" defTabSz="932418" rtl="0" eaLnBrk="1" fontAlgn="auto" latinLnBrk="0" hangingPunct="1">
+              <a:lnSpc>
+                <a:spcPct val="90000"/>
+              </a:lnSpc>
+              <a:spcBef>
+                <a:spcPts val="0"/>
+              </a:spcBef>
+              <a:spcAft>
+                <a:spcPts val="600"/>
+              </a:spcAft>
+              <a:buClrTx/>
+              <a:buSzTx/>
+              <a:buFontTx/>
+              <a:buNone/>
+              <a:tabLst/>
+              <a:defRPr/>
+            </a:pPr>
+            <a:r>
+              <a:rPr kumimoji="0" lang="en-US" sz="2000" b="1" i="0" u="none" strike="noStrike" kern="0" cap="none" spc="0" normalizeH="0" baseline="0" noProof="0" dirty="0">
+                <a:ln>
+                  <a:noFill/>
+                </a:ln>
+                <a:solidFill>
+                  <a:srgbClr val="505050"/>
+                </a:solidFill>
+                <a:effectLst/>
+                <a:uLnTx/>
+                <a:uFillTx/>
+                <a:latin typeface="Segoe UI"/>
+                <a:ea typeface="+mn-ea"/>
+                <a:cs typeface="+mn-cs"/>
+              </a:rPr>
+              <a:t>9.0.1</a:t>
+            </a:r>
+          </a:p>
+        </p:txBody>
+      </p:sp>
+      <p:sp>
+        <p:nvSpPr>
+          <p:cNvPr id="43" name="TextBox 42">
+            <a:extLst>
+              <a:ext uri="{FF2B5EF4-FFF2-40B4-BE49-F238E27FC236}">
+                <a16:creationId xmlns:a16="http://schemas.microsoft.com/office/drawing/2014/main" id="{D6022DB0-C905-477D-9AE0-CA7BB3A48125}"/>
+              </a:ext>
+            </a:extLst>
+          </p:cNvPr>
+          <p:cNvSpPr txBox="1"/>
+          <p:nvPr/>
+        </p:nvSpPr>
+        <p:spPr>
+          <a:xfrm>
+            <a:off x="2039940" y="3885876"/>
+            <a:ext cx="1445652" cy="578305"/>
+          </a:xfrm>
+          <a:prstGeom prst="rect">
+            <a:avLst/>
+          </a:prstGeom>
+          <a:noFill/>
+        </p:spPr>
+        <p:txBody>
+          <a:bodyPr wrap="square" lIns="186494" tIns="149196" rIns="186494" bIns="149196" rtlCol="0">
+            <a:spAutoFit/>
+          </a:bodyPr>
+          <a:lstStyle/>
+          <a:p>
+            <a:pPr marL="0" marR="0" lvl="0" indent="0" algn="l" defTabSz="932418" rtl="0" eaLnBrk="1" fontAlgn="auto" latinLnBrk="0" hangingPunct="1">
+              <a:lnSpc>
+                <a:spcPct val="90000"/>
+              </a:lnSpc>
+              <a:spcBef>
+                <a:spcPts val="0"/>
+              </a:spcBef>
+              <a:spcAft>
+                <a:spcPts val="600"/>
+              </a:spcAft>
+              <a:buClrTx/>
+              <a:buSzTx/>
+              <a:buFontTx/>
+              <a:buNone/>
+              <a:tabLst/>
+              <a:defRPr/>
+            </a:pPr>
+            <a:r>
+              <a:rPr kumimoji="0" lang="en-US" sz="2000" b="1" i="0" u="none" strike="noStrike" kern="0" cap="none" spc="0" normalizeH="0" baseline="0" noProof="0" dirty="0">
+                <a:ln>
+                  <a:noFill/>
+                </a:ln>
+                <a:solidFill>
+                  <a:srgbClr val="505050"/>
+                </a:solidFill>
+                <a:effectLst/>
+                <a:uLnTx/>
+                <a:uFillTx/>
+                <a:latin typeface="Segoe UI"/>
+                <a:ea typeface="+mn-ea"/>
+                <a:cs typeface="+mn-cs"/>
+              </a:rPr>
+              <a:t>9.1.0</a:t>
+            </a:r>
+          </a:p>
+        </p:txBody>
+      </p:sp>
+      <p:sp>
+        <p:nvSpPr>
+          <p:cNvPr id="110" name="TextBox 109">
+            <a:extLst>
+              <a:ext uri="{FF2B5EF4-FFF2-40B4-BE49-F238E27FC236}">
+                <a16:creationId xmlns:a16="http://schemas.microsoft.com/office/drawing/2014/main" id="{9C5BE032-A45A-4FDC-9B39-2E599261C083}"/>
+              </a:ext>
+            </a:extLst>
+          </p:cNvPr>
+          <p:cNvSpPr txBox="1"/>
+          <p:nvPr/>
+        </p:nvSpPr>
+        <p:spPr>
+          <a:xfrm>
+            <a:off x="2039940" y="4915942"/>
+            <a:ext cx="1445652" cy="578305"/>
+          </a:xfrm>
+          <a:prstGeom prst="rect">
+            <a:avLst/>
+          </a:prstGeom>
+          <a:noFill/>
+        </p:spPr>
+        <p:txBody>
+          <a:bodyPr wrap="square" lIns="186494" tIns="149196" rIns="186494" bIns="149196" rtlCol="0">
+            <a:spAutoFit/>
+          </a:bodyPr>
+          <a:lstStyle/>
+          <a:p>
+            <a:pPr marL="0" marR="0" lvl="0" indent="0" algn="l" defTabSz="932418" rtl="0" eaLnBrk="1" fontAlgn="auto" latinLnBrk="0" hangingPunct="1">
+              <a:lnSpc>
+                <a:spcPct val="90000"/>
+              </a:lnSpc>
+              <a:spcBef>
+                <a:spcPts val="0"/>
+              </a:spcBef>
+              <a:spcAft>
+                <a:spcPts val="600"/>
+              </a:spcAft>
+              <a:buClrTx/>
+              <a:buSzTx/>
+              <a:buFontTx/>
+              <a:buNone/>
+              <a:tabLst/>
+              <a:defRPr/>
+            </a:pPr>
+            <a:r>
+              <a:rPr kumimoji="0" lang="en-US" sz="2000" b="1" i="0" u="none" strike="noStrike" kern="0" cap="none" spc="0" normalizeH="0" baseline="0" noProof="0" dirty="0">
+                <a:ln>
+                  <a:noFill/>
+                </a:ln>
+                <a:solidFill>
+                  <a:srgbClr val="505050"/>
+                </a:solidFill>
+                <a:effectLst/>
+                <a:uLnTx/>
+                <a:uFillTx/>
+                <a:latin typeface="Segoe UI"/>
+                <a:ea typeface="+mn-ea"/>
+                <a:cs typeface="+mn-cs"/>
+              </a:rPr>
+              <a:t>9.2.1</a:t>
+            </a:r>
+          </a:p>
+        </p:txBody>
+      </p:sp>
+      <p:sp>
+        <p:nvSpPr>
+          <p:cNvPr id="111" name="TextBox 110">
+            <a:extLst>
+              <a:ext uri="{FF2B5EF4-FFF2-40B4-BE49-F238E27FC236}">
+                <a16:creationId xmlns:a16="http://schemas.microsoft.com/office/drawing/2014/main" id="{A24FA9E2-0B84-42C0-8A12-F07BEA765F01}"/>
+              </a:ext>
+            </a:extLst>
+          </p:cNvPr>
+          <p:cNvSpPr txBox="1"/>
+          <p:nvPr/>
+        </p:nvSpPr>
+        <p:spPr>
+          <a:xfrm>
+            <a:off x="2039940" y="5960149"/>
+            <a:ext cx="1445652" cy="578305"/>
+          </a:xfrm>
+          <a:prstGeom prst="rect">
+            <a:avLst/>
+          </a:prstGeom>
+          <a:noFill/>
+        </p:spPr>
+        <p:txBody>
+          <a:bodyPr wrap="square" lIns="186494" tIns="149196" rIns="186494" bIns="149196" rtlCol="0">
+            <a:spAutoFit/>
+          </a:bodyPr>
+          <a:lstStyle/>
+          <a:p>
+            <a:pPr marL="0" marR="0" lvl="0" indent="0" algn="l" defTabSz="932418" rtl="0" eaLnBrk="1" fontAlgn="auto" latinLnBrk="0" hangingPunct="1">
+              <a:lnSpc>
+                <a:spcPct val="90000"/>
+              </a:lnSpc>
+              <a:spcBef>
+                <a:spcPts val="0"/>
+              </a:spcBef>
+              <a:spcAft>
+                <a:spcPts val="600"/>
+              </a:spcAft>
+              <a:buClrTx/>
+              <a:buSzTx/>
+              <a:buFontTx/>
+              <a:buNone/>
+              <a:tabLst/>
+              <a:defRPr/>
+            </a:pPr>
+            <a:r>
+              <a:rPr kumimoji="0" lang="en-US" sz="2000" b="1" i="0" u="none" strike="noStrike" kern="0" cap="none" spc="0" normalizeH="0" baseline="0" noProof="0" dirty="0">
+                <a:ln>
+                  <a:noFill/>
+                </a:ln>
+                <a:solidFill>
+                  <a:srgbClr val="505050"/>
+                </a:solidFill>
+                <a:effectLst/>
+                <a:uLnTx/>
+                <a:uFillTx/>
+                <a:latin typeface="Segoe UI"/>
+                <a:ea typeface="+mn-ea"/>
+                <a:cs typeface="+mn-cs"/>
+              </a:rPr>
+              <a:t>9.3.0</a:t>
+            </a:r>
+          </a:p>
+        </p:txBody>
+      </p:sp>
+      <p:sp>
+        <p:nvSpPr>
+          <p:cNvPr id="113" name="TextBox 112">
+            <a:extLst>
+              <a:ext uri="{FF2B5EF4-FFF2-40B4-BE49-F238E27FC236}">
+                <a16:creationId xmlns:a16="http://schemas.microsoft.com/office/drawing/2014/main" id="{CD68FCB4-2496-4052-BFBD-80CE7B6EE3FD}"/>
+              </a:ext>
+            </a:extLst>
+          </p:cNvPr>
+          <p:cNvSpPr txBox="1"/>
+          <p:nvPr/>
+        </p:nvSpPr>
+        <p:spPr>
+          <a:xfrm>
+            <a:off x="2039940" y="6990213"/>
+            <a:ext cx="1445652" cy="578305"/>
+          </a:xfrm>
+          <a:prstGeom prst="rect">
+            <a:avLst/>
+          </a:prstGeom>
+          <a:noFill/>
+        </p:spPr>
+        <p:txBody>
+          <a:bodyPr wrap="square" lIns="186494" tIns="149196" rIns="186494" bIns="149196" rtlCol="0">
+            <a:spAutoFit/>
+          </a:bodyPr>
+          <a:lstStyle/>
+          <a:p>
+            <a:pPr marL="0" marR="0" lvl="0" indent="0" algn="l" defTabSz="932418" rtl="0" eaLnBrk="1" fontAlgn="auto" latinLnBrk="0" hangingPunct="1">
+              <a:lnSpc>
+                <a:spcPct val="90000"/>
+              </a:lnSpc>
+              <a:spcBef>
+                <a:spcPts val="0"/>
+              </a:spcBef>
+              <a:spcAft>
+                <a:spcPts val="600"/>
+              </a:spcAft>
+              <a:buClrTx/>
+              <a:buSzTx/>
+              <a:buFontTx/>
+              <a:buNone/>
+              <a:tabLst/>
+              <a:defRPr/>
+            </a:pPr>
+            <a:r>
+              <a:rPr kumimoji="0" lang="en-US" sz="2000" b="1" i="0" u="none" strike="noStrike" kern="0" cap="none" spc="0" normalizeH="0" baseline="0" noProof="0" dirty="0">
+                <a:ln>
+                  <a:noFill/>
+                </a:ln>
+                <a:solidFill>
+                  <a:srgbClr val="505050"/>
+                </a:solidFill>
+                <a:effectLst/>
+                <a:uLnTx/>
+                <a:uFillTx/>
+                <a:latin typeface="Segoe UI"/>
+                <a:ea typeface="+mn-ea"/>
+                <a:cs typeface="+mn-cs"/>
+              </a:rPr>
+              <a:t>9.4.0</a:t>
+            </a:r>
+          </a:p>
+        </p:txBody>
+      </p:sp>
+      <p:sp>
+        <p:nvSpPr>
+          <p:cNvPr id="148" name="TextBox 147">
+            <a:extLst>
+              <a:ext uri="{FF2B5EF4-FFF2-40B4-BE49-F238E27FC236}">
+                <a16:creationId xmlns:a16="http://schemas.microsoft.com/office/drawing/2014/main" id="{C991AB96-8CE3-4ACA-8D31-B55DC1C34AFB}"/>
+              </a:ext>
+            </a:extLst>
+          </p:cNvPr>
+          <p:cNvSpPr txBox="1"/>
+          <p:nvPr/>
+        </p:nvSpPr>
+        <p:spPr>
+          <a:xfrm>
+            <a:off x="10804364" y="255273"/>
+            <a:ext cx="1323041" cy="452044"/>
+          </a:xfrm>
+          <a:prstGeom prst="rect">
+            <a:avLst/>
+          </a:prstGeom>
+          <a:noFill/>
+        </p:spPr>
+        <p:txBody>
+          <a:bodyPr wrap="square" lIns="142635" tIns="114108" rIns="142635" bIns="114108" rtlCol="0">
+            <a:spAutoFit/>
+          </a:bodyPr>
+          <a:lstStyle/>
+          <a:p>
+            <a:pPr marL="0" marR="0" lvl="0" indent="0" algn="ctr" defTabSz="950766" rtl="0" eaLnBrk="1" fontAlgn="auto" latinLnBrk="0" hangingPunct="1">
+              <a:lnSpc>
+                <a:spcPct val="90000"/>
+              </a:lnSpc>
+              <a:spcBef>
+                <a:spcPts val="624"/>
+              </a:spcBef>
+              <a:spcAft>
+                <a:spcPts val="0"/>
+              </a:spcAft>
+              <a:buClrTx/>
+              <a:buSzTx/>
+              <a:buFontTx/>
+              <a:buNone/>
+              <a:tabLst/>
+              <a:defRPr/>
+            </a:pPr>
+            <a:r>
+              <a:rPr kumimoji="0" lang="en-US" sz="1600" b="1" i="0" u="none" strike="noStrike" kern="0" cap="none" spc="-31" normalizeH="0" baseline="0" noProof="0" dirty="0">
+                <a:ln>
+                  <a:noFill/>
+                </a:ln>
+                <a:solidFill>
+                  <a:srgbClr val="505050"/>
+                </a:solidFill>
+                <a:effectLst/>
+                <a:uLnTx/>
+                <a:uFillTx/>
+                <a:latin typeface="Segoe UI"/>
+                <a:ea typeface="+mn-ea"/>
+                <a:cs typeface="+mn-cs"/>
+              </a:rPr>
+              <a:t>Jan</a:t>
+            </a:r>
+          </a:p>
+        </p:txBody>
+      </p:sp>
+      <p:sp>
+        <p:nvSpPr>
+          <p:cNvPr id="149" name="TextBox 148">
+            <a:extLst>
+              <a:ext uri="{FF2B5EF4-FFF2-40B4-BE49-F238E27FC236}">
+                <a16:creationId xmlns:a16="http://schemas.microsoft.com/office/drawing/2014/main" id="{CC83D838-5777-4420-8563-E178FA4C6938}"/>
+              </a:ext>
+            </a:extLst>
+          </p:cNvPr>
+          <p:cNvSpPr txBox="1"/>
+          <p:nvPr/>
+        </p:nvSpPr>
+        <p:spPr>
+          <a:xfrm>
+            <a:off x="10818945" y="-33122"/>
+            <a:ext cx="1323041" cy="452044"/>
+          </a:xfrm>
+          <a:prstGeom prst="rect">
+            <a:avLst/>
+          </a:prstGeom>
+          <a:noFill/>
+        </p:spPr>
+        <p:txBody>
+          <a:bodyPr wrap="square" lIns="142635" tIns="114108" rIns="142635" bIns="114108" rtlCol="0">
+            <a:spAutoFit/>
+          </a:bodyPr>
+          <a:lstStyle/>
+          <a:p>
+            <a:pPr marL="0" marR="0" lvl="0" indent="0" algn="ctr" defTabSz="950766" rtl="0" eaLnBrk="1" fontAlgn="auto" latinLnBrk="0" hangingPunct="1">
+              <a:lnSpc>
+                <a:spcPct val="90000"/>
+              </a:lnSpc>
+              <a:spcBef>
+                <a:spcPts val="624"/>
+              </a:spcBef>
+              <a:spcAft>
+                <a:spcPts val="0"/>
+              </a:spcAft>
+              <a:buClrTx/>
+              <a:buSzTx/>
+              <a:buFontTx/>
+              <a:buNone/>
+              <a:tabLst/>
+              <a:defRPr/>
+            </a:pPr>
+            <a:r>
+              <a:rPr kumimoji="0" lang="en-US" sz="1600" b="1" i="0" u="none" strike="noStrike" kern="0" cap="none" spc="-31" normalizeH="0" baseline="0" noProof="0" dirty="0">
+                <a:ln>
+                  <a:noFill/>
+                </a:ln>
+                <a:solidFill>
+                  <a:srgbClr val="505050"/>
+                </a:solidFill>
+                <a:effectLst/>
+                <a:uLnTx/>
+                <a:uFillTx/>
+                <a:latin typeface="Segoe UI Semibold" panose="020B0702040204020203" pitchFamily="34" charset="0"/>
+                <a:ea typeface="+mn-ea"/>
+                <a:cs typeface="Segoe UI Semibold" panose="020B0702040204020203" pitchFamily="34" charset="0"/>
+              </a:rPr>
+              <a:t>2020</a:t>
+            </a:r>
+          </a:p>
+        </p:txBody>
+      </p:sp>
+      <p:cxnSp>
+        <p:nvCxnSpPr>
+          <p:cNvPr id="150" name="Straight Connector 149">
+            <a:extLst>
+              <a:ext uri="{FF2B5EF4-FFF2-40B4-BE49-F238E27FC236}">
+                <a16:creationId xmlns:a16="http://schemas.microsoft.com/office/drawing/2014/main" id="{E9758350-08BC-4AD7-9BAF-C74AA73C1C56}"/>
+              </a:ext>
+            </a:extLst>
+          </p:cNvPr>
+          <p:cNvCxnSpPr>
+            <a:cxnSpLocks/>
+          </p:cNvCxnSpPr>
+          <p:nvPr/>
+        </p:nvCxnSpPr>
+        <p:spPr>
+          <a:xfrm>
+            <a:off x="12512867" y="641162"/>
+            <a:ext cx="0" cy="7088876"/>
+          </a:xfrm>
+          <a:prstGeom prst="line">
+            <a:avLst/>
+          </a:prstGeom>
+          <a:ln w="9525" cap="flat" cmpd="sng" algn="ctr">
+            <a:solidFill>
+              <a:schemeClr val="bg1">
+                <a:lumMod val="65000"/>
+              </a:schemeClr>
+            </a:solidFill>
+            <a:prstDash val="dash"/>
+            <a:round/>
+            <a:headEnd type="none" w="med" len="med"/>
+            <a:tailEnd type="none" w="med" len="med"/>
+          </a:ln>
+        </p:spPr>
+        <p:style>
+          <a:lnRef idx="0">
+            <a:scrgbClr r="0" g="0" b="0"/>
+          </a:lnRef>
+          <a:fillRef idx="0">
+            <a:scrgbClr r="0" g="0" b="0"/>
+          </a:fillRef>
+          <a:effectRef idx="0">
+            <a:scrgbClr r="0" g="0" b="0"/>
+          </a:effectRef>
+          <a:fontRef idx="minor">
+            <a:schemeClr val="tx1"/>
+          </a:fontRef>
+        </p:style>
+      </p:cxnSp>
+      <p:sp>
+        <p:nvSpPr>
+          <p:cNvPr id="151" name="TextBox 150">
+            <a:extLst>
+              <a:ext uri="{FF2B5EF4-FFF2-40B4-BE49-F238E27FC236}">
+                <a16:creationId xmlns:a16="http://schemas.microsoft.com/office/drawing/2014/main" id="{76D91CD7-982D-41A3-AA83-53C515804F44}"/>
+              </a:ext>
+            </a:extLst>
+          </p:cNvPr>
+          <p:cNvSpPr txBox="1"/>
+          <p:nvPr/>
+        </p:nvSpPr>
+        <p:spPr>
+          <a:xfrm>
+            <a:off x="11847357" y="274277"/>
+            <a:ext cx="1323041" cy="452044"/>
+          </a:xfrm>
+          <a:prstGeom prst="rect">
+            <a:avLst/>
+          </a:prstGeom>
+          <a:noFill/>
+        </p:spPr>
+        <p:txBody>
+          <a:bodyPr wrap="square" lIns="142635" tIns="114108" rIns="142635" bIns="114108" rtlCol="0">
+            <a:spAutoFit/>
+          </a:bodyPr>
+          <a:lstStyle/>
+          <a:p>
+            <a:pPr marL="0" marR="0" lvl="0" indent="0" algn="ctr" defTabSz="950766" rtl="0" eaLnBrk="1" fontAlgn="auto" latinLnBrk="0" hangingPunct="1">
+              <a:lnSpc>
+                <a:spcPct val="90000"/>
+              </a:lnSpc>
+              <a:spcBef>
+                <a:spcPts val="624"/>
+              </a:spcBef>
+              <a:spcAft>
+                <a:spcPts val="0"/>
+              </a:spcAft>
+              <a:buClrTx/>
+              <a:buSzTx/>
+              <a:buFontTx/>
+              <a:buNone/>
+              <a:tabLst/>
+              <a:defRPr/>
+            </a:pPr>
+            <a:r>
+              <a:rPr kumimoji="0" lang="en-US" sz="1600" b="1" i="0" u="none" strike="noStrike" kern="0" cap="none" spc="-31" normalizeH="0" baseline="0" noProof="0" dirty="0">
+                <a:ln>
+                  <a:noFill/>
+                </a:ln>
+                <a:solidFill>
+                  <a:srgbClr val="505050"/>
+                </a:solidFill>
+                <a:effectLst/>
+                <a:uLnTx/>
+                <a:uFillTx/>
+                <a:latin typeface="Segoe UI"/>
+                <a:ea typeface="+mn-ea"/>
+                <a:cs typeface="+mn-cs"/>
+              </a:rPr>
+              <a:t>Jul</a:t>
+            </a:r>
+          </a:p>
+        </p:txBody>
+      </p:sp>
+      <p:cxnSp>
+        <p:nvCxnSpPr>
+          <p:cNvPr id="152" name="Straight Connector 151">
+            <a:extLst>
+              <a:ext uri="{FF2B5EF4-FFF2-40B4-BE49-F238E27FC236}">
+                <a16:creationId xmlns:a16="http://schemas.microsoft.com/office/drawing/2014/main" id="{9AFB3FE3-702E-45E9-BA52-8C6081286A8A}"/>
+              </a:ext>
+            </a:extLst>
+          </p:cNvPr>
+          <p:cNvCxnSpPr>
+            <a:cxnSpLocks/>
+          </p:cNvCxnSpPr>
+          <p:nvPr/>
+        </p:nvCxnSpPr>
+        <p:spPr>
+          <a:xfrm>
+            <a:off x="11469895" y="637590"/>
+            <a:ext cx="0" cy="7094794"/>
+          </a:xfrm>
+          <a:prstGeom prst="line">
+            <a:avLst/>
+          </a:prstGeom>
+          <a:ln w="9525" cap="flat" cmpd="sng" algn="ctr">
+            <a:solidFill>
+              <a:schemeClr val="bg1">
+                <a:lumMod val="65000"/>
+              </a:schemeClr>
+            </a:solidFill>
+            <a:prstDash val="dash"/>
+            <a:round/>
+            <a:headEnd type="none" w="med" len="med"/>
+            <a:tailEnd type="none" w="med" len="med"/>
+          </a:ln>
+        </p:spPr>
+        <p:style>
+          <a:lnRef idx="0">
+            <a:scrgbClr r="0" g="0" b="0"/>
+          </a:lnRef>
+          <a:fillRef idx="0">
+            <a:scrgbClr r="0" g="0" b="0"/>
+          </a:fillRef>
+          <a:effectRef idx="0">
+            <a:scrgbClr r="0" g="0" b="0"/>
+          </a:effectRef>
+          <a:fontRef idx="minor">
+            <a:schemeClr val="tx1"/>
+          </a:fontRef>
+        </p:style>
+      </p:cxnSp>
+      <p:sp>
+        <p:nvSpPr>
+          <p:cNvPr id="153" name="TextBox 152">
+            <a:extLst>
+              <a:ext uri="{FF2B5EF4-FFF2-40B4-BE49-F238E27FC236}">
+                <a16:creationId xmlns:a16="http://schemas.microsoft.com/office/drawing/2014/main" id="{2600D24B-A832-4D5B-9570-D1E24CACB231}"/>
+              </a:ext>
+            </a:extLst>
+          </p:cNvPr>
+          <p:cNvSpPr txBox="1"/>
+          <p:nvPr/>
+        </p:nvSpPr>
+        <p:spPr>
+          <a:xfrm>
+            <a:off x="12890350" y="233715"/>
+            <a:ext cx="1323041" cy="452044"/>
+          </a:xfrm>
+          <a:prstGeom prst="rect">
+            <a:avLst/>
+          </a:prstGeom>
+          <a:noFill/>
+        </p:spPr>
+        <p:txBody>
+          <a:bodyPr wrap="square" lIns="142635" tIns="114108" rIns="142635" bIns="114108" rtlCol="0">
+            <a:spAutoFit/>
+          </a:bodyPr>
+          <a:lstStyle/>
+          <a:p>
+            <a:pPr marL="0" marR="0" lvl="0" indent="0" algn="ctr" defTabSz="950766" rtl="0" eaLnBrk="1" fontAlgn="auto" latinLnBrk="0" hangingPunct="1">
+              <a:lnSpc>
+                <a:spcPct val="90000"/>
+              </a:lnSpc>
+              <a:spcBef>
+                <a:spcPts val="624"/>
+              </a:spcBef>
+              <a:spcAft>
+                <a:spcPts val="0"/>
+              </a:spcAft>
+              <a:buClrTx/>
+              <a:buSzTx/>
+              <a:buFontTx/>
+              <a:buNone/>
+              <a:tabLst/>
+              <a:defRPr/>
+            </a:pPr>
+            <a:r>
+              <a:rPr kumimoji="0" lang="en-US" sz="1600" b="1" i="0" u="none" strike="noStrike" kern="0" cap="none" spc="-31" normalizeH="0" baseline="0" noProof="0" dirty="0">
+                <a:ln>
+                  <a:noFill/>
+                </a:ln>
+                <a:solidFill>
+                  <a:srgbClr val="505050"/>
+                </a:solidFill>
+                <a:effectLst/>
+                <a:uLnTx/>
+                <a:uFillTx/>
+                <a:latin typeface="Segoe UI"/>
+                <a:ea typeface="+mn-ea"/>
+                <a:cs typeface="+mn-cs"/>
+              </a:rPr>
+              <a:t>Jan</a:t>
+            </a:r>
+          </a:p>
+        </p:txBody>
+      </p:sp>
+      <p:sp>
+        <p:nvSpPr>
+          <p:cNvPr id="154" name="TextBox 153">
+            <a:extLst>
+              <a:ext uri="{FF2B5EF4-FFF2-40B4-BE49-F238E27FC236}">
+                <a16:creationId xmlns:a16="http://schemas.microsoft.com/office/drawing/2014/main" id="{573CACBF-E91B-4FF0-B1A1-D9EE7E747986}"/>
+              </a:ext>
+            </a:extLst>
+          </p:cNvPr>
+          <p:cNvSpPr txBox="1"/>
+          <p:nvPr/>
+        </p:nvSpPr>
+        <p:spPr>
+          <a:xfrm>
+            <a:off x="12904980" y="-33122"/>
+            <a:ext cx="1323041" cy="452044"/>
+          </a:xfrm>
+          <a:prstGeom prst="rect">
+            <a:avLst/>
+          </a:prstGeom>
+          <a:noFill/>
+        </p:spPr>
+        <p:txBody>
+          <a:bodyPr wrap="square" lIns="142635" tIns="114108" rIns="142635" bIns="114108" rtlCol="0">
+            <a:spAutoFit/>
+          </a:bodyPr>
+          <a:lstStyle/>
+          <a:p>
+            <a:pPr marL="0" marR="0" lvl="0" indent="0" algn="ctr" defTabSz="950766" rtl="0" eaLnBrk="1" fontAlgn="auto" latinLnBrk="0" hangingPunct="1">
+              <a:lnSpc>
+                <a:spcPct val="90000"/>
+              </a:lnSpc>
+              <a:spcBef>
+                <a:spcPts val="624"/>
+              </a:spcBef>
+              <a:spcAft>
+                <a:spcPts val="0"/>
+              </a:spcAft>
+              <a:buClrTx/>
+              <a:buSzTx/>
+              <a:buFontTx/>
+              <a:buNone/>
+              <a:tabLst/>
+              <a:defRPr/>
+            </a:pPr>
+            <a:r>
+              <a:rPr kumimoji="0" lang="en-US" sz="1600" b="1" i="0" u="none" strike="noStrike" kern="0" cap="none" spc="-31" normalizeH="0" baseline="0" noProof="0" dirty="0">
+                <a:ln>
+                  <a:noFill/>
+                </a:ln>
+                <a:solidFill>
+                  <a:srgbClr val="505050"/>
+                </a:solidFill>
+                <a:effectLst/>
+                <a:uLnTx/>
+                <a:uFillTx/>
+                <a:latin typeface="Segoe UI Semibold" panose="020B0702040204020203" pitchFamily="34" charset="0"/>
+                <a:ea typeface="+mn-ea"/>
+                <a:cs typeface="Segoe UI Semibold" panose="020B0702040204020203" pitchFamily="34" charset="0"/>
+              </a:rPr>
+              <a:t>2021</a:t>
+            </a:r>
+          </a:p>
+        </p:txBody>
+      </p:sp>
+      <p:cxnSp>
+        <p:nvCxnSpPr>
+          <p:cNvPr id="155" name="Straight Connector 154">
+            <a:extLst>
+              <a:ext uri="{FF2B5EF4-FFF2-40B4-BE49-F238E27FC236}">
+                <a16:creationId xmlns:a16="http://schemas.microsoft.com/office/drawing/2014/main" id="{189A2BA4-7C8C-4692-A2EF-3DE85599D807}"/>
+              </a:ext>
+            </a:extLst>
+          </p:cNvPr>
+          <p:cNvCxnSpPr>
+            <a:cxnSpLocks/>
+          </p:cNvCxnSpPr>
+          <p:nvPr/>
+        </p:nvCxnSpPr>
+        <p:spPr>
+          <a:xfrm>
+            <a:off x="14598809" y="617260"/>
+            <a:ext cx="0" cy="7088876"/>
+          </a:xfrm>
+          <a:prstGeom prst="line">
+            <a:avLst/>
+          </a:prstGeom>
+          <a:ln w="9525" cap="flat" cmpd="sng" algn="ctr">
+            <a:solidFill>
+              <a:schemeClr val="bg1">
+                <a:lumMod val="65000"/>
+              </a:schemeClr>
+            </a:solidFill>
+            <a:prstDash val="dash"/>
+            <a:round/>
+            <a:headEnd type="none" w="med" len="med"/>
+            <a:tailEnd type="none" w="med" len="med"/>
+          </a:ln>
+        </p:spPr>
+        <p:style>
+          <a:lnRef idx="0">
+            <a:scrgbClr r="0" g="0" b="0"/>
+          </a:lnRef>
+          <a:fillRef idx="0">
+            <a:scrgbClr r="0" g="0" b="0"/>
+          </a:fillRef>
+          <a:effectRef idx="0">
+            <a:scrgbClr r="0" g="0" b="0"/>
+          </a:effectRef>
+          <a:fontRef idx="minor">
+            <a:schemeClr val="tx1"/>
+          </a:fontRef>
+        </p:style>
+      </p:cxnSp>
+      <p:sp>
+        <p:nvSpPr>
+          <p:cNvPr id="156" name="TextBox 155">
+            <a:extLst>
+              <a:ext uri="{FF2B5EF4-FFF2-40B4-BE49-F238E27FC236}">
+                <a16:creationId xmlns:a16="http://schemas.microsoft.com/office/drawing/2014/main" id="{A393B490-C9C0-4B7B-8D89-5BC811BF1627}"/>
+              </a:ext>
+            </a:extLst>
+          </p:cNvPr>
+          <p:cNvSpPr txBox="1"/>
+          <p:nvPr/>
+        </p:nvSpPr>
+        <p:spPr>
+          <a:xfrm>
+            <a:off x="13933341" y="253996"/>
+            <a:ext cx="1323041" cy="452044"/>
+          </a:xfrm>
+          <a:prstGeom prst="rect">
+            <a:avLst/>
+          </a:prstGeom>
+          <a:noFill/>
+        </p:spPr>
+        <p:txBody>
+          <a:bodyPr wrap="square" lIns="142635" tIns="114108" rIns="142635" bIns="114108" rtlCol="0">
+            <a:spAutoFit/>
+          </a:bodyPr>
+          <a:lstStyle/>
+          <a:p>
+            <a:pPr marL="0" marR="0" lvl="0" indent="0" algn="ctr" defTabSz="950766" rtl="0" eaLnBrk="1" fontAlgn="auto" latinLnBrk="0" hangingPunct="1">
+              <a:lnSpc>
+                <a:spcPct val="90000"/>
+              </a:lnSpc>
+              <a:spcBef>
+                <a:spcPts val="624"/>
+              </a:spcBef>
+              <a:spcAft>
+                <a:spcPts val="0"/>
+              </a:spcAft>
+              <a:buClrTx/>
+              <a:buSzTx/>
+              <a:buFontTx/>
+              <a:buNone/>
+              <a:tabLst/>
+              <a:defRPr/>
+            </a:pPr>
+            <a:r>
+              <a:rPr kumimoji="0" lang="en-US" sz="1600" b="1" i="0" u="none" strike="noStrike" kern="0" cap="none" spc="-31" normalizeH="0" baseline="0" noProof="0" dirty="0">
+                <a:ln>
+                  <a:noFill/>
+                </a:ln>
+                <a:solidFill>
+                  <a:srgbClr val="505050"/>
+                </a:solidFill>
+                <a:effectLst/>
+                <a:uLnTx/>
+                <a:uFillTx/>
+                <a:latin typeface="Segoe UI"/>
+                <a:ea typeface="+mn-ea"/>
+                <a:cs typeface="+mn-cs"/>
+              </a:rPr>
+              <a:t>Jul</a:t>
+            </a:r>
+          </a:p>
+        </p:txBody>
+      </p:sp>
+      <p:cxnSp>
+        <p:nvCxnSpPr>
+          <p:cNvPr id="157" name="Straight Connector 156">
+            <a:extLst>
+              <a:ext uri="{FF2B5EF4-FFF2-40B4-BE49-F238E27FC236}">
+                <a16:creationId xmlns:a16="http://schemas.microsoft.com/office/drawing/2014/main" id="{36A652DC-5584-4D56-ABF7-CC0C0D005A9A}"/>
+              </a:ext>
+            </a:extLst>
+          </p:cNvPr>
+          <p:cNvCxnSpPr>
+            <a:cxnSpLocks/>
+          </p:cNvCxnSpPr>
+          <p:nvPr/>
+        </p:nvCxnSpPr>
+        <p:spPr>
+          <a:xfrm>
+            <a:off x="13555839" y="613686"/>
+            <a:ext cx="0" cy="7094794"/>
+          </a:xfrm>
+          <a:prstGeom prst="line">
+            <a:avLst/>
+          </a:prstGeom>
+          <a:ln w="9525" cap="flat" cmpd="sng" algn="ctr">
+            <a:solidFill>
+              <a:schemeClr val="bg1">
+                <a:lumMod val="65000"/>
+              </a:schemeClr>
+            </a:solidFill>
+            <a:prstDash val="dash"/>
+            <a:round/>
+            <a:headEnd type="none" w="med" len="med"/>
+            <a:tailEnd type="none" w="med" len="med"/>
+          </a:ln>
+        </p:spPr>
+        <p:style>
+          <a:lnRef idx="0">
+            <a:scrgbClr r="0" g="0" b="0"/>
+          </a:lnRef>
+          <a:fillRef idx="0">
+            <a:scrgbClr r="0" g="0" b="0"/>
+          </a:fillRef>
+          <a:effectRef idx="0">
+            <a:scrgbClr r="0" g="0" b="0"/>
+          </a:effectRef>
+          <a:fontRef idx="minor">
+            <a:schemeClr val="tx1"/>
+          </a:fontRef>
+        </p:style>
+      </p:cxnSp>
+      <p:grpSp>
+        <p:nvGrpSpPr>
+          <p:cNvPr id="162" name="Group 161">
+            <a:extLst>
+              <a:ext uri="{FF2B5EF4-FFF2-40B4-BE49-F238E27FC236}">
+                <a16:creationId xmlns:a16="http://schemas.microsoft.com/office/drawing/2014/main" id="{4C99E330-B0BF-4D30-B00C-CF9ECA582D77}"/>
+              </a:ext>
+            </a:extLst>
+          </p:cNvPr>
+          <p:cNvGrpSpPr/>
+          <p:nvPr/>
+        </p:nvGrpSpPr>
+        <p:grpSpPr>
+          <a:xfrm>
+            <a:off x="4026979" y="1825744"/>
+            <a:ext cx="4313999" cy="578211"/>
+            <a:chOff x="2984325" y="784386"/>
+            <a:chExt cx="4313999" cy="578211"/>
+          </a:xfrm>
+        </p:grpSpPr>
+        <p:sp>
+          <p:nvSpPr>
+            <p:cNvPr id="163" name="Rectangle 162">
+              <a:extLst>
+                <a:ext uri="{FF2B5EF4-FFF2-40B4-BE49-F238E27FC236}">
+                  <a16:creationId xmlns:a16="http://schemas.microsoft.com/office/drawing/2014/main" id="{70145FBA-649C-449C-A38E-7738CE48739E}"/>
+                </a:ext>
+              </a:extLst>
+            </p:cNvPr>
+            <p:cNvSpPr/>
+            <p:nvPr/>
+          </p:nvSpPr>
+          <p:spPr bwMode="auto">
+            <a:xfrm>
+              <a:off x="3126124" y="784386"/>
+              <a:ext cx="2086257" cy="578210"/>
+            </a:xfrm>
+            <a:prstGeom prst="rect">
+              <a:avLst/>
+            </a:prstGeom>
+            <a:solidFill>
+              <a:srgbClr val="429AE2"/>
+            </a:solidFill>
+            <a:ln>
+              <a:noFill/>
+              <a:headEnd type="none" w="med" len="med"/>
+              <a:tailEnd type="none" w="med" len="med"/>
+            </a:ln>
+            <a:effectLst/>
+          </p:spPr>
+          <p:style>
+            <a:lnRef idx="1">
+              <a:schemeClr val="accent2"/>
+            </a:lnRef>
+            <a:fillRef idx="3">
+              <a:schemeClr val="accent2"/>
+            </a:fillRef>
+            <a:effectRef idx="2">
+              <a:schemeClr val="accent2"/>
+            </a:effectRef>
+            <a:fontRef idx="minor">
+              <a:schemeClr val="lt1"/>
+            </a:fontRef>
+          </p:style>
+          <p:txBody>
+            <a:bodyPr rot="0" spcFirstLastPara="0" vertOverflow="overflow" horzOverflow="overflow" vert="horz" wrap="square" lIns="186494" tIns="149196" rIns="186494" bIns="149196" numCol="1" spcCol="0" rtlCol="0" fromWordArt="0" anchor="ctr" anchorCtr="0" forceAA="0" compatLnSpc="1">
+              <a:prstTxWarp prst="textNoShape">
+                <a:avLst/>
+              </a:prstTxWarp>
+              <a:noAutofit/>
+            </a:bodyPr>
+            <a:lstStyle/>
+            <a:p>
+              <a:pPr marL="0" marR="0" lvl="0" indent="0" algn="ctr" defTabSz="950846" rtl="0" eaLnBrk="1" fontAlgn="base" latinLnBrk="0" hangingPunct="1">
+                <a:lnSpc>
+                  <a:spcPct val="90000"/>
+                </a:lnSpc>
+                <a:spcBef>
+                  <a:spcPct val="0"/>
+                </a:spcBef>
+                <a:spcAft>
+                  <a:spcPct val="0"/>
+                </a:spcAft>
+                <a:buClrTx/>
+                <a:buSzTx/>
+                <a:buFontTx/>
+                <a:buNone/>
+                <a:tabLst/>
+                <a:defRPr/>
+              </a:pPr>
+              <a:r>
+                <a:rPr kumimoji="0" lang="en-US" sz="1100" b="0" i="0" u="none" strike="noStrike" kern="0" cap="none" spc="0" normalizeH="0" baseline="0" noProof="0" dirty="0">
+                  <a:ln>
+                    <a:noFill/>
+                  </a:ln>
+                  <a:solidFill>
+                    <a:srgbClr val="FFFFFF"/>
+                  </a:solidFill>
+                  <a:effectLst/>
+                  <a:uLnTx/>
+                  <a:uFillTx/>
+                  <a:latin typeface="Segoe UI"/>
+                  <a:ea typeface="Segoe UI" pitchFamily="34" charset="0"/>
+                  <a:cs typeface="Segoe UI" pitchFamily="34" charset="0"/>
+                </a:rPr>
+                <a:t>Security &amp; Critical Updates</a:t>
+              </a:r>
+            </a:p>
+          </p:txBody>
+        </p:sp>
+        <p:sp>
+          <p:nvSpPr>
+            <p:cNvPr id="164" name="Rectangle 163">
+              <a:extLst>
+                <a:ext uri="{FF2B5EF4-FFF2-40B4-BE49-F238E27FC236}">
+                  <a16:creationId xmlns:a16="http://schemas.microsoft.com/office/drawing/2014/main" id="{5FBBE94E-2B61-4496-B4AA-9F9DDD1BD1E0}"/>
+                </a:ext>
+              </a:extLst>
+            </p:cNvPr>
+            <p:cNvSpPr/>
+            <p:nvPr/>
+          </p:nvSpPr>
+          <p:spPr bwMode="auto">
+            <a:xfrm>
+              <a:off x="5212380" y="784387"/>
+              <a:ext cx="2085944" cy="578210"/>
+            </a:xfrm>
+            <a:prstGeom prst="rect">
+              <a:avLst/>
+            </a:prstGeom>
+            <a:solidFill>
+              <a:srgbClr val="0078D7"/>
+            </a:solidFill>
+            <a:ln>
+              <a:noFill/>
+              <a:headEnd type="none" w="med" len="med"/>
+              <a:tailEnd type="none" w="med" len="med"/>
+            </a:ln>
+            <a:effectLst/>
+          </p:spPr>
+          <p:style>
+            <a:lnRef idx="1">
+              <a:schemeClr val="accent2"/>
+            </a:lnRef>
+            <a:fillRef idx="3">
+              <a:schemeClr val="accent2"/>
+            </a:fillRef>
+            <a:effectRef idx="2">
+              <a:schemeClr val="accent2"/>
+            </a:effectRef>
+            <a:fontRef idx="minor">
+              <a:schemeClr val="lt1"/>
+            </a:fontRef>
+          </p:style>
+          <p:txBody>
+            <a:bodyPr rot="0" spcFirstLastPara="0" vertOverflow="overflow" horzOverflow="overflow" vert="horz" wrap="square" lIns="186494" tIns="149196" rIns="186494" bIns="149196" numCol="1" spcCol="0" rtlCol="0" fromWordArt="0" anchor="ctr" anchorCtr="0" forceAA="0" compatLnSpc="1">
+              <a:prstTxWarp prst="textNoShape">
+                <a:avLst/>
+              </a:prstTxWarp>
+              <a:noAutofit/>
+            </a:bodyPr>
+            <a:lstStyle/>
+            <a:p>
+              <a:pPr marL="0" marR="0" lvl="0" indent="0" algn="ctr" defTabSz="950846" rtl="0" eaLnBrk="1" fontAlgn="base" latinLnBrk="0" hangingPunct="1">
+                <a:lnSpc>
+                  <a:spcPct val="90000"/>
+                </a:lnSpc>
+                <a:spcBef>
+                  <a:spcPct val="0"/>
+                </a:spcBef>
+                <a:spcAft>
+                  <a:spcPct val="0"/>
+                </a:spcAft>
+                <a:buClrTx/>
+                <a:buSzTx/>
+                <a:buFontTx/>
+                <a:buNone/>
+                <a:tabLst/>
+                <a:defRPr/>
+              </a:pPr>
+              <a:r>
+                <a:rPr kumimoji="0" lang="en-US" sz="1100" b="0" i="0" u="none" strike="noStrike" kern="0" cap="none" spc="0" normalizeH="0" baseline="0" noProof="0" dirty="0">
+                  <a:ln>
+                    <a:noFill/>
+                  </a:ln>
+                  <a:solidFill>
+                    <a:srgbClr val="FFFFFF"/>
+                  </a:solidFill>
+                  <a:effectLst/>
+                  <a:uLnTx/>
+                  <a:uFillTx/>
+                  <a:latin typeface="Segoe UI"/>
+                  <a:ea typeface="Segoe UI" pitchFamily="34" charset="0"/>
+                  <a:cs typeface="Segoe UI" pitchFamily="34" charset="0"/>
+                </a:rPr>
+                <a:t>Security Updates</a:t>
+              </a:r>
+            </a:p>
+          </p:txBody>
+        </p:sp>
+        <p:sp>
+          <p:nvSpPr>
+            <p:cNvPr id="165" name="Diamond 164">
+              <a:extLst>
+                <a:ext uri="{FF2B5EF4-FFF2-40B4-BE49-F238E27FC236}">
+                  <a16:creationId xmlns:a16="http://schemas.microsoft.com/office/drawing/2014/main" id="{6F4BB526-75BC-40E1-B8FE-9A1D7104E291}"/>
+                </a:ext>
+              </a:extLst>
+            </p:cNvPr>
+            <p:cNvSpPr/>
+            <p:nvPr/>
+          </p:nvSpPr>
+          <p:spPr bwMode="auto">
+            <a:xfrm>
+              <a:off x="2984325" y="933600"/>
+              <a:ext cx="279781" cy="279781"/>
+            </a:xfrm>
+            <a:prstGeom prst="diamond">
+              <a:avLst/>
+            </a:prstGeom>
+            <a:solidFill>
+              <a:srgbClr val="0078D7"/>
+            </a:solidFill>
+            <a:ln w="41275">
+              <a:solidFill>
+                <a:srgbClr val="FFFFFF"/>
+              </a:solidFill>
+              <a:miter lim="800000"/>
+              <a:headEnd type="none" w="med" len="med"/>
+              <a:tailEnd type="none" w="med" len="med"/>
+            </a:ln>
+            <a:effectLst/>
+          </p:spPr>
+          <p:style>
+            <a:lnRef idx="1">
+              <a:schemeClr val="accent2"/>
+            </a:lnRef>
+            <a:fillRef idx="3">
+              <a:schemeClr val="accent2"/>
+            </a:fillRef>
+            <a:effectRef idx="2">
+              <a:schemeClr val="accent2"/>
+            </a:effectRef>
+            <a:fontRef idx="minor">
+              <a:schemeClr val="lt1"/>
+            </a:fontRef>
+          </p:style>
+          <p:txBody>
+            <a:bodyPr rot="0" spcFirstLastPara="0" vertOverflow="overflow" horzOverflow="overflow" vert="horz" wrap="square" lIns="186494" tIns="149196" rIns="186494" bIns="149196" numCol="1" spcCol="0" rtlCol="0" fromWordArt="0" anchor="t" anchorCtr="0" forceAA="0" compatLnSpc="1">
+              <a:prstTxWarp prst="textNoShape">
+                <a:avLst/>
+              </a:prstTxWarp>
+              <a:noAutofit/>
+            </a:bodyPr>
+            <a:lstStyle/>
+            <a:p>
+              <a:pPr marL="0" marR="0" lvl="0" indent="0" algn="ctr" defTabSz="950846" rtl="0" eaLnBrk="1" fontAlgn="base" latinLnBrk="0" hangingPunct="1">
+                <a:lnSpc>
+                  <a:spcPct val="90000"/>
+                </a:lnSpc>
+                <a:spcBef>
+                  <a:spcPct val="0"/>
+                </a:spcBef>
+                <a:spcAft>
+                  <a:spcPct val="0"/>
+                </a:spcAft>
+                <a:buClrTx/>
+                <a:buSzTx/>
+                <a:buFontTx/>
+                <a:buNone/>
+                <a:tabLst/>
+                <a:defRPr/>
+              </a:pPr>
+              <a:endParaRPr kumimoji="0" lang="en-US" sz="2400" b="0" i="0" u="none" strike="noStrike" kern="0" cap="none" spc="0" normalizeH="0" baseline="0" noProof="0" dirty="0" err="1">
+                <a:ln>
+                  <a:noFill/>
+                </a:ln>
+                <a:gradFill>
+                  <a:gsLst>
+                    <a:gs pos="0">
+                      <a:srgbClr val="FFFFFF"/>
+                    </a:gs>
+                    <a:gs pos="100000">
+                      <a:srgbClr val="FFFFFF"/>
+                    </a:gs>
+                  </a:gsLst>
+                  <a:lin ang="5400000" scaled="0"/>
+                </a:gradFill>
+                <a:effectLst/>
+                <a:uLnTx/>
+                <a:uFillTx/>
+                <a:latin typeface="Segoe UI"/>
+                <a:ea typeface="Segoe UI" pitchFamily="34" charset="0"/>
+                <a:cs typeface="Segoe UI" pitchFamily="34" charset="0"/>
+              </a:endParaRPr>
+            </a:p>
+          </p:txBody>
+        </p:sp>
+      </p:grpSp>
+      <p:grpSp>
+        <p:nvGrpSpPr>
+          <p:cNvPr id="166" name="Group 165">
+            <a:extLst>
+              <a:ext uri="{FF2B5EF4-FFF2-40B4-BE49-F238E27FC236}">
+                <a16:creationId xmlns:a16="http://schemas.microsoft.com/office/drawing/2014/main" id="{14AE5BBB-A055-49B1-808C-010FACDA845E}"/>
+              </a:ext>
+            </a:extLst>
+          </p:cNvPr>
+          <p:cNvGrpSpPr/>
+          <p:nvPr/>
+        </p:nvGrpSpPr>
+        <p:grpSpPr>
+          <a:xfrm>
+            <a:off x="5069952" y="2855810"/>
+            <a:ext cx="4313999" cy="578211"/>
+            <a:chOff x="2984325" y="784386"/>
+            <a:chExt cx="4313999" cy="578211"/>
+          </a:xfrm>
+        </p:grpSpPr>
+        <p:sp>
+          <p:nvSpPr>
+            <p:cNvPr id="167" name="Rectangle 166">
+              <a:extLst>
+                <a:ext uri="{FF2B5EF4-FFF2-40B4-BE49-F238E27FC236}">
+                  <a16:creationId xmlns:a16="http://schemas.microsoft.com/office/drawing/2014/main" id="{EDE81AEE-09BD-4EF4-BD85-90A1F5351D1C}"/>
+                </a:ext>
+              </a:extLst>
+            </p:cNvPr>
+            <p:cNvSpPr/>
+            <p:nvPr/>
+          </p:nvSpPr>
+          <p:spPr bwMode="auto">
+            <a:xfrm>
+              <a:off x="3126124" y="784386"/>
+              <a:ext cx="2086257" cy="578210"/>
+            </a:xfrm>
+            <a:prstGeom prst="rect">
+              <a:avLst/>
+            </a:prstGeom>
+            <a:solidFill>
+              <a:srgbClr val="429AE2"/>
+            </a:solidFill>
+            <a:ln>
+              <a:noFill/>
+              <a:headEnd type="none" w="med" len="med"/>
+              <a:tailEnd type="none" w="med" len="med"/>
+            </a:ln>
+            <a:effectLst/>
+          </p:spPr>
+          <p:style>
+            <a:lnRef idx="1">
+              <a:schemeClr val="accent2"/>
+            </a:lnRef>
+            <a:fillRef idx="3">
+              <a:schemeClr val="accent2"/>
+            </a:fillRef>
+            <a:effectRef idx="2">
+              <a:schemeClr val="accent2"/>
+            </a:effectRef>
+            <a:fontRef idx="minor">
+              <a:schemeClr val="lt1"/>
+            </a:fontRef>
+          </p:style>
+          <p:txBody>
+            <a:bodyPr rot="0" spcFirstLastPara="0" vertOverflow="overflow" horzOverflow="overflow" vert="horz" wrap="square" lIns="186494" tIns="149196" rIns="186494" bIns="149196" numCol="1" spcCol="0" rtlCol="0" fromWordArt="0" anchor="ctr" anchorCtr="0" forceAA="0" compatLnSpc="1">
+              <a:prstTxWarp prst="textNoShape">
+                <a:avLst/>
+              </a:prstTxWarp>
+              <a:noAutofit/>
+            </a:bodyPr>
+            <a:lstStyle/>
+            <a:p>
+              <a:pPr marL="0" marR="0" lvl="0" indent="0" algn="ctr" defTabSz="950846" rtl="0" eaLnBrk="1" fontAlgn="base" latinLnBrk="0" hangingPunct="1">
+                <a:lnSpc>
+                  <a:spcPct val="90000"/>
+                </a:lnSpc>
+                <a:spcBef>
+                  <a:spcPct val="0"/>
+                </a:spcBef>
+                <a:spcAft>
+                  <a:spcPct val="0"/>
+                </a:spcAft>
+                <a:buClrTx/>
+                <a:buSzTx/>
+                <a:buFontTx/>
+                <a:buNone/>
+                <a:tabLst/>
+                <a:defRPr/>
+              </a:pPr>
+              <a:r>
+                <a:rPr kumimoji="0" lang="en-US" sz="1100" b="0" i="0" u="none" strike="noStrike" kern="0" cap="none" spc="0" normalizeH="0" baseline="0" noProof="0" dirty="0">
+                  <a:ln>
+                    <a:noFill/>
+                  </a:ln>
+                  <a:solidFill>
+                    <a:srgbClr val="FFFFFF"/>
+                  </a:solidFill>
+                  <a:effectLst/>
+                  <a:uLnTx/>
+                  <a:uFillTx/>
+                  <a:latin typeface="Segoe UI"/>
+                  <a:ea typeface="Segoe UI" pitchFamily="34" charset="0"/>
+                  <a:cs typeface="Segoe UI" pitchFamily="34" charset="0"/>
+                </a:rPr>
+                <a:t>Security &amp; Critical Updates</a:t>
+              </a:r>
+            </a:p>
+          </p:txBody>
+        </p:sp>
+        <p:sp>
+          <p:nvSpPr>
+            <p:cNvPr id="168" name="Rectangle 167">
+              <a:extLst>
+                <a:ext uri="{FF2B5EF4-FFF2-40B4-BE49-F238E27FC236}">
+                  <a16:creationId xmlns:a16="http://schemas.microsoft.com/office/drawing/2014/main" id="{426546FC-DD88-4557-AA38-D9632154CC4D}"/>
+                </a:ext>
+              </a:extLst>
+            </p:cNvPr>
+            <p:cNvSpPr/>
+            <p:nvPr/>
+          </p:nvSpPr>
+          <p:spPr bwMode="auto">
+            <a:xfrm>
+              <a:off x="5212380" y="784387"/>
+              <a:ext cx="2085944" cy="578210"/>
+            </a:xfrm>
+            <a:prstGeom prst="rect">
+              <a:avLst/>
+            </a:prstGeom>
+            <a:solidFill>
+              <a:srgbClr val="0078D7"/>
+            </a:solidFill>
+            <a:ln>
+              <a:noFill/>
+              <a:headEnd type="none" w="med" len="med"/>
+              <a:tailEnd type="none" w="med" len="med"/>
+            </a:ln>
+            <a:effectLst/>
+          </p:spPr>
+          <p:style>
+            <a:lnRef idx="1">
+              <a:schemeClr val="accent2"/>
+            </a:lnRef>
+            <a:fillRef idx="3">
+              <a:schemeClr val="accent2"/>
+            </a:fillRef>
+            <a:effectRef idx="2">
+              <a:schemeClr val="accent2"/>
+            </a:effectRef>
+            <a:fontRef idx="minor">
+              <a:schemeClr val="lt1"/>
+            </a:fontRef>
+          </p:style>
+          <p:txBody>
+            <a:bodyPr rot="0" spcFirstLastPara="0" vertOverflow="overflow" horzOverflow="overflow" vert="horz" wrap="square" lIns="186494" tIns="149196" rIns="186494" bIns="149196" numCol="1" spcCol="0" rtlCol="0" fromWordArt="0" anchor="ctr" anchorCtr="0" forceAA="0" compatLnSpc="1">
+              <a:prstTxWarp prst="textNoShape">
+                <a:avLst/>
+              </a:prstTxWarp>
+              <a:noAutofit/>
+            </a:bodyPr>
+            <a:lstStyle/>
+            <a:p>
+              <a:pPr marL="0" marR="0" lvl="0" indent="0" algn="ctr" defTabSz="950846" rtl="0" eaLnBrk="1" fontAlgn="base" latinLnBrk="0" hangingPunct="1">
+                <a:lnSpc>
+                  <a:spcPct val="90000"/>
+                </a:lnSpc>
+                <a:spcBef>
+                  <a:spcPct val="0"/>
+                </a:spcBef>
+                <a:spcAft>
+                  <a:spcPct val="0"/>
+                </a:spcAft>
+                <a:buClrTx/>
+                <a:buSzTx/>
+                <a:buFontTx/>
+                <a:buNone/>
+                <a:tabLst/>
+                <a:defRPr/>
+              </a:pPr>
+              <a:r>
+                <a:rPr kumimoji="0" lang="en-US" sz="1100" b="0" i="0" u="none" strike="noStrike" kern="0" cap="none" spc="0" normalizeH="0" baseline="0" noProof="0" dirty="0">
+                  <a:ln>
+                    <a:noFill/>
+                  </a:ln>
+                  <a:solidFill>
+                    <a:srgbClr val="FFFFFF"/>
+                  </a:solidFill>
+                  <a:effectLst/>
+                  <a:uLnTx/>
+                  <a:uFillTx/>
+                  <a:latin typeface="Segoe UI"/>
+                  <a:ea typeface="Segoe UI" pitchFamily="34" charset="0"/>
+                  <a:cs typeface="Segoe UI" pitchFamily="34" charset="0"/>
+                </a:rPr>
+                <a:t>Security Updates</a:t>
+              </a:r>
+            </a:p>
+          </p:txBody>
+        </p:sp>
+        <p:sp>
+          <p:nvSpPr>
+            <p:cNvPr id="169" name="Diamond 168">
+              <a:extLst>
+                <a:ext uri="{FF2B5EF4-FFF2-40B4-BE49-F238E27FC236}">
+                  <a16:creationId xmlns:a16="http://schemas.microsoft.com/office/drawing/2014/main" id="{A4EBF9E4-B770-4D1E-99AB-1123702E29BB}"/>
+                </a:ext>
+              </a:extLst>
+            </p:cNvPr>
+            <p:cNvSpPr/>
+            <p:nvPr/>
+          </p:nvSpPr>
+          <p:spPr bwMode="auto">
+            <a:xfrm>
+              <a:off x="2984325" y="933600"/>
+              <a:ext cx="279781" cy="279781"/>
+            </a:xfrm>
+            <a:prstGeom prst="diamond">
+              <a:avLst/>
+            </a:prstGeom>
+            <a:solidFill>
+              <a:srgbClr val="0078D7"/>
+            </a:solidFill>
+            <a:ln w="41275">
+              <a:solidFill>
+                <a:srgbClr val="FFFFFF"/>
+              </a:solidFill>
+              <a:miter lim="800000"/>
+              <a:headEnd type="none" w="med" len="med"/>
+              <a:tailEnd type="none" w="med" len="med"/>
+            </a:ln>
+            <a:effectLst/>
+          </p:spPr>
+          <p:style>
+            <a:lnRef idx="1">
+              <a:schemeClr val="accent2"/>
+            </a:lnRef>
+            <a:fillRef idx="3">
+              <a:schemeClr val="accent2"/>
+            </a:fillRef>
+            <a:effectRef idx="2">
+              <a:schemeClr val="accent2"/>
+            </a:effectRef>
+            <a:fontRef idx="minor">
+              <a:schemeClr val="lt1"/>
+            </a:fontRef>
+          </p:style>
+          <p:txBody>
+            <a:bodyPr rot="0" spcFirstLastPara="0" vertOverflow="overflow" horzOverflow="overflow" vert="horz" wrap="square" lIns="186494" tIns="149196" rIns="186494" bIns="149196" numCol="1" spcCol="0" rtlCol="0" fromWordArt="0" anchor="t" anchorCtr="0" forceAA="0" compatLnSpc="1">
+              <a:prstTxWarp prst="textNoShape">
+                <a:avLst/>
+              </a:prstTxWarp>
+              <a:noAutofit/>
+            </a:bodyPr>
+            <a:lstStyle/>
+            <a:p>
+              <a:pPr marL="0" marR="0" lvl="0" indent="0" algn="ctr" defTabSz="950846" rtl="0" eaLnBrk="1" fontAlgn="base" latinLnBrk="0" hangingPunct="1">
+                <a:lnSpc>
+                  <a:spcPct val="90000"/>
+                </a:lnSpc>
+                <a:spcBef>
+                  <a:spcPct val="0"/>
+                </a:spcBef>
+                <a:spcAft>
+                  <a:spcPct val="0"/>
+                </a:spcAft>
+                <a:buClrTx/>
+                <a:buSzTx/>
+                <a:buFontTx/>
+                <a:buNone/>
+                <a:tabLst/>
+                <a:defRPr/>
+              </a:pPr>
+              <a:endParaRPr kumimoji="0" lang="en-US" sz="2400" b="0" i="0" u="none" strike="noStrike" kern="0" cap="none" spc="0" normalizeH="0" baseline="0" noProof="0" dirty="0" err="1">
+                <a:ln>
+                  <a:noFill/>
+                </a:ln>
+                <a:gradFill>
+                  <a:gsLst>
+                    <a:gs pos="0">
+                      <a:srgbClr val="FFFFFF"/>
+                    </a:gs>
+                    <a:gs pos="100000">
+                      <a:srgbClr val="FFFFFF"/>
+                    </a:gs>
+                  </a:gsLst>
+                  <a:lin ang="5400000" scaled="0"/>
+                </a:gradFill>
+                <a:effectLst/>
+                <a:uLnTx/>
+                <a:uFillTx/>
+                <a:latin typeface="Segoe UI"/>
+                <a:ea typeface="Segoe UI" pitchFamily="34" charset="0"/>
+                <a:cs typeface="Segoe UI" pitchFamily="34" charset="0"/>
+              </a:endParaRPr>
+            </a:p>
+          </p:txBody>
+        </p:sp>
+      </p:grpSp>
+      <p:grpSp>
+        <p:nvGrpSpPr>
+          <p:cNvPr id="170" name="Group 169">
+            <a:extLst>
+              <a:ext uri="{FF2B5EF4-FFF2-40B4-BE49-F238E27FC236}">
+                <a16:creationId xmlns:a16="http://schemas.microsoft.com/office/drawing/2014/main" id="{4B283818-F26E-4BB8-82FC-28E15EE489DF}"/>
+              </a:ext>
+            </a:extLst>
+          </p:cNvPr>
+          <p:cNvGrpSpPr/>
+          <p:nvPr/>
+        </p:nvGrpSpPr>
+        <p:grpSpPr>
+          <a:xfrm>
+            <a:off x="5849138" y="3894651"/>
+            <a:ext cx="4313999" cy="578211"/>
+            <a:chOff x="2984325" y="784386"/>
+            <a:chExt cx="4313999" cy="578211"/>
+          </a:xfrm>
+        </p:grpSpPr>
+        <p:sp>
+          <p:nvSpPr>
+            <p:cNvPr id="171" name="Rectangle 170">
+              <a:extLst>
+                <a:ext uri="{FF2B5EF4-FFF2-40B4-BE49-F238E27FC236}">
+                  <a16:creationId xmlns:a16="http://schemas.microsoft.com/office/drawing/2014/main" id="{F6352DD5-1CE6-4DED-AC09-368E72FDF790}"/>
+                </a:ext>
+              </a:extLst>
+            </p:cNvPr>
+            <p:cNvSpPr/>
+            <p:nvPr/>
+          </p:nvSpPr>
+          <p:spPr bwMode="auto">
+            <a:xfrm>
+              <a:off x="3126124" y="784386"/>
+              <a:ext cx="2086257" cy="578210"/>
+            </a:xfrm>
+            <a:prstGeom prst="rect">
+              <a:avLst/>
+            </a:prstGeom>
+            <a:solidFill>
+              <a:srgbClr val="429AE2"/>
+            </a:solidFill>
+            <a:ln>
+              <a:noFill/>
+              <a:headEnd type="none" w="med" len="med"/>
+              <a:tailEnd type="none" w="med" len="med"/>
+            </a:ln>
+            <a:effectLst/>
+          </p:spPr>
+          <p:style>
+            <a:lnRef idx="1">
+              <a:schemeClr val="accent2"/>
+            </a:lnRef>
+            <a:fillRef idx="3">
+              <a:schemeClr val="accent2"/>
+            </a:fillRef>
+            <a:effectRef idx="2">
+              <a:schemeClr val="accent2"/>
+            </a:effectRef>
+            <a:fontRef idx="minor">
+              <a:schemeClr val="lt1"/>
+            </a:fontRef>
+          </p:style>
+          <p:txBody>
+            <a:bodyPr rot="0" spcFirstLastPara="0" vertOverflow="overflow" horzOverflow="overflow" vert="horz" wrap="square" lIns="186494" tIns="149196" rIns="186494" bIns="149196" numCol="1" spcCol="0" rtlCol="0" fromWordArt="0" anchor="ctr" anchorCtr="0" forceAA="0" compatLnSpc="1">
+              <a:prstTxWarp prst="textNoShape">
+                <a:avLst/>
+              </a:prstTxWarp>
+              <a:noAutofit/>
+            </a:bodyPr>
+            <a:lstStyle/>
+            <a:p>
+              <a:pPr marL="0" marR="0" lvl="0" indent="0" algn="ctr" defTabSz="950846" rtl="0" eaLnBrk="1" fontAlgn="base" latinLnBrk="0" hangingPunct="1">
+                <a:lnSpc>
+                  <a:spcPct val="90000"/>
+                </a:lnSpc>
+                <a:spcBef>
+                  <a:spcPct val="0"/>
+                </a:spcBef>
+                <a:spcAft>
+                  <a:spcPct val="0"/>
+                </a:spcAft>
+                <a:buClrTx/>
+                <a:buSzTx/>
+                <a:buFontTx/>
+                <a:buNone/>
+                <a:tabLst/>
+                <a:defRPr/>
+              </a:pPr>
+              <a:r>
+                <a:rPr kumimoji="0" lang="en-US" sz="1100" b="0" i="0" u="none" strike="noStrike" kern="0" cap="none" spc="0" normalizeH="0" baseline="0" noProof="0" dirty="0">
+                  <a:ln>
+                    <a:noFill/>
+                  </a:ln>
+                  <a:solidFill>
+                    <a:srgbClr val="FFFFFF"/>
+                  </a:solidFill>
+                  <a:effectLst/>
+                  <a:uLnTx/>
+                  <a:uFillTx/>
+                  <a:latin typeface="Segoe UI"/>
+                  <a:ea typeface="Segoe UI" pitchFamily="34" charset="0"/>
+                  <a:cs typeface="Segoe UI" pitchFamily="34" charset="0"/>
+                </a:rPr>
+                <a:t>Security &amp; Critical Updates</a:t>
+              </a:r>
+            </a:p>
+          </p:txBody>
+        </p:sp>
+        <p:sp>
+          <p:nvSpPr>
+            <p:cNvPr id="172" name="Rectangle 171">
+              <a:extLst>
+                <a:ext uri="{FF2B5EF4-FFF2-40B4-BE49-F238E27FC236}">
+                  <a16:creationId xmlns:a16="http://schemas.microsoft.com/office/drawing/2014/main" id="{F4847D80-7452-41D5-9016-9EA5969C52DF}"/>
+                </a:ext>
+              </a:extLst>
+            </p:cNvPr>
+            <p:cNvSpPr/>
+            <p:nvPr/>
+          </p:nvSpPr>
+          <p:spPr bwMode="auto">
+            <a:xfrm>
+              <a:off x="5212380" y="784387"/>
+              <a:ext cx="2085944" cy="578210"/>
+            </a:xfrm>
+            <a:prstGeom prst="rect">
+              <a:avLst/>
+            </a:prstGeom>
+            <a:solidFill>
+              <a:srgbClr val="0078D7"/>
+            </a:solidFill>
+            <a:ln>
+              <a:noFill/>
+              <a:headEnd type="none" w="med" len="med"/>
+              <a:tailEnd type="none" w="med" len="med"/>
+            </a:ln>
+            <a:effectLst/>
+          </p:spPr>
+          <p:style>
+            <a:lnRef idx="1">
+              <a:schemeClr val="accent2"/>
+            </a:lnRef>
+            <a:fillRef idx="3">
+              <a:schemeClr val="accent2"/>
+            </a:fillRef>
+            <a:effectRef idx="2">
+              <a:schemeClr val="accent2"/>
+            </a:effectRef>
+            <a:fontRef idx="minor">
+              <a:schemeClr val="lt1"/>
+            </a:fontRef>
+          </p:style>
+          <p:txBody>
+            <a:bodyPr rot="0" spcFirstLastPara="0" vertOverflow="overflow" horzOverflow="overflow" vert="horz" wrap="square" lIns="186494" tIns="149196" rIns="186494" bIns="149196" numCol="1" spcCol="0" rtlCol="0" fromWordArt="0" anchor="ctr" anchorCtr="0" forceAA="0" compatLnSpc="1">
+              <a:prstTxWarp prst="textNoShape">
+                <a:avLst/>
+              </a:prstTxWarp>
+              <a:noAutofit/>
+            </a:bodyPr>
+            <a:lstStyle/>
+            <a:p>
+              <a:pPr marL="0" marR="0" lvl="0" indent="0" algn="ctr" defTabSz="950846" rtl="0" eaLnBrk="1" fontAlgn="base" latinLnBrk="0" hangingPunct="1">
+                <a:lnSpc>
+                  <a:spcPct val="90000"/>
+                </a:lnSpc>
+                <a:spcBef>
+                  <a:spcPct val="0"/>
+                </a:spcBef>
+                <a:spcAft>
+                  <a:spcPct val="0"/>
+                </a:spcAft>
+                <a:buClrTx/>
+                <a:buSzTx/>
+                <a:buFontTx/>
+                <a:buNone/>
+                <a:tabLst/>
+                <a:defRPr/>
+              </a:pPr>
+              <a:r>
+                <a:rPr kumimoji="0" lang="en-US" sz="1100" b="0" i="0" u="none" strike="noStrike" kern="0" cap="none" spc="0" normalizeH="0" baseline="0" noProof="0" dirty="0">
+                  <a:ln>
+                    <a:noFill/>
+                  </a:ln>
+                  <a:solidFill>
+                    <a:srgbClr val="FFFFFF"/>
+                  </a:solidFill>
+                  <a:effectLst/>
+                  <a:uLnTx/>
+                  <a:uFillTx/>
+                  <a:latin typeface="Segoe UI"/>
+                  <a:ea typeface="Segoe UI" pitchFamily="34" charset="0"/>
+                  <a:cs typeface="Segoe UI" pitchFamily="34" charset="0"/>
+                </a:rPr>
+                <a:t>Security Updates</a:t>
+              </a:r>
+            </a:p>
+          </p:txBody>
+        </p:sp>
+        <p:sp>
+          <p:nvSpPr>
+            <p:cNvPr id="173" name="Diamond 172">
+              <a:extLst>
+                <a:ext uri="{FF2B5EF4-FFF2-40B4-BE49-F238E27FC236}">
+                  <a16:creationId xmlns:a16="http://schemas.microsoft.com/office/drawing/2014/main" id="{F7F94D55-6829-4924-8BFE-503AAAEE436F}"/>
+                </a:ext>
+              </a:extLst>
+            </p:cNvPr>
+            <p:cNvSpPr/>
+            <p:nvPr/>
+          </p:nvSpPr>
+          <p:spPr bwMode="auto">
+            <a:xfrm>
+              <a:off x="2984325" y="933600"/>
+              <a:ext cx="279781" cy="279781"/>
+            </a:xfrm>
+            <a:prstGeom prst="diamond">
+              <a:avLst/>
+            </a:prstGeom>
+            <a:solidFill>
+              <a:srgbClr val="0078D7"/>
+            </a:solidFill>
+            <a:ln w="41275">
+              <a:solidFill>
+                <a:srgbClr val="FFFFFF"/>
+              </a:solidFill>
+              <a:miter lim="800000"/>
+              <a:headEnd type="none" w="med" len="med"/>
+              <a:tailEnd type="none" w="med" len="med"/>
+            </a:ln>
+            <a:effectLst/>
+          </p:spPr>
+          <p:style>
+            <a:lnRef idx="1">
+              <a:schemeClr val="accent2"/>
+            </a:lnRef>
+            <a:fillRef idx="3">
+              <a:schemeClr val="accent2"/>
+            </a:fillRef>
+            <a:effectRef idx="2">
+              <a:schemeClr val="accent2"/>
+            </a:effectRef>
+            <a:fontRef idx="minor">
+              <a:schemeClr val="lt1"/>
+            </a:fontRef>
+          </p:style>
+          <p:txBody>
+            <a:bodyPr rot="0" spcFirstLastPara="0" vertOverflow="overflow" horzOverflow="overflow" vert="horz" wrap="square" lIns="186494" tIns="149196" rIns="186494" bIns="149196" numCol="1" spcCol="0" rtlCol="0" fromWordArt="0" anchor="t" anchorCtr="0" forceAA="0" compatLnSpc="1">
+              <a:prstTxWarp prst="textNoShape">
+                <a:avLst/>
+              </a:prstTxWarp>
+              <a:noAutofit/>
+            </a:bodyPr>
+            <a:lstStyle/>
+            <a:p>
+              <a:pPr marL="0" marR="0" lvl="0" indent="0" algn="ctr" defTabSz="950846" rtl="0" eaLnBrk="1" fontAlgn="base" latinLnBrk="0" hangingPunct="1">
+                <a:lnSpc>
+                  <a:spcPct val="90000"/>
+                </a:lnSpc>
+                <a:spcBef>
+                  <a:spcPct val="0"/>
+                </a:spcBef>
+                <a:spcAft>
+                  <a:spcPct val="0"/>
+                </a:spcAft>
+                <a:buClrTx/>
+                <a:buSzTx/>
+                <a:buFontTx/>
+                <a:buNone/>
+                <a:tabLst/>
+                <a:defRPr/>
+              </a:pPr>
+              <a:endParaRPr kumimoji="0" lang="en-US" sz="2400" b="0" i="0" u="none" strike="noStrike" kern="0" cap="none" spc="0" normalizeH="0" baseline="0" noProof="0" dirty="0" err="1">
+                <a:ln>
+                  <a:noFill/>
+                </a:ln>
+                <a:gradFill>
+                  <a:gsLst>
+                    <a:gs pos="0">
+                      <a:srgbClr val="FFFFFF"/>
+                    </a:gs>
+                    <a:gs pos="100000">
+                      <a:srgbClr val="FFFFFF"/>
+                    </a:gs>
+                  </a:gsLst>
+                  <a:lin ang="5400000" scaled="0"/>
+                </a:gradFill>
+                <a:effectLst/>
+                <a:uLnTx/>
+                <a:uFillTx/>
+                <a:latin typeface="Segoe UI"/>
+                <a:ea typeface="Segoe UI" pitchFamily="34" charset="0"/>
+                <a:cs typeface="Segoe UI" pitchFamily="34" charset="0"/>
+              </a:endParaRPr>
+            </a:p>
+          </p:txBody>
+        </p:sp>
+      </p:grpSp>
+      <p:grpSp>
+        <p:nvGrpSpPr>
+          <p:cNvPr id="174" name="Group 173">
+            <a:extLst>
+              <a:ext uri="{FF2B5EF4-FFF2-40B4-BE49-F238E27FC236}">
+                <a16:creationId xmlns:a16="http://schemas.microsoft.com/office/drawing/2014/main" id="{43666859-FF1B-4E86-A8EE-34E1604B7D59}"/>
+              </a:ext>
+            </a:extLst>
+          </p:cNvPr>
+          <p:cNvGrpSpPr/>
+          <p:nvPr/>
+        </p:nvGrpSpPr>
+        <p:grpSpPr>
+          <a:xfrm>
+            <a:off x="6779090" y="4915942"/>
+            <a:ext cx="4313999" cy="578211"/>
+            <a:chOff x="2984325" y="784386"/>
+            <a:chExt cx="4313999" cy="578211"/>
+          </a:xfrm>
+        </p:grpSpPr>
+        <p:sp>
+          <p:nvSpPr>
+            <p:cNvPr id="175" name="Rectangle 174">
+              <a:extLst>
+                <a:ext uri="{FF2B5EF4-FFF2-40B4-BE49-F238E27FC236}">
+                  <a16:creationId xmlns:a16="http://schemas.microsoft.com/office/drawing/2014/main" id="{6973C500-1AA3-4C2F-A59A-85050DDA72CA}"/>
+                </a:ext>
+              </a:extLst>
+            </p:cNvPr>
+            <p:cNvSpPr/>
+            <p:nvPr/>
+          </p:nvSpPr>
+          <p:spPr bwMode="auto">
+            <a:xfrm>
+              <a:off x="3126124" y="784386"/>
+              <a:ext cx="2086257" cy="578210"/>
+            </a:xfrm>
+            <a:prstGeom prst="rect">
+              <a:avLst/>
+            </a:prstGeom>
+            <a:solidFill>
+              <a:srgbClr val="429AE2"/>
+            </a:solidFill>
+            <a:ln>
+              <a:noFill/>
+              <a:headEnd type="none" w="med" len="med"/>
+              <a:tailEnd type="none" w="med" len="med"/>
+            </a:ln>
+            <a:effectLst/>
+          </p:spPr>
+          <p:style>
+            <a:lnRef idx="1">
+              <a:schemeClr val="accent2"/>
+            </a:lnRef>
+            <a:fillRef idx="3">
+              <a:schemeClr val="accent2"/>
+            </a:fillRef>
+            <a:effectRef idx="2">
+              <a:schemeClr val="accent2"/>
+            </a:effectRef>
+            <a:fontRef idx="minor">
+              <a:schemeClr val="lt1"/>
+            </a:fontRef>
+          </p:style>
+          <p:txBody>
+            <a:bodyPr rot="0" spcFirstLastPara="0" vertOverflow="overflow" horzOverflow="overflow" vert="horz" wrap="square" lIns="186494" tIns="149196" rIns="186494" bIns="149196" numCol="1" spcCol="0" rtlCol="0" fromWordArt="0" anchor="ctr" anchorCtr="0" forceAA="0" compatLnSpc="1">
+              <a:prstTxWarp prst="textNoShape">
+                <a:avLst/>
+              </a:prstTxWarp>
+              <a:noAutofit/>
+            </a:bodyPr>
+            <a:lstStyle/>
+            <a:p>
+              <a:pPr marL="0" marR="0" lvl="0" indent="0" algn="ctr" defTabSz="950846" rtl="0" eaLnBrk="1" fontAlgn="base" latinLnBrk="0" hangingPunct="1">
+                <a:lnSpc>
+                  <a:spcPct val="90000"/>
+                </a:lnSpc>
+                <a:spcBef>
+                  <a:spcPct val="0"/>
+                </a:spcBef>
+                <a:spcAft>
+                  <a:spcPct val="0"/>
+                </a:spcAft>
+                <a:buClrTx/>
+                <a:buSzTx/>
+                <a:buFontTx/>
+                <a:buNone/>
+                <a:tabLst/>
+                <a:defRPr/>
+              </a:pPr>
+              <a:r>
+                <a:rPr kumimoji="0" lang="en-US" sz="1100" b="0" i="0" u="none" strike="noStrike" kern="0" cap="none" spc="0" normalizeH="0" baseline="0" noProof="0" dirty="0">
+                  <a:ln>
+                    <a:noFill/>
+                  </a:ln>
+                  <a:solidFill>
+                    <a:srgbClr val="FFFFFF"/>
+                  </a:solidFill>
+                  <a:effectLst/>
+                  <a:uLnTx/>
+                  <a:uFillTx/>
+                  <a:latin typeface="Segoe UI"/>
+                  <a:ea typeface="Segoe UI" pitchFamily="34" charset="0"/>
+                  <a:cs typeface="Segoe UI" pitchFamily="34" charset="0"/>
+                </a:rPr>
+                <a:t>Security &amp; Critical Updates</a:t>
+              </a:r>
+            </a:p>
+          </p:txBody>
+        </p:sp>
+        <p:sp>
+          <p:nvSpPr>
+            <p:cNvPr id="176" name="Rectangle 175">
+              <a:extLst>
+                <a:ext uri="{FF2B5EF4-FFF2-40B4-BE49-F238E27FC236}">
+                  <a16:creationId xmlns:a16="http://schemas.microsoft.com/office/drawing/2014/main" id="{1D9EDA60-DD37-41F7-BF46-ED64D1922A60}"/>
+                </a:ext>
+              </a:extLst>
+            </p:cNvPr>
+            <p:cNvSpPr/>
+            <p:nvPr/>
+          </p:nvSpPr>
+          <p:spPr bwMode="auto">
+            <a:xfrm>
+              <a:off x="5212380" y="784387"/>
+              <a:ext cx="2085944" cy="578210"/>
+            </a:xfrm>
+            <a:prstGeom prst="rect">
+              <a:avLst/>
+            </a:prstGeom>
+            <a:solidFill>
+              <a:srgbClr val="0078D7"/>
+            </a:solidFill>
+            <a:ln>
+              <a:noFill/>
+              <a:headEnd type="none" w="med" len="med"/>
+              <a:tailEnd type="none" w="med" len="med"/>
+            </a:ln>
+            <a:effectLst/>
+          </p:spPr>
+          <p:style>
+            <a:lnRef idx="1">
+              <a:schemeClr val="accent2"/>
+            </a:lnRef>
+            <a:fillRef idx="3">
+              <a:schemeClr val="accent2"/>
+            </a:fillRef>
+            <a:effectRef idx="2">
+              <a:schemeClr val="accent2"/>
+            </a:effectRef>
+            <a:fontRef idx="minor">
+              <a:schemeClr val="lt1"/>
+            </a:fontRef>
+          </p:style>
+          <p:txBody>
+            <a:bodyPr rot="0" spcFirstLastPara="0" vertOverflow="overflow" horzOverflow="overflow" vert="horz" wrap="square" lIns="186494" tIns="149196" rIns="186494" bIns="149196" numCol="1" spcCol="0" rtlCol="0" fromWordArt="0" anchor="ctr" anchorCtr="0" forceAA="0" compatLnSpc="1">
+              <a:prstTxWarp prst="textNoShape">
+                <a:avLst/>
+              </a:prstTxWarp>
+              <a:noAutofit/>
+            </a:bodyPr>
+            <a:lstStyle/>
+            <a:p>
+              <a:pPr marL="0" marR="0" lvl="0" indent="0" algn="ctr" defTabSz="950846" rtl="0" eaLnBrk="1" fontAlgn="base" latinLnBrk="0" hangingPunct="1">
+                <a:lnSpc>
+                  <a:spcPct val="90000"/>
+                </a:lnSpc>
+                <a:spcBef>
+                  <a:spcPct val="0"/>
+                </a:spcBef>
+                <a:spcAft>
+                  <a:spcPct val="0"/>
+                </a:spcAft>
+                <a:buClrTx/>
+                <a:buSzTx/>
+                <a:buFontTx/>
+                <a:buNone/>
+                <a:tabLst/>
+                <a:defRPr/>
+              </a:pPr>
+              <a:r>
+                <a:rPr kumimoji="0" lang="en-US" sz="1100" b="0" i="0" u="none" strike="noStrike" kern="0" cap="none" spc="0" normalizeH="0" baseline="0" noProof="0" dirty="0">
+                  <a:ln>
+                    <a:noFill/>
+                  </a:ln>
+                  <a:solidFill>
+                    <a:srgbClr val="FFFFFF"/>
+                  </a:solidFill>
+                  <a:effectLst/>
+                  <a:uLnTx/>
+                  <a:uFillTx/>
+                  <a:latin typeface="Segoe UI"/>
+                  <a:ea typeface="Segoe UI" pitchFamily="34" charset="0"/>
+                  <a:cs typeface="Segoe UI" pitchFamily="34" charset="0"/>
+                </a:rPr>
+                <a:t>Security Updates</a:t>
+              </a:r>
+            </a:p>
+          </p:txBody>
+        </p:sp>
+        <p:sp>
+          <p:nvSpPr>
+            <p:cNvPr id="177" name="Diamond 176">
+              <a:extLst>
+                <a:ext uri="{FF2B5EF4-FFF2-40B4-BE49-F238E27FC236}">
+                  <a16:creationId xmlns:a16="http://schemas.microsoft.com/office/drawing/2014/main" id="{BDC139BE-25EB-4845-B102-915CDCED51E9}"/>
+                </a:ext>
+              </a:extLst>
+            </p:cNvPr>
+            <p:cNvSpPr/>
+            <p:nvPr/>
+          </p:nvSpPr>
+          <p:spPr bwMode="auto">
+            <a:xfrm>
+              <a:off x="2984325" y="933600"/>
+              <a:ext cx="279781" cy="279781"/>
+            </a:xfrm>
+            <a:prstGeom prst="diamond">
+              <a:avLst/>
+            </a:prstGeom>
+            <a:solidFill>
+              <a:srgbClr val="0078D7"/>
+            </a:solidFill>
+            <a:ln w="41275">
+              <a:solidFill>
+                <a:srgbClr val="FFFFFF"/>
+              </a:solidFill>
+              <a:miter lim="800000"/>
+              <a:headEnd type="none" w="med" len="med"/>
+              <a:tailEnd type="none" w="med" len="med"/>
+            </a:ln>
+            <a:effectLst/>
+          </p:spPr>
+          <p:style>
+            <a:lnRef idx="1">
+              <a:schemeClr val="accent2"/>
+            </a:lnRef>
+            <a:fillRef idx="3">
+              <a:schemeClr val="accent2"/>
+            </a:fillRef>
+            <a:effectRef idx="2">
+              <a:schemeClr val="accent2"/>
+            </a:effectRef>
+            <a:fontRef idx="minor">
+              <a:schemeClr val="lt1"/>
+            </a:fontRef>
+          </p:style>
+          <p:txBody>
+            <a:bodyPr rot="0" spcFirstLastPara="0" vertOverflow="overflow" horzOverflow="overflow" vert="horz" wrap="square" lIns="186494" tIns="149196" rIns="186494" bIns="149196" numCol="1" spcCol="0" rtlCol="0" fromWordArt="0" anchor="t" anchorCtr="0" forceAA="0" compatLnSpc="1">
+              <a:prstTxWarp prst="textNoShape">
+                <a:avLst/>
+              </a:prstTxWarp>
+              <a:noAutofit/>
+            </a:bodyPr>
+            <a:lstStyle/>
+            <a:p>
+              <a:pPr marL="0" marR="0" lvl="0" indent="0" algn="ctr" defTabSz="950846" rtl="0" eaLnBrk="1" fontAlgn="base" latinLnBrk="0" hangingPunct="1">
+                <a:lnSpc>
+                  <a:spcPct val="90000"/>
+                </a:lnSpc>
+                <a:spcBef>
+                  <a:spcPct val="0"/>
+                </a:spcBef>
+                <a:spcAft>
+                  <a:spcPct val="0"/>
+                </a:spcAft>
+                <a:buClrTx/>
+                <a:buSzTx/>
+                <a:buFontTx/>
+                <a:buNone/>
+                <a:tabLst/>
+                <a:defRPr/>
+              </a:pPr>
+              <a:endParaRPr kumimoji="0" lang="en-US" sz="2400" b="0" i="0" u="none" strike="noStrike" kern="0" cap="none" spc="0" normalizeH="0" baseline="0" noProof="0" dirty="0" err="1">
+                <a:ln>
+                  <a:noFill/>
+                </a:ln>
+                <a:gradFill>
+                  <a:gsLst>
+                    <a:gs pos="0">
+                      <a:srgbClr val="FFFFFF"/>
+                    </a:gs>
+                    <a:gs pos="100000">
+                      <a:srgbClr val="FFFFFF"/>
+                    </a:gs>
+                  </a:gsLst>
+                  <a:lin ang="5400000" scaled="0"/>
+                </a:gradFill>
+                <a:effectLst/>
+                <a:uLnTx/>
+                <a:uFillTx/>
+                <a:latin typeface="Segoe UI"/>
+                <a:ea typeface="Segoe UI" pitchFamily="34" charset="0"/>
+                <a:cs typeface="Segoe UI" pitchFamily="34" charset="0"/>
+              </a:endParaRPr>
+            </a:p>
+          </p:txBody>
+        </p:sp>
+      </p:grpSp>
+      <p:grpSp>
+        <p:nvGrpSpPr>
+          <p:cNvPr id="178" name="Group 177">
+            <a:extLst>
+              <a:ext uri="{FF2B5EF4-FFF2-40B4-BE49-F238E27FC236}">
+                <a16:creationId xmlns:a16="http://schemas.microsoft.com/office/drawing/2014/main" id="{CE31809D-A69C-438E-BB40-A758349D4EF5}"/>
+              </a:ext>
+            </a:extLst>
+          </p:cNvPr>
+          <p:cNvGrpSpPr/>
+          <p:nvPr/>
+        </p:nvGrpSpPr>
+        <p:grpSpPr>
+          <a:xfrm>
+            <a:off x="7513662" y="5946054"/>
+            <a:ext cx="4313999" cy="578211"/>
+            <a:chOff x="2984325" y="784386"/>
+            <a:chExt cx="4313999" cy="578211"/>
+          </a:xfrm>
+        </p:grpSpPr>
+        <p:sp>
+          <p:nvSpPr>
+            <p:cNvPr id="179" name="Rectangle 178">
+              <a:extLst>
+                <a:ext uri="{FF2B5EF4-FFF2-40B4-BE49-F238E27FC236}">
+                  <a16:creationId xmlns:a16="http://schemas.microsoft.com/office/drawing/2014/main" id="{3F8A872F-40B5-4FA5-82E9-04E38B52D9B0}"/>
+                </a:ext>
+              </a:extLst>
+            </p:cNvPr>
+            <p:cNvSpPr/>
+            <p:nvPr/>
+          </p:nvSpPr>
+          <p:spPr bwMode="auto">
+            <a:xfrm>
+              <a:off x="3126124" y="784386"/>
+              <a:ext cx="2086257" cy="578210"/>
+            </a:xfrm>
+            <a:prstGeom prst="rect">
+              <a:avLst/>
+            </a:prstGeom>
+            <a:solidFill>
+              <a:srgbClr val="429AE2"/>
+            </a:solidFill>
+            <a:ln>
+              <a:noFill/>
+              <a:headEnd type="none" w="med" len="med"/>
+              <a:tailEnd type="none" w="med" len="med"/>
+            </a:ln>
+            <a:effectLst/>
+          </p:spPr>
+          <p:style>
+            <a:lnRef idx="1">
+              <a:schemeClr val="accent2"/>
+            </a:lnRef>
+            <a:fillRef idx="3">
+              <a:schemeClr val="accent2"/>
+            </a:fillRef>
+            <a:effectRef idx="2">
+              <a:schemeClr val="accent2"/>
+            </a:effectRef>
+            <a:fontRef idx="minor">
+              <a:schemeClr val="lt1"/>
+            </a:fontRef>
+          </p:style>
+          <p:txBody>
+            <a:bodyPr rot="0" spcFirstLastPara="0" vertOverflow="overflow" horzOverflow="overflow" vert="horz" wrap="square" lIns="186494" tIns="149196" rIns="186494" bIns="149196" numCol="1" spcCol="0" rtlCol="0" fromWordArt="0" anchor="ctr" anchorCtr="0" forceAA="0" compatLnSpc="1">
+              <a:prstTxWarp prst="textNoShape">
+                <a:avLst/>
+              </a:prstTxWarp>
+              <a:noAutofit/>
+            </a:bodyPr>
+            <a:lstStyle/>
+            <a:p>
+              <a:pPr marL="0" marR="0" lvl="0" indent="0" algn="ctr" defTabSz="950846" rtl="0" eaLnBrk="1" fontAlgn="base" latinLnBrk="0" hangingPunct="1">
+                <a:lnSpc>
+                  <a:spcPct val="90000"/>
+                </a:lnSpc>
+                <a:spcBef>
+                  <a:spcPct val="0"/>
+                </a:spcBef>
+                <a:spcAft>
+                  <a:spcPct val="0"/>
+                </a:spcAft>
+                <a:buClrTx/>
+                <a:buSzTx/>
+                <a:buFontTx/>
+                <a:buNone/>
+                <a:tabLst/>
+                <a:defRPr/>
+              </a:pPr>
+              <a:r>
+                <a:rPr kumimoji="0" lang="en-US" sz="1100" b="0" i="0" u="none" strike="noStrike" kern="0" cap="none" spc="0" normalizeH="0" baseline="0" noProof="0" dirty="0">
+                  <a:ln>
+                    <a:noFill/>
+                  </a:ln>
+                  <a:solidFill>
+                    <a:srgbClr val="FFFFFF"/>
+                  </a:solidFill>
+                  <a:effectLst/>
+                  <a:uLnTx/>
+                  <a:uFillTx/>
+                  <a:latin typeface="Segoe UI"/>
+                  <a:ea typeface="Segoe UI" pitchFamily="34" charset="0"/>
+                  <a:cs typeface="Segoe UI" pitchFamily="34" charset="0"/>
+                </a:rPr>
+                <a:t>Security &amp; Critical Updates</a:t>
+              </a:r>
+            </a:p>
+          </p:txBody>
+        </p:sp>
+        <p:sp>
+          <p:nvSpPr>
+            <p:cNvPr id="180" name="Rectangle 179">
+              <a:extLst>
+                <a:ext uri="{FF2B5EF4-FFF2-40B4-BE49-F238E27FC236}">
+                  <a16:creationId xmlns:a16="http://schemas.microsoft.com/office/drawing/2014/main" id="{EA09B640-402E-4A92-BA8A-B6C51F68081B}"/>
+                </a:ext>
+              </a:extLst>
+            </p:cNvPr>
+            <p:cNvSpPr/>
+            <p:nvPr/>
+          </p:nvSpPr>
+          <p:spPr bwMode="auto">
+            <a:xfrm>
+              <a:off x="5212380" y="784387"/>
+              <a:ext cx="2085944" cy="578210"/>
+            </a:xfrm>
+            <a:prstGeom prst="rect">
+              <a:avLst/>
+            </a:prstGeom>
+            <a:solidFill>
+              <a:srgbClr val="0078D7"/>
+            </a:solidFill>
+            <a:ln>
+              <a:noFill/>
+              <a:headEnd type="none" w="med" len="med"/>
+              <a:tailEnd type="none" w="med" len="med"/>
+            </a:ln>
+            <a:effectLst/>
+          </p:spPr>
+          <p:style>
+            <a:lnRef idx="1">
+              <a:schemeClr val="accent2"/>
+            </a:lnRef>
+            <a:fillRef idx="3">
+              <a:schemeClr val="accent2"/>
+            </a:fillRef>
+            <a:effectRef idx="2">
+              <a:schemeClr val="accent2"/>
+            </a:effectRef>
+            <a:fontRef idx="minor">
+              <a:schemeClr val="lt1"/>
+            </a:fontRef>
+          </p:style>
+          <p:txBody>
+            <a:bodyPr rot="0" spcFirstLastPara="0" vertOverflow="overflow" horzOverflow="overflow" vert="horz" wrap="square" lIns="186494" tIns="149196" rIns="186494" bIns="149196" numCol="1" spcCol="0" rtlCol="0" fromWordArt="0" anchor="ctr" anchorCtr="0" forceAA="0" compatLnSpc="1">
+              <a:prstTxWarp prst="textNoShape">
+                <a:avLst/>
+              </a:prstTxWarp>
+              <a:noAutofit/>
+            </a:bodyPr>
+            <a:lstStyle/>
+            <a:p>
+              <a:pPr marL="0" marR="0" lvl="0" indent="0" algn="ctr" defTabSz="950846" rtl="0" eaLnBrk="1" fontAlgn="base" latinLnBrk="0" hangingPunct="1">
+                <a:lnSpc>
+                  <a:spcPct val="90000"/>
+                </a:lnSpc>
+                <a:spcBef>
+                  <a:spcPct val="0"/>
+                </a:spcBef>
+                <a:spcAft>
+                  <a:spcPct val="0"/>
+                </a:spcAft>
+                <a:buClrTx/>
+                <a:buSzTx/>
+                <a:buFontTx/>
+                <a:buNone/>
+                <a:tabLst/>
+                <a:defRPr/>
+              </a:pPr>
+              <a:r>
+                <a:rPr kumimoji="0" lang="en-US" sz="1100" b="0" i="0" u="none" strike="noStrike" kern="0" cap="none" spc="0" normalizeH="0" baseline="0" noProof="0" dirty="0">
+                  <a:ln>
+                    <a:noFill/>
+                  </a:ln>
+                  <a:solidFill>
+                    <a:srgbClr val="FFFFFF"/>
+                  </a:solidFill>
+                  <a:effectLst/>
+                  <a:uLnTx/>
+                  <a:uFillTx/>
+                  <a:latin typeface="Segoe UI"/>
+                  <a:ea typeface="Segoe UI" pitchFamily="34" charset="0"/>
+                  <a:cs typeface="Segoe UI" pitchFamily="34" charset="0"/>
+                </a:rPr>
+                <a:t>Security Updates</a:t>
+              </a:r>
+            </a:p>
+          </p:txBody>
+        </p:sp>
+        <p:sp>
+          <p:nvSpPr>
+            <p:cNvPr id="181" name="Diamond 180">
+              <a:extLst>
+                <a:ext uri="{FF2B5EF4-FFF2-40B4-BE49-F238E27FC236}">
+                  <a16:creationId xmlns:a16="http://schemas.microsoft.com/office/drawing/2014/main" id="{1A3B3C1D-A552-40C5-9880-0310AAD08898}"/>
+                </a:ext>
+              </a:extLst>
+            </p:cNvPr>
+            <p:cNvSpPr/>
+            <p:nvPr/>
+          </p:nvSpPr>
+          <p:spPr bwMode="auto">
+            <a:xfrm>
+              <a:off x="2984325" y="933600"/>
+              <a:ext cx="279781" cy="279781"/>
+            </a:xfrm>
+            <a:prstGeom prst="diamond">
+              <a:avLst/>
+            </a:prstGeom>
+            <a:solidFill>
+              <a:srgbClr val="0078D7"/>
+            </a:solidFill>
+            <a:ln w="41275">
+              <a:solidFill>
+                <a:srgbClr val="FFFFFF"/>
+              </a:solidFill>
+              <a:miter lim="800000"/>
+              <a:headEnd type="none" w="med" len="med"/>
+              <a:tailEnd type="none" w="med" len="med"/>
+            </a:ln>
+            <a:effectLst/>
+          </p:spPr>
+          <p:style>
+            <a:lnRef idx="1">
+              <a:schemeClr val="accent2"/>
+            </a:lnRef>
+            <a:fillRef idx="3">
+              <a:schemeClr val="accent2"/>
+            </a:fillRef>
+            <a:effectRef idx="2">
+              <a:schemeClr val="accent2"/>
+            </a:effectRef>
+            <a:fontRef idx="minor">
+              <a:schemeClr val="lt1"/>
+            </a:fontRef>
+          </p:style>
+          <p:txBody>
+            <a:bodyPr rot="0" spcFirstLastPara="0" vertOverflow="overflow" horzOverflow="overflow" vert="horz" wrap="square" lIns="186494" tIns="149196" rIns="186494" bIns="149196" numCol="1" spcCol="0" rtlCol="0" fromWordArt="0" anchor="t" anchorCtr="0" forceAA="0" compatLnSpc="1">
+              <a:prstTxWarp prst="textNoShape">
+                <a:avLst/>
+              </a:prstTxWarp>
+              <a:noAutofit/>
+            </a:bodyPr>
+            <a:lstStyle/>
+            <a:p>
+              <a:pPr marL="0" marR="0" lvl="0" indent="0" algn="ctr" defTabSz="950846" rtl="0" eaLnBrk="1" fontAlgn="base" latinLnBrk="0" hangingPunct="1">
+                <a:lnSpc>
+                  <a:spcPct val="90000"/>
+                </a:lnSpc>
+                <a:spcBef>
+                  <a:spcPct val="0"/>
+                </a:spcBef>
+                <a:spcAft>
+                  <a:spcPct val="0"/>
+                </a:spcAft>
+                <a:buClrTx/>
+                <a:buSzTx/>
+                <a:buFontTx/>
+                <a:buNone/>
+                <a:tabLst/>
+                <a:defRPr/>
+              </a:pPr>
+              <a:endParaRPr kumimoji="0" lang="en-US" sz="2400" b="0" i="0" u="none" strike="noStrike" kern="0" cap="none" spc="0" normalizeH="0" baseline="0" noProof="0" dirty="0" err="1">
+                <a:ln>
+                  <a:noFill/>
+                </a:ln>
+                <a:gradFill>
+                  <a:gsLst>
+                    <a:gs pos="0">
+                      <a:srgbClr val="FFFFFF"/>
+                    </a:gs>
+                    <a:gs pos="100000">
+                      <a:srgbClr val="FFFFFF"/>
+                    </a:gs>
+                  </a:gsLst>
+                  <a:lin ang="5400000" scaled="0"/>
+                </a:gradFill>
+                <a:effectLst/>
+                <a:uLnTx/>
+                <a:uFillTx/>
+                <a:latin typeface="Segoe UI"/>
+                <a:ea typeface="Segoe UI" pitchFamily="34" charset="0"/>
+                <a:cs typeface="Segoe UI" pitchFamily="34" charset="0"/>
+              </a:endParaRPr>
+            </a:p>
+          </p:txBody>
+        </p:sp>
+      </p:grpSp>
+      <p:grpSp>
+        <p:nvGrpSpPr>
+          <p:cNvPr id="182" name="Group 181">
+            <a:extLst>
+              <a:ext uri="{FF2B5EF4-FFF2-40B4-BE49-F238E27FC236}">
+                <a16:creationId xmlns:a16="http://schemas.microsoft.com/office/drawing/2014/main" id="{8E54E331-FEDE-44F4-A7DF-10A7B85A2165}"/>
+              </a:ext>
+            </a:extLst>
+          </p:cNvPr>
+          <p:cNvGrpSpPr/>
+          <p:nvPr/>
+        </p:nvGrpSpPr>
+        <p:grpSpPr>
+          <a:xfrm>
+            <a:off x="10142515" y="6994525"/>
+            <a:ext cx="4313999" cy="578211"/>
+            <a:chOff x="2984325" y="784386"/>
+            <a:chExt cx="4313999" cy="578211"/>
+          </a:xfrm>
+        </p:grpSpPr>
+        <p:sp>
+          <p:nvSpPr>
+            <p:cNvPr id="183" name="Rectangle 182">
+              <a:extLst>
+                <a:ext uri="{FF2B5EF4-FFF2-40B4-BE49-F238E27FC236}">
+                  <a16:creationId xmlns:a16="http://schemas.microsoft.com/office/drawing/2014/main" id="{197CA7C7-17C6-4D6E-BE77-E5ABCBF3190E}"/>
+                </a:ext>
+              </a:extLst>
+            </p:cNvPr>
+            <p:cNvSpPr/>
+            <p:nvPr/>
+          </p:nvSpPr>
+          <p:spPr bwMode="auto">
+            <a:xfrm>
+              <a:off x="3126124" y="784386"/>
+              <a:ext cx="2086257" cy="578210"/>
+            </a:xfrm>
+            <a:prstGeom prst="rect">
+              <a:avLst/>
+            </a:prstGeom>
+            <a:solidFill>
+              <a:srgbClr val="429AE2"/>
+            </a:solidFill>
+            <a:ln>
+              <a:noFill/>
+              <a:headEnd type="none" w="med" len="med"/>
+              <a:tailEnd type="none" w="med" len="med"/>
+            </a:ln>
+            <a:effectLst/>
+          </p:spPr>
+          <p:style>
+            <a:lnRef idx="1">
+              <a:schemeClr val="accent2"/>
+            </a:lnRef>
+            <a:fillRef idx="3">
+              <a:schemeClr val="accent2"/>
+            </a:fillRef>
+            <a:effectRef idx="2">
+              <a:schemeClr val="accent2"/>
+            </a:effectRef>
+            <a:fontRef idx="minor">
+              <a:schemeClr val="lt1"/>
+            </a:fontRef>
+          </p:style>
+          <p:txBody>
+            <a:bodyPr rot="0" spcFirstLastPara="0" vertOverflow="overflow" horzOverflow="overflow" vert="horz" wrap="square" lIns="186494" tIns="149196" rIns="186494" bIns="149196" numCol="1" spcCol="0" rtlCol="0" fromWordArt="0" anchor="ctr" anchorCtr="0" forceAA="0" compatLnSpc="1">
+              <a:prstTxWarp prst="textNoShape">
+                <a:avLst/>
+              </a:prstTxWarp>
+              <a:noAutofit/>
+            </a:bodyPr>
+            <a:lstStyle/>
+            <a:p>
+              <a:pPr marL="0" marR="0" lvl="0" indent="0" algn="ctr" defTabSz="950846" rtl="0" eaLnBrk="1" fontAlgn="base" latinLnBrk="0" hangingPunct="1">
+                <a:lnSpc>
+                  <a:spcPct val="90000"/>
+                </a:lnSpc>
+                <a:spcBef>
+                  <a:spcPct val="0"/>
+                </a:spcBef>
+                <a:spcAft>
+                  <a:spcPct val="0"/>
+                </a:spcAft>
+                <a:buClrTx/>
+                <a:buSzTx/>
+                <a:buFontTx/>
+                <a:buNone/>
+                <a:tabLst/>
+                <a:defRPr/>
+              </a:pPr>
+              <a:r>
+                <a:rPr kumimoji="0" lang="en-US" sz="1100" b="0" i="0" u="none" strike="noStrike" kern="0" cap="none" spc="0" normalizeH="0" baseline="0" noProof="0" dirty="0">
+                  <a:ln>
+                    <a:noFill/>
+                  </a:ln>
+                  <a:solidFill>
+                    <a:srgbClr val="FFFFFF"/>
+                  </a:solidFill>
+                  <a:effectLst/>
+                  <a:uLnTx/>
+                  <a:uFillTx/>
+                  <a:latin typeface="Segoe UI"/>
+                  <a:ea typeface="Segoe UI" pitchFamily="34" charset="0"/>
+                  <a:cs typeface="Segoe UI" pitchFamily="34" charset="0"/>
+                </a:rPr>
+                <a:t>Security &amp; Critical Updates</a:t>
+              </a:r>
+            </a:p>
+          </p:txBody>
+        </p:sp>
+        <p:sp>
+          <p:nvSpPr>
+            <p:cNvPr id="184" name="Rectangle 183">
+              <a:extLst>
+                <a:ext uri="{FF2B5EF4-FFF2-40B4-BE49-F238E27FC236}">
+                  <a16:creationId xmlns:a16="http://schemas.microsoft.com/office/drawing/2014/main" id="{E2F0D81F-3DAB-492E-B9B1-77D6D446349E}"/>
+                </a:ext>
+              </a:extLst>
+            </p:cNvPr>
+            <p:cNvSpPr/>
+            <p:nvPr/>
+          </p:nvSpPr>
+          <p:spPr bwMode="auto">
+            <a:xfrm>
+              <a:off x="5212380" y="784387"/>
+              <a:ext cx="2085944" cy="578210"/>
+            </a:xfrm>
+            <a:prstGeom prst="rect">
+              <a:avLst/>
+            </a:prstGeom>
+            <a:solidFill>
+              <a:srgbClr val="0078D7"/>
+            </a:solidFill>
+            <a:ln>
+              <a:noFill/>
+              <a:headEnd type="none" w="med" len="med"/>
+              <a:tailEnd type="none" w="med" len="med"/>
+            </a:ln>
+            <a:effectLst/>
+          </p:spPr>
+          <p:style>
+            <a:lnRef idx="1">
+              <a:schemeClr val="accent2"/>
+            </a:lnRef>
+            <a:fillRef idx="3">
+              <a:schemeClr val="accent2"/>
+            </a:fillRef>
+            <a:effectRef idx="2">
+              <a:schemeClr val="accent2"/>
+            </a:effectRef>
+            <a:fontRef idx="minor">
+              <a:schemeClr val="lt1"/>
+            </a:fontRef>
+          </p:style>
+          <p:txBody>
+            <a:bodyPr rot="0" spcFirstLastPara="0" vertOverflow="overflow" horzOverflow="overflow" vert="horz" wrap="square" lIns="186494" tIns="149196" rIns="186494" bIns="149196" numCol="1" spcCol="0" rtlCol="0" fromWordArt="0" anchor="ctr" anchorCtr="0" forceAA="0" compatLnSpc="1">
+              <a:prstTxWarp prst="textNoShape">
+                <a:avLst/>
+              </a:prstTxWarp>
+              <a:noAutofit/>
+            </a:bodyPr>
+            <a:lstStyle/>
+            <a:p>
+              <a:pPr marL="0" marR="0" lvl="0" indent="0" algn="ctr" defTabSz="950846" rtl="0" eaLnBrk="1" fontAlgn="base" latinLnBrk="0" hangingPunct="1">
+                <a:lnSpc>
+                  <a:spcPct val="90000"/>
+                </a:lnSpc>
+                <a:spcBef>
+                  <a:spcPct val="0"/>
+                </a:spcBef>
+                <a:spcAft>
+                  <a:spcPct val="0"/>
+                </a:spcAft>
+                <a:buClrTx/>
+                <a:buSzTx/>
+                <a:buFontTx/>
+                <a:buNone/>
+                <a:tabLst/>
+                <a:defRPr/>
+              </a:pPr>
+              <a:r>
+                <a:rPr kumimoji="0" lang="en-US" sz="1100" b="0" i="0" u="none" strike="noStrike" kern="0" cap="none" spc="0" normalizeH="0" baseline="0" noProof="0" dirty="0">
+                  <a:ln>
+                    <a:noFill/>
+                  </a:ln>
+                  <a:solidFill>
+                    <a:srgbClr val="FFFFFF"/>
+                  </a:solidFill>
+                  <a:effectLst/>
+                  <a:uLnTx/>
+                  <a:uFillTx/>
+                  <a:latin typeface="Segoe UI"/>
+                  <a:ea typeface="Segoe UI" pitchFamily="34" charset="0"/>
+                  <a:cs typeface="Segoe UI" pitchFamily="34" charset="0"/>
+                </a:rPr>
+                <a:t>Security Updates</a:t>
+              </a:r>
+            </a:p>
+          </p:txBody>
+        </p:sp>
+        <p:sp>
+          <p:nvSpPr>
+            <p:cNvPr id="185" name="Diamond 184">
+              <a:extLst>
+                <a:ext uri="{FF2B5EF4-FFF2-40B4-BE49-F238E27FC236}">
+                  <a16:creationId xmlns:a16="http://schemas.microsoft.com/office/drawing/2014/main" id="{FB2B0959-29C4-4AFB-BD82-1C1BA7D84872}"/>
+                </a:ext>
+              </a:extLst>
+            </p:cNvPr>
+            <p:cNvSpPr/>
+            <p:nvPr/>
+          </p:nvSpPr>
+          <p:spPr bwMode="auto">
+            <a:xfrm>
+              <a:off x="2984325" y="933600"/>
+              <a:ext cx="279781" cy="279781"/>
+            </a:xfrm>
+            <a:prstGeom prst="diamond">
+              <a:avLst/>
+            </a:prstGeom>
+            <a:solidFill>
+              <a:srgbClr val="0078D7"/>
+            </a:solidFill>
+            <a:ln w="41275">
+              <a:solidFill>
+                <a:srgbClr val="FFFFFF"/>
+              </a:solidFill>
+              <a:miter lim="800000"/>
+              <a:headEnd type="none" w="med" len="med"/>
+              <a:tailEnd type="none" w="med" len="med"/>
+            </a:ln>
+            <a:effectLst/>
+          </p:spPr>
+          <p:style>
+            <a:lnRef idx="1">
+              <a:schemeClr val="accent2"/>
+            </a:lnRef>
+            <a:fillRef idx="3">
+              <a:schemeClr val="accent2"/>
+            </a:fillRef>
+            <a:effectRef idx="2">
+              <a:schemeClr val="accent2"/>
+            </a:effectRef>
+            <a:fontRef idx="minor">
+              <a:schemeClr val="lt1"/>
+            </a:fontRef>
+          </p:style>
+          <p:txBody>
+            <a:bodyPr rot="0" spcFirstLastPara="0" vertOverflow="overflow" horzOverflow="overflow" vert="horz" wrap="square" lIns="186494" tIns="149196" rIns="186494" bIns="149196" numCol="1" spcCol="0" rtlCol="0" fromWordArt="0" anchor="t" anchorCtr="0" forceAA="0" compatLnSpc="1">
+              <a:prstTxWarp prst="textNoShape">
+                <a:avLst/>
+              </a:prstTxWarp>
+              <a:noAutofit/>
+            </a:bodyPr>
+            <a:lstStyle/>
+            <a:p>
+              <a:pPr marL="0" marR="0" lvl="0" indent="0" algn="ctr" defTabSz="950846" rtl="0" eaLnBrk="1" fontAlgn="base" latinLnBrk="0" hangingPunct="1">
+                <a:lnSpc>
+                  <a:spcPct val="90000"/>
+                </a:lnSpc>
+                <a:spcBef>
+                  <a:spcPct val="0"/>
+                </a:spcBef>
+                <a:spcAft>
+                  <a:spcPct val="0"/>
+                </a:spcAft>
+                <a:buClrTx/>
+                <a:buSzTx/>
+                <a:buFontTx/>
+                <a:buNone/>
+                <a:tabLst/>
+                <a:defRPr/>
+              </a:pPr>
+              <a:endParaRPr kumimoji="0" lang="en-US" sz="2400" b="0" i="0" u="none" strike="noStrike" kern="0" cap="none" spc="0" normalizeH="0" baseline="0" noProof="0" dirty="0" err="1">
+                <a:ln>
+                  <a:noFill/>
+                </a:ln>
+                <a:gradFill>
+                  <a:gsLst>
+                    <a:gs pos="0">
+                      <a:srgbClr val="FFFFFF"/>
+                    </a:gs>
+                    <a:gs pos="100000">
+                      <a:srgbClr val="FFFFFF"/>
+                    </a:gs>
+                  </a:gsLst>
+                  <a:lin ang="5400000" scaled="0"/>
+                </a:gradFill>
+                <a:effectLst/>
+                <a:uLnTx/>
+                <a:uFillTx/>
+                <a:latin typeface="Segoe UI"/>
+                <a:ea typeface="Segoe UI" pitchFamily="34" charset="0"/>
+                <a:cs typeface="Segoe UI" pitchFamily="34" charset="0"/>
+              </a:endParaRPr>
+            </a:p>
+          </p:txBody>
+        </p:sp>
+      </p:grpSp>
+    </p:spTree>
+    <p:extLst>
+      <p:ext uri="{BB962C8B-B14F-4D97-AF65-F5344CB8AC3E}">
+        <p14:creationId xmlns:p14="http://schemas.microsoft.com/office/powerpoint/2010/main" val="1272926093"/>
+      </p:ext>
+    </p:extLst>
+  </p:cSld>
+  <p:clrMapOvr>
+    <a:masterClrMapping/>
+  </p:clrMapOvr>
+  <p:transition>
+    <p:fade/>
+  </p:transition>
+</p:sld>
+</file>
+
+<file path=ppt/slides/slide3.xml><?xml version="1.0" encoding="utf-8"?>
+<p:sld xmlns:a="http://schemas.openxmlformats.org/drawingml/2006/main" xmlns:r="http://schemas.openxmlformats.org/officeDocument/2006/relationships" xmlns:p="http://schemas.openxmlformats.org/presentationml/2006/main">
+  <p:cSld>
+    <p:bg>
+      <p:bgPr>
+        <a:solidFill>
+          <a:srgbClr val="F2F2F2">
+            <a:alpha val="0"/>
+          </a:srgbClr>
+        </a:solidFill>
+        <a:effectLst/>
+      </p:bgPr>
+    </p:bg>
+    <p:spTree>
+      <p:nvGrpSpPr>
+        <p:cNvPr id="1" name=""/>
+        <p:cNvGrpSpPr/>
+        <p:nvPr/>
+      </p:nvGrpSpPr>
+      <p:grpSpPr>
+        <a:xfrm>
+          <a:off x="0" y="0"/>
+          <a:ext cx="0" cy="0"/>
+          <a:chOff x="0" y="0"/>
+          <a:chExt cx="0" cy="0"/>
+        </a:xfrm>
+      </p:grpSpPr>
+      <p:sp>
+        <p:nvSpPr>
+          <p:cNvPr id="35" name="Rectangle 34"/>
+          <p:cNvSpPr/>
+          <p:nvPr/>
+        </p:nvSpPr>
+        <p:spPr bwMode="auto">
+          <a:xfrm>
+            <a:off x="820740" y="1183727"/>
+            <a:ext cx="10761654" cy="914400"/>
+          </a:xfrm>
+          <a:prstGeom prst="rect">
+            <a:avLst/>
+          </a:prstGeom>
+          <a:solidFill>
+            <a:schemeClr val="bg1">
+              <a:lumMod val="85000"/>
+            </a:schemeClr>
+          </a:solidFill>
+          <a:ln>
+            <a:noFill/>
+            <a:headEnd type="none" w="med" len="med"/>
+            <a:tailEnd type="none" w="med" len="med"/>
+          </a:ln>
+          <a:effectLst/>
+        </p:spPr>
+        <p:style>
+          <a:lnRef idx="1">
+            <a:schemeClr val="accent2"/>
+          </a:lnRef>
+          <a:fillRef idx="3">
+            <a:schemeClr val="accent2"/>
+          </a:fillRef>
+          <a:effectRef idx="2">
+            <a:schemeClr val="accent2"/>
+          </a:effectRef>
+          <a:fontRef idx="minor">
+            <a:schemeClr val="lt1"/>
+          </a:fontRef>
+        </p:style>
+        <p:txBody>
+          <a:bodyPr rot="0" spcFirstLastPara="0" vertOverflow="overflow" horzOverflow="overflow" vert="horz" wrap="square" lIns="186494" tIns="149196" rIns="186494" bIns="149196" numCol="1" spcCol="0" rtlCol="0" fromWordArt="0" anchor="t" anchorCtr="0" forceAA="0" compatLnSpc="1">
+            <a:prstTxWarp prst="textNoShape">
+              <a:avLst/>
+            </a:prstTxWarp>
+            <a:noAutofit/>
+          </a:bodyPr>
+          <a:lstStyle/>
+          <a:p>
+            <a:pPr marL="0" marR="0" lvl="0" indent="0" algn="ctr" defTabSz="950846" rtl="0" eaLnBrk="1" fontAlgn="base" latinLnBrk="0" hangingPunct="1">
+              <a:lnSpc>
+                <a:spcPct val="90000"/>
+              </a:lnSpc>
+              <a:spcBef>
+                <a:spcPct val="0"/>
+              </a:spcBef>
+              <a:spcAft>
+                <a:spcPct val="0"/>
+              </a:spcAft>
+              <a:buClrTx/>
+              <a:buSzTx/>
+              <a:buFontTx/>
+              <a:buNone/>
+              <a:tabLst/>
+              <a:defRPr/>
+            </a:pPr>
+            <a:endParaRPr kumimoji="0" lang="en-US" sz="2400" b="0" i="0" u="none" strike="noStrike" kern="0" cap="none" spc="0" normalizeH="0" baseline="0" noProof="0" dirty="0" err="1">
+              <a:ln>
+                <a:noFill/>
+              </a:ln>
+              <a:gradFill>
+                <a:gsLst>
+                  <a:gs pos="0">
+                    <a:srgbClr val="FFFFFF"/>
+                  </a:gs>
+                  <a:gs pos="100000">
+                    <a:srgbClr val="FFFFFF"/>
+                  </a:gs>
+                </a:gsLst>
+                <a:lin ang="5400000" scaled="0"/>
+              </a:gradFill>
+              <a:effectLst/>
+              <a:uLnTx/>
+              <a:uFillTx/>
+              <a:latin typeface="Segoe UI"/>
+              <a:ea typeface="Segoe UI" pitchFamily="34" charset="0"/>
+              <a:cs typeface="Segoe UI" pitchFamily="34" charset="0"/>
+            </a:endParaRPr>
+          </a:p>
+        </p:txBody>
+      </p:sp>
+      <p:sp>
+        <p:nvSpPr>
+          <p:cNvPr id="37" name="Rectangle 36">
+            <a:extLst>
+              <a:ext uri="{FF2B5EF4-FFF2-40B4-BE49-F238E27FC236}">
+                <a16:creationId xmlns:a16="http://schemas.microsoft.com/office/drawing/2014/main" id="{F4E30BC9-DC80-4992-BDC2-2974064176BD}"/>
+              </a:ext>
+            </a:extLst>
+          </p:cNvPr>
+          <p:cNvSpPr/>
+          <p:nvPr/>
+        </p:nvSpPr>
+        <p:spPr bwMode="auto">
+          <a:xfrm>
+            <a:off x="820740" y="2213793"/>
+            <a:ext cx="10761654" cy="914400"/>
+          </a:xfrm>
+          <a:prstGeom prst="rect">
+            <a:avLst/>
+          </a:prstGeom>
+          <a:solidFill>
+            <a:schemeClr val="bg1">
+              <a:lumMod val="85000"/>
+            </a:schemeClr>
+          </a:solidFill>
+          <a:ln>
+            <a:noFill/>
+            <a:headEnd type="none" w="med" len="med"/>
+            <a:tailEnd type="none" w="med" len="med"/>
+          </a:ln>
+          <a:effectLst/>
+        </p:spPr>
+        <p:style>
+          <a:lnRef idx="1">
+            <a:schemeClr val="accent2"/>
+          </a:lnRef>
+          <a:fillRef idx="3">
+            <a:schemeClr val="accent2"/>
+          </a:fillRef>
+          <a:effectRef idx="2">
+            <a:schemeClr val="accent2"/>
+          </a:effectRef>
+          <a:fontRef idx="minor">
+            <a:schemeClr val="lt1"/>
+          </a:fontRef>
+        </p:style>
+        <p:txBody>
+          <a:bodyPr rot="0" spcFirstLastPara="0" vertOverflow="overflow" horzOverflow="overflow" vert="horz" wrap="square" lIns="186494" tIns="149196" rIns="186494" bIns="149196" numCol="1" spcCol="0" rtlCol="0" fromWordArt="0" anchor="t" anchorCtr="0" forceAA="0" compatLnSpc="1">
+            <a:prstTxWarp prst="textNoShape">
+              <a:avLst/>
+            </a:prstTxWarp>
+            <a:noAutofit/>
+          </a:bodyPr>
+          <a:lstStyle/>
+          <a:p>
+            <a:pPr marL="0" marR="0" lvl="0" indent="0" algn="ctr" defTabSz="950846" rtl="0" eaLnBrk="1" fontAlgn="base" latinLnBrk="0" hangingPunct="1">
+              <a:lnSpc>
+                <a:spcPct val="90000"/>
+              </a:lnSpc>
+              <a:spcBef>
+                <a:spcPct val="0"/>
+              </a:spcBef>
+              <a:spcAft>
+                <a:spcPct val="0"/>
+              </a:spcAft>
+              <a:buClrTx/>
+              <a:buSzTx/>
+              <a:buFontTx/>
+              <a:buNone/>
+              <a:tabLst/>
+              <a:defRPr/>
+            </a:pPr>
+            <a:endParaRPr kumimoji="0" lang="en-US" sz="2400" b="0" i="0" u="none" strike="noStrike" kern="0" cap="none" spc="0" normalizeH="0" baseline="0" noProof="0" dirty="0" err="1">
+              <a:ln>
+                <a:noFill/>
+              </a:ln>
+              <a:gradFill>
+                <a:gsLst>
+                  <a:gs pos="0">
+                    <a:srgbClr val="FFFFFF"/>
+                  </a:gs>
+                  <a:gs pos="100000">
+                    <a:srgbClr val="FFFFFF"/>
+                  </a:gs>
+                </a:gsLst>
+                <a:lin ang="5400000" scaled="0"/>
+              </a:gradFill>
+              <a:effectLst/>
+              <a:uLnTx/>
+              <a:uFillTx/>
+              <a:latin typeface="Segoe UI"/>
+              <a:ea typeface="Segoe UI" pitchFamily="34" charset="0"/>
+              <a:cs typeface="Segoe UI" pitchFamily="34" charset="0"/>
+            </a:endParaRPr>
+          </a:p>
+        </p:txBody>
+      </p:sp>
+      <p:sp>
+        <p:nvSpPr>
+          <p:cNvPr id="55" name="Rectangle 54">
+            <a:extLst>
+              <a:ext uri="{FF2B5EF4-FFF2-40B4-BE49-F238E27FC236}">
+                <a16:creationId xmlns:a16="http://schemas.microsoft.com/office/drawing/2014/main" id="{054602D8-A89D-489A-B823-E652F12DFA66}"/>
+              </a:ext>
+            </a:extLst>
+          </p:cNvPr>
+          <p:cNvSpPr/>
+          <p:nvPr/>
+        </p:nvSpPr>
+        <p:spPr bwMode="auto">
+          <a:xfrm>
+            <a:off x="820740" y="3243859"/>
+            <a:ext cx="10761654" cy="914400"/>
+          </a:xfrm>
+          <a:prstGeom prst="rect">
+            <a:avLst/>
+          </a:prstGeom>
+          <a:solidFill>
+            <a:schemeClr val="bg1">
+              <a:lumMod val="85000"/>
+            </a:schemeClr>
+          </a:solidFill>
+          <a:ln>
+            <a:noFill/>
+            <a:headEnd type="none" w="med" len="med"/>
+            <a:tailEnd type="none" w="med" len="med"/>
+          </a:ln>
+          <a:effectLst/>
+        </p:spPr>
+        <p:style>
+          <a:lnRef idx="1">
+            <a:schemeClr val="accent2"/>
+          </a:lnRef>
+          <a:fillRef idx="3">
+            <a:schemeClr val="accent2"/>
+          </a:fillRef>
+          <a:effectRef idx="2">
+            <a:schemeClr val="accent2"/>
+          </a:effectRef>
+          <a:fontRef idx="minor">
+            <a:schemeClr val="lt1"/>
+          </a:fontRef>
+        </p:style>
+        <p:txBody>
+          <a:bodyPr rot="0" spcFirstLastPara="0" vertOverflow="overflow" horzOverflow="overflow" vert="horz" wrap="square" lIns="186494" tIns="149196" rIns="186494" bIns="149196" numCol="1" spcCol="0" rtlCol="0" fromWordArt="0" anchor="t" anchorCtr="0" forceAA="0" compatLnSpc="1">
+            <a:prstTxWarp prst="textNoShape">
+              <a:avLst/>
+            </a:prstTxWarp>
+            <a:noAutofit/>
+          </a:bodyPr>
+          <a:lstStyle/>
+          <a:p>
+            <a:pPr marL="0" marR="0" lvl="0" indent="0" algn="ctr" defTabSz="950846" rtl="0" eaLnBrk="1" fontAlgn="base" latinLnBrk="0" hangingPunct="1">
+              <a:lnSpc>
+                <a:spcPct val="90000"/>
+              </a:lnSpc>
+              <a:spcBef>
+                <a:spcPct val="0"/>
+              </a:spcBef>
+              <a:spcAft>
+                <a:spcPct val="0"/>
+              </a:spcAft>
+              <a:buClrTx/>
+              <a:buSzTx/>
+              <a:buFontTx/>
+              <a:buNone/>
+              <a:tabLst/>
+              <a:defRPr/>
+            </a:pPr>
+            <a:endParaRPr kumimoji="0" lang="en-US" sz="2400" b="0" i="0" u="none" strike="noStrike" kern="0" cap="none" spc="0" normalizeH="0" baseline="0" noProof="0" dirty="0" err="1">
+              <a:ln>
+                <a:noFill/>
+              </a:ln>
+              <a:gradFill>
+                <a:gsLst>
+                  <a:gs pos="0">
+                    <a:srgbClr val="FFFFFF"/>
+                  </a:gs>
+                  <a:gs pos="100000">
+                    <a:srgbClr val="FFFFFF"/>
+                  </a:gs>
+                </a:gsLst>
+                <a:lin ang="5400000" scaled="0"/>
+              </a:gradFill>
+              <a:effectLst/>
+              <a:uLnTx/>
+              <a:uFillTx/>
+              <a:latin typeface="Segoe UI"/>
+              <a:ea typeface="Segoe UI" pitchFamily="34" charset="0"/>
+              <a:cs typeface="Segoe UI" pitchFamily="34" charset="0"/>
+            </a:endParaRPr>
+          </a:p>
+        </p:txBody>
+      </p:sp>
+      <p:sp>
+        <p:nvSpPr>
+          <p:cNvPr id="56" name="Rectangle 55">
+            <a:extLst>
+              <a:ext uri="{FF2B5EF4-FFF2-40B4-BE49-F238E27FC236}">
+                <a16:creationId xmlns:a16="http://schemas.microsoft.com/office/drawing/2014/main" id="{FEF5780C-BF53-437F-AEEC-FDB67C025AFA}"/>
+              </a:ext>
+            </a:extLst>
+          </p:cNvPr>
+          <p:cNvSpPr/>
+          <p:nvPr/>
+        </p:nvSpPr>
+        <p:spPr bwMode="auto">
+          <a:xfrm>
+            <a:off x="820740" y="4273925"/>
+            <a:ext cx="10761654" cy="914400"/>
+          </a:xfrm>
+          <a:prstGeom prst="rect">
+            <a:avLst/>
+          </a:prstGeom>
+          <a:solidFill>
+            <a:schemeClr val="bg1">
+              <a:lumMod val="85000"/>
+            </a:schemeClr>
+          </a:solidFill>
+          <a:ln>
+            <a:noFill/>
+            <a:headEnd type="none" w="med" len="med"/>
+            <a:tailEnd type="none" w="med" len="med"/>
+          </a:ln>
+          <a:effectLst/>
+        </p:spPr>
+        <p:style>
+          <a:lnRef idx="1">
+            <a:schemeClr val="accent2"/>
+          </a:lnRef>
+          <a:fillRef idx="3">
+            <a:schemeClr val="accent2"/>
+          </a:fillRef>
+          <a:effectRef idx="2">
+            <a:schemeClr val="accent2"/>
+          </a:effectRef>
+          <a:fontRef idx="minor">
+            <a:schemeClr val="lt1"/>
+          </a:fontRef>
+        </p:style>
+        <p:txBody>
+          <a:bodyPr rot="0" spcFirstLastPara="0" vertOverflow="overflow" horzOverflow="overflow" vert="horz" wrap="square" lIns="186494" tIns="149196" rIns="186494" bIns="149196" numCol="1" spcCol="0" rtlCol="0" fromWordArt="0" anchor="t" anchorCtr="0" forceAA="0" compatLnSpc="1">
+            <a:prstTxWarp prst="textNoShape">
+              <a:avLst/>
+            </a:prstTxWarp>
+            <a:noAutofit/>
+          </a:bodyPr>
+          <a:lstStyle/>
+          <a:p>
+            <a:pPr marL="0" marR="0" lvl="0" indent="0" algn="ctr" defTabSz="950846" rtl="0" eaLnBrk="1" fontAlgn="base" latinLnBrk="0" hangingPunct="1">
+              <a:lnSpc>
+                <a:spcPct val="90000"/>
+              </a:lnSpc>
+              <a:spcBef>
+                <a:spcPct val="0"/>
+              </a:spcBef>
+              <a:spcAft>
+                <a:spcPct val="0"/>
+              </a:spcAft>
+              <a:buClrTx/>
+              <a:buSzTx/>
+              <a:buFontTx/>
+              <a:buNone/>
+              <a:tabLst/>
+              <a:defRPr/>
+            </a:pPr>
+            <a:endParaRPr kumimoji="0" lang="en-US" sz="2400" b="0" i="0" u="none" strike="noStrike" kern="0" cap="none" spc="0" normalizeH="0" baseline="0" noProof="0" dirty="0" err="1">
+              <a:ln>
+                <a:noFill/>
+              </a:ln>
+              <a:gradFill>
+                <a:gsLst>
+                  <a:gs pos="0">
+                    <a:srgbClr val="FFFFFF"/>
+                  </a:gs>
+                  <a:gs pos="100000">
+                    <a:srgbClr val="FFFFFF"/>
+                  </a:gs>
+                </a:gsLst>
+                <a:lin ang="5400000" scaled="0"/>
+              </a:gradFill>
+              <a:effectLst/>
+              <a:uLnTx/>
+              <a:uFillTx/>
+              <a:latin typeface="Segoe UI"/>
+              <a:ea typeface="Segoe UI" pitchFamily="34" charset="0"/>
+              <a:cs typeface="Segoe UI" pitchFamily="34" charset="0"/>
+            </a:endParaRPr>
+          </a:p>
+        </p:txBody>
+      </p:sp>
+      <p:sp>
+        <p:nvSpPr>
+          <p:cNvPr id="112" name="Rectangle 111">
+            <a:extLst>
+              <a:ext uri="{FF2B5EF4-FFF2-40B4-BE49-F238E27FC236}">
+                <a16:creationId xmlns:a16="http://schemas.microsoft.com/office/drawing/2014/main" id="{4316E862-BBE6-4F4D-9E61-3A3519B96670}"/>
+              </a:ext>
+            </a:extLst>
+          </p:cNvPr>
+          <p:cNvSpPr/>
+          <p:nvPr/>
+        </p:nvSpPr>
+        <p:spPr bwMode="auto">
+          <a:xfrm>
+            <a:off x="820740" y="5303989"/>
+            <a:ext cx="10761654" cy="914400"/>
+          </a:xfrm>
+          <a:prstGeom prst="rect">
+            <a:avLst/>
+          </a:prstGeom>
+          <a:solidFill>
+            <a:schemeClr val="bg1">
+              <a:lumMod val="85000"/>
+            </a:schemeClr>
+          </a:solidFill>
+          <a:ln>
+            <a:noFill/>
+            <a:headEnd type="none" w="med" len="med"/>
+            <a:tailEnd type="none" w="med" len="med"/>
+          </a:ln>
+          <a:effectLst/>
+        </p:spPr>
+        <p:style>
+          <a:lnRef idx="1">
+            <a:schemeClr val="accent2"/>
+          </a:lnRef>
+          <a:fillRef idx="3">
+            <a:schemeClr val="accent2"/>
+          </a:fillRef>
+          <a:effectRef idx="2">
+            <a:schemeClr val="accent2"/>
+          </a:effectRef>
+          <a:fontRef idx="minor">
+            <a:schemeClr val="lt1"/>
+          </a:fontRef>
+        </p:style>
+        <p:txBody>
+          <a:bodyPr rot="0" spcFirstLastPara="0" vertOverflow="overflow" horzOverflow="overflow" vert="horz" wrap="square" lIns="186494" tIns="149196" rIns="186494" bIns="149196" numCol="1" spcCol="0" rtlCol="0" fromWordArt="0" anchor="t" anchorCtr="0" forceAA="0" compatLnSpc="1">
+            <a:prstTxWarp prst="textNoShape">
+              <a:avLst/>
+            </a:prstTxWarp>
+            <a:noAutofit/>
+          </a:bodyPr>
+          <a:lstStyle/>
+          <a:p>
+            <a:pPr marL="0" marR="0" lvl="0" indent="0" algn="ctr" defTabSz="950846" rtl="0" eaLnBrk="1" fontAlgn="base" latinLnBrk="0" hangingPunct="1">
+              <a:lnSpc>
+                <a:spcPct val="90000"/>
+              </a:lnSpc>
+              <a:spcBef>
+                <a:spcPct val="0"/>
+              </a:spcBef>
+              <a:spcAft>
+                <a:spcPct val="0"/>
+              </a:spcAft>
+              <a:buClrTx/>
+              <a:buSzTx/>
+              <a:buFontTx/>
+              <a:buNone/>
+              <a:tabLst/>
+              <a:defRPr/>
+            </a:pPr>
+            <a:endParaRPr kumimoji="0" lang="en-US" sz="2400" b="0" i="0" u="none" strike="noStrike" kern="0" cap="none" spc="0" normalizeH="0" baseline="0" noProof="0" dirty="0" err="1">
+              <a:ln>
+                <a:noFill/>
+              </a:ln>
+              <a:gradFill>
+                <a:gsLst>
+                  <a:gs pos="0">
+                    <a:srgbClr val="FFFFFF"/>
+                  </a:gs>
+                  <a:gs pos="100000">
+                    <a:srgbClr val="FFFFFF"/>
+                  </a:gs>
+                </a:gsLst>
+                <a:lin ang="5400000" scaled="0"/>
+              </a:gradFill>
+              <a:effectLst/>
+              <a:uLnTx/>
+              <a:uFillTx/>
+              <a:latin typeface="Segoe UI"/>
+              <a:ea typeface="Segoe UI" pitchFamily="34" charset="0"/>
+              <a:cs typeface="Segoe UI" pitchFamily="34" charset="0"/>
+            </a:endParaRPr>
+          </a:p>
+        </p:txBody>
+      </p:sp>
+      <p:sp>
+        <p:nvSpPr>
+          <p:cNvPr id="28" name="TextBox 27"/>
+          <p:cNvSpPr txBox="1"/>
+          <p:nvPr/>
+        </p:nvSpPr>
+        <p:spPr>
+          <a:xfrm>
+            <a:off x="1295206" y="781060"/>
+            <a:ext cx="1323041" cy="452044"/>
+          </a:xfrm>
+          <a:prstGeom prst="rect">
+            <a:avLst/>
+          </a:prstGeom>
+          <a:noFill/>
+        </p:spPr>
+        <p:txBody>
+          <a:bodyPr wrap="square" lIns="142635" tIns="114108" rIns="142635" bIns="114108" rtlCol="0">
+            <a:spAutoFit/>
+          </a:bodyPr>
+          <a:lstStyle/>
+          <a:p>
+            <a:pPr marL="0" marR="0" lvl="0" indent="0" algn="ctr" defTabSz="950766" rtl="0" eaLnBrk="1" fontAlgn="auto" latinLnBrk="0" hangingPunct="1">
+              <a:lnSpc>
+                <a:spcPct val="90000"/>
+              </a:lnSpc>
+              <a:spcBef>
+                <a:spcPts val="624"/>
+              </a:spcBef>
+              <a:spcAft>
+                <a:spcPts val="0"/>
+              </a:spcAft>
+              <a:buClrTx/>
+              <a:buSzTx/>
+              <a:buFontTx/>
+              <a:buNone/>
+              <a:tabLst/>
+              <a:defRPr/>
+            </a:pPr>
+            <a:r>
+              <a:rPr kumimoji="0" lang="en-US" sz="1600" b="1" i="0" u="none" strike="noStrike" kern="0" cap="none" spc="-31" normalizeH="0" baseline="0" noProof="0" dirty="0">
+                <a:ln>
+                  <a:noFill/>
+                </a:ln>
+                <a:solidFill>
+                  <a:srgbClr val="505050"/>
+                </a:solidFill>
+                <a:effectLst/>
+                <a:uLnTx/>
+                <a:uFillTx/>
+                <a:latin typeface="Segoe UI"/>
+                <a:ea typeface="+mn-ea"/>
+                <a:cs typeface="+mn-cs"/>
+              </a:rPr>
+              <a:t>Jan</a:t>
+            </a:r>
+          </a:p>
+        </p:txBody>
+      </p:sp>
+      <p:sp>
+        <p:nvSpPr>
+          <p:cNvPr id="29" name="TextBox 28"/>
+          <p:cNvSpPr txBox="1"/>
+          <p:nvPr/>
+        </p:nvSpPr>
+        <p:spPr>
+          <a:xfrm>
+            <a:off x="2338199" y="794294"/>
+            <a:ext cx="1323041" cy="452044"/>
+          </a:xfrm>
+          <a:prstGeom prst="rect">
+            <a:avLst/>
+          </a:prstGeom>
+          <a:noFill/>
+        </p:spPr>
+        <p:txBody>
+          <a:bodyPr wrap="square" lIns="142635" tIns="114108" rIns="142635" bIns="114108" rtlCol="0">
+            <a:spAutoFit/>
+          </a:bodyPr>
+          <a:lstStyle/>
+          <a:p>
+            <a:pPr marL="0" marR="0" lvl="0" indent="0" algn="ctr" defTabSz="950766" rtl="0" eaLnBrk="1" fontAlgn="auto" latinLnBrk="0" hangingPunct="1">
+              <a:lnSpc>
+                <a:spcPct val="90000"/>
+              </a:lnSpc>
+              <a:spcBef>
+                <a:spcPts val="624"/>
+              </a:spcBef>
+              <a:spcAft>
+                <a:spcPts val="0"/>
+              </a:spcAft>
+              <a:buClrTx/>
+              <a:buSzTx/>
+              <a:buFontTx/>
+              <a:buNone/>
+              <a:tabLst/>
+              <a:defRPr/>
+            </a:pPr>
+            <a:r>
+              <a:rPr kumimoji="0" lang="en-US" sz="1600" b="1" i="0" u="none" strike="noStrike" kern="0" cap="none" spc="-31" normalizeH="0" baseline="0" noProof="0" dirty="0">
+                <a:ln>
+                  <a:noFill/>
+                </a:ln>
+                <a:solidFill>
+                  <a:srgbClr val="505050"/>
+                </a:solidFill>
+                <a:effectLst/>
+                <a:uLnTx/>
+                <a:uFillTx/>
+                <a:latin typeface="Segoe UI"/>
+                <a:ea typeface="+mn-ea"/>
+                <a:cs typeface="+mn-cs"/>
+              </a:rPr>
+              <a:t>Jul</a:t>
+            </a:r>
+          </a:p>
+        </p:txBody>
+      </p:sp>
+      <p:sp>
+        <p:nvSpPr>
+          <p:cNvPr id="30" name="TextBox 29"/>
+          <p:cNvSpPr txBox="1"/>
+          <p:nvPr/>
+        </p:nvSpPr>
+        <p:spPr>
+          <a:xfrm>
+            <a:off x="3381192" y="803123"/>
+            <a:ext cx="1323041" cy="452044"/>
+          </a:xfrm>
+          <a:prstGeom prst="rect">
+            <a:avLst/>
+          </a:prstGeom>
+          <a:noFill/>
+        </p:spPr>
+        <p:txBody>
+          <a:bodyPr wrap="square" lIns="142635" tIns="114108" rIns="142635" bIns="114108" rtlCol="0">
+            <a:spAutoFit/>
+          </a:bodyPr>
+          <a:lstStyle/>
+          <a:p>
+            <a:pPr marL="0" marR="0" lvl="0" indent="0" algn="ctr" defTabSz="950766" rtl="0" eaLnBrk="1" fontAlgn="auto" latinLnBrk="0" hangingPunct="1">
+              <a:lnSpc>
+                <a:spcPct val="90000"/>
+              </a:lnSpc>
+              <a:spcBef>
+                <a:spcPts val="624"/>
+              </a:spcBef>
+              <a:spcAft>
+                <a:spcPts val="0"/>
+              </a:spcAft>
+              <a:buClrTx/>
+              <a:buSzTx/>
+              <a:buFontTx/>
+              <a:buNone/>
+              <a:tabLst/>
+              <a:defRPr/>
+            </a:pPr>
+            <a:r>
+              <a:rPr kumimoji="0" lang="en-US" sz="1600" b="1" i="0" u="none" strike="noStrike" kern="0" cap="none" spc="-31" normalizeH="0" baseline="0" noProof="0" dirty="0">
+                <a:ln>
+                  <a:noFill/>
+                </a:ln>
+                <a:solidFill>
+                  <a:srgbClr val="505050"/>
+                </a:solidFill>
+                <a:effectLst/>
+                <a:uLnTx/>
+                <a:uFillTx/>
+                <a:latin typeface="Segoe UI"/>
+                <a:ea typeface="+mn-ea"/>
+                <a:cs typeface="+mn-cs"/>
+              </a:rPr>
+              <a:t>Jan</a:t>
+            </a:r>
+          </a:p>
+        </p:txBody>
+      </p:sp>
+      <p:sp>
+        <p:nvSpPr>
+          <p:cNvPr id="31" name="TextBox 30"/>
+          <p:cNvSpPr txBox="1"/>
+          <p:nvPr/>
+        </p:nvSpPr>
+        <p:spPr>
+          <a:xfrm>
+            <a:off x="4424185" y="794145"/>
+            <a:ext cx="1323041" cy="452044"/>
+          </a:xfrm>
+          <a:prstGeom prst="rect">
+            <a:avLst/>
+          </a:prstGeom>
+          <a:noFill/>
+        </p:spPr>
+        <p:txBody>
+          <a:bodyPr wrap="square" lIns="142635" tIns="114108" rIns="142635" bIns="114108" rtlCol="0">
+            <a:spAutoFit/>
+          </a:bodyPr>
+          <a:lstStyle/>
+          <a:p>
+            <a:pPr marL="0" marR="0" lvl="0" indent="0" algn="ctr" defTabSz="950766" rtl="0" eaLnBrk="1" fontAlgn="auto" latinLnBrk="0" hangingPunct="1">
+              <a:lnSpc>
+                <a:spcPct val="90000"/>
+              </a:lnSpc>
+              <a:spcBef>
+                <a:spcPts val="624"/>
+              </a:spcBef>
+              <a:spcAft>
+                <a:spcPts val="0"/>
+              </a:spcAft>
+              <a:buClrTx/>
+              <a:buSzTx/>
+              <a:buFontTx/>
+              <a:buNone/>
+              <a:tabLst/>
+              <a:defRPr/>
+            </a:pPr>
+            <a:r>
+              <a:rPr kumimoji="0" lang="en-US" sz="1600" b="1" i="0" u="none" strike="noStrike" kern="0" cap="none" spc="-31" normalizeH="0" baseline="0" noProof="0" dirty="0">
+                <a:ln>
+                  <a:noFill/>
+                </a:ln>
+                <a:solidFill>
+                  <a:srgbClr val="505050"/>
+                </a:solidFill>
+                <a:effectLst/>
+                <a:uLnTx/>
+                <a:uFillTx/>
+                <a:latin typeface="Segoe UI"/>
+                <a:ea typeface="+mn-ea"/>
+                <a:cs typeface="+mn-cs"/>
+              </a:rPr>
+              <a:t>Jul</a:t>
+            </a:r>
+          </a:p>
+        </p:txBody>
+      </p:sp>
+      <p:sp>
+        <p:nvSpPr>
+          <p:cNvPr id="32" name="TextBox 31"/>
+          <p:cNvSpPr txBox="1"/>
+          <p:nvPr/>
+        </p:nvSpPr>
+        <p:spPr>
+          <a:xfrm>
+            <a:off x="5467178" y="781059"/>
+            <a:ext cx="1323041" cy="452044"/>
+          </a:xfrm>
+          <a:prstGeom prst="rect">
+            <a:avLst/>
+          </a:prstGeom>
+          <a:noFill/>
+        </p:spPr>
+        <p:txBody>
+          <a:bodyPr wrap="square" lIns="142635" tIns="114108" rIns="142635" bIns="114108" rtlCol="0">
+            <a:spAutoFit/>
+          </a:bodyPr>
+          <a:lstStyle/>
+          <a:p>
+            <a:pPr marL="0" marR="0" lvl="0" indent="0" algn="ctr" defTabSz="950766" rtl="0" eaLnBrk="1" fontAlgn="auto" latinLnBrk="0" hangingPunct="1">
+              <a:lnSpc>
+                <a:spcPct val="90000"/>
+              </a:lnSpc>
+              <a:spcBef>
+                <a:spcPts val="624"/>
+              </a:spcBef>
+              <a:spcAft>
+                <a:spcPts val="0"/>
+              </a:spcAft>
+              <a:buClrTx/>
+              <a:buSzTx/>
+              <a:buFontTx/>
+              <a:buNone/>
+              <a:tabLst/>
+              <a:defRPr/>
+            </a:pPr>
+            <a:r>
+              <a:rPr kumimoji="0" lang="en-US" sz="1600" b="1" i="0" u="none" strike="noStrike" kern="0" cap="none" spc="-31" normalizeH="0" baseline="0" noProof="0" dirty="0">
+                <a:ln>
+                  <a:noFill/>
+                </a:ln>
+                <a:solidFill>
+                  <a:srgbClr val="505050"/>
+                </a:solidFill>
+                <a:effectLst/>
+                <a:uLnTx/>
+                <a:uFillTx/>
+                <a:latin typeface="Segoe UI"/>
+                <a:ea typeface="+mn-ea"/>
+                <a:cs typeface="+mn-cs"/>
+              </a:rPr>
+              <a:t>Jan</a:t>
+            </a:r>
+          </a:p>
+        </p:txBody>
+      </p:sp>
+      <p:sp>
+        <p:nvSpPr>
+          <p:cNvPr id="57" name="TextBox 56"/>
+          <p:cNvSpPr txBox="1"/>
+          <p:nvPr/>
+        </p:nvSpPr>
+        <p:spPr>
+          <a:xfrm>
+            <a:off x="3395679" y="500278"/>
+            <a:ext cx="1323041" cy="452044"/>
+          </a:xfrm>
+          <a:prstGeom prst="rect">
+            <a:avLst/>
+          </a:prstGeom>
+          <a:noFill/>
+        </p:spPr>
+        <p:txBody>
+          <a:bodyPr wrap="square" lIns="142635" tIns="114108" rIns="142635" bIns="114108" rtlCol="0">
+            <a:spAutoFit/>
+          </a:bodyPr>
+          <a:lstStyle/>
+          <a:p>
+            <a:pPr marL="0" marR="0" lvl="0" indent="0" algn="ctr" defTabSz="950766" rtl="0" eaLnBrk="1" fontAlgn="auto" latinLnBrk="0" hangingPunct="1">
+              <a:lnSpc>
+                <a:spcPct val="90000"/>
+              </a:lnSpc>
+              <a:spcBef>
+                <a:spcPts val="624"/>
+              </a:spcBef>
+              <a:spcAft>
+                <a:spcPts val="0"/>
+              </a:spcAft>
+              <a:buClrTx/>
+              <a:buSzTx/>
+              <a:buFontTx/>
+              <a:buNone/>
+              <a:tabLst/>
+              <a:defRPr/>
+            </a:pPr>
+            <a:r>
+              <a:rPr kumimoji="0" lang="en-US" sz="1600" b="1" i="0" u="none" strike="noStrike" kern="0" cap="none" spc="-31" normalizeH="0" baseline="0" noProof="0" dirty="0">
+                <a:ln>
+                  <a:noFill/>
+                </a:ln>
+                <a:solidFill>
+                  <a:srgbClr val="505050"/>
+                </a:solidFill>
+                <a:effectLst/>
+                <a:uLnTx/>
+                <a:uFillTx/>
+                <a:latin typeface="Segoe UI Semibold" panose="020B0702040204020203" pitchFamily="34" charset="0"/>
+                <a:ea typeface="+mn-ea"/>
+                <a:cs typeface="Segoe UI Semibold" panose="020B0702040204020203" pitchFamily="34" charset="0"/>
+              </a:rPr>
+              <a:t>2018</a:t>
+            </a:r>
+          </a:p>
+        </p:txBody>
+      </p:sp>
+      <p:sp>
+        <p:nvSpPr>
+          <p:cNvPr id="75" name="TextBox 74"/>
+          <p:cNvSpPr txBox="1"/>
+          <p:nvPr/>
+        </p:nvSpPr>
+        <p:spPr>
+          <a:xfrm>
+            <a:off x="5481712" y="500278"/>
+            <a:ext cx="1323041" cy="452044"/>
+          </a:xfrm>
+          <a:prstGeom prst="rect">
+            <a:avLst/>
+          </a:prstGeom>
+          <a:noFill/>
+        </p:spPr>
+        <p:txBody>
+          <a:bodyPr wrap="square" lIns="142635" tIns="114108" rIns="142635" bIns="114108" rtlCol="0">
+            <a:spAutoFit/>
+          </a:bodyPr>
+          <a:lstStyle/>
+          <a:p>
+            <a:pPr marL="0" marR="0" lvl="0" indent="0" algn="ctr" defTabSz="950766" rtl="0" eaLnBrk="1" fontAlgn="auto" latinLnBrk="0" hangingPunct="1">
+              <a:lnSpc>
+                <a:spcPct val="90000"/>
+              </a:lnSpc>
+              <a:spcBef>
+                <a:spcPts val="624"/>
+              </a:spcBef>
+              <a:spcAft>
+                <a:spcPts val="0"/>
+              </a:spcAft>
+              <a:buClrTx/>
+              <a:buSzTx/>
+              <a:buFontTx/>
+              <a:buNone/>
+              <a:tabLst/>
+              <a:defRPr/>
+            </a:pPr>
+            <a:r>
+              <a:rPr kumimoji="0" lang="en-US" sz="1600" b="1" i="0" u="none" strike="noStrike" kern="0" cap="none" spc="-31" normalizeH="0" baseline="0" noProof="0" dirty="0">
+                <a:ln>
+                  <a:noFill/>
+                </a:ln>
+                <a:solidFill>
+                  <a:srgbClr val="505050"/>
+                </a:solidFill>
+                <a:effectLst/>
+                <a:uLnTx/>
+                <a:uFillTx/>
+                <a:latin typeface="Segoe UI Semibold" panose="020B0702040204020203" pitchFamily="34" charset="0"/>
+                <a:ea typeface="+mn-ea"/>
+                <a:cs typeface="Segoe UI Semibold" panose="020B0702040204020203" pitchFamily="34" charset="0"/>
+              </a:rPr>
+              <a:t>2019</a:t>
+            </a:r>
+          </a:p>
+        </p:txBody>
+      </p:sp>
+      <p:sp>
+        <p:nvSpPr>
+          <p:cNvPr id="38" name="TextBox 37"/>
+          <p:cNvSpPr txBox="1"/>
+          <p:nvPr/>
+        </p:nvSpPr>
+        <p:spPr>
+          <a:xfrm>
+            <a:off x="1309646" y="500278"/>
+            <a:ext cx="1323041" cy="452044"/>
+          </a:xfrm>
+          <a:prstGeom prst="rect">
+            <a:avLst/>
+          </a:prstGeom>
+          <a:noFill/>
+        </p:spPr>
+        <p:txBody>
+          <a:bodyPr wrap="square" lIns="142635" tIns="114108" rIns="142635" bIns="114108" rtlCol="0">
+            <a:spAutoFit/>
+          </a:bodyPr>
+          <a:lstStyle/>
+          <a:p>
+            <a:pPr marL="0" marR="0" lvl="0" indent="0" algn="ctr" defTabSz="950766" rtl="0" eaLnBrk="1" fontAlgn="auto" latinLnBrk="0" hangingPunct="1">
+              <a:lnSpc>
+                <a:spcPct val="90000"/>
+              </a:lnSpc>
+              <a:spcBef>
+                <a:spcPts val="624"/>
+              </a:spcBef>
+              <a:spcAft>
+                <a:spcPts val="0"/>
+              </a:spcAft>
+              <a:buClrTx/>
+              <a:buSzTx/>
+              <a:buFontTx/>
+              <a:buNone/>
+              <a:tabLst/>
+              <a:defRPr/>
+            </a:pPr>
+            <a:r>
+              <a:rPr kumimoji="0" lang="en-US" sz="1600" b="1" i="0" u="none" strike="noStrike" kern="0" cap="none" spc="-31" normalizeH="0" baseline="0" noProof="0" dirty="0">
+                <a:ln>
+                  <a:noFill/>
+                </a:ln>
+                <a:solidFill>
+                  <a:srgbClr val="505050"/>
+                </a:solidFill>
+                <a:effectLst/>
+                <a:uLnTx/>
+                <a:uFillTx/>
+                <a:latin typeface="Segoe UI Semibold" panose="020B0702040204020203" pitchFamily="34" charset="0"/>
+                <a:ea typeface="+mn-ea"/>
+                <a:cs typeface="Segoe UI Semibold" panose="020B0702040204020203" pitchFamily="34" charset="0"/>
+              </a:rPr>
+              <a:t>2017</a:t>
+            </a:r>
+          </a:p>
+        </p:txBody>
+      </p:sp>
+      <p:cxnSp>
+        <p:nvCxnSpPr>
+          <p:cNvPr id="49" name="Straight Connector 48">
+            <a:extLst>
+              <a:ext uri="{FF2B5EF4-FFF2-40B4-BE49-F238E27FC236}">
+                <a16:creationId xmlns:a16="http://schemas.microsoft.com/office/drawing/2014/main" id="{8DDDD963-603A-4EFC-8427-94A09E2849DE}"/>
+              </a:ext>
+            </a:extLst>
+          </p:cNvPr>
+          <p:cNvCxnSpPr>
+            <a:cxnSpLocks/>
+          </p:cNvCxnSpPr>
+          <p:nvPr/>
+        </p:nvCxnSpPr>
+        <p:spPr>
+          <a:xfrm>
+            <a:off x="7175723" y="1173334"/>
+            <a:ext cx="0" cy="5045055"/>
+          </a:xfrm>
+          <a:prstGeom prst="line">
+            <a:avLst/>
+          </a:prstGeom>
+          <a:ln w="9525" cap="flat" cmpd="sng" algn="ctr">
+            <a:solidFill>
+              <a:schemeClr val="bg1">
+                <a:lumMod val="65000"/>
+              </a:schemeClr>
+            </a:solidFill>
+            <a:prstDash val="dash"/>
+            <a:round/>
+            <a:headEnd type="none" w="med" len="med"/>
+            <a:tailEnd type="none" w="med" len="med"/>
+          </a:ln>
+        </p:spPr>
+        <p:style>
+          <a:lnRef idx="0">
+            <a:scrgbClr r="0" g="0" b="0"/>
+          </a:lnRef>
+          <a:fillRef idx="0">
+            <a:scrgbClr r="0" g="0" b="0"/>
+          </a:fillRef>
+          <a:effectRef idx="0">
+            <a:scrgbClr r="0" g="0" b="0"/>
+          </a:effectRef>
+          <a:fontRef idx="minor">
+            <a:schemeClr val="tx1"/>
+          </a:fontRef>
+        </p:style>
+      </p:cxnSp>
+      <p:sp>
+        <p:nvSpPr>
+          <p:cNvPr id="54" name="TextBox 53">
+            <a:extLst>
+              <a:ext uri="{FF2B5EF4-FFF2-40B4-BE49-F238E27FC236}">
+                <a16:creationId xmlns:a16="http://schemas.microsoft.com/office/drawing/2014/main" id="{CFA73A88-8855-45EE-9639-5B054E952F99}"/>
+              </a:ext>
+            </a:extLst>
+          </p:cNvPr>
+          <p:cNvSpPr txBox="1"/>
+          <p:nvPr/>
+        </p:nvSpPr>
+        <p:spPr>
+          <a:xfrm>
+            <a:off x="6510171" y="800063"/>
+            <a:ext cx="1323041" cy="452044"/>
+          </a:xfrm>
+          <a:prstGeom prst="rect">
+            <a:avLst/>
+          </a:prstGeom>
+          <a:noFill/>
+        </p:spPr>
+        <p:txBody>
+          <a:bodyPr wrap="square" lIns="142635" tIns="114108" rIns="142635" bIns="114108" rtlCol="0">
+            <a:spAutoFit/>
+          </a:bodyPr>
+          <a:lstStyle/>
+          <a:p>
+            <a:pPr marL="0" marR="0" lvl="0" indent="0" algn="ctr" defTabSz="950766" rtl="0" eaLnBrk="1" fontAlgn="auto" latinLnBrk="0" hangingPunct="1">
+              <a:lnSpc>
+                <a:spcPct val="90000"/>
+              </a:lnSpc>
+              <a:spcBef>
+                <a:spcPts val="624"/>
+              </a:spcBef>
+              <a:spcAft>
+                <a:spcPts val="0"/>
+              </a:spcAft>
+              <a:buClrTx/>
+              <a:buSzTx/>
+              <a:buFontTx/>
+              <a:buNone/>
+              <a:tabLst/>
+              <a:defRPr/>
+            </a:pPr>
+            <a:r>
+              <a:rPr kumimoji="0" lang="en-US" sz="1600" b="1" i="0" u="none" strike="noStrike" kern="0" cap="none" spc="-31" normalizeH="0" baseline="0" noProof="0" dirty="0">
+                <a:ln>
+                  <a:noFill/>
+                </a:ln>
+                <a:solidFill>
+                  <a:srgbClr val="505050"/>
+                </a:solidFill>
+                <a:effectLst/>
+                <a:uLnTx/>
+                <a:uFillTx/>
+                <a:latin typeface="Segoe UI"/>
+                <a:ea typeface="+mn-ea"/>
+                <a:cs typeface="+mn-cs"/>
+              </a:rPr>
+              <a:t>Jul</a:t>
+            </a:r>
+          </a:p>
+        </p:txBody>
+      </p:sp>
+      <p:cxnSp>
+        <p:nvCxnSpPr>
+          <p:cNvPr id="12" name="Straight Connector 11"/>
+          <p:cNvCxnSpPr>
+            <a:cxnSpLocks/>
+          </p:cNvCxnSpPr>
+          <p:nvPr/>
+        </p:nvCxnSpPr>
+        <p:spPr>
+          <a:xfrm>
+            <a:off x="1960863" y="1155464"/>
+            <a:ext cx="0" cy="5062925"/>
+          </a:xfrm>
+          <a:prstGeom prst="line">
+            <a:avLst/>
+          </a:prstGeom>
+          <a:ln w="9525" cap="flat" cmpd="sng" algn="ctr">
+            <a:solidFill>
+              <a:schemeClr val="bg1">
+                <a:lumMod val="65000"/>
+              </a:schemeClr>
+            </a:solidFill>
+            <a:prstDash val="dash"/>
+            <a:round/>
+            <a:headEnd type="none" w="med" len="med"/>
+            <a:tailEnd type="none" w="med" len="med"/>
+          </a:ln>
+        </p:spPr>
+        <p:style>
+          <a:lnRef idx="0">
+            <a:scrgbClr r="0" g="0" b="0"/>
+          </a:lnRef>
+          <a:fillRef idx="0">
+            <a:scrgbClr r="0" g="0" b="0"/>
+          </a:fillRef>
+          <a:effectRef idx="0">
+            <a:scrgbClr r="0" g="0" b="0"/>
+          </a:effectRef>
+          <a:fontRef idx="minor">
+            <a:schemeClr val="tx1"/>
+          </a:fontRef>
+        </p:style>
+      </p:cxnSp>
+      <p:cxnSp>
+        <p:nvCxnSpPr>
+          <p:cNvPr id="9" name="Straight Connector 8"/>
+          <p:cNvCxnSpPr>
+            <a:cxnSpLocks/>
+          </p:cNvCxnSpPr>
+          <p:nvPr/>
+        </p:nvCxnSpPr>
+        <p:spPr>
+          <a:xfrm>
+            <a:off x="5089779" y="1166186"/>
+            <a:ext cx="0" cy="5052203"/>
+          </a:xfrm>
+          <a:prstGeom prst="line">
+            <a:avLst/>
+          </a:prstGeom>
+          <a:ln w="9525" cap="flat" cmpd="sng" algn="ctr">
+            <a:solidFill>
+              <a:schemeClr val="bg1">
+                <a:lumMod val="65000"/>
+              </a:schemeClr>
+            </a:solidFill>
+            <a:prstDash val="dash"/>
+            <a:round/>
+            <a:headEnd type="none" w="med" len="med"/>
+            <a:tailEnd type="none" w="med" len="med"/>
+          </a:ln>
+        </p:spPr>
+        <p:style>
+          <a:lnRef idx="0">
+            <a:scrgbClr r="0" g="0" b="0"/>
+          </a:lnRef>
+          <a:fillRef idx="0">
+            <a:scrgbClr r="0" g="0" b="0"/>
+          </a:fillRef>
+          <a:effectRef idx="0">
+            <a:scrgbClr r="0" g="0" b="0"/>
+          </a:effectRef>
+          <a:fontRef idx="minor">
+            <a:schemeClr val="tx1"/>
+          </a:fontRef>
+        </p:style>
+      </p:cxnSp>
+      <p:cxnSp>
+        <p:nvCxnSpPr>
+          <p:cNvPr id="11" name="Straight Connector 10"/>
+          <p:cNvCxnSpPr>
+            <a:cxnSpLocks/>
+          </p:cNvCxnSpPr>
+          <p:nvPr/>
+        </p:nvCxnSpPr>
+        <p:spPr>
+          <a:xfrm>
+            <a:off x="3003835" y="1159038"/>
+            <a:ext cx="0" cy="5059351"/>
+          </a:xfrm>
+          <a:prstGeom prst="line">
+            <a:avLst/>
+          </a:prstGeom>
+          <a:ln w="9525" cap="flat" cmpd="sng" algn="ctr">
+            <a:solidFill>
+              <a:schemeClr val="bg1">
+                <a:lumMod val="65000"/>
+              </a:schemeClr>
+            </a:solidFill>
+            <a:prstDash val="dash"/>
+            <a:round/>
+            <a:headEnd type="none" w="med" len="med"/>
+            <a:tailEnd type="none" w="med" len="med"/>
+          </a:ln>
+        </p:spPr>
+        <p:style>
+          <a:lnRef idx="0">
+            <a:scrgbClr r="0" g="0" b="0"/>
+          </a:lnRef>
+          <a:fillRef idx="0">
+            <a:scrgbClr r="0" g="0" b="0"/>
+          </a:fillRef>
+          <a:effectRef idx="0">
+            <a:scrgbClr r="0" g="0" b="0"/>
+          </a:effectRef>
+          <a:fontRef idx="minor">
+            <a:schemeClr val="tx1"/>
+          </a:fontRef>
+        </p:style>
+      </p:cxnSp>
+      <p:cxnSp>
+        <p:nvCxnSpPr>
+          <p:cNvPr id="14" name="Straight Connector 13"/>
+          <p:cNvCxnSpPr>
+            <a:cxnSpLocks/>
+          </p:cNvCxnSpPr>
+          <p:nvPr/>
+        </p:nvCxnSpPr>
+        <p:spPr>
+          <a:xfrm>
+            <a:off x="4046807" y="1162612"/>
+            <a:ext cx="0" cy="5055777"/>
+          </a:xfrm>
+          <a:prstGeom prst="line">
+            <a:avLst/>
+          </a:prstGeom>
+          <a:ln w="9525" cap="flat" cmpd="sng" algn="ctr">
+            <a:solidFill>
+              <a:schemeClr val="bg1">
+                <a:lumMod val="65000"/>
+              </a:schemeClr>
+            </a:solidFill>
+            <a:prstDash val="dash"/>
+            <a:round/>
+            <a:headEnd type="none" w="med" len="med"/>
+            <a:tailEnd type="none" w="med" len="med"/>
+          </a:ln>
+        </p:spPr>
+        <p:style>
+          <a:lnRef idx="0">
+            <a:scrgbClr r="0" g="0" b="0"/>
+          </a:lnRef>
+          <a:fillRef idx="0">
+            <a:scrgbClr r="0" g="0" b="0"/>
+          </a:fillRef>
+          <a:effectRef idx="0">
+            <a:scrgbClr r="0" g="0" b="0"/>
+          </a:effectRef>
+          <a:fontRef idx="minor">
+            <a:schemeClr val="tx1"/>
+          </a:fontRef>
+        </p:style>
+      </p:cxnSp>
+      <p:cxnSp>
+        <p:nvCxnSpPr>
+          <p:cNvPr id="15" name="Straight Connector 14"/>
+          <p:cNvCxnSpPr>
+            <a:cxnSpLocks/>
+          </p:cNvCxnSpPr>
+          <p:nvPr/>
+        </p:nvCxnSpPr>
+        <p:spPr>
+          <a:xfrm>
+            <a:off x="6132751" y="1169760"/>
+            <a:ext cx="0" cy="5048629"/>
+          </a:xfrm>
+          <a:prstGeom prst="line">
+            <a:avLst/>
+          </a:prstGeom>
+          <a:ln w="9525" cap="flat" cmpd="sng" algn="ctr">
+            <a:solidFill>
+              <a:schemeClr val="bg1">
+                <a:lumMod val="65000"/>
+              </a:schemeClr>
+            </a:solidFill>
+            <a:prstDash val="dash"/>
+            <a:round/>
+            <a:headEnd type="none" w="med" len="med"/>
+            <a:tailEnd type="none" w="med" len="med"/>
+          </a:ln>
+        </p:spPr>
+        <p:style>
+          <a:lnRef idx="0">
+            <a:scrgbClr r="0" g="0" b="0"/>
+          </a:lnRef>
+          <a:fillRef idx="0">
+            <a:scrgbClr r="0" g="0" b="0"/>
+          </a:fillRef>
+          <a:effectRef idx="0">
+            <a:scrgbClr r="0" g="0" b="0"/>
+          </a:effectRef>
+          <a:fontRef idx="minor">
+            <a:schemeClr val="tx1"/>
+          </a:fontRef>
+        </p:style>
+      </p:cxnSp>
+      <p:sp>
+        <p:nvSpPr>
+          <p:cNvPr id="36" name="TextBox 35"/>
+          <p:cNvSpPr txBox="1"/>
+          <p:nvPr/>
+        </p:nvSpPr>
+        <p:spPr>
+          <a:xfrm>
+            <a:off x="820740" y="1351775"/>
+            <a:ext cx="1445652" cy="578305"/>
+          </a:xfrm>
+          <a:prstGeom prst="rect">
+            <a:avLst/>
+          </a:prstGeom>
+          <a:noFill/>
+        </p:spPr>
+        <p:txBody>
+          <a:bodyPr wrap="square" lIns="186494" tIns="149196" rIns="186494" bIns="149196" rtlCol="0">
+            <a:spAutoFit/>
+          </a:bodyPr>
+          <a:lstStyle/>
+          <a:p>
+            <a:pPr marL="0" marR="0" lvl="0" indent="0" algn="l" defTabSz="932418" rtl="0" eaLnBrk="1" fontAlgn="auto" latinLnBrk="0" hangingPunct="1">
+              <a:lnSpc>
+                <a:spcPct val="90000"/>
+              </a:lnSpc>
+              <a:spcBef>
+                <a:spcPts val="0"/>
+              </a:spcBef>
+              <a:spcAft>
+                <a:spcPts val="600"/>
+              </a:spcAft>
+              <a:buClrTx/>
+              <a:buSzTx/>
+              <a:buFontTx/>
+              <a:buNone/>
+              <a:tabLst/>
+              <a:defRPr/>
+            </a:pPr>
+            <a:r>
+              <a:rPr kumimoji="0" lang="en-US" sz="2000" b="1" i="0" u="none" strike="noStrike" kern="0" cap="none" spc="0" normalizeH="0" baseline="0" noProof="0" dirty="0">
+                <a:ln>
+                  <a:noFill/>
+                </a:ln>
+                <a:solidFill>
+                  <a:srgbClr val="505050"/>
+                </a:solidFill>
+                <a:effectLst/>
+                <a:uLnTx/>
+                <a:uFillTx/>
+                <a:latin typeface="Segoe UI"/>
+                <a:ea typeface="+mn-ea"/>
+                <a:cs typeface="+mn-cs"/>
+              </a:rPr>
+              <a:t>9.0.1</a:t>
+            </a:r>
+          </a:p>
+        </p:txBody>
+      </p:sp>
+      <p:sp>
+        <p:nvSpPr>
+          <p:cNvPr id="43" name="TextBox 42">
+            <a:extLst>
+              <a:ext uri="{FF2B5EF4-FFF2-40B4-BE49-F238E27FC236}">
+                <a16:creationId xmlns:a16="http://schemas.microsoft.com/office/drawing/2014/main" id="{D6022DB0-C905-477D-9AE0-CA7BB3A48125}"/>
+              </a:ext>
+            </a:extLst>
+          </p:cNvPr>
+          <p:cNvSpPr txBox="1"/>
+          <p:nvPr/>
+        </p:nvSpPr>
+        <p:spPr>
+          <a:xfrm>
+            <a:off x="820740" y="2381841"/>
+            <a:ext cx="1445652" cy="578305"/>
+          </a:xfrm>
+          <a:prstGeom prst="rect">
+            <a:avLst/>
+          </a:prstGeom>
+          <a:noFill/>
+        </p:spPr>
+        <p:txBody>
+          <a:bodyPr wrap="square" lIns="186494" tIns="149196" rIns="186494" bIns="149196" rtlCol="0">
+            <a:spAutoFit/>
+          </a:bodyPr>
+          <a:lstStyle/>
+          <a:p>
+            <a:pPr marL="0" marR="0" lvl="0" indent="0" algn="l" defTabSz="932418" rtl="0" eaLnBrk="1" fontAlgn="auto" latinLnBrk="0" hangingPunct="1">
+              <a:lnSpc>
+                <a:spcPct val="90000"/>
+              </a:lnSpc>
+              <a:spcBef>
+                <a:spcPts val="0"/>
+              </a:spcBef>
+              <a:spcAft>
+                <a:spcPts val="600"/>
+              </a:spcAft>
+              <a:buClrTx/>
+              <a:buSzTx/>
+              <a:buFontTx/>
+              <a:buNone/>
+              <a:tabLst/>
+              <a:defRPr/>
+            </a:pPr>
+            <a:r>
+              <a:rPr kumimoji="0" lang="en-US" sz="2000" b="1" i="0" u="none" strike="noStrike" kern="0" cap="none" spc="0" normalizeH="0" baseline="0" noProof="0" dirty="0">
+                <a:ln>
+                  <a:noFill/>
+                </a:ln>
+                <a:solidFill>
+                  <a:srgbClr val="505050"/>
+                </a:solidFill>
+                <a:effectLst/>
+                <a:uLnTx/>
+                <a:uFillTx/>
+                <a:latin typeface="Segoe UI"/>
+                <a:ea typeface="+mn-ea"/>
+                <a:cs typeface="+mn-cs"/>
+              </a:rPr>
+              <a:t>9.1.0</a:t>
+            </a:r>
+          </a:p>
+        </p:txBody>
+      </p:sp>
+      <p:sp>
+        <p:nvSpPr>
+          <p:cNvPr id="110" name="TextBox 109">
+            <a:extLst>
+              <a:ext uri="{FF2B5EF4-FFF2-40B4-BE49-F238E27FC236}">
+                <a16:creationId xmlns:a16="http://schemas.microsoft.com/office/drawing/2014/main" id="{9C5BE032-A45A-4FDC-9B39-2E599261C083}"/>
+              </a:ext>
+            </a:extLst>
+          </p:cNvPr>
+          <p:cNvSpPr txBox="1"/>
+          <p:nvPr/>
+        </p:nvSpPr>
+        <p:spPr>
+          <a:xfrm>
+            <a:off x="820740" y="3411907"/>
+            <a:ext cx="1445652" cy="578305"/>
+          </a:xfrm>
+          <a:prstGeom prst="rect">
+            <a:avLst/>
+          </a:prstGeom>
+          <a:noFill/>
+        </p:spPr>
+        <p:txBody>
+          <a:bodyPr wrap="square" lIns="186494" tIns="149196" rIns="186494" bIns="149196" rtlCol="0">
+            <a:spAutoFit/>
+          </a:bodyPr>
+          <a:lstStyle/>
+          <a:p>
+            <a:pPr marL="0" marR="0" lvl="0" indent="0" algn="l" defTabSz="932418" rtl="0" eaLnBrk="1" fontAlgn="auto" latinLnBrk="0" hangingPunct="1">
+              <a:lnSpc>
+                <a:spcPct val="90000"/>
+              </a:lnSpc>
+              <a:spcBef>
+                <a:spcPts val="0"/>
+              </a:spcBef>
+              <a:spcAft>
+                <a:spcPts val="600"/>
+              </a:spcAft>
+              <a:buClrTx/>
+              <a:buSzTx/>
+              <a:buFontTx/>
+              <a:buNone/>
+              <a:tabLst/>
+              <a:defRPr/>
+            </a:pPr>
+            <a:r>
+              <a:rPr kumimoji="0" lang="en-US" sz="2000" b="1" i="0" u="none" strike="noStrike" kern="0" cap="none" spc="0" normalizeH="0" baseline="0" noProof="0" dirty="0">
+                <a:ln>
+                  <a:noFill/>
+                </a:ln>
+                <a:solidFill>
+                  <a:srgbClr val="505050"/>
+                </a:solidFill>
+                <a:effectLst/>
+                <a:uLnTx/>
+                <a:uFillTx/>
+                <a:latin typeface="Segoe UI"/>
+                <a:ea typeface="+mn-ea"/>
+                <a:cs typeface="+mn-cs"/>
+              </a:rPr>
+              <a:t>9.2.1</a:t>
+            </a:r>
+          </a:p>
+        </p:txBody>
+      </p:sp>
+      <p:sp>
+        <p:nvSpPr>
+          <p:cNvPr id="111" name="TextBox 110">
+            <a:extLst>
+              <a:ext uri="{FF2B5EF4-FFF2-40B4-BE49-F238E27FC236}">
+                <a16:creationId xmlns:a16="http://schemas.microsoft.com/office/drawing/2014/main" id="{A24FA9E2-0B84-42C0-8A12-F07BEA765F01}"/>
+              </a:ext>
+            </a:extLst>
+          </p:cNvPr>
+          <p:cNvSpPr txBox="1"/>
+          <p:nvPr/>
+        </p:nvSpPr>
+        <p:spPr>
+          <a:xfrm>
+            <a:off x="820740" y="4456114"/>
+            <a:ext cx="1445652" cy="578305"/>
+          </a:xfrm>
+          <a:prstGeom prst="rect">
+            <a:avLst/>
+          </a:prstGeom>
+          <a:noFill/>
+        </p:spPr>
+        <p:txBody>
+          <a:bodyPr wrap="square" lIns="186494" tIns="149196" rIns="186494" bIns="149196" rtlCol="0">
+            <a:spAutoFit/>
+          </a:bodyPr>
+          <a:lstStyle/>
+          <a:p>
+            <a:pPr marL="0" marR="0" lvl="0" indent="0" algn="l" defTabSz="932418" rtl="0" eaLnBrk="1" fontAlgn="auto" latinLnBrk="0" hangingPunct="1">
+              <a:lnSpc>
+                <a:spcPct val="90000"/>
+              </a:lnSpc>
+              <a:spcBef>
+                <a:spcPts val="0"/>
+              </a:spcBef>
+              <a:spcAft>
+                <a:spcPts val="600"/>
+              </a:spcAft>
+              <a:buClrTx/>
+              <a:buSzTx/>
+              <a:buFontTx/>
+              <a:buNone/>
+              <a:tabLst/>
+              <a:defRPr/>
+            </a:pPr>
+            <a:r>
+              <a:rPr kumimoji="0" lang="en-US" sz="2000" b="1" i="0" u="none" strike="noStrike" kern="0" cap="none" spc="0" normalizeH="0" baseline="0" noProof="0" dirty="0">
+                <a:ln>
+                  <a:noFill/>
+                </a:ln>
+                <a:solidFill>
+                  <a:srgbClr val="505050"/>
+                </a:solidFill>
+                <a:effectLst/>
+                <a:uLnTx/>
+                <a:uFillTx/>
+                <a:latin typeface="Segoe UI"/>
+                <a:ea typeface="+mn-ea"/>
+                <a:cs typeface="+mn-cs"/>
+              </a:rPr>
+              <a:t>9.3.0</a:t>
+            </a:r>
+          </a:p>
+        </p:txBody>
+      </p:sp>
+      <p:sp>
+        <p:nvSpPr>
+          <p:cNvPr id="113" name="TextBox 112">
+            <a:extLst>
+              <a:ext uri="{FF2B5EF4-FFF2-40B4-BE49-F238E27FC236}">
+                <a16:creationId xmlns:a16="http://schemas.microsoft.com/office/drawing/2014/main" id="{CD68FCB4-2496-4052-BFBD-80CE7B6EE3FD}"/>
+              </a:ext>
+            </a:extLst>
+          </p:cNvPr>
+          <p:cNvSpPr txBox="1"/>
+          <p:nvPr/>
+        </p:nvSpPr>
+        <p:spPr>
+          <a:xfrm>
+            <a:off x="820740" y="5486178"/>
+            <a:ext cx="1445652" cy="578305"/>
+          </a:xfrm>
+          <a:prstGeom prst="rect">
+            <a:avLst/>
+          </a:prstGeom>
+          <a:noFill/>
+        </p:spPr>
+        <p:txBody>
+          <a:bodyPr wrap="square" lIns="186494" tIns="149196" rIns="186494" bIns="149196" rtlCol="0">
+            <a:spAutoFit/>
+          </a:bodyPr>
+          <a:lstStyle/>
+          <a:p>
+            <a:pPr marL="0" marR="0" lvl="0" indent="0" algn="l" defTabSz="932418" rtl="0" eaLnBrk="1" fontAlgn="auto" latinLnBrk="0" hangingPunct="1">
+              <a:lnSpc>
+                <a:spcPct val="90000"/>
+              </a:lnSpc>
+              <a:spcBef>
+                <a:spcPts val="0"/>
+              </a:spcBef>
+              <a:spcAft>
+                <a:spcPts val="600"/>
+              </a:spcAft>
+              <a:buClrTx/>
+              <a:buSzTx/>
+              <a:buFontTx/>
+              <a:buNone/>
+              <a:tabLst/>
+              <a:defRPr/>
+            </a:pPr>
+            <a:r>
+              <a:rPr kumimoji="0" lang="en-US" sz="2000" b="1" i="0" u="none" strike="noStrike" kern="0" cap="none" spc="0" normalizeH="0" baseline="0" noProof="0" dirty="0">
+                <a:ln>
+                  <a:noFill/>
+                </a:ln>
+                <a:solidFill>
+                  <a:srgbClr val="505050"/>
+                </a:solidFill>
+                <a:effectLst/>
+                <a:uLnTx/>
+                <a:uFillTx/>
+                <a:latin typeface="Segoe UI"/>
+                <a:ea typeface="+mn-ea"/>
+                <a:cs typeface="+mn-cs"/>
+              </a:rPr>
+              <a:t>9.4.0</a:t>
+            </a:r>
+          </a:p>
+        </p:txBody>
+      </p:sp>
+      <p:sp>
+        <p:nvSpPr>
+          <p:cNvPr id="148" name="TextBox 147">
+            <a:extLst>
+              <a:ext uri="{FF2B5EF4-FFF2-40B4-BE49-F238E27FC236}">
+                <a16:creationId xmlns:a16="http://schemas.microsoft.com/office/drawing/2014/main" id="{C991AB96-8CE3-4ACA-8D31-B55DC1C34AFB}"/>
+              </a:ext>
+            </a:extLst>
+          </p:cNvPr>
+          <p:cNvSpPr txBox="1"/>
+          <p:nvPr/>
+        </p:nvSpPr>
+        <p:spPr>
+          <a:xfrm>
+            <a:off x="7553164" y="788673"/>
+            <a:ext cx="1323041" cy="452044"/>
+          </a:xfrm>
+          <a:prstGeom prst="rect">
+            <a:avLst/>
+          </a:prstGeom>
+          <a:noFill/>
+        </p:spPr>
+        <p:txBody>
+          <a:bodyPr wrap="square" lIns="142635" tIns="114108" rIns="142635" bIns="114108" rtlCol="0">
+            <a:spAutoFit/>
+          </a:bodyPr>
+          <a:lstStyle/>
+          <a:p>
+            <a:pPr marL="0" marR="0" lvl="0" indent="0" algn="ctr" defTabSz="950766" rtl="0" eaLnBrk="1" fontAlgn="auto" latinLnBrk="0" hangingPunct="1">
+              <a:lnSpc>
+                <a:spcPct val="90000"/>
+              </a:lnSpc>
+              <a:spcBef>
+                <a:spcPts val="624"/>
+              </a:spcBef>
+              <a:spcAft>
+                <a:spcPts val="0"/>
+              </a:spcAft>
+              <a:buClrTx/>
+              <a:buSzTx/>
+              <a:buFontTx/>
+              <a:buNone/>
+              <a:tabLst/>
+              <a:defRPr/>
+            </a:pPr>
+            <a:r>
+              <a:rPr kumimoji="0" lang="en-US" sz="1600" b="1" i="0" u="none" strike="noStrike" kern="0" cap="none" spc="-31" normalizeH="0" baseline="0" noProof="0" dirty="0">
+                <a:ln>
+                  <a:noFill/>
+                </a:ln>
+                <a:solidFill>
+                  <a:srgbClr val="505050"/>
+                </a:solidFill>
+                <a:effectLst/>
+                <a:uLnTx/>
+                <a:uFillTx/>
+                <a:latin typeface="Segoe UI"/>
+                <a:ea typeface="+mn-ea"/>
+                <a:cs typeface="+mn-cs"/>
+              </a:rPr>
+              <a:t>Jan</a:t>
+            </a:r>
+          </a:p>
+        </p:txBody>
+      </p:sp>
+      <p:sp>
+        <p:nvSpPr>
+          <p:cNvPr id="149" name="TextBox 148">
+            <a:extLst>
+              <a:ext uri="{FF2B5EF4-FFF2-40B4-BE49-F238E27FC236}">
+                <a16:creationId xmlns:a16="http://schemas.microsoft.com/office/drawing/2014/main" id="{CC83D838-5777-4420-8563-E178FA4C6938}"/>
+              </a:ext>
+            </a:extLst>
+          </p:cNvPr>
+          <p:cNvSpPr txBox="1"/>
+          <p:nvPr/>
+        </p:nvSpPr>
+        <p:spPr>
+          <a:xfrm>
+            <a:off x="7567745" y="500278"/>
+            <a:ext cx="1323041" cy="452044"/>
+          </a:xfrm>
+          <a:prstGeom prst="rect">
+            <a:avLst/>
+          </a:prstGeom>
+          <a:noFill/>
+        </p:spPr>
+        <p:txBody>
+          <a:bodyPr wrap="square" lIns="142635" tIns="114108" rIns="142635" bIns="114108" rtlCol="0">
+            <a:spAutoFit/>
+          </a:bodyPr>
+          <a:lstStyle/>
+          <a:p>
+            <a:pPr marL="0" marR="0" lvl="0" indent="0" algn="ctr" defTabSz="950766" rtl="0" eaLnBrk="1" fontAlgn="auto" latinLnBrk="0" hangingPunct="1">
+              <a:lnSpc>
+                <a:spcPct val="90000"/>
+              </a:lnSpc>
+              <a:spcBef>
+                <a:spcPts val="624"/>
+              </a:spcBef>
+              <a:spcAft>
+                <a:spcPts val="0"/>
+              </a:spcAft>
+              <a:buClrTx/>
+              <a:buSzTx/>
+              <a:buFontTx/>
+              <a:buNone/>
+              <a:tabLst/>
+              <a:defRPr/>
+            </a:pPr>
+            <a:r>
+              <a:rPr kumimoji="0" lang="en-US" sz="1600" b="1" i="0" u="none" strike="noStrike" kern="0" cap="none" spc="-31" normalizeH="0" baseline="0" noProof="0" dirty="0">
+                <a:ln>
+                  <a:noFill/>
+                </a:ln>
+                <a:solidFill>
+                  <a:srgbClr val="505050"/>
+                </a:solidFill>
+                <a:effectLst/>
+                <a:uLnTx/>
+                <a:uFillTx/>
+                <a:latin typeface="Segoe UI Semibold" panose="020B0702040204020203" pitchFamily="34" charset="0"/>
+                <a:ea typeface="+mn-ea"/>
+                <a:cs typeface="Segoe UI Semibold" panose="020B0702040204020203" pitchFamily="34" charset="0"/>
+              </a:rPr>
+              <a:t>2020</a:t>
+            </a:r>
+          </a:p>
+        </p:txBody>
+      </p:sp>
+      <p:cxnSp>
+        <p:nvCxnSpPr>
+          <p:cNvPr id="150" name="Straight Connector 149">
+            <a:extLst>
+              <a:ext uri="{FF2B5EF4-FFF2-40B4-BE49-F238E27FC236}">
+                <a16:creationId xmlns:a16="http://schemas.microsoft.com/office/drawing/2014/main" id="{E9758350-08BC-4AD7-9BAF-C74AA73C1C56}"/>
+              </a:ext>
+            </a:extLst>
+          </p:cNvPr>
+          <p:cNvCxnSpPr>
+            <a:cxnSpLocks/>
+          </p:cNvCxnSpPr>
+          <p:nvPr/>
+        </p:nvCxnSpPr>
+        <p:spPr>
+          <a:xfrm>
+            <a:off x="9261667" y="1174562"/>
+            <a:ext cx="0" cy="5043827"/>
+          </a:xfrm>
+          <a:prstGeom prst="line">
+            <a:avLst/>
+          </a:prstGeom>
+          <a:ln w="9525" cap="flat" cmpd="sng" algn="ctr">
+            <a:solidFill>
+              <a:schemeClr val="bg1">
+                <a:lumMod val="65000"/>
+              </a:schemeClr>
+            </a:solidFill>
+            <a:prstDash val="dash"/>
+            <a:round/>
+            <a:headEnd type="none" w="med" len="med"/>
+            <a:tailEnd type="none" w="med" len="med"/>
+          </a:ln>
+        </p:spPr>
+        <p:style>
+          <a:lnRef idx="0">
+            <a:scrgbClr r="0" g="0" b="0"/>
+          </a:lnRef>
+          <a:fillRef idx="0">
+            <a:scrgbClr r="0" g="0" b="0"/>
+          </a:fillRef>
+          <a:effectRef idx="0">
+            <a:scrgbClr r="0" g="0" b="0"/>
+          </a:effectRef>
+          <a:fontRef idx="minor">
+            <a:schemeClr val="tx1"/>
+          </a:fontRef>
+        </p:style>
+      </p:cxnSp>
+      <p:sp>
+        <p:nvSpPr>
+          <p:cNvPr id="151" name="TextBox 150">
+            <a:extLst>
+              <a:ext uri="{FF2B5EF4-FFF2-40B4-BE49-F238E27FC236}">
+                <a16:creationId xmlns:a16="http://schemas.microsoft.com/office/drawing/2014/main" id="{76D91CD7-982D-41A3-AA83-53C515804F44}"/>
+              </a:ext>
+            </a:extLst>
+          </p:cNvPr>
+          <p:cNvSpPr txBox="1"/>
+          <p:nvPr/>
+        </p:nvSpPr>
+        <p:spPr>
+          <a:xfrm>
+            <a:off x="8596157" y="807677"/>
+            <a:ext cx="1323041" cy="452044"/>
+          </a:xfrm>
+          <a:prstGeom prst="rect">
+            <a:avLst/>
+          </a:prstGeom>
+          <a:noFill/>
+        </p:spPr>
+        <p:txBody>
+          <a:bodyPr wrap="square" lIns="142635" tIns="114108" rIns="142635" bIns="114108" rtlCol="0">
+            <a:spAutoFit/>
+          </a:bodyPr>
+          <a:lstStyle/>
+          <a:p>
+            <a:pPr marL="0" marR="0" lvl="0" indent="0" algn="ctr" defTabSz="950766" rtl="0" eaLnBrk="1" fontAlgn="auto" latinLnBrk="0" hangingPunct="1">
+              <a:lnSpc>
+                <a:spcPct val="90000"/>
+              </a:lnSpc>
+              <a:spcBef>
+                <a:spcPts val="624"/>
+              </a:spcBef>
+              <a:spcAft>
+                <a:spcPts val="0"/>
+              </a:spcAft>
+              <a:buClrTx/>
+              <a:buSzTx/>
+              <a:buFontTx/>
+              <a:buNone/>
+              <a:tabLst/>
+              <a:defRPr/>
+            </a:pPr>
+            <a:r>
+              <a:rPr kumimoji="0" lang="en-US" sz="1600" b="1" i="0" u="none" strike="noStrike" kern="0" cap="none" spc="-31" normalizeH="0" baseline="0" noProof="0" dirty="0">
+                <a:ln>
+                  <a:noFill/>
+                </a:ln>
+                <a:solidFill>
+                  <a:srgbClr val="505050"/>
+                </a:solidFill>
+                <a:effectLst/>
+                <a:uLnTx/>
+                <a:uFillTx/>
+                <a:latin typeface="Segoe UI"/>
+                <a:ea typeface="+mn-ea"/>
+                <a:cs typeface="+mn-cs"/>
+              </a:rPr>
+              <a:t>Jul</a:t>
+            </a:r>
+          </a:p>
+        </p:txBody>
+      </p:sp>
+      <p:cxnSp>
+        <p:nvCxnSpPr>
+          <p:cNvPr id="152" name="Straight Connector 151">
+            <a:extLst>
+              <a:ext uri="{FF2B5EF4-FFF2-40B4-BE49-F238E27FC236}">
+                <a16:creationId xmlns:a16="http://schemas.microsoft.com/office/drawing/2014/main" id="{9AFB3FE3-702E-45E9-BA52-8C6081286A8A}"/>
+              </a:ext>
+            </a:extLst>
+          </p:cNvPr>
+          <p:cNvCxnSpPr>
+            <a:cxnSpLocks/>
+          </p:cNvCxnSpPr>
+          <p:nvPr/>
+        </p:nvCxnSpPr>
+        <p:spPr>
+          <a:xfrm>
+            <a:off x="8218695" y="1170990"/>
+            <a:ext cx="0" cy="5047399"/>
+          </a:xfrm>
+          <a:prstGeom prst="line">
+            <a:avLst/>
+          </a:prstGeom>
+          <a:ln w="9525" cap="flat" cmpd="sng" algn="ctr">
+            <a:solidFill>
+              <a:schemeClr val="bg1">
+                <a:lumMod val="65000"/>
+              </a:schemeClr>
+            </a:solidFill>
+            <a:prstDash val="dash"/>
+            <a:round/>
+            <a:headEnd type="none" w="med" len="med"/>
+            <a:tailEnd type="none" w="med" len="med"/>
+          </a:ln>
+        </p:spPr>
+        <p:style>
+          <a:lnRef idx="0">
+            <a:scrgbClr r="0" g="0" b="0"/>
+          </a:lnRef>
+          <a:fillRef idx="0">
+            <a:scrgbClr r="0" g="0" b="0"/>
+          </a:fillRef>
+          <a:effectRef idx="0">
+            <a:scrgbClr r="0" g="0" b="0"/>
+          </a:effectRef>
+          <a:fontRef idx="minor">
+            <a:schemeClr val="tx1"/>
+          </a:fontRef>
+        </p:style>
+      </p:cxnSp>
+      <p:sp>
+        <p:nvSpPr>
+          <p:cNvPr id="153" name="TextBox 152">
+            <a:extLst>
+              <a:ext uri="{FF2B5EF4-FFF2-40B4-BE49-F238E27FC236}">
+                <a16:creationId xmlns:a16="http://schemas.microsoft.com/office/drawing/2014/main" id="{2600D24B-A832-4D5B-9570-D1E24CACB231}"/>
+              </a:ext>
+            </a:extLst>
+          </p:cNvPr>
+          <p:cNvSpPr txBox="1"/>
+          <p:nvPr/>
+        </p:nvSpPr>
+        <p:spPr>
+          <a:xfrm>
+            <a:off x="9639150" y="767115"/>
+            <a:ext cx="1323041" cy="452044"/>
+          </a:xfrm>
+          <a:prstGeom prst="rect">
+            <a:avLst/>
+          </a:prstGeom>
+          <a:noFill/>
+        </p:spPr>
+        <p:txBody>
+          <a:bodyPr wrap="square" lIns="142635" tIns="114108" rIns="142635" bIns="114108" rtlCol="0">
+            <a:spAutoFit/>
+          </a:bodyPr>
+          <a:lstStyle/>
+          <a:p>
+            <a:pPr marL="0" marR="0" lvl="0" indent="0" algn="ctr" defTabSz="950766" rtl="0" eaLnBrk="1" fontAlgn="auto" latinLnBrk="0" hangingPunct="1">
+              <a:lnSpc>
+                <a:spcPct val="90000"/>
+              </a:lnSpc>
+              <a:spcBef>
+                <a:spcPts val="624"/>
+              </a:spcBef>
+              <a:spcAft>
+                <a:spcPts val="0"/>
+              </a:spcAft>
+              <a:buClrTx/>
+              <a:buSzTx/>
+              <a:buFontTx/>
+              <a:buNone/>
+              <a:tabLst/>
+              <a:defRPr/>
+            </a:pPr>
+            <a:r>
+              <a:rPr kumimoji="0" lang="en-US" sz="1600" b="1" i="0" u="none" strike="noStrike" kern="0" cap="none" spc="-31" normalizeH="0" baseline="0" noProof="0" dirty="0">
+                <a:ln>
+                  <a:noFill/>
+                </a:ln>
+                <a:solidFill>
+                  <a:srgbClr val="505050"/>
+                </a:solidFill>
+                <a:effectLst/>
+                <a:uLnTx/>
+                <a:uFillTx/>
+                <a:latin typeface="Segoe UI"/>
+                <a:ea typeface="+mn-ea"/>
+                <a:cs typeface="+mn-cs"/>
+              </a:rPr>
+              <a:t>Jan</a:t>
+            </a:r>
+          </a:p>
+        </p:txBody>
+      </p:sp>
+      <p:sp>
+        <p:nvSpPr>
+          <p:cNvPr id="154" name="TextBox 153">
+            <a:extLst>
+              <a:ext uri="{FF2B5EF4-FFF2-40B4-BE49-F238E27FC236}">
+                <a16:creationId xmlns:a16="http://schemas.microsoft.com/office/drawing/2014/main" id="{573CACBF-E91B-4FF0-B1A1-D9EE7E747986}"/>
+              </a:ext>
+            </a:extLst>
+          </p:cNvPr>
+          <p:cNvSpPr txBox="1"/>
+          <p:nvPr/>
+        </p:nvSpPr>
+        <p:spPr>
+          <a:xfrm>
+            <a:off x="9653780" y="500278"/>
+            <a:ext cx="1323041" cy="452044"/>
+          </a:xfrm>
+          <a:prstGeom prst="rect">
+            <a:avLst/>
+          </a:prstGeom>
+          <a:noFill/>
+        </p:spPr>
+        <p:txBody>
+          <a:bodyPr wrap="square" lIns="142635" tIns="114108" rIns="142635" bIns="114108" rtlCol="0">
+            <a:spAutoFit/>
+          </a:bodyPr>
+          <a:lstStyle/>
+          <a:p>
+            <a:pPr marL="0" marR="0" lvl="0" indent="0" algn="ctr" defTabSz="950766" rtl="0" eaLnBrk="1" fontAlgn="auto" latinLnBrk="0" hangingPunct="1">
+              <a:lnSpc>
+                <a:spcPct val="90000"/>
+              </a:lnSpc>
+              <a:spcBef>
+                <a:spcPts val="624"/>
+              </a:spcBef>
+              <a:spcAft>
+                <a:spcPts val="0"/>
+              </a:spcAft>
+              <a:buClrTx/>
+              <a:buSzTx/>
+              <a:buFontTx/>
+              <a:buNone/>
+              <a:tabLst/>
+              <a:defRPr/>
+            </a:pPr>
+            <a:r>
+              <a:rPr kumimoji="0" lang="en-US" sz="1600" b="1" i="0" u="none" strike="noStrike" kern="0" cap="none" spc="-31" normalizeH="0" baseline="0" noProof="0" dirty="0">
+                <a:ln>
+                  <a:noFill/>
+                </a:ln>
+                <a:solidFill>
+                  <a:srgbClr val="505050"/>
+                </a:solidFill>
+                <a:effectLst/>
+                <a:uLnTx/>
+                <a:uFillTx/>
+                <a:latin typeface="Segoe UI Semibold" panose="020B0702040204020203" pitchFamily="34" charset="0"/>
+                <a:ea typeface="+mn-ea"/>
+                <a:cs typeface="Segoe UI Semibold" panose="020B0702040204020203" pitchFamily="34" charset="0"/>
+              </a:rPr>
+              <a:t>2021</a:t>
+            </a:r>
+          </a:p>
+        </p:txBody>
+      </p:sp>
+      <p:cxnSp>
+        <p:nvCxnSpPr>
+          <p:cNvPr id="155" name="Straight Connector 154">
+            <a:extLst>
+              <a:ext uri="{FF2B5EF4-FFF2-40B4-BE49-F238E27FC236}">
+                <a16:creationId xmlns:a16="http://schemas.microsoft.com/office/drawing/2014/main" id="{189A2BA4-7C8C-4692-A2EF-3DE85599D807}"/>
+              </a:ext>
+            </a:extLst>
+          </p:cNvPr>
+          <p:cNvCxnSpPr>
+            <a:cxnSpLocks/>
+          </p:cNvCxnSpPr>
+          <p:nvPr/>
+        </p:nvCxnSpPr>
+        <p:spPr>
+          <a:xfrm>
+            <a:off x="11347609" y="1150660"/>
+            <a:ext cx="0" cy="5067729"/>
+          </a:xfrm>
+          <a:prstGeom prst="line">
+            <a:avLst/>
+          </a:prstGeom>
+          <a:ln w="9525" cap="flat" cmpd="sng" algn="ctr">
+            <a:solidFill>
+              <a:schemeClr val="bg1">
+                <a:lumMod val="65000"/>
+              </a:schemeClr>
+            </a:solidFill>
+            <a:prstDash val="dash"/>
+            <a:round/>
+            <a:headEnd type="none" w="med" len="med"/>
+            <a:tailEnd type="none" w="med" len="med"/>
+          </a:ln>
+        </p:spPr>
+        <p:style>
+          <a:lnRef idx="0">
+            <a:scrgbClr r="0" g="0" b="0"/>
+          </a:lnRef>
+          <a:fillRef idx="0">
+            <a:scrgbClr r="0" g="0" b="0"/>
+          </a:fillRef>
+          <a:effectRef idx="0">
+            <a:scrgbClr r="0" g="0" b="0"/>
+          </a:effectRef>
+          <a:fontRef idx="minor">
+            <a:schemeClr val="tx1"/>
+          </a:fontRef>
+        </p:style>
+      </p:cxnSp>
+      <p:sp>
+        <p:nvSpPr>
+          <p:cNvPr id="156" name="TextBox 155">
+            <a:extLst>
+              <a:ext uri="{FF2B5EF4-FFF2-40B4-BE49-F238E27FC236}">
+                <a16:creationId xmlns:a16="http://schemas.microsoft.com/office/drawing/2014/main" id="{A393B490-C9C0-4B7B-8D89-5BC811BF1627}"/>
+              </a:ext>
+            </a:extLst>
+          </p:cNvPr>
+          <p:cNvSpPr txBox="1"/>
+          <p:nvPr/>
+        </p:nvSpPr>
+        <p:spPr>
+          <a:xfrm>
+            <a:off x="10682141" y="787396"/>
+            <a:ext cx="1323041" cy="452044"/>
+          </a:xfrm>
+          <a:prstGeom prst="rect">
+            <a:avLst/>
+          </a:prstGeom>
+          <a:noFill/>
+        </p:spPr>
+        <p:txBody>
+          <a:bodyPr wrap="square" lIns="142635" tIns="114108" rIns="142635" bIns="114108" rtlCol="0">
+            <a:spAutoFit/>
+          </a:bodyPr>
+          <a:lstStyle/>
+          <a:p>
+            <a:pPr marL="0" marR="0" lvl="0" indent="0" algn="ctr" defTabSz="950766" rtl="0" eaLnBrk="1" fontAlgn="auto" latinLnBrk="0" hangingPunct="1">
+              <a:lnSpc>
+                <a:spcPct val="90000"/>
+              </a:lnSpc>
+              <a:spcBef>
+                <a:spcPts val="624"/>
+              </a:spcBef>
+              <a:spcAft>
+                <a:spcPts val="0"/>
+              </a:spcAft>
+              <a:buClrTx/>
+              <a:buSzTx/>
+              <a:buFontTx/>
+              <a:buNone/>
+              <a:tabLst/>
+              <a:defRPr/>
+            </a:pPr>
+            <a:r>
+              <a:rPr kumimoji="0" lang="en-US" sz="1600" b="1" i="0" u="none" strike="noStrike" kern="0" cap="none" spc="-31" normalizeH="0" baseline="0" noProof="0" dirty="0">
+                <a:ln>
+                  <a:noFill/>
+                </a:ln>
+                <a:solidFill>
+                  <a:srgbClr val="505050"/>
+                </a:solidFill>
+                <a:effectLst/>
+                <a:uLnTx/>
+                <a:uFillTx/>
+                <a:latin typeface="Segoe UI"/>
+                <a:ea typeface="+mn-ea"/>
+                <a:cs typeface="+mn-cs"/>
+              </a:rPr>
+              <a:t>Jul</a:t>
+            </a:r>
+          </a:p>
+        </p:txBody>
+      </p:sp>
+      <p:cxnSp>
+        <p:nvCxnSpPr>
+          <p:cNvPr id="157" name="Straight Connector 156">
+            <a:extLst>
+              <a:ext uri="{FF2B5EF4-FFF2-40B4-BE49-F238E27FC236}">
+                <a16:creationId xmlns:a16="http://schemas.microsoft.com/office/drawing/2014/main" id="{36A652DC-5584-4D56-ABF7-CC0C0D005A9A}"/>
+              </a:ext>
+            </a:extLst>
+          </p:cNvPr>
+          <p:cNvCxnSpPr>
+            <a:cxnSpLocks/>
+          </p:cNvCxnSpPr>
+          <p:nvPr/>
+        </p:nvCxnSpPr>
+        <p:spPr>
+          <a:xfrm>
+            <a:off x="10304639" y="1147086"/>
+            <a:ext cx="0" cy="5071303"/>
+          </a:xfrm>
+          <a:prstGeom prst="line">
+            <a:avLst/>
+          </a:prstGeom>
+          <a:ln w="9525" cap="flat" cmpd="sng" algn="ctr">
+            <a:solidFill>
+              <a:schemeClr val="bg1">
+                <a:lumMod val="65000"/>
+              </a:schemeClr>
+            </a:solidFill>
+            <a:prstDash val="dash"/>
+            <a:round/>
+            <a:headEnd type="none" w="med" len="med"/>
+            <a:tailEnd type="none" w="med" len="med"/>
+          </a:ln>
+        </p:spPr>
+        <p:style>
+          <a:lnRef idx="0">
+            <a:scrgbClr r="0" g="0" b="0"/>
+          </a:lnRef>
+          <a:fillRef idx="0">
+            <a:scrgbClr r="0" g="0" b="0"/>
+          </a:fillRef>
+          <a:effectRef idx="0">
+            <a:scrgbClr r="0" g="0" b="0"/>
+          </a:effectRef>
+          <a:fontRef idx="minor">
+            <a:schemeClr val="tx1"/>
+          </a:fontRef>
+        </p:style>
+      </p:cxnSp>
+      <p:grpSp>
+        <p:nvGrpSpPr>
+          <p:cNvPr id="166" name="Group 165">
+            <a:extLst>
+              <a:ext uri="{FF2B5EF4-FFF2-40B4-BE49-F238E27FC236}">
+                <a16:creationId xmlns:a16="http://schemas.microsoft.com/office/drawing/2014/main" id="{14AE5BBB-A055-49B1-808C-010FACDA845E}"/>
+              </a:ext>
+            </a:extLst>
+          </p:cNvPr>
+          <p:cNvGrpSpPr/>
+          <p:nvPr/>
+        </p:nvGrpSpPr>
+        <p:grpSpPr>
+          <a:xfrm>
+            <a:off x="1818752" y="1351775"/>
+            <a:ext cx="4313999" cy="578211"/>
+            <a:chOff x="2984325" y="784386"/>
+            <a:chExt cx="4313999" cy="578211"/>
+          </a:xfrm>
+        </p:grpSpPr>
+        <p:sp>
+          <p:nvSpPr>
+            <p:cNvPr id="167" name="Rectangle 166">
+              <a:extLst>
+                <a:ext uri="{FF2B5EF4-FFF2-40B4-BE49-F238E27FC236}">
+                  <a16:creationId xmlns:a16="http://schemas.microsoft.com/office/drawing/2014/main" id="{EDE81AEE-09BD-4EF4-BD85-90A1F5351D1C}"/>
+                </a:ext>
+              </a:extLst>
+            </p:cNvPr>
+            <p:cNvSpPr/>
+            <p:nvPr/>
+          </p:nvSpPr>
+          <p:spPr bwMode="auto">
+            <a:xfrm>
+              <a:off x="3126124" y="784386"/>
+              <a:ext cx="2086257" cy="578210"/>
+            </a:xfrm>
+            <a:prstGeom prst="rect">
+              <a:avLst/>
+            </a:prstGeom>
+            <a:solidFill>
+              <a:srgbClr val="429AE2"/>
+            </a:solidFill>
+            <a:ln>
+              <a:noFill/>
+              <a:headEnd type="none" w="med" len="med"/>
+              <a:tailEnd type="none" w="med" len="med"/>
+            </a:ln>
+            <a:effectLst/>
+          </p:spPr>
+          <p:style>
+            <a:lnRef idx="1">
+              <a:schemeClr val="accent2"/>
+            </a:lnRef>
+            <a:fillRef idx="3">
+              <a:schemeClr val="accent2"/>
+            </a:fillRef>
+            <a:effectRef idx="2">
+              <a:schemeClr val="accent2"/>
+            </a:effectRef>
+            <a:fontRef idx="minor">
+              <a:schemeClr val="lt1"/>
+            </a:fontRef>
+          </p:style>
+          <p:txBody>
+            <a:bodyPr rot="0" spcFirstLastPara="0" vertOverflow="overflow" horzOverflow="overflow" vert="horz" wrap="square" lIns="186494" tIns="149196" rIns="186494" bIns="149196" numCol="1" spcCol="0" rtlCol="0" fromWordArt="0" anchor="ctr" anchorCtr="0" forceAA="0" compatLnSpc="1">
+              <a:prstTxWarp prst="textNoShape">
+                <a:avLst/>
+              </a:prstTxWarp>
+              <a:noAutofit/>
+            </a:bodyPr>
+            <a:lstStyle/>
+            <a:p>
+              <a:pPr marL="0" marR="0" lvl="0" indent="0" algn="ctr" defTabSz="950846" rtl="0" eaLnBrk="1" fontAlgn="base" latinLnBrk="0" hangingPunct="1">
+                <a:lnSpc>
+                  <a:spcPct val="90000"/>
+                </a:lnSpc>
+                <a:spcBef>
+                  <a:spcPct val="0"/>
+                </a:spcBef>
+                <a:spcAft>
+                  <a:spcPct val="0"/>
+                </a:spcAft>
+                <a:buClrTx/>
+                <a:buSzTx/>
+                <a:buFontTx/>
+                <a:buNone/>
+                <a:tabLst/>
+                <a:defRPr/>
+              </a:pPr>
+              <a:r>
+                <a:rPr kumimoji="0" lang="en-US" sz="1100" b="0" i="0" u="none" strike="noStrike" kern="0" cap="none" spc="0" normalizeH="0" baseline="0" noProof="0" dirty="0">
+                  <a:ln>
+                    <a:noFill/>
+                  </a:ln>
+                  <a:solidFill>
+                    <a:srgbClr val="FFFFFF"/>
+                  </a:solidFill>
+                  <a:effectLst/>
+                  <a:uLnTx/>
+                  <a:uFillTx/>
+                  <a:latin typeface="Segoe UI"/>
+                  <a:ea typeface="Segoe UI" pitchFamily="34" charset="0"/>
+                  <a:cs typeface="Segoe UI" pitchFamily="34" charset="0"/>
+                </a:rPr>
+                <a:t>Security &amp; Critical Updates</a:t>
+              </a:r>
+            </a:p>
+          </p:txBody>
+        </p:sp>
+        <p:sp>
+          <p:nvSpPr>
+            <p:cNvPr id="168" name="Rectangle 167">
+              <a:extLst>
+                <a:ext uri="{FF2B5EF4-FFF2-40B4-BE49-F238E27FC236}">
+                  <a16:creationId xmlns:a16="http://schemas.microsoft.com/office/drawing/2014/main" id="{426546FC-DD88-4557-AA38-D9632154CC4D}"/>
+                </a:ext>
+              </a:extLst>
+            </p:cNvPr>
+            <p:cNvSpPr/>
+            <p:nvPr/>
+          </p:nvSpPr>
+          <p:spPr bwMode="auto">
+            <a:xfrm>
+              <a:off x="5212380" y="784387"/>
+              <a:ext cx="2085944" cy="578210"/>
+            </a:xfrm>
+            <a:prstGeom prst="rect">
+              <a:avLst/>
+            </a:prstGeom>
+            <a:solidFill>
+              <a:srgbClr val="0078D7"/>
+            </a:solidFill>
+            <a:ln>
+              <a:noFill/>
+              <a:headEnd type="none" w="med" len="med"/>
+              <a:tailEnd type="none" w="med" len="med"/>
+            </a:ln>
+            <a:effectLst/>
+          </p:spPr>
+          <p:style>
+            <a:lnRef idx="1">
+              <a:schemeClr val="accent2"/>
+            </a:lnRef>
+            <a:fillRef idx="3">
+              <a:schemeClr val="accent2"/>
+            </a:fillRef>
+            <a:effectRef idx="2">
+              <a:schemeClr val="accent2"/>
+            </a:effectRef>
+            <a:fontRef idx="minor">
+              <a:schemeClr val="lt1"/>
+            </a:fontRef>
+          </p:style>
+          <p:txBody>
+            <a:bodyPr rot="0" spcFirstLastPara="0" vertOverflow="overflow" horzOverflow="overflow" vert="horz" wrap="square" lIns="186494" tIns="149196" rIns="186494" bIns="149196" numCol="1" spcCol="0" rtlCol="0" fromWordArt="0" anchor="ctr" anchorCtr="0" forceAA="0" compatLnSpc="1">
+              <a:prstTxWarp prst="textNoShape">
+                <a:avLst/>
+              </a:prstTxWarp>
+              <a:noAutofit/>
+            </a:bodyPr>
+            <a:lstStyle/>
+            <a:p>
+              <a:pPr marL="0" marR="0" lvl="0" indent="0" algn="ctr" defTabSz="950846" rtl="0" eaLnBrk="1" fontAlgn="base" latinLnBrk="0" hangingPunct="1">
+                <a:lnSpc>
+                  <a:spcPct val="90000"/>
+                </a:lnSpc>
+                <a:spcBef>
+                  <a:spcPct val="0"/>
+                </a:spcBef>
+                <a:spcAft>
+                  <a:spcPct val="0"/>
+                </a:spcAft>
+                <a:buClrTx/>
+                <a:buSzTx/>
+                <a:buFontTx/>
+                <a:buNone/>
+                <a:tabLst/>
+                <a:defRPr/>
+              </a:pPr>
+              <a:r>
+                <a:rPr kumimoji="0" lang="en-US" sz="1100" b="0" i="0" u="none" strike="noStrike" kern="0" cap="none" spc="0" normalizeH="0" baseline="0" noProof="0" dirty="0">
+                  <a:ln>
+                    <a:noFill/>
+                  </a:ln>
+                  <a:solidFill>
+                    <a:srgbClr val="FFFFFF"/>
+                  </a:solidFill>
+                  <a:effectLst/>
+                  <a:uLnTx/>
+                  <a:uFillTx/>
+                  <a:latin typeface="Segoe UI"/>
+                  <a:ea typeface="Segoe UI" pitchFamily="34" charset="0"/>
+                  <a:cs typeface="Segoe UI" pitchFamily="34" charset="0"/>
+                </a:rPr>
+                <a:t>Security Updates</a:t>
+              </a:r>
+            </a:p>
+          </p:txBody>
+        </p:sp>
+        <p:sp>
+          <p:nvSpPr>
+            <p:cNvPr id="169" name="Diamond 168">
+              <a:extLst>
+                <a:ext uri="{FF2B5EF4-FFF2-40B4-BE49-F238E27FC236}">
+                  <a16:creationId xmlns:a16="http://schemas.microsoft.com/office/drawing/2014/main" id="{A4EBF9E4-B770-4D1E-99AB-1123702E29BB}"/>
+                </a:ext>
+              </a:extLst>
+            </p:cNvPr>
+            <p:cNvSpPr/>
+            <p:nvPr/>
+          </p:nvSpPr>
+          <p:spPr bwMode="auto">
+            <a:xfrm>
+              <a:off x="2984325" y="933600"/>
+              <a:ext cx="279781" cy="279781"/>
+            </a:xfrm>
+            <a:prstGeom prst="diamond">
+              <a:avLst/>
+            </a:prstGeom>
+            <a:solidFill>
+              <a:srgbClr val="0078D7"/>
+            </a:solidFill>
+            <a:ln w="41275">
+              <a:solidFill>
+                <a:srgbClr val="FFFFFF"/>
+              </a:solidFill>
+              <a:miter lim="800000"/>
+              <a:headEnd type="none" w="med" len="med"/>
+              <a:tailEnd type="none" w="med" len="med"/>
+            </a:ln>
+            <a:effectLst/>
+          </p:spPr>
+          <p:style>
+            <a:lnRef idx="1">
+              <a:schemeClr val="accent2"/>
+            </a:lnRef>
+            <a:fillRef idx="3">
+              <a:schemeClr val="accent2"/>
+            </a:fillRef>
+            <a:effectRef idx="2">
+              <a:schemeClr val="accent2"/>
+            </a:effectRef>
+            <a:fontRef idx="minor">
+              <a:schemeClr val="lt1"/>
+            </a:fontRef>
+          </p:style>
+          <p:txBody>
+            <a:bodyPr rot="0" spcFirstLastPara="0" vertOverflow="overflow" horzOverflow="overflow" vert="horz" wrap="square" lIns="186494" tIns="149196" rIns="186494" bIns="149196" numCol="1" spcCol="0" rtlCol="0" fromWordArt="0" anchor="t" anchorCtr="0" forceAA="0" compatLnSpc="1">
+              <a:prstTxWarp prst="textNoShape">
+                <a:avLst/>
+              </a:prstTxWarp>
+              <a:noAutofit/>
+            </a:bodyPr>
+            <a:lstStyle/>
+            <a:p>
+              <a:pPr marL="0" marR="0" lvl="0" indent="0" algn="ctr" defTabSz="950846" rtl="0" eaLnBrk="1" fontAlgn="base" latinLnBrk="0" hangingPunct="1">
+                <a:lnSpc>
+                  <a:spcPct val="90000"/>
+                </a:lnSpc>
+                <a:spcBef>
+                  <a:spcPct val="0"/>
+                </a:spcBef>
+                <a:spcAft>
+                  <a:spcPct val="0"/>
+                </a:spcAft>
+                <a:buClrTx/>
+                <a:buSzTx/>
+                <a:buFontTx/>
+                <a:buNone/>
+                <a:tabLst/>
+                <a:defRPr/>
+              </a:pPr>
+              <a:endParaRPr kumimoji="0" lang="en-US" sz="2400" b="0" i="0" u="none" strike="noStrike" kern="0" cap="none" spc="0" normalizeH="0" baseline="0" noProof="0" dirty="0" err="1">
+                <a:ln>
+                  <a:noFill/>
+                </a:ln>
+                <a:gradFill>
+                  <a:gsLst>
+                    <a:gs pos="0">
+                      <a:srgbClr val="FFFFFF"/>
+                    </a:gs>
+                    <a:gs pos="100000">
+                      <a:srgbClr val="FFFFFF"/>
+                    </a:gs>
+                  </a:gsLst>
+                  <a:lin ang="5400000" scaled="0"/>
+                </a:gradFill>
+                <a:effectLst/>
+                <a:uLnTx/>
+                <a:uFillTx/>
+                <a:latin typeface="Segoe UI"/>
+                <a:ea typeface="Segoe UI" pitchFamily="34" charset="0"/>
+                <a:cs typeface="Segoe UI" pitchFamily="34" charset="0"/>
+              </a:endParaRPr>
+            </a:p>
+          </p:txBody>
+        </p:sp>
+      </p:grpSp>
+      <p:grpSp>
+        <p:nvGrpSpPr>
+          <p:cNvPr id="170" name="Group 169">
+            <a:extLst>
+              <a:ext uri="{FF2B5EF4-FFF2-40B4-BE49-F238E27FC236}">
+                <a16:creationId xmlns:a16="http://schemas.microsoft.com/office/drawing/2014/main" id="{4B283818-F26E-4BB8-82FC-28E15EE489DF}"/>
+              </a:ext>
+            </a:extLst>
+          </p:cNvPr>
+          <p:cNvGrpSpPr/>
+          <p:nvPr/>
+        </p:nvGrpSpPr>
+        <p:grpSpPr>
+          <a:xfrm>
+            <a:off x="2597938" y="2390616"/>
+            <a:ext cx="4313999" cy="578211"/>
+            <a:chOff x="2984325" y="784386"/>
+            <a:chExt cx="4313999" cy="578211"/>
+          </a:xfrm>
+        </p:grpSpPr>
+        <p:sp>
+          <p:nvSpPr>
+            <p:cNvPr id="171" name="Rectangle 170">
+              <a:extLst>
+                <a:ext uri="{FF2B5EF4-FFF2-40B4-BE49-F238E27FC236}">
+                  <a16:creationId xmlns:a16="http://schemas.microsoft.com/office/drawing/2014/main" id="{F6352DD5-1CE6-4DED-AC09-368E72FDF790}"/>
+                </a:ext>
+              </a:extLst>
+            </p:cNvPr>
+            <p:cNvSpPr/>
+            <p:nvPr/>
+          </p:nvSpPr>
+          <p:spPr bwMode="auto">
+            <a:xfrm>
+              <a:off x="3126124" y="784386"/>
+              <a:ext cx="2086257" cy="578210"/>
+            </a:xfrm>
+            <a:prstGeom prst="rect">
+              <a:avLst/>
+            </a:prstGeom>
+            <a:solidFill>
+              <a:srgbClr val="429AE2"/>
+            </a:solidFill>
+            <a:ln>
+              <a:noFill/>
+              <a:headEnd type="none" w="med" len="med"/>
+              <a:tailEnd type="none" w="med" len="med"/>
+            </a:ln>
+            <a:effectLst/>
+          </p:spPr>
+          <p:style>
+            <a:lnRef idx="1">
+              <a:schemeClr val="accent2"/>
+            </a:lnRef>
+            <a:fillRef idx="3">
+              <a:schemeClr val="accent2"/>
+            </a:fillRef>
+            <a:effectRef idx="2">
+              <a:schemeClr val="accent2"/>
+            </a:effectRef>
+            <a:fontRef idx="minor">
+              <a:schemeClr val="lt1"/>
+            </a:fontRef>
+          </p:style>
+          <p:txBody>
+            <a:bodyPr rot="0" spcFirstLastPara="0" vertOverflow="overflow" horzOverflow="overflow" vert="horz" wrap="square" lIns="186494" tIns="149196" rIns="186494" bIns="149196" numCol="1" spcCol="0" rtlCol="0" fromWordArt="0" anchor="ctr" anchorCtr="0" forceAA="0" compatLnSpc="1">
+              <a:prstTxWarp prst="textNoShape">
+                <a:avLst/>
+              </a:prstTxWarp>
+              <a:noAutofit/>
+            </a:bodyPr>
+            <a:lstStyle/>
+            <a:p>
+              <a:pPr marL="0" marR="0" lvl="0" indent="0" algn="ctr" defTabSz="950846" rtl="0" eaLnBrk="1" fontAlgn="base" latinLnBrk="0" hangingPunct="1">
+                <a:lnSpc>
+                  <a:spcPct val="90000"/>
+                </a:lnSpc>
+                <a:spcBef>
+                  <a:spcPct val="0"/>
+                </a:spcBef>
+                <a:spcAft>
+                  <a:spcPct val="0"/>
+                </a:spcAft>
+                <a:buClrTx/>
+                <a:buSzTx/>
+                <a:buFontTx/>
+                <a:buNone/>
+                <a:tabLst/>
+                <a:defRPr/>
+              </a:pPr>
+              <a:r>
+                <a:rPr kumimoji="0" lang="en-US" sz="1100" b="0" i="0" u="none" strike="noStrike" kern="0" cap="none" spc="0" normalizeH="0" baseline="0" noProof="0" dirty="0">
+                  <a:ln>
+                    <a:noFill/>
+                  </a:ln>
+                  <a:solidFill>
+                    <a:srgbClr val="FFFFFF"/>
+                  </a:solidFill>
+                  <a:effectLst/>
+                  <a:uLnTx/>
+                  <a:uFillTx/>
+                  <a:latin typeface="Segoe UI"/>
+                  <a:ea typeface="Segoe UI" pitchFamily="34" charset="0"/>
+                  <a:cs typeface="Segoe UI" pitchFamily="34" charset="0"/>
+                </a:rPr>
+                <a:t>Security &amp; Critical Updates</a:t>
+              </a:r>
+            </a:p>
+          </p:txBody>
+        </p:sp>
+        <p:sp>
+          <p:nvSpPr>
+            <p:cNvPr id="172" name="Rectangle 171">
+              <a:extLst>
+                <a:ext uri="{FF2B5EF4-FFF2-40B4-BE49-F238E27FC236}">
+                  <a16:creationId xmlns:a16="http://schemas.microsoft.com/office/drawing/2014/main" id="{F4847D80-7452-41D5-9016-9EA5969C52DF}"/>
+                </a:ext>
+              </a:extLst>
+            </p:cNvPr>
+            <p:cNvSpPr/>
+            <p:nvPr/>
+          </p:nvSpPr>
+          <p:spPr bwMode="auto">
+            <a:xfrm>
+              <a:off x="5212380" y="784387"/>
+              <a:ext cx="2085944" cy="578210"/>
+            </a:xfrm>
+            <a:prstGeom prst="rect">
+              <a:avLst/>
+            </a:prstGeom>
+            <a:solidFill>
+              <a:srgbClr val="0078D7"/>
+            </a:solidFill>
+            <a:ln>
+              <a:noFill/>
+              <a:headEnd type="none" w="med" len="med"/>
+              <a:tailEnd type="none" w="med" len="med"/>
+            </a:ln>
+            <a:effectLst/>
+          </p:spPr>
+          <p:style>
+            <a:lnRef idx="1">
+              <a:schemeClr val="accent2"/>
+            </a:lnRef>
+            <a:fillRef idx="3">
+              <a:schemeClr val="accent2"/>
+            </a:fillRef>
+            <a:effectRef idx="2">
+              <a:schemeClr val="accent2"/>
+            </a:effectRef>
+            <a:fontRef idx="minor">
+              <a:schemeClr val="lt1"/>
+            </a:fontRef>
+          </p:style>
+          <p:txBody>
+            <a:bodyPr rot="0" spcFirstLastPara="0" vertOverflow="overflow" horzOverflow="overflow" vert="horz" wrap="square" lIns="186494" tIns="149196" rIns="186494" bIns="149196" numCol="1" spcCol="0" rtlCol="0" fromWordArt="0" anchor="ctr" anchorCtr="0" forceAA="0" compatLnSpc="1">
+              <a:prstTxWarp prst="textNoShape">
+                <a:avLst/>
+              </a:prstTxWarp>
+              <a:noAutofit/>
+            </a:bodyPr>
+            <a:lstStyle/>
+            <a:p>
+              <a:pPr marL="0" marR="0" lvl="0" indent="0" algn="ctr" defTabSz="950846" rtl="0" eaLnBrk="1" fontAlgn="base" latinLnBrk="0" hangingPunct="1">
+                <a:lnSpc>
+                  <a:spcPct val="90000"/>
+                </a:lnSpc>
+                <a:spcBef>
+                  <a:spcPct val="0"/>
+                </a:spcBef>
+                <a:spcAft>
+                  <a:spcPct val="0"/>
+                </a:spcAft>
+                <a:buClrTx/>
+                <a:buSzTx/>
+                <a:buFontTx/>
+                <a:buNone/>
+                <a:tabLst/>
+                <a:defRPr/>
+              </a:pPr>
+              <a:r>
+                <a:rPr kumimoji="0" lang="en-US" sz="1100" b="0" i="0" u="none" strike="noStrike" kern="0" cap="none" spc="0" normalizeH="0" baseline="0" noProof="0" dirty="0">
+                  <a:ln>
+                    <a:noFill/>
+                  </a:ln>
+                  <a:solidFill>
+                    <a:srgbClr val="FFFFFF"/>
+                  </a:solidFill>
+                  <a:effectLst/>
+                  <a:uLnTx/>
+                  <a:uFillTx/>
+                  <a:latin typeface="Segoe UI"/>
+                  <a:ea typeface="Segoe UI" pitchFamily="34" charset="0"/>
+                  <a:cs typeface="Segoe UI" pitchFamily="34" charset="0"/>
+                </a:rPr>
+                <a:t>Security Updates</a:t>
+              </a:r>
+            </a:p>
+          </p:txBody>
+        </p:sp>
+        <p:sp>
+          <p:nvSpPr>
+            <p:cNvPr id="173" name="Diamond 172">
+              <a:extLst>
+                <a:ext uri="{FF2B5EF4-FFF2-40B4-BE49-F238E27FC236}">
+                  <a16:creationId xmlns:a16="http://schemas.microsoft.com/office/drawing/2014/main" id="{F7F94D55-6829-4924-8BFE-503AAAEE436F}"/>
+                </a:ext>
+              </a:extLst>
+            </p:cNvPr>
+            <p:cNvSpPr/>
+            <p:nvPr/>
+          </p:nvSpPr>
+          <p:spPr bwMode="auto">
+            <a:xfrm>
+              <a:off x="2984325" y="933600"/>
+              <a:ext cx="279781" cy="279781"/>
+            </a:xfrm>
+            <a:prstGeom prst="diamond">
+              <a:avLst/>
+            </a:prstGeom>
+            <a:solidFill>
+              <a:srgbClr val="0078D7"/>
+            </a:solidFill>
+            <a:ln w="41275">
+              <a:solidFill>
+                <a:srgbClr val="FFFFFF"/>
+              </a:solidFill>
+              <a:miter lim="800000"/>
+              <a:headEnd type="none" w="med" len="med"/>
+              <a:tailEnd type="none" w="med" len="med"/>
+            </a:ln>
+            <a:effectLst/>
+          </p:spPr>
+          <p:style>
+            <a:lnRef idx="1">
+              <a:schemeClr val="accent2"/>
+            </a:lnRef>
+            <a:fillRef idx="3">
+              <a:schemeClr val="accent2"/>
+            </a:fillRef>
+            <a:effectRef idx="2">
+              <a:schemeClr val="accent2"/>
+            </a:effectRef>
+            <a:fontRef idx="minor">
+              <a:schemeClr val="lt1"/>
+            </a:fontRef>
+          </p:style>
+          <p:txBody>
+            <a:bodyPr rot="0" spcFirstLastPara="0" vertOverflow="overflow" horzOverflow="overflow" vert="horz" wrap="square" lIns="186494" tIns="149196" rIns="186494" bIns="149196" numCol="1" spcCol="0" rtlCol="0" fromWordArt="0" anchor="t" anchorCtr="0" forceAA="0" compatLnSpc="1">
+              <a:prstTxWarp prst="textNoShape">
+                <a:avLst/>
+              </a:prstTxWarp>
+              <a:noAutofit/>
+            </a:bodyPr>
+            <a:lstStyle/>
+            <a:p>
+              <a:pPr marL="0" marR="0" lvl="0" indent="0" algn="ctr" defTabSz="950846" rtl="0" eaLnBrk="1" fontAlgn="base" latinLnBrk="0" hangingPunct="1">
+                <a:lnSpc>
+                  <a:spcPct val="90000"/>
+                </a:lnSpc>
+                <a:spcBef>
+                  <a:spcPct val="0"/>
+                </a:spcBef>
+                <a:spcAft>
+                  <a:spcPct val="0"/>
+                </a:spcAft>
+                <a:buClrTx/>
+                <a:buSzTx/>
+                <a:buFontTx/>
+                <a:buNone/>
+                <a:tabLst/>
+                <a:defRPr/>
+              </a:pPr>
+              <a:endParaRPr kumimoji="0" lang="en-US" sz="2400" b="0" i="0" u="none" strike="noStrike" kern="0" cap="none" spc="0" normalizeH="0" baseline="0" noProof="0" dirty="0" err="1">
+                <a:ln>
+                  <a:noFill/>
+                </a:ln>
+                <a:gradFill>
+                  <a:gsLst>
+                    <a:gs pos="0">
+                      <a:srgbClr val="FFFFFF"/>
+                    </a:gs>
+                    <a:gs pos="100000">
+                      <a:srgbClr val="FFFFFF"/>
+                    </a:gs>
+                  </a:gsLst>
+                  <a:lin ang="5400000" scaled="0"/>
+                </a:gradFill>
+                <a:effectLst/>
+                <a:uLnTx/>
+                <a:uFillTx/>
+                <a:latin typeface="Segoe UI"/>
+                <a:ea typeface="Segoe UI" pitchFamily="34" charset="0"/>
+                <a:cs typeface="Segoe UI" pitchFamily="34" charset="0"/>
+              </a:endParaRPr>
+            </a:p>
+          </p:txBody>
+        </p:sp>
+      </p:grpSp>
+      <p:grpSp>
+        <p:nvGrpSpPr>
+          <p:cNvPr id="174" name="Group 173">
+            <a:extLst>
+              <a:ext uri="{FF2B5EF4-FFF2-40B4-BE49-F238E27FC236}">
+                <a16:creationId xmlns:a16="http://schemas.microsoft.com/office/drawing/2014/main" id="{43666859-FF1B-4E86-A8EE-34E1604B7D59}"/>
+              </a:ext>
+            </a:extLst>
+          </p:cNvPr>
+          <p:cNvGrpSpPr/>
+          <p:nvPr/>
+        </p:nvGrpSpPr>
+        <p:grpSpPr>
+          <a:xfrm>
+            <a:off x="3527890" y="3411907"/>
+            <a:ext cx="4313999" cy="578211"/>
+            <a:chOff x="2984325" y="784386"/>
+            <a:chExt cx="4313999" cy="578211"/>
+          </a:xfrm>
+        </p:grpSpPr>
+        <p:sp>
+          <p:nvSpPr>
+            <p:cNvPr id="175" name="Rectangle 174">
+              <a:extLst>
+                <a:ext uri="{FF2B5EF4-FFF2-40B4-BE49-F238E27FC236}">
+                  <a16:creationId xmlns:a16="http://schemas.microsoft.com/office/drawing/2014/main" id="{6973C500-1AA3-4C2F-A59A-85050DDA72CA}"/>
+                </a:ext>
+              </a:extLst>
+            </p:cNvPr>
+            <p:cNvSpPr/>
+            <p:nvPr/>
+          </p:nvSpPr>
+          <p:spPr bwMode="auto">
+            <a:xfrm>
+              <a:off x="3126124" y="784386"/>
+              <a:ext cx="2086257" cy="578210"/>
+            </a:xfrm>
+            <a:prstGeom prst="rect">
+              <a:avLst/>
+            </a:prstGeom>
+            <a:solidFill>
+              <a:srgbClr val="429AE2"/>
+            </a:solidFill>
+            <a:ln>
+              <a:noFill/>
+              <a:headEnd type="none" w="med" len="med"/>
+              <a:tailEnd type="none" w="med" len="med"/>
+            </a:ln>
+            <a:effectLst/>
+          </p:spPr>
+          <p:style>
+            <a:lnRef idx="1">
+              <a:schemeClr val="accent2"/>
+            </a:lnRef>
+            <a:fillRef idx="3">
+              <a:schemeClr val="accent2"/>
+            </a:fillRef>
+            <a:effectRef idx="2">
+              <a:schemeClr val="accent2"/>
+            </a:effectRef>
+            <a:fontRef idx="minor">
+              <a:schemeClr val="lt1"/>
+            </a:fontRef>
+          </p:style>
+          <p:txBody>
+            <a:bodyPr rot="0" spcFirstLastPara="0" vertOverflow="overflow" horzOverflow="overflow" vert="horz" wrap="square" lIns="186494" tIns="149196" rIns="186494" bIns="149196" numCol="1" spcCol="0" rtlCol="0" fromWordArt="0" anchor="ctr" anchorCtr="0" forceAA="0" compatLnSpc="1">
+              <a:prstTxWarp prst="textNoShape">
+                <a:avLst/>
+              </a:prstTxWarp>
+              <a:noAutofit/>
+            </a:bodyPr>
+            <a:lstStyle/>
+            <a:p>
+              <a:pPr marL="0" marR="0" lvl="0" indent="0" algn="ctr" defTabSz="950846" rtl="0" eaLnBrk="1" fontAlgn="base" latinLnBrk="0" hangingPunct="1">
+                <a:lnSpc>
+                  <a:spcPct val="90000"/>
+                </a:lnSpc>
+                <a:spcBef>
+                  <a:spcPct val="0"/>
+                </a:spcBef>
+                <a:spcAft>
+                  <a:spcPct val="0"/>
+                </a:spcAft>
+                <a:buClrTx/>
+                <a:buSzTx/>
+                <a:buFontTx/>
+                <a:buNone/>
+                <a:tabLst/>
+                <a:defRPr/>
+              </a:pPr>
+              <a:r>
+                <a:rPr kumimoji="0" lang="en-US" sz="1100" b="0" i="0" u="none" strike="noStrike" kern="0" cap="none" spc="0" normalizeH="0" baseline="0" noProof="0" dirty="0">
+                  <a:ln>
+                    <a:noFill/>
+                  </a:ln>
+                  <a:solidFill>
+                    <a:srgbClr val="FFFFFF"/>
+                  </a:solidFill>
+                  <a:effectLst/>
+                  <a:uLnTx/>
+                  <a:uFillTx/>
+                  <a:latin typeface="Segoe UI"/>
+                  <a:ea typeface="Segoe UI" pitchFamily="34" charset="0"/>
+                  <a:cs typeface="Segoe UI" pitchFamily="34" charset="0"/>
+                </a:rPr>
+                <a:t>Security &amp; Critical Updates</a:t>
+              </a:r>
+            </a:p>
+          </p:txBody>
+        </p:sp>
+        <p:sp>
+          <p:nvSpPr>
+            <p:cNvPr id="176" name="Rectangle 175">
+              <a:extLst>
+                <a:ext uri="{FF2B5EF4-FFF2-40B4-BE49-F238E27FC236}">
+                  <a16:creationId xmlns:a16="http://schemas.microsoft.com/office/drawing/2014/main" id="{1D9EDA60-DD37-41F7-BF46-ED64D1922A60}"/>
+                </a:ext>
+              </a:extLst>
+            </p:cNvPr>
+            <p:cNvSpPr/>
+            <p:nvPr/>
+          </p:nvSpPr>
+          <p:spPr bwMode="auto">
+            <a:xfrm>
+              <a:off x="5212380" y="784387"/>
+              <a:ext cx="2085944" cy="578210"/>
+            </a:xfrm>
+            <a:prstGeom prst="rect">
+              <a:avLst/>
+            </a:prstGeom>
+            <a:solidFill>
+              <a:srgbClr val="0078D7"/>
+            </a:solidFill>
+            <a:ln>
+              <a:noFill/>
+              <a:headEnd type="none" w="med" len="med"/>
+              <a:tailEnd type="none" w="med" len="med"/>
+            </a:ln>
+            <a:effectLst/>
+          </p:spPr>
+          <p:style>
+            <a:lnRef idx="1">
+              <a:schemeClr val="accent2"/>
+            </a:lnRef>
+            <a:fillRef idx="3">
+              <a:schemeClr val="accent2"/>
+            </a:fillRef>
+            <a:effectRef idx="2">
+              <a:schemeClr val="accent2"/>
+            </a:effectRef>
+            <a:fontRef idx="minor">
+              <a:schemeClr val="lt1"/>
+            </a:fontRef>
+          </p:style>
+          <p:txBody>
+            <a:bodyPr rot="0" spcFirstLastPara="0" vertOverflow="overflow" horzOverflow="overflow" vert="horz" wrap="square" lIns="186494" tIns="149196" rIns="186494" bIns="149196" numCol="1" spcCol="0" rtlCol="0" fromWordArt="0" anchor="ctr" anchorCtr="0" forceAA="0" compatLnSpc="1">
+              <a:prstTxWarp prst="textNoShape">
+                <a:avLst/>
+              </a:prstTxWarp>
+              <a:noAutofit/>
+            </a:bodyPr>
+            <a:lstStyle/>
+            <a:p>
+              <a:pPr marL="0" marR="0" lvl="0" indent="0" algn="ctr" defTabSz="950846" rtl="0" eaLnBrk="1" fontAlgn="base" latinLnBrk="0" hangingPunct="1">
+                <a:lnSpc>
+                  <a:spcPct val="90000"/>
+                </a:lnSpc>
+                <a:spcBef>
+                  <a:spcPct val="0"/>
+                </a:spcBef>
+                <a:spcAft>
+                  <a:spcPct val="0"/>
+                </a:spcAft>
+                <a:buClrTx/>
+                <a:buSzTx/>
+                <a:buFontTx/>
+                <a:buNone/>
+                <a:tabLst/>
+                <a:defRPr/>
+              </a:pPr>
+              <a:r>
+                <a:rPr kumimoji="0" lang="en-US" sz="1100" b="0" i="0" u="none" strike="noStrike" kern="0" cap="none" spc="0" normalizeH="0" baseline="0" noProof="0" dirty="0">
+                  <a:ln>
+                    <a:noFill/>
+                  </a:ln>
+                  <a:solidFill>
+                    <a:srgbClr val="FFFFFF"/>
+                  </a:solidFill>
+                  <a:effectLst/>
+                  <a:uLnTx/>
+                  <a:uFillTx/>
+                  <a:latin typeface="Segoe UI"/>
+                  <a:ea typeface="Segoe UI" pitchFamily="34" charset="0"/>
+                  <a:cs typeface="Segoe UI" pitchFamily="34" charset="0"/>
+                </a:rPr>
+                <a:t>Security Updates</a:t>
+              </a:r>
+            </a:p>
+          </p:txBody>
+        </p:sp>
+        <p:sp>
+          <p:nvSpPr>
+            <p:cNvPr id="177" name="Diamond 176">
+              <a:extLst>
+                <a:ext uri="{FF2B5EF4-FFF2-40B4-BE49-F238E27FC236}">
+                  <a16:creationId xmlns:a16="http://schemas.microsoft.com/office/drawing/2014/main" id="{BDC139BE-25EB-4845-B102-915CDCED51E9}"/>
+                </a:ext>
+              </a:extLst>
+            </p:cNvPr>
+            <p:cNvSpPr/>
+            <p:nvPr/>
+          </p:nvSpPr>
+          <p:spPr bwMode="auto">
+            <a:xfrm>
+              <a:off x="2984325" y="933600"/>
+              <a:ext cx="279781" cy="279781"/>
+            </a:xfrm>
+            <a:prstGeom prst="diamond">
+              <a:avLst/>
+            </a:prstGeom>
+            <a:solidFill>
+              <a:srgbClr val="0078D7"/>
+            </a:solidFill>
+            <a:ln w="41275">
+              <a:solidFill>
+                <a:srgbClr val="FFFFFF"/>
+              </a:solidFill>
+              <a:miter lim="800000"/>
+              <a:headEnd type="none" w="med" len="med"/>
+              <a:tailEnd type="none" w="med" len="med"/>
+            </a:ln>
+            <a:effectLst/>
+          </p:spPr>
+          <p:style>
+            <a:lnRef idx="1">
+              <a:schemeClr val="accent2"/>
+            </a:lnRef>
+            <a:fillRef idx="3">
+              <a:schemeClr val="accent2"/>
+            </a:fillRef>
+            <a:effectRef idx="2">
+              <a:schemeClr val="accent2"/>
+            </a:effectRef>
+            <a:fontRef idx="minor">
+              <a:schemeClr val="lt1"/>
+            </a:fontRef>
+          </p:style>
+          <p:txBody>
+            <a:bodyPr rot="0" spcFirstLastPara="0" vertOverflow="overflow" horzOverflow="overflow" vert="horz" wrap="square" lIns="186494" tIns="149196" rIns="186494" bIns="149196" numCol="1" spcCol="0" rtlCol="0" fromWordArt="0" anchor="t" anchorCtr="0" forceAA="0" compatLnSpc="1">
+              <a:prstTxWarp prst="textNoShape">
+                <a:avLst/>
+              </a:prstTxWarp>
+              <a:noAutofit/>
+            </a:bodyPr>
+            <a:lstStyle/>
+            <a:p>
+              <a:pPr marL="0" marR="0" lvl="0" indent="0" algn="ctr" defTabSz="950846" rtl="0" eaLnBrk="1" fontAlgn="base" latinLnBrk="0" hangingPunct="1">
+                <a:lnSpc>
+                  <a:spcPct val="90000"/>
+                </a:lnSpc>
+                <a:spcBef>
+                  <a:spcPct val="0"/>
+                </a:spcBef>
+                <a:spcAft>
+                  <a:spcPct val="0"/>
+                </a:spcAft>
+                <a:buClrTx/>
+                <a:buSzTx/>
+                <a:buFontTx/>
+                <a:buNone/>
+                <a:tabLst/>
+                <a:defRPr/>
+              </a:pPr>
+              <a:endParaRPr kumimoji="0" lang="en-US" sz="2400" b="0" i="0" u="none" strike="noStrike" kern="0" cap="none" spc="0" normalizeH="0" baseline="0" noProof="0" dirty="0" err="1">
+                <a:ln>
+                  <a:noFill/>
+                </a:ln>
+                <a:gradFill>
+                  <a:gsLst>
+                    <a:gs pos="0">
+                      <a:srgbClr val="FFFFFF"/>
+                    </a:gs>
+                    <a:gs pos="100000">
+                      <a:srgbClr val="FFFFFF"/>
+                    </a:gs>
+                  </a:gsLst>
+                  <a:lin ang="5400000" scaled="0"/>
+                </a:gradFill>
+                <a:effectLst/>
+                <a:uLnTx/>
+                <a:uFillTx/>
+                <a:latin typeface="Segoe UI"/>
+                <a:ea typeface="Segoe UI" pitchFamily="34" charset="0"/>
+                <a:cs typeface="Segoe UI" pitchFamily="34" charset="0"/>
+              </a:endParaRPr>
+            </a:p>
+          </p:txBody>
+        </p:sp>
+      </p:grpSp>
+      <p:grpSp>
+        <p:nvGrpSpPr>
+          <p:cNvPr id="178" name="Group 177">
+            <a:extLst>
+              <a:ext uri="{FF2B5EF4-FFF2-40B4-BE49-F238E27FC236}">
+                <a16:creationId xmlns:a16="http://schemas.microsoft.com/office/drawing/2014/main" id="{CE31809D-A69C-438E-BB40-A758349D4EF5}"/>
+              </a:ext>
+            </a:extLst>
+          </p:cNvPr>
+          <p:cNvGrpSpPr/>
+          <p:nvPr/>
+        </p:nvGrpSpPr>
+        <p:grpSpPr>
+          <a:xfrm>
+            <a:off x="4262462" y="4442019"/>
+            <a:ext cx="4313999" cy="578211"/>
+            <a:chOff x="2984325" y="784386"/>
+            <a:chExt cx="4313999" cy="578211"/>
+          </a:xfrm>
+        </p:grpSpPr>
+        <p:sp>
+          <p:nvSpPr>
+            <p:cNvPr id="179" name="Rectangle 178">
+              <a:extLst>
+                <a:ext uri="{FF2B5EF4-FFF2-40B4-BE49-F238E27FC236}">
+                  <a16:creationId xmlns:a16="http://schemas.microsoft.com/office/drawing/2014/main" id="{3F8A872F-40B5-4FA5-82E9-04E38B52D9B0}"/>
+                </a:ext>
+              </a:extLst>
+            </p:cNvPr>
+            <p:cNvSpPr/>
+            <p:nvPr/>
+          </p:nvSpPr>
+          <p:spPr bwMode="auto">
+            <a:xfrm>
+              <a:off x="3126124" y="784386"/>
+              <a:ext cx="2086257" cy="578210"/>
+            </a:xfrm>
+            <a:prstGeom prst="rect">
+              <a:avLst/>
+            </a:prstGeom>
+            <a:solidFill>
+              <a:srgbClr val="429AE2"/>
+            </a:solidFill>
+            <a:ln>
+              <a:noFill/>
+              <a:headEnd type="none" w="med" len="med"/>
+              <a:tailEnd type="none" w="med" len="med"/>
+            </a:ln>
+            <a:effectLst/>
+          </p:spPr>
+          <p:style>
+            <a:lnRef idx="1">
+              <a:schemeClr val="accent2"/>
+            </a:lnRef>
+            <a:fillRef idx="3">
+              <a:schemeClr val="accent2"/>
+            </a:fillRef>
+            <a:effectRef idx="2">
+              <a:schemeClr val="accent2"/>
+            </a:effectRef>
+            <a:fontRef idx="minor">
+              <a:schemeClr val="lt1"/>
+            </a:fontRef>
+          </p:style>
+          <p:txBody>
+            <a:bodyPr rot="0" spcFirstLastPara="0" vertOverflow="overflow" horzOverflow="overflow" vert="horz" wrap="square" lIns="186494" tIns="149196" rIns="186494" bIns="149196" numCol="1" spcCol="0" rtlCol="0" fromWordArt="0" anchor="ctr" anchorCtr="0" forceAA="0" compatLnSpc="1">
+              <a:prstTxWarp prst="textNoShape">
+                <a:avLst/>
+              </a:prstTxWarp>
+              <a:noAutofit/>
+            </a:bodyPr>
+            <a:lstStyle/>
+            <a:p>
+              <a:pPr marL="0" marR="0" lvl="0" indent="0" algn="ctr" defTabSz="950846" rtl="0" eaLnBrk="1" fontAlgn="base" latinLnBrk="0" hangingPunct="1">
+                <a:lnSpc>
+                  <a:spcPct val="90000"/>
+                </a:lnSpc>
+                <a:spcBef>
+                  <a:spcPct val="0"/>
+                </a:spcBef>
+                <a:spcAft>
+                  <a:spcPct val="0"/>
+                </a:spcAft>
+                <a:buClrTx/>
+                <a:buSzTx/>
+                <a:buFontTx/>
+                <a:buNone/>
+                <a:tabLst/>
+                <a:defRPr/>
+              </a:pPr>
+              <a:r>
+                <a:rPr kumimoji="0" lang="en-US" sz="1100" b="0" i="0" u="none" strike="noStrike" kern="0" cap="none" spc="0" normalizeH="0" baseline="0" noProof="0" dirty="0">
+                  <a:ln>
+                    <a:noFill/>
+                  </a:ln>
+                  <a:solidFill>
+                    <a:srgbClr val="FFFFFF"/>
+                  </a:solidFill>
+                  <a:effectLst/>
+                  <a:uLnTx/>
+                  <a:uFillTx/>
+                  <a:latin typeface="Segoe UI"/>
+                  <a:ea typeface="Segoe UI" pitchFamily="34" charset="0"/>
+                  <a:cs typeface="Segoe UI" pitchFamily="34" charset="0"/>
+                </a:rPr>
+                <a:t>Security &amp; Critical Updates</a:t>
+              </a:r>
+            </a:p>
+          </p:txBody>
+        </p:sp>
+        <p:sp>
+          <p:nvSpPr>
+            <p:cNvPr id="180" name="Rectangle 179">
+              <a:extLst>
+                <a:ext uri="{FF2B5EF4-FFF2-40B4-BE49-F238E27FC236}">
+                  <a16:creationId xmlns:a16="http://schemas.microsoft.com/office/drawing/2014/main" id="{EA09B640-402E-4A92-BA8A-B6C51F68081B}"/>
+                </a:ext>
+              </a:extLst>
+            </p:cNvPr>
+            <p:cNvSpPr/>
+            <p:nvPr/>
+          </p:nvSpPr>
+          <p:spPr bwMode="auto">
+            <a:xfrm>
+              <a:off x="5212380" y="784387"/>
+              <a:ext cx="2085944" cy="578210"/>
+            </a:xfrm>
+            <a:prstGeom prst="rect">
+              <a:avLst/>
+            </a:prstGeom>
+            <a:solidFill>
+              <a:srgbClr val="0078D7"/>
+            </a:solidFill>
+            <a:ln>
+              <a:noFill/>
+              <a:headEnd type="none" w="med" len="med"/>
+              <a:tailEnd type="none" w="med" len="med"/>
+            </a:ln>
+            <a:effectLst/>
+          </p:spPr>
+          <p:style>
+            <a:lnRef idx="1">
+              <a:schemeClr val="accent2"/>
+            </a:lnRef>
+            <a:fillRef idx="3">
+              <a:schemeClr val="accent2"/>
+            </a:fillRef>
+            <a:effectRef idx="2">
+              <a:schemeClr val="accent2"/>
+            </a:effectRef>
+            <a:fontRef idx="minor">
+              <a:schemeClr val="lt1"/>
+            </a:fontRef>
+          </p:style>
+          <p:txBody>
+            <a:bodyPr rot="0" spcFirstLastPara="0" vertOverflow="overflow" horzOverflow="overflow" vert="horz" wrap="square" lIns="186494" tIns="149196" rIns="186494" bIns="149196" numCol="1" spcCol="0" rtlCol="0" fromWordArt="0" anchor="ctr" anchorCtr="0" forceAA="0" compatLnSpc="1">
+              <a:prstTxWarp prst="textNoShape">
+                <a:avLst/>
+              </a:prstTxWarp>
+              <a:noAutofit/>
+            </a:bodyPr>
+            <a:lstStyle/>
+            <a:p>
+              <a:pPr marL="0" marR="0" lvl="0" indent="0" algn="ctr" defTabSz="950846" rtl="0" eaLnBrk="1" fontAlgn="base" latinLnBrk="0" hangingPunct="1">
+                <a:lnSpc>
+                  <a:spcPct val="90000"/>
+                </a:lnSpc>
+                <a:spcBef>
+                  <a:spcPct val="0"/>
+                </a:spcBef>
+                <a:spcAft>
+                  <a:spcPct val="0"/>
+                </a:spcAft>
+                <a:buClrTx/>
+                <a:buSzTx/>
+                <a:buFontTx/>
+                <a:buNone/>
+                <a:tabLst/>
+                <a:defRPr/>
+              </a:pPr>
+              <a:r>
+                <a:rPr kumimoji="0" lang="en-US" sz="1100" b="0" i="0" u="none" strike="noStrike" kern="0" cap="none" spc="0" normalizeH="0" baseline="0" noProof="0" dirty="0">
+                  <a:ln>
+                    <a:noFill/>
+                  </a:ln>
+                  <a:solidFill>
+                    <a:srgbClr val="FFFFFF"/>
+                  </a:solidFill>
+                  <a:effectLst/>
+                  <a:uLnTx/>
+                  <a:uFillTx/>
+                  <a:latin typeface="Segoe UI"/>
+                  <a:ea typeface="Segoe UI" pitchFamily="34" charset="0"/>
+                  <a:cs typeface="Segoe UI" pitchFamily="34" charset="0"/>
+                </a:rPr>
+                <a:t>Security Updates</a:t>
+              </a:r>
+            </a:p>
+          </p:txBody>
+        </p:sp>
+        <p:sp>
+          <p:nvSpPr>
+            <p:cNvPr id="181" name="Diamond 180">
+              <a:extLst>
+                <a:ext uri="{FF2B5EF4-FFF2-40B4-BE49-F238E27FC236}">
+                  <a16:creationId xmlns:a16="http://schemas.microsoft.com/office/drawing/2014/main" id="{1A3B3C1D-A552-40C5-9880-0310AAD08898}"/>
+                </a:ext>
+              </a:extLst>
+            </p:cNvPr>
+            <p:cNvSpPr/>
+            <p:nvPr/>
+          </p:nvSpPr>
+          <p:spPr bwMode="auto">
+            <a:xfrm>
+              <a:off x="2984325" y="933600"/>
+              <a:ext cx="279781" cy="279781"/>
+            </a:xfrm>
+            <a:prstGeom prst="diamond">
+              <a:avLst/>
+            </a:prstGeom>
+            <a:solidFill>
+              <a:srgbClr val="0078D7"/>
+            </a:solidFill>
+            <a:ln w="41275">
+              <a:solidFill>
+                <a:srgbClr val="FFFFFF"/>
+              </a:solidFill>
+              <a:miter lim="800000"/>
+              <a:headEnd type="none" w="med" len="med"/>
+              <a:tailEnd type="none" w="med" len="med"/>
+            </a:ln>
+            <a:effectLst/>
+          </p:spPr>
+          <p:style>
+            <a:lnRef idx="1">
+              <a:schemeClr val="accent2"/>
+            </a:lnRef>
+            <a:fillRef idx="3">
+              <a:schemeClr val="accent2"/>
+            </a:fillRef>
+            <a:effectRef idx="2">
+              <a:schemeClr val="accent2"/>
+            </a:effectRef>
+            <a:fontRef idx="minor">
+              <a:schemeClr val="lt1"/>
+            </a:fontRef>
+          </p:style>
+          <p:txBody>
+            <a:bodyPr rot="0" spcFirstLastPara="0" vertOverflow="overflow" horzOverflow="overflow" vert="horz" wrap="square" lIns="186494" tIns="149196" rIns="186494" bIns="149196" numCol="1" spcCol="0" rtlCol="0" fromWordArt="0" anchor="t" anchorCtr="0" forceAA="0" compatLnSpc="1">
+              <a:prstTxWarp prst="textNoShape">
+                <a:avLst/>
+              </a:prstTxWarp>
+              <a:noAutofit/>
+            </a:bodyPr>
+            <a:lstStyle/>
+            <a:p>
+              <a:pPr marL="0" marR="0" lvl="0" indent="0" algn="ctr" defTabSz="950846" rtl="0" eaLnBrk="1" fontAlgn="base" latinLnBrk="0" hangingPunct="1">
+                <a:lnSpc>
+                  <a:spcPct val="90000"/>
+                </a:lnSpc>
+                <a:spcBef>
+                  <a:spcPct val="0"/>
+                </a:spcBef>
+                <a:spcAft>
+                  <a:spcPct val="0"/>
+                </a:spcAft>
+                <a:buClrTx/>
+                <a:buSzTx/>
+                <a:buFontTx/>
+                <a:buNone/>
+                <a:tabLst/>
+                <a:defRPr/>
+              </a:pPr>
+              <a:endParaRPr kumimoji="0" lang="en-US" sz="2400" b="0" i="0" u="none" strike="noStrike" kern="0" cap="none" spc="0" normalizeH="0" baseline="0" noProof="0" dirty="0" err="1">
+                <a:ln>
+                  <a:noFill/>
+                </a:ln>
+                <a:gradFill>
+                  <a:gsLst>
+                    <a:gs pos="0">
+                      <a:srgbClr val="FFFFFF"/>
+                    </a:gs>
+                    <a:gs pos="100000">
+                      <a:srgbClr val="FFFFFF"/>
+                    </a:gs>
+                  </a:gsLst>
+                  <a:lin ang="5400000" scaled="0"/>
+                </a:gradFill>
+                <a:effectLst/>
+                <a:uLnTx/>
+                <a:uFillTx/>
+                <a:latin typeface="Segoe UI"/>
+                <a:ea typeface="Segoe UI" pitchFamily="34" charset="0"/>
+                <a:cs typeface="Segoe UI" pitchFamily="34" charset="0"/>
+              </a:endParaRPr>
+            </a:p>
+          </p:txBody>
+        </p:sp>
+      </p:grpSp>
+      <p:grpSp>
+        <p:nvGrpSpPr>
+          <p:cNvPr id="182" name="Group 181">
+            <a:extLst>
+              <a:ext uri="{FF2B5EF4-FFF2-40B4-BE49-F238E27FC236}">
+                <a16:creationId xmlns:a16="http://schemas.microsoft.com/office/drawing/2014/main" id="{8E54E331-FEDE-44F4-A7DF-10A7B85A2165}"/>
+              </a:ext>
+            </a:extLst>
+          </p:cNvPr>
+          <p:cNvGrpSpPr/>
+          <p:nvPr/>
+        </p:nvGrpSpPr>
+        <p:grpSpPr>
+          <a:xfrm>
+            <a:off x="6878615" y="5490490"/>
+            <a:ext cx="4313999" cy="578211"/>
+            <a:chOff x="2984325" y="784386"/>
+            <a:chExt cx="4313999" cy="578211"/>
+          </a:xfrm>
+        </p:grpSpPr>
+        <p:sp>
+          <p:nvSpPr>
+            <p:cNvPr id="183" name="Rectangle 182">
+              <a:extLst>
+                <a:ext uri="{FF2B5EF4-FFF2-40B4-BE49-F238E27FC236}">
+                  <a16:creationId xmlns:a16="http://schemas.microsoft.com/office/drawing/2014/main" id="{197CA7C7-17C6-4D6E-BE77-E5ABCBF3190E}"/>
+                </a:ext>
+              </a:extLst>
+            </p:cNvPr>
+            <p:cNvSpPr/>
+            <p:nvPr/>
+          </p:nvSpPr>
+          <p:spPr bwMode="auto">
+            <a:xfrm>
+              <a:off x="3126124" y="784386"/>
+              <a:ext cx="2086257" cy="578210"/>
+            </a:xfrm>
+            <a:prstGeom prst="rect">
+              <a:avLst/>
+            </a:prstGeom>
+            <a:solidFill>
+              <a:srgbClr val="429AE2"/>
+            </a:solidFill>
+            <a:ln>
+              <a:noFill/>
+              <a:headEnd type="none" w="med" len="med"/>
+              <a:tailEnd type="none" w="med" len="med"/>
+            </a:ln>
+            <a:effectLst/>
+          </p:spPr>
+          <p:style>
+            <a:lnRef idx="1">
+              <a:schemeClr val="accent2"/>
+            </a:lnRef>
+            <a:fillRef idx="3">
+              <a:schemeClr val="accent2"/>
+            </a:fillRef>
+            <a:effectRef idx="2">
+              <a:schemeClr val="accent2"/>
+            </a:effectRef>
+            <a:fontRef idx="minor">
+              <a:schemeClr val="lt1"/>
+            </a:fontRef>
+          </p:style>
+          <p:txBody>
+            <a:bodyPr rot="0" spcFirstLastPara="0" vertOverflow="overflow" horzOverflow="overflow" vert="horz" wrap="square" lIns="186494" tIns="149196" rIns="186494" bIns="149196" numCol="1" spcCol="0" rtlCol="0" fromWordArt="0" anchor="ctr" anchorCtr="0" forceAA="0" compatLnSpc="1">
+              <a:prstTxWarp prst="textNoShape">
+                <a:avLst/>
+              </a:prstTxWarp>
+              <a:noAutofit/>
+            </a:bodyPr>
+            <a:lstStyle/>
+            <a:p>
+              <a:pPr marL="0" marR="0" lvl="0" indent="0" algn="ctr" defTabSz="950846" rtl="0" eaLnBrk="1" fontAlgn="base" latinLnBrk="0" hangingPunct="1">
+                <a:lnSpc>
+                  <a:spcPct val="90000"/>
+                </a:lnSpc>
+                <a:spcBef>
+                  <a:spcPct val="0"/>
+                </a:spcBef>
+                <a:spcAft>
+                  <a:spcPct val="0"/>
+                </a:spcAft>
+                <a:buClrTx/>
+                <a:buSzTx/>
+                <a:buFontTx/>
+                <a:buNone/>
+                <a:tabLst/>
+                <a:defRPr/>
+              </a:pPr>
+              <a:r>
+                <a:rPr kumimoji="0" lang="en-US" sz="1100" b="0" i="0" u="none" strike="noStrike" kern="0" cap="none" spc="0" normalizeH="0" baseline="0" noProof="0" dirty="0">
+                  <a:ln>
+                    <a:noFill/>
+                  </a:ln>
+                  <a:solidFill>
+                    <a:srgbClr val="FFFFFF"/>
+                  </a:solidFill>
+                  <a:effectLst/>
+                  <a:uLnTx/>
+                  <a:uFillTx/>
+                  <a:latin typeface="Segoe UI"/>
+                  <a:ea typeface="Segoe UI" pitchFamily="34" charset="0"/>
+                  <a:cs typeface="Segoe UI" pitchFamily="34" charset="0"/>
+                </a:rPr>
+                <a:t>Security &amp; Critical Updates</a:t>
+              </a:r>
+            </a:p>
+          </p:txBody>
+        </p:sp>
+        <p:sp>
+          <p:nvSpPr>
+            <p:cNvPr id="184" name="Rectangle 183">
+              <a:extLst>
+                <a:ext uri="{FF2B5EF4-FFF2-40B4-BE49-F238E27FC236}">
+                  <a16:creationId xmlns:a16="http://schemas.microsoft.com/office/drawing/2014/main" id="{E2F0D81F-3DAB-492E-B9B1-77D6D446349E}"/>
+                </a:ext>
+              </a:extLst>
+            </p:cNvPr>
+            <p:cNvSpPr/>
+            <p:nvPr/>
+          </p:nvSpPr>
+          <p:spPr bwMode="auto">
+            <a:xfrm>
+              <a:off x="5212380" y="784387"/>
+              <a:ext cx="2085944" cy="578210"/>
+            </a:xfrm>
+            <a:prstGeom prst="rect">
+              <a:avLst/>
+            </a:prstGeom>
+            <a:solidFill>
+              <a:srgbClr val="0078D7"/>
+            </a:solidFill>
+            <a:ln>
+              <a:noFill/>
+              <a:headEnd type="none" w="med" len="med"/>
+              <a:tailEnd type="none" w="med" len="med"/>
+            </a:ln>
+            <a:effectLst/>
+          </p:spPr>
+          <p:style>
+            <a:lnRef idx="1">
+              <a:schemeClr val="accent2"/>
+            </a:lnRef>
+            <a:fillRef idx="3">
+              <a:schemeClr val="accent2"/>
+            </a:fillRef>
+            <a:effectRef idx="2">
+              <a:schemeClr val="accent2"/>
+            </a:effectRef>
+            <a:fontRef idx="minor">
+              <a:schemeClr val="lt1"/>
+            </a:fontRef>
+          </p:style>
+          <p:txBody>
+            <a:bodyPr rot="0" spcFirstLastPara="0" vertOverflow="overflow" horzOverflow="overflow" vert="horz" wrap="square" lIns="186494" tIns="149196" rIns="186494" bIns="149196" numCol="1" spcCol="0" rtlCol="0" fromWordArt="0" anchor="ctr" anchorCtr="0" forceAA="0" compatLnSpc="1">
+              <a:prstTxWarp prst="textNoShape">
+                <a:avLst/>
+              </a:prstTxWarp>
+              <a:noAutofit/>
+            </a:bodyPr>
+            <a:lstStyle/>
+            <a:p>
+              <a:pPr marL="0" marR="0" lvl="0" indent="0" algn="ctr" defTabSz="950846" rtl="0" eaLnBrk="1" fontAlgn="base" latinLnBrk="0" hangingPunct="1">
+                <a:lnSpc>
+                  <a:spcPct val="90000"/>
+                </a:lnSpc>
+                <a:spcBef>
+                  <a:spcPct val="0"/>
+                </a:spcBef>
+                <a:spcAft>
+                  <a:spcPct val="0"/>
+                </a:spcAft>
+                <a:buClrTx/>
+                <a:buSzTx/>
+                <a:buFontTx/>
+                <a:buNone/>
+                <a:tabLst/>
+                <a:defRPr/>
+              </a:pPr>
+              <a:r>
+                <a:rPr kumimoji="0" lang="en-US" sz="1100" b="0" i="0" u="none" strike="noStrike" kern="0" cap="none" spc="0" normalizeH="0" baseline="0" noProof="0" dirty="0">
+                  <a:ln>
+                    <a:noFill/>
+                  </a:ln>
+                  <a:solidFill>
+                    <a:srgbClr val="FFFFFF"/>
+                  </a:solidFill>
+                  <a:effectLst/>
+                  <a:uLnTx/>
+                  <a:uFillTx/>
+                  <a:latin typeface="Segoe UI"/>
+                  <a:ea typeface="Segoe UI" pitchFamily="34" charset="0"/>
+                  <a:cs typeface="Segoe UI" pitchFamily="34" charset="0"/>
+                </a:rPr>
+                <a:t>Security Updates</a:t>
+              </a:r>
+            </a:p>
+          </p:txBody>
+        </p:sp>
+        <p:sp>
+          <p:nvSpPr>
+            <p:cNvPr id="185" name="Diamond 184">
+              <a:extLst>
+                <a:ext uri="{FF2B5EF4-FFF2-40B4-BE49-F238E27FC236}">
+                  <a16:creationId xmlns:a16="http://schemas.microsoft.com/office/drawing/2014/main" id="{FB2B0959-29C4-4AFB-BD82-1C1BA7D84872}"/>
+                </a:ext>
+              </a:extLst>
+            </p:cNvPr>
+            <p:cNvSpPr/>
+            <p:nvPr/>
+          </p:nvSpPr>
+          <p:spPr bwMode="auto">
+            <a:xfrm>
+              <a:off x="2984325" y="933600"/>
+              <a:ext cx="279781" cy="279781"/>
+            </a:xfrm>
+            <a:prstGeom prst="diamond">
+              <a:avLst/>
+            </a:prstGeom>
+            <a:solidFill>
+              <a:srgbClr val="0078D7"/>
+            </a:solidFill>
+            <a:ln w="41275">
+              <a:solidFill>
+                <a:srgbClr val="FFFFFF"/>
+              </a:solidFill>
+              <a:miter lim="800000"/>
+              <a:headEnd type="none" w="med" len="med"/>
+              <a:tailEnd type="none" w="med" len="med"/>
+            </a:ln>
+            <a:effectLst/>
+          </p:spPr>
+          <p:style>
+            <a:lnRef idx="1">
+              <a:schemeClr val="accent2"/>
+            </a:lnRef>
+            <a:fillRef idx="3">
+              <a:schemeClr val="accent2"/>
+            </a:fillRef>
+            <a:effectRef idx="2">
+              <a:schemeClr val="accent2"/>
+            </a:effectRef>
+            <a:fontRef idx="minor">
+              <a:schemeClr val="lt1"/>
+            </a:fontRef>
+          </p:style>
+          <p:txBody>
+            <a:bodyPr rot="0" spcFirstLastPara="0" vertOverflow="overflow" horzOverflow="overflow" vert="horz" wrap="square" lIns="186494" tIns="149196" rIns="186494" bIns="149196" numCol="1" spcCol="0" rtlCol="0" fromWordArt="0" anchor="t" anchorCtr="0" forceAA="0" compatLnSpc="1">
+              <a:prstTxWarp prst="textNoShape">
+                <a:avLst/>
+              </a:prstTxWarp>
+              <a:noAutofit/>
+            </a:bodyPr>
+            <a:lstStyle/>
+            <a:p>
+              <a:pPr marL="0" marR="0" lvl="0" indent="0" algn="ctr" defTabSz="950846" rtl="0" eaLnBrk="1" fontAlgn="base" latinLnBrk="0" hangingPunct="1">
+                <a:lnSpc>
+                  <a:spcPct val="90000"/>
+                </a:lnSpc>
+                <a:spcBef>
+                  <a:spcPct val="0"/>
+                </a:spcBef>
+                <a:spcAft>
+                  <a:spcPct val="0"/>
+                </a:spcAft>
+                <a:buClrTx/>
+                <a:buSzTx/>
+                <a:buFontTx/>
+                <a:buNone/>
+                <a:tabLst/>
+                <a:defRPr/>
+              </a:pPr>
+              <a:endParaRPr kumimoji="0" lang="en-US" sz="2400" b="0" i="0" u="none" strike="noStrike" kern="0" cap="none" spc="0" normalizeH="0" baseline="0" noProof="0" dirty="0" err="1">
+                <a:ln>
+                  <a:noFill/>
+                </a:ln>
+                <a:gradFill>
+                  <a:gsLst>
+                    <a:gs pos="0">
+                      <a:srgbClr val="FFFFFF"/>
+                    </a:gs>
+                    <a:gs pos="100000">
+                      <a:srgbClr val="FFFFFF"/>
+                    </a:gs>
+                  </a:gsLst>
+                  <a:lin ang="5400000" scaled="0"/>
+                </a:gradFill>
+                <a:effectLst/>
+                <a:uLnTx/>
+                <a:uFillTx/>
+                <a:latin typeface="Segoe UI"/>
+                <a:ea typeface="Segoe UI" pitchFamily="34" charset="0"/>
+                <a:cs typeface="Segoe UI" pitchFamily="34" charset="0"/>
+              </a:endParaRPr>
+            </a:p>
+          </p:txBody>
+        </p:sp>
+      </p:grpSp>
+    </p:spTree>
+    <p:extLst>
+      <p:ext uri="{BB962C8B-B14F-4D97-AF65-F5344CB8AC3E}">
+        <p14:creationId xmlns:p14="http://schemas.microsoft.com/office/powerpoint/2010/main" val="1482502936"/>
+      </p:ext>
+    </p:extLst>
+  </p:cSld>
+  <p:clrMapOvr>
+    <a:masterClrMapping/>
+  </p:clrMapOvr>
+  <p:transition>
+    <p:fade/>
+  </p:transition>
+</p:sld>
+</file>
+
+<file path=ppt/slides/slide4.xml><?xml version="1.0" encoding="utf-8"?>
+<p:sld xmlns:a="http://schemas.openxmlformats.org/drawingml/2006/main" xmlns:r="http://schemas.openxmlformats.org/officeDocument/2006/relationships" xmlns:p="http://schemas.openxmlformats.org/presentationml/2006/main">
+  <p:cSld>
+    <p:bg>
+      <p:bgPr>
+        <a:solidFill>
+          <a:srgbClr val="F2F2F2">
+            <a:alpha val="0"/>
+          </a:srgbClr>
+        </a:solidFill>
+        <a:effectLst/>
+      </p:bgPr>
+    </p:bg>
+    <p:spTree>
+      <p:nvGrpSpPr>
+        <p:cNvPr id="1" name=""/>
+        <p:cNvGrpSpPr/>
+        <p:nvPr/>
+      </p:nvGrpSpPr>
+      <p:grpSpPr>
+        <a:xfrm>
+          <a:off x="0" y="0"/>
+          <a:ext cx="0" cy="0"/>
+          <a:chOff x="0" y="0"/>
+          <a:chExt cx="0" cy="0"/>
+        </a:xfrm>
+      </p:grpSpPr>
+      <p:sp>
+        <p:nvSpPr>
           <p:cNvPr id="4" name="Title 3"/>
           <p:cNvSpPr>
             <a:spLocks noGrp="1"/>
@@ -11471,21 +20798,21 @@
                 <a:gridCol w="3962400">
                   <a:extLst>
                     <a:ext uri="{9D8B030D-6E8A-4147-A177-3AD203B41FA5}">
-                      <a16:colId xmlns:a16="http://schemas.microsoft.com/office/drawing/2014/main" xmlns="" val="20000"/>
+                      <a16:colId xmlns:a16="http://schemas.microsoft.com/office/drawing/2014/main" val="20000"/>
                     </a:ext>
                   </a:extLst>
                 </a:gridCol>
                 <a:gridCol w="3962400">
                   <a:extLst>
                     <a:ext uri="{9D8B030D-6E8A-4147-A177-3AD203B41FA5}">
-                      <a16:colId xmlns:a16="http://schemas.microsoft.com/office/drawing/2014/main" xmlns="" val="20001"/>
+                      <a16:colId xmlns:a16="http://schemas.microsoft.com/office/drawing/2014/main" val="20001"/>
                     </a:ext>
                   </a:extLst>
                 </a:gridCol>
                 <a:gridCol w="3962400">
                   <a:extLst>
                     <a:ext uri="{9D8B030D-6E8A-4147-A177-3AD203B41FA5}">
-                      <a16:colId xmlns:a16="http://schemas.microsoft.com/office/drawing/2014/main" xmlns="" val="20002"/>
+                      <a16:colId xmlns:a16="http://schemas.microsoft.com/office/drawing/2014/main" val="20002"/>
                     </a:ext>
                   </a:extLst>
                 </a:gridCol>
@@ -11613,7 +20940,7 @@
                 </a:tc>
                 <a:extLst>
                   <a:ext uri="{0D108BD9-81ED-4DB2-BD59-A6C34878D82A}">
-                    <a16:rowId xmlns:a16="http://schemas.microsoft.com/office/drawing/2014/main" xmlns="" val="10000"/>
+                    <a16:rowId xmlns:a16="http://schemas.microsoft.com/office/drawing/2014/main" val="10000"/>
                   </a:ext>
                 </a:extLst>
               </a:tr>
@@ -11758,7 +21085,7 @@
                 </a:tc>
                 <a:extLst>
                   <a:ext uri="{0D108BD9-81ED-4DB2-BD59-A6C34878D82A}">
-                    <a16:rowId xmlns:a16="http://schemas.microsoft.com/office/drawing/2014/main" xmlns="" val="10001"/>
+                    <a16:rowId xmlns:a16="http://schemas.microsoft.com/office/drawing/2014/main" val="10001"/>
                   </a:ext>
                 </a:extLst>
               </a:tr>
@@ -11903,7 +21230,7 @@
                 </a:tc>
                 <a:extLst>
                   <a:ext uri="{0D108BD9-81ED-4DB2-BD59-A6C34878D82A}">
-                    <a16:rowId xmlns:a16="http://schemas.microsoft.com/office/drawing/2014/main" xmlns="" val="10002"/>
+                    <a16:rowId xmlns:a16="http://schemas.microsoft.com/office/drawing/2014/main" val="10002"/>
                   </a:ext>
                 </a:extLst>
               </a:tr>
@@ -12048,7 +21375,7 @@
                 </a:tc>
                 <a:extLst>
                   <a:ext uri="{0D108BD9-81ED-4DB2-BD59-A6C34878D82A}">
-                    <a16:rowId xmlns:a16="http://schemas.microsoft.com/office/drawing/2014/main" xmlns="" val="1740001321"/>
+                    <a16:rowId xmlns:a16="http://schemas.microsoft.com/office/drawing/2014/main" val="1740001321"/>
                   </a:ext>
                 </a:extLst>
               </a:tr>
@@ -12193,7 +21520,7 @@
                 </a:tc>
                 <a:extLst>
                   <a:ext uri="{0D108BD9-81ED-4DB2-BD59-A6C34878D82A}">
-                    <a16:rowId xmlns:a16="http://schemas.microsoft.com/office/drawing/2014/main" xmlns="" val="3345617310"/>
+                    <a16:rowId xmlns:a16="http://schemas.microsoft.com/office/drawing/2014/main" val="3345617310"/>
                   </a:ext>
                 </a:extLst>
               </a:tr>
@@ -13086,34 +22413,6 @@
 </file>
 
 <file path=customXml/item1.xml><?xml version="1.0" encoding="utf-8"?>
-<p:properties xmlns:p="http://schemas.microsoft.com/office/2006/metadata/properties" xmlns:xsi="http://www.w3.org/2001/XMLSchema-instance" xmlns:pc="http://schemas.microsoft.com/office/infopath/2007/PartnerControls">
-  <documentManagement>
-    <_ip_UnifiedCompliancePolicyUIAction xmlns="http://schemas.microsoft.com/sharepoint/v3" xsi:nil="true"/>
-    <_ip_UnifiedCompliancePolicyProperties xmlns="http://schemas.microsoft.com/sharepoint/v3" xsi:nil="true"/>
-    <SharedWithUsers xmlns="b1dcf5e4-b140-464e-ad28-2eb3e755d828">
-      <UserInfo>
-        <DisplayName>Nati Nimni</DisplayName>
-        <AccountId>5713</AccountId>
-        <AccountType/>
-      </UserInfo>
-      <UserInfo>
-        <DisplayName>Heheng Li</DisplayName>
-        <AccountId>1938</AccountId>
-        <AccountType/>
-      </UserInfo>
-      <UserInfo>
-        <DisplayName>Josee Martens</DisplayName>
-        <AccountId>58</AccountId>
-        <AccountType/>
-      </UserInfo>
-    </SharedWithUsers>
-    <LastSharedByUser xmlns="ed478a9f-b709-4468-8a86-34ec96f55872">zhnan@microsoft.com</LastSharedByUser>
-    <LastSharedByTime xmlns="b1dcf5e4-b140-464e-ad28-2eb3e755d828">2017-04-22T00:50:26+00:00</LastSharedByTime>
-  </documentManagement>
-</p:properties>
-</file>
-
-<file path=customXml/item2.xml><?xml version="1.0" encoding="utf-8"?>
 <ct:contentTypeSchema xmlns:ct="http://schemas.microsoft.com/office/2006/metadata/contentType" xmlns:ma="http://schemas.microsoft.com/office/2006/metadata/properties/metaAttributes" ct:_="" ma:_="" ma:contentTypeName="Document" ma:contentTypeID="0x01010087F04871385379499F2DE2943CF3F531" ma:contentTypeVersion="8" ma:contentTypeDescription="Create a new document." ma:contentTypeScope="" ma:versionID="23ba5913d9e36477a641533005753569">
   <xsd:schema xmlns:xsd="http://www.w3.org/2001/XMLSchema" xmlns:xs="http://www.w3.org/2001/XMLSchema" xmlns:p="http://schemas.microsoft.com/office/2006/metadata/properties" xmlns:ns1="http://schemas.microsoft.com/sharepoint/v3" xmlns:ns2="b1dcf5e4-b140-464e-ad28-2eb3e755d828" xmlns:ns3="ed478a9f-b709-4468-8a86-34ec96f55872" xmlns:ns4="1f5ecd6e-98aa-4646-bfe6-99acd4bfa1f2" targetNamespace="http://schemas.microsoft.com/office/2006/metadata/properties" ma:root="true" ma:fieldsID="7a6cd43b5496def1ba34c7eaf1d46397" ns1:_="" ns2:_="" ns3:_="" ns4:_="">
     <xsd:import namespace="http://schemas.microsoft.com/sharepoint/v3"/>
@@ -13314,6 +22613,34 @@
 </ct:contentTypeSchema>
 </file>
 
+<file path=customXml/item2.xml><?xml version="1.0" encoding="utf-8"?>
+<p:properties xmlns:p="http://schemas.microsoft.com/office/2006/metadata/properties" xmlns:xsi="http://www.w3.org/2001/XMLSchema-instance" xmlns:pc="http://schemas.microsoft.com/office/infopath/2007/PartnerControls">
+  <documentManagement>
+    <_ip_UnifiedCompliancePolicyUIAction xmlns="http://schemas.microsoft.com/sharepoint/v3" xsi:nil="true"/>
+    <_ip_UnifiedCompliancePolicyProperties xmlns="http://schemas.microsoft.com/sharepoint/v3" xsi:nil="true"/>
+    <SharedWithUsers xmlns="b1dcf5e4-b140-464e-ad28-2eb3e755d828">
+      <UserInfo>
+        <DisplayName>Nati Nimni</DisplayName>
+        <AccountId>5713</AccountId>
+        <AccountType/>
+      </UserInfo>
+      <UserInfo>
+        <DisplayName>Heheng Li</DisplayName>
+        <AccountId>1938</AccountId>
+        <AccountType/>
+      </UserInfo>
+      <UserInfo>
+        <DisplayName>Josee Martens</DisplayName>
+        <AccountId>58</AccountId>
+        <AccountType/>
+      </UserInfo>
+    </SharedWithUsers>
+    <LastSharedByUser xmlns="ed478a9f-b709-4468-8a86-34ec96f55872">zhnan@microsoft.com</LastSharedByUser>
+    <LastSharedByTime xmlns="b1dcf5e4-b140-464e-ad28-2eb3e755d828">2017-04-22T00:50:26+00:00</LastSharedByTime>
+  </documentManagement>
+</p:properties>
+</file>
+
 <file path=customXml/item3.xml><?xml version="1.0" encoding="utf-8"?>
 <?mso-contentType ?>
 <FormTemplates xmlns="http://schemas.microsoft.com/sharepoint/v3/contenttype/forms">
@@ -13324,25 +22651,6 @@
 </file>
 
 <file path=customXml/itemProps1.xml><?xml version="1.0" encoding="utf-8"?>
-<ds:datastoreItem xmlns:ds="http://schemas.openxmlformats.org/officeDocument/2006/customXml" ds:itemID="{F990F116-B58F-4255-B05B-DA3808E0E5C6}">
-  <ds:schemaRefs>
-    <ds:schemaRef ds:uri="b1dcf5e4-b140-464e-ad28-2eb3e755d828"/>
-    <ds:schemaRef ds:uri="http://schemas.microsoft.com/office/2006/documentManagement/types"/>
-    <ds:schemaRef ds:uri="1f5ecd6e-98aa-4646-bfe6-99acd4bfa1f2"/>
-    <ds:schemaRef ds:uri="http://schemas.microsoft.com/office/2006/metadata/properties"/>
-    <ds:schemaRef ds:uri="http://schemas.openxmlformats.org/package/2006/metadata/core-properties"/>
-    <ds:schemaRef ds:uri="http://www.w3.org/XML/1998/namespace"/>
-    <ds:schemaRef ds:uri="ed478a9f-b709-4468-8a86-34ec96f55872"/>
-    <ds:schemaRef ds:uri="http://purl.org/dc/terms/"/>
-    <ds:schemaRef ds:uri="http://purl.org/dc/elements/1.1/"/>
-    <ds:schemaRef ds:uri="http://schemas.microsoft.com/office/infopath/2007/PartnerControls"/>
-    <ds:schemaRef ds:uri="http://schemas.microsoft.com/sharepoint/v3"/>
-    <ds:schemaRef ds:uri="http://purl.org/dc/dcmitype/"/>
-  </ds:schemaRefs>
-</ds:datastoreItem>
-</file>
-
-<file path=customXml/itemProps2.xml><?xml version="1.0" encoding="utf-8"?>
 <ds:datastoreItem xmlns:ds="http://schemas.openxmlformats.org/officeDocument/2006/customXml" ds:itemID="{D6A11D20-54FC-4878-9A84-9CD43625A856}">
   <ds:schemaRefs>
     <ds:schemaRef ds:uri="http://schemas.microsoft.com/office/2006/metadata/contentType"/>
@@ -13363,6 +22671,25 @@
 </ds:datastoreItem>
 </file>
 
+<file path=customXml/itemProps2.xml><?xml version="1.0" encoding="utf-8"?>
+<ds:datastoreItem xmlns:ds="http://schemas.openxmlformats.org/officeDocument/2006/customXml" ds:itemID="{F990F116-B58F-4255-B05B-DA3808E0E5C6}">
+  <ds:schemaRefs>
+    <ds:schemaRef ds:uri="http://purl.org/dc/elements/1.1/"/>
+    <ds:schemaRef ds:uri="http://purl.org/dc/terms/"/>
+    <ds:schemaRef ds:uri="http://schemas.microsoft.com/office/infopath/2007/PartnerControls"/>
+    <ds:schemaRef ds:uri="http://schemas.openxmlformats.org/package/2006/metadata/core-properties"/>
+    <ds:schemaRef ds:uri="http://purl.org/dc/dcmitype/"/>
+    <ds:schemaRef ds:uri="http://schemas.microsoft.com/office/2006/documentManagement/types"/>
+    <ds:schemaRef ds:uri="1f5ecd6e-98aa-4646-bfe6-99acd4bfa1f2"/>
+    <ds:schemaRef ds:uri="b1dcf5e4-b140-464e-ad28-2eb3e755d828"/>
+    <ds:schemaRef ds:uri="ed478a9f-b709-4468-8a86-34ec96f55872"/>
+    <ds:schemaRef ds:uri="http://schemas.microsoft.com/sharepoint/v3"/>
+    <ds:schemaRef ds:uri="http://schemas.microsoft.com/office/2006/metadata/properties"/>
+    <ds:schemaRef ds:uri="http://www.w3.org/XML/1998/namespace"/>
+  </ds:schemaRefs>
+</ds:datastoreItem>
+</file>
+
 <file path=customXml/itemProps3.xml><?xml version="1.0" encoding="utf-8"?>
 <ds:datastoreItem xmlns:ds="http://schemas.openxmlformats.org/officeDocument/2006/customXml" ds:itemID="{758FDAC0-319D-4A54-8D8E-1D42CB1F8004}">
   <ds:schemaRefs>

--- a/image-sources/o16n-image-source-modern-policy-servicing.pptx
+++ b/image-sources/o16n-image-source-modern-policy-servicing.pptx
@@ -381,7 +381,7 @@
               <a:rPr lang="en-US" smtClean="0">
                 <a:latin typeface="Segoe UI" pitchFamily="34" charset="0"/>
               </a:rPr>
-              <a:t>5/23/2019 10:15 AM</a:t>
+              <a:t>7/30/2019 11:45 AM</a:t>
             </a:fld>
             <a:endParaRPr lang="en-US" dirty="0">
               <a:latin typeface="Segoe UI" pitchFamily="34" charset="0"/>
@@ -678,7 +678,7 @@
           <a:p>
             <a:fld id="{38EEC551-8CDA-4EB6-89BB-2A86C9F091C8}" type="datetime8">
               <a:rPr lang="en-US" smtClean="0"/>
-              <a:t>5/23/2019 10:14 AM</a:t>
+              <a:t>7/30/2019 11:45 AM</a:t>
             </a:fld>
             <a:endParaRPr lang="en-US" dirty="0"/>
           </a:p>
@@ -1065,7 +1065,7 @@
           <a:p>
             <a:fld id="{38EEC551-8CDA-4EB6-89BB-2A86C9F091C8}" type="datetime8">
               <a:rPr lang="en-US" smtClean="0"/>
-              <a:t>5/23/2019 10:14 AM</a:t>
+              <a:t>7/30/2019 11:45 AM</a:t>
             </a:fld>
             <a:endParaRPr lang="en-US" dirty="0"/>
           </a:p>
@@ -1368,7 +1368,7 @@
                 <a:tabLst/>
                 <a:defRPr/>
               </a:pPr>
-              <a:t>5/23/2019 10:57 AM</a:t>
+              <a:t>7/30/2019 11:45 AM</a:t>
             </a:fld>
             <a:endParaRPr kumimoji="0" lang="en-US" sz="1200" b="0" i="0" u="none" strike="noStrike" kern="1200" cap="none" spc="0" normalizeH="0" baseline="0" noProof="0" dirty="0">
               <a:ln>
@@ -1743,7 +1743,7 @@
                 <a:tabLst/>
                 <a:defRPr/>
               </a:pPr>
-              <a:t>5/23/2019 10:57 AM</a:t>
+              <a:t>7/30/2019 11:45 AM</a:t>
             </a:fld>
             <a:endParaRPr kumimoji="0" lang="en-US" sz="1200" b="0" i="0" u="none" strike="noStrike" kern="1200" cap="none" spc="0" normalizeH="0" baseline="0" noProof="0" dirty="0">
               <a:ln>
@@ -2000,7 +2000,7 @@
           <a:p>
             <a:fld id="{38EEC551-8CDA-4EB6-89BB-2A86C9F091C8}" type="datetime8">
               <a:rPr lang="en-US" smtClean="0"/>
-              <a:t>5/23/2019 10:14 AM</a:t>
+              <a:t>7/30/2019 11:45 AM</a:t>
             </a:fld>
             <a:endParaRPr lang="en-US" dirty="0"/>
           </a:p>
@@ -18607,7 +18607,7 @@
               <a:defRPr/>
             </a:pPr>
             <a:r>
-              <a:rPr kumimoji="0" lang="en-US" sz="2000" b="1" i="0" u="none" strike="noStrike" kern="0" cap="none" spc="0" normalizeH="0" baseline="0" noProof="0" dirty="0">
+              <a:rPr kumimoji="0" lang="en-US" sz="2000" b="1" i="0" u="none" strike="noStrike" kern="0" cap="none" spc="0" normalizeH="0" baseline="0" noProof="0">
                 <a:ln>
                   <a:noFill/>
                 </a:ln>
@@ -18621,8 +18621,22 @@
                 <a:ea typeface="+mn-ea"/>
                 <a:cs typeface="+mn-cs"/>
               </a:rPr>
-              <a:t>9.4.0</a:t>
+              <a:t>9.4.7</a:t>
             </a:r>
+            <a:endParaRPr kumimoji="0" lang="en-US" sz="2000" b="1" i="0" u="none" strike="noStrike" kern="0" cap="none" spc="0" normalizeH="0" baseline="0" noProof="0" dirty="0">
+              <a:ln>
+                <a:noFill/>
+              </a:ln>
+              <a:solidFill>
+                <a:srgbClr val="505050"/>
+              </a:solidFill>
+              <a:effectLst/>
+              <a:uLnTx/>
+              <a:uFillTx/>
+              <a:latin typeface="Segoe UI"/>
+              <a:ea typeface="+mn-ea"/>
+              <a:cs typeface="+mn-cs"/>
+            </a:endParaRPr>
           </a:p>
         </p:txBody>
       </p:sp>
@@ -20422,7 +20436,7 @@
         </p:nvGrpSpPr>
         <p:grpSpPr>
           <a:xfrm>
-            <a:off x="6878615" y="5490490"/>
+            <a:off x="7205185" y="5490490"/>
             <a:ext cx="4313999" cy="578211"/>
             <a:chOff x="2984325" y="784386"/>
             <a:chExt cx="4313999" cy="578211"/>

--- a/image-sources/o16n-image-source-modern-policy-servicing.pptx
+++ b/image-sources/o16n-image-source-modern-policy-servicing.pptx
@@ -381,7 +381,7 @@
               <a:rPr lang="en-US" smtClean="0">
                 <a:latin typeface="Segoe UI" pitchFamily="34" charset="0"/>
               </a:rPr>
-              <a:t>7/30/2019 11:45 AM</a:t>
+              <a:t>7/30/2019 11:49 AM</a:t>
             </a:fld>
             <a:endParaRPr lang="en-US" dirty="0">
               <a:latin typeface="Segoe UI" pitchFamily="34" charset="0"/>
@@ -678,7 +678,7 @@
           <a:p>
             <a:fld id="{38EEC551-8CDA-4EB6-89BB-2A86C9F091C8}" type="datetime8">
               <a:rPr lang="en-US" smtClean="0"/>
-              <a:t>7/30/2019 11:45 AM</a:t>
+              <a:t>7/30/2019 11:49 AM</a:t>
             </a:fld>
             <a:endParaRPr lang="en-US" dirty="0"/>
           </a:p>
@@ -1065,7 +1065,7 @@
           <a:p>
             <a:fld id="{38EEC551-8CDA-4EB6-89BB-2A86C9F091C8}" type="datetime8">
               <a:rPr lang="en-US" smtClean="0"/>
-              <a:t>7/30/2019 11:45 AM</a:t>
+              <a:t>7/30/2019 11:49 AM</a:t>
             </a:fld>
             <a:endParaRPr lang="en-US" dirty="0"/>
           </a:p>
@@ -1368,7 +1368,7 @@
                 <a:tabLst/>
                 <a:defRPr/>
               </a:pPr>
-              <a:t>7/30/2019 11:45 AM</a:t>
+              <a:t>7/30/2019 11:49 AM</a:t>
             </a:fld>
             <a:endParaRPr kumimoji="0" lang="en-US" sz="1200" b="0" i="0" u="none" strike="noStrike" kern="1200" cap="none" spc="0" normalizeH="0" baseline="0" noProof="0" dirty="0">
               <a:ln>
@@ -1743,7 +1743,7 @@
                 <a:tabLst/>
                 <a:defRPr/>
               </a:pPr>
-              <a:t>7/30/2019 11:45 AM</a:t>
+              <a:t>7/30/2019 11:49 AM</a:t>
             </a:fld>
             <a:endParaRPr kumimoji="0" lang="en-US" sz="1200" b="0" i="0" u="none" strike="noStrike" kern="1200" cap="none" spc="0" normalizeH="0" baseline="0" noProof="0" dirty="0">
               <a:ln>
@@ -2000,7 +2000,7 @@
           <a:p>
             <a:fld id="{38EEC551-8CDA-4EB6-89BB-2A86C9F091C8}" type="datetime8">
               <a:rPr lang="en-US" smtClean="0"/>
-              <a:t>7/30/2019 11:45 AM</a:t>
+              <a:t>7/30/2019 11:49 AM</a:t>
             </a:fld>
             <a:endParaRPr lang="en-US" dirty="0"/>
           </a:p>
@@ -20436,7 +20436,7 @@
         </p:nvGrpSpPr>
         <p:grpSpPr>
           <a:xfrm>
-            <a:off x="7205185" y="5490490"/>
+            <a:off x="7041901" y="5490490"/>
             <a:ext cx="4313999" cy="578211"/>
             <a:chOff x="2984325" y="784386"/>
             <a:chExt cx="4313999" cy="578211"/>
@@ -22427,6 +22427,34 @@
 </file>
 
 <file path=customXml/item1.xml><?xml version="1.0" encoding="utf-8"?>
+<p:properties xmlns:p="http://schemas.microsoft.com/office/2006/metadata/properties" xmlns:xsi="http://www.w3.org/2001/XMLSchema-instance" xmlns:pc="http://schemas.microsoft.com/office/infopath/2007/PartnerControls">
+  <documentManagement>
+    <_ip_UnifiedCompliancePolicyUIAction xmlns="http://schemas.microsoft.com/sharepoint/v3" xsi:nil="true"/>
+    <_ip_UnifiedCompliancePolicyProperties xmlns="http://schemas.microsoft.com/sharepoint/v3" xsi:nil="true"/>
+    <SharedWithUsers xmlns="b1dcf5e4-b140-464e-ad28-2eb3e755d828">
+      <UserInfo>
+        <DisplayName>Nati Nimni</DisplayName>
+        <AccountId>5713</AccountId>
+        <AccountType/>
+      </UserInfo>
+      <UserInfo>
+        <DisplayName>Heheng Li</DisplayName>
+        <AccountId>1938</AccountId>
+        <AccountType/>
+      </UserInfo>
+      <UserInfo>
+        <DisplayName>Josee Martens</DisplayName>
+        <AccountId>58</AccountId>
+        <AccountType/>
+      </UserInfo>
+    </SharedWithUsers>
+    <LastSharedByUser xmlns="ed478a9f-b709-4468-8a86-34ec96f55872">zhnan@microsoft.com</LastSharedByUser>
+    <LastSharedByTime xmlns="b1dcf5e4-b140-464e-ad28-2eb3e755d828">2017-04-22T00:50:26+00:00</LastSharedByTime>
+  </documentManagement>
+</p:properties>
+</file>
+
+<file path=customXml/item2.xml><?xml version="1.0" encoding="utf-8"?>
 <ct:contentTypeSchema xmlns:ct="http://schemas.microsoft.com/office/2006/metadata/contentType" xmlns:ma="http://schemas.microsoft.com/office/2006/metadata/properties/metaAttributes" ct:_="" ma:_="" ma:contentTypeName="Document" ma:contentTypeID="0x01010087F04871385379499F2DE2943CF3F531" ma:contentTypeVersion="8" ma:contentTypeDescription="Create a new document." ma:contentTypeScope="" ma:versionID="23ba5913d9e36477a641533005753569">
   <xsd:schema xmlns:xsd="http://www.w3.org/2001/XMLSchema" xmlns:xs="http://www.w3.org/2001/XMLSchema" xmlns:p="http://schemas.microsoft.com/office/2006/metadata/properties" xmlns:ns1="http://schemas.microsoft.com/sharepoint/v3" xmlns:ns2="b1dcf5e4-b140-464e-ad28-2eb3e755d828" xmlns:ns3="ed478a9f-b709-4468-8a86-34ec96f55872" xmlns:ns4="1f5ecd6e-98aa-4646-bfe6-99acd4bfa1f2" targetNamespace="http://schemas.microsoft.com/office/2006/metadata/properties" ma:root="true" ma:fieldsID="7a6cd43b5496def1ba34c7eaf1d46397" ns1:_="" ns2:_="" ns3:_="" ns4:_="">
     <xsd:import namespace="http://schemas.microsoft.com/sharepoint/v3"/>
@@ -22627,34 +22655,6 @@
 </ct:contentTypeSchema>
 </file>
 
-<file path=customXml/item2.xml><?xml version="1.0" encoding="utf-8"?>
-<p:properties xmlns:p="http://schemas.microsoft.com/office/2006/metadata/properties" xmlns:xsi="http://www.w3.org/2001/XMLSchema-instance" xmlns:pc="http://schemas.microsoft.com/office/infopath/2007/PartnerControls">
-  <documentManagement>
-    <_ip_UnifiedCompliancePolicyUIAction xmlns="http://schemas.microsoft.com/sharepoint/v3" xsi:nil="true"/>
-    <_ip_UnifiedCompliancePolicyProperties xmlns="http://schemas.microsoft.com/sharepoint/v3" xsi:nil="true"/>
-    <SharedWithUsers xmlns="b1dcf5e4-b140-464e-ad28-2eb3e755d828">
-      <UserInfo>
-        <DisplayName>Nati Nimni</DisplayName>
-        <AccountId>5713</AccountId>
-        <AccountType/>
-      </UserInfo>
-      <UserInfo>
-        <DisplayName>Heheng Li</DisplayName>
-        <AccountId>1938</AccountId>
-        <AccountType/>
-      </UserInfo>
-      <UserInfo>
-        <DisplayName>Josee Martens</DisplayName>
-        <AccountId>58</AccountId>
-        <AccountType/>
-      </UserInfo>
-    </SharedWithUsers>
-    <LastSharedByUser xmlns="ed478a9f-b709-4468-8a86-34ec96f55872">zhnan@microsoft.com</LastSharedByUser>
-    <LastSharedByTime xmlns="b1dcf5e4-b140-464e-ad28-2eb3e755d828">2017-04-22T00:50:26+00:00</LastSharedByTime>
-  </documentManagement>
-</p:properties>
-</file>
-
 <file path=customXml/item3.xml><?xml version="1.0" encoding="utf-8"?>
 <?mso-contentType ?>
 <FormTemplates xmlns="http://schemas.microsoft.com/sharepoint/v3/contenttype/forms">
@@ -22665,6 +22665,25 @@
 </file>
 
 <file path=customXml/itemProps1.xml><?xml version="1.0" encoding="utf-8"?>
+<ds:datastoreItem xmlns:ds="http://schemas.openxmlformats.org/officeDocument/2006/customXml" ds:itemID="{F990F116-B58F-4255-B05B-DA3808E0E5C6}">
+  <ds:schemaRefs>
+    <ds:schemaRef ds:uri="http://purl.org/dc/elements/1.1/"/>
+    <ds:schemaRef ds:uri="http://purl.org/dc/terms/"/>
+    <ds:schemaRef ds:uri="http://schemas.microsoft.com/office/infopath/2007/PartnerControls"/>
+    <ds:schemaRef ds:uri="http://schemas.openxmlformats.org/package/2006/metadata/core-properties"/>
+    <ds:schemaRef ds:uri="http://purl.org/dc/dcmitype/"/>
+    <ds:schemaRef ds:uri="http://schemas.microsoft.com/office/2006/documentManagement/types"/>
+    <ds:schemaRef ds:uri="1f5ecd6e-98aa-4646-bfe6-99acd4bfa1f2"/>
+    <ds:schemaRef ds:uri="b1dcf5e4-b140-464e-ad28-2eb3e755d828"/>
+    <ds:schemaRef ds:uri="ed478a9f-b709-4468-8a86-34ec96f55872"/>
+    <ds:schemaRef ds:uri="http://schemas.microsoft.com/sharepoint/v3"/>
+    <ds:schemaRef ds:uri="http://schemas.microsoft.com/office/2006/metadata/properties"/>
+    <ds:schemaRef ds:uri="http://www.w3.org/XML/1998/namespace"/>
+  </ds:schemaRefs>
+</ds:datastoreItem>
+</file>
+
+<file path=customXml/itemProps2.xml><?xml version="1.0" encoding="utf-8"?>
 <ds:datastoreItem xmlns:ds="http://schemas.openxmlformats.org/officeDocument/2006/customXml" ds:itemID="{D6A11D20-54FC-4878-9A84-9CD43625A856}">
   <ds:schemaRefs>
     <ds:schemaRef ds:uri="http://schemas.microsoft.com/office/2006/metadata/contentType"/>
@@ -22685,25 +22704,6 @@
 </ds:datastoreItem>
 </file>
 
-<file path=customXml/itemProps2.xml><?xml version="1.0" encoding="utf-8"?>
-<ds:datastoreItem xmlns:ds="http://schemas.openxmlformats.org/officeDocument/2006/customXml" ds:itemID="{F990F116-B58F-4255-B05B-DA3808E0E5C6}">
-  <ds:schemaRefs>
-    <ds:schemaRef ds:uri="http://purl.org/dc/elements/1.1/"/>
-    <ds:schemaRef ds:uri="http://purl.org/dc/terms/"/>
-    <ds:schemaRef ds:uri="http://schemas.microsoft.com/office/infopath/2007/PartnerControls"/>
-    <ds:schemaRef ds:uri="http://schemas.openxmlformats.org/package/2006/metadata/core-properties"/>
-    <ds:schemaRef ds:uri="http://purl.org/dc/dcmitype/"/>
-    <ds:schemaRef ds:uri="http://schemas.microsoft.com/office/2006/documentManagement/types"/>
-    <ds:schemaRef ds:uri="1f5ecd6e-98aa-4646-bfe6-99acd4bfa1f2"/>
-    <ds:schemaRef ds:uri="b1dcf5e4-b140-464e-ad28-2eb3e755d828"/>
-    <ds:schemaRef ds:uri="ed478a9f-b709-4468-8a86-34ec96f55872"/>
-    <ds:schemaRef ds:uri="http://schemas.microsoft.com/sharepoint/v3"/>
-    <ds:schemaRef ds:uri="http://schemas.microsoft.com/office/2006/metadata/properties"/>
-    <ds:schemaRef ds:uri="http://www.w3.org/XML/1998/namespace"/>
-  </ds:schemaRefs>
-</ds:datastoreItem>
-</file>
-
 <file path=customXml/itemProps3.xml><?xml version="1.0" encoding="utf-8"?>
 <ds:datastoreItem xmlns:ds="http://schemas.openxmlformats.org/officeDocument/2006/customXml" ds:itemID="{758FDAC0-319D-4A54-8D8E-1D42CB1F8004}">
   <ds:schemaRefs>

--- a/image-sources/o16n-image-source-modern-policy-servicing.pptx
+++ b/image-sources/o16n-image-source-modern-policy-servicing.pptx
@@ -382,7 +382,7 @@
               <a:rPr lang="en-US" smtClean="0">
                 <a:latin typeface="Segoe UI" pitchFamily="34" charset="0"/>
               </a:rPr>
-              <a:t>5/20/2021 9:53 AM</a:t>
+              <a:t>5/20/2021 10:51 AM</a:t>
             </a:fld>
             <a:endParaRPr lang="en-US" dirty="0">
               <a:latin typeface="Segoe UI" pitchFamily="34" charset="0"/>
@@ -679,7 +679,7 @@
           <a:p>
             <a:fld id="{38EEC551-8CDA-4EB6-89BB-2A86C9F091C8}" type="datetime8">
               <a:rPr lang="en-US" smtClean="0"/>
-              <a:t>5/20/2021 9:52 AM</a:t>
+              <a:t>5/20/2021 10:50 AM</a:t>
             </a:fld>
             <a:endParaRPr lang="en-US" dirty="0"/>
           </a:p>
@@ -1071,7 +1071,7 @@
           <a:p>
             <a:fld id="{38EEC551-8CDA-4EB6-89BB-2A86C9F091C8}" type="datetime8">
               <a:rPr lang="en-US" smtClean="0"/>
-              <a:t>5/20/2021 9:52 AM</a:t>
+              <a:t>5/20/2021 10:50 AM</a:t>
             </a:fld>
             <a:endParaRPr lang="en-US" dirty="0"/>
           </a:p>
@@ -1379,7 +1379,7 @@
                 <a:tabLst/>
                 <a:defRPr/>
               </a:pPr>
-              <a:t>5/20/2021 9:52 AM</a:t>
+              <a:t>5/20/2021 10:50 AM</a:t>
             </a:fld>
             <a:endParaRPr kumimoji="0" lang="en-US" sz="1200" b="0" i="0" u="none" strike="noStrike" kern="1200" cap="none" spc="0" normalizeH="0" baseline="0" noProof="0" dirty="0">
               <a:ln>
@@ -1759,7 +1759,7 @@
                 <a:tabLst/>
                 <a:defRPr/>
               </a:pPr>
-              <a:t>5/20/2021 9:52 AM</a:t>
+              <a:t>5/20/2021 10:50 AM</a:t>
             </a:fld>
             <a:endParaRPr kumimoji="0" lang="en-US" sz="1200" b="0" i="0" u="none" strike="noStrike" kern="1200" cap="none" spc="0" normalizeH="0" baseline="0" noProof="0" dirty="0">
               <a:ln>
@@ -2021,7 +2021,7 @@
           <a:p>
             <a:fld id="{38EEC551-8CDA-4EB6-89BB-2A86C9F091C8}" type="datetime8">
               <a:rPr lang="en-US" smtClean="0"/>
-              <a:t>5/20/2021 9:52 AM</a:t>
+              <a:t>5/20/2021 10:50 AM</a:t>
             </a:fld>
             <a:endParaRPr lang="en-US" dirty="0"/>
           </a:p>
@@ -22216,7 +22216,7 @@
               <a:defRPr/>
             </a:pPr>
             <a:r>
-              <a:rPr lang="en-US" sz="1100" kern="0" dirty="0">
+              <a:rPr lang="en-US" sz="1600" kern="0" dirty="0">
                 <a:solidFill>
                   <a:srgbClr val="FFFFFF"/>
                 </a:solidFill>
@@ -24511,12 +24511,31 @@
 </file>
 
 <file path=customXml/item1.xml><?xml version="1.0" encoding="utf-8"?>
-<?mso-contentType ?>
-<FormTemplates xmlns="http://schemas.microsoft.com/sharepoint/v3/contenttype/forms">
-  <Display>DocumentLibraryForm</Display>
-  <Edit>DocumentLibraryForm</Edit>
-  <New>DocumentLibraryForm</New>
-</FormTemplates>
+<p:properties xmlns:p="http://schemas.microsoft.com/office/2006/metadata/properties" xmlns:xsi="http://www.w3.org/2001/XMLSchema-instance" xmlns:pc="http://schemas.microsoft.com/office/infopath/2007/PartnerControls">
+  <documentManagement>
+    <_ip_UnifiedCompliancePolicyUIAction xmlns="http://schemas.microsoft.com/sharepoint/v3" xsi:nil="true"/>
+    <_ip_UnifiedCompliancePolicyProperties xmlns="http://schemas.microsoft.com/sharepoint/v3" xsi:nil="true"/>
+    <SharedWithUsers xmlns="b1dcf5e4-b140-464e-ad28-2eb3e755d828">
+      <UserInfo>
+        <DisplayName>Nati Nimni</DisplayName>
+        <AccountId>5713</AccountId>
+        <AccountType/>
+      </UserInfo>
+      <UserInfo>
+        <DisplayName>Heheng Li</DisplayName>
+        <AccountId>1938</AccountId>
+        <AccountType/>
+      </UserInfo>
+      <UserInfo>
+        <DisplayName>Josee Martens</DisplayName>
+        <AccountId>58</AccountId>
+        <AccountType/>
+      </UserInfo>
+    </SharedWithUsers>
+    <LastSharedByUser xmlns="ed478a9f-b709-4468-8a86-34ec96f55872">zhnan@microsoft.com</LastSharedByUser>
+    <LastSharedByTime xmlns="b1dcf5e4-b140-464e-ad28-2eb3e755d828">2017-04-22T00:50:26+00:00</LastSharedByTime>
+  </documentManagement>
+</p:properties>
 </file>
 
 <file path=customXml/item2.xml><?xml version="1.0" encoding="utf-8"?>
@@ -24721,37 +24740,29 @@
 </file>
 
 <file path=customXml/item3.xml><?xml version="1.0" encoding="utf-8"?>
-<p:properties xmlns:p="http://schemas.microsoft.com/office/2006/metadata/properties" xmlns:xsi="http://www.w3.org/2001/XMLSchema-instance" xmlns:pc="http://schemas.microsoft.com/office/infopath/2007/PartnerControls">
-  <documentManagement>
-    <_ip_UnifiedCompliancePolicyUIAction xmlns="http://schemas.microsoft.com/sharepoint/v3" xsi:nil="true"/>
-    <_ip_UnifiedCompliancePolicyProperties xmlns="http://schemas.microsoft.com/sharepoint/v3" xsi:nil="true"/>
-    <SharedWithUsers xmlns="b1dcf5e4-b140-464e-ad28-2eb3e755d828">
-      <UserInfo>
-        <DisplayName>Nati Nimni</DisplayName>
-        <AccountId>5713</AccountId>
-        <AccountType/>
-      </UserInfo>
-      <UserInfo>
-        <DisplayName>Heheng Li</DisplayName>
-        <AccountId>1938</AccountId>
-        <AccountType/>
-      </UserInfo>
-      <UserInfo>
-        <DisplayName>Josee Martens</DisplayName>
-        <AccountId>58</AccountId>
-        <AccountType/>
-      </UserInfo>
-    </SharedWithUsers>
-    <LastSharedByUser xmlns="ed478a9f-b709-4468-8a86-34ec96f55872">zhnan@microsoft.com</LastSharedByUser>
-    <LastSharedByTime xmlns="b1dcf5e4-b140-464e-ad28-2eb3e755d828">2017-04-22T00:50:26+00:00</LastSharedByTime>
-  </documentManagement>
-</p:properties>
+<?mso-contentType ?>
+<FormTemplates xmlns="http://schemas.microsoft.com/sharepoint/v3/contenttype/forms">
+  <Display>DocumentLibraryForm</Display>
+  <Edit>DocumentLibraryForm</Edit>
+  <New>DocumentLibraryForm</New>
+</FormTemplates>
 </file>
 
 <file path=customXml/itemProps1.xml><?xml version="1.0" encoding="utf-8"?>
-<ds:datastoreItem xmlns:ds="http://schemas.openxmlformats.org/officeDocument/2006/customXml" ds:itemID="{758FDAC0-319D-4A54-8D8E-1D42CB1F8004}">
+<ds:datastoreItem xmlns:ds="http://schemas.openxmlformats.org/officeDocument/2006/customXml" ds:itemID="{F990F116-B58F-4255-B05B-DA3808E0E5C6}">
   <ds:schemaRefs>
-    <ds:schemaRef ds:uri="http://schemas.microsoft.com/sharepoint/v3/contenttype/forms"/>
+    <ds:schemaRef ds:uri="http://purl.org/dc/dcmitype/"/>
+    <ds:schemaRef ds:uri="b1dcf5e4-b140-464e-ad28-2eb3e755d828"/>
+    <ds:schemaRef ds:uri="http://schemas.microsoft.com/office/2006/metadata/properties"/>
+    <ds:schemaRef ds:uri="ed478a9f-b709-4468-8a86-34ec96f55872"/>
+    <ds:schemaRef ds:uri="http://purl.org/dc/terms/"/>
+    <ds:schemaRef ds:uri="http://schemas.microsoft.com/sharepoint/v3"/>
+    <ds:schemaRef ds:uri="http://purl.org/dc/elements/1.1/"/>
+    <ds:schemaRef ds:uri="http://schemas.microsoft.com/office/2006/documentManagement/types"/>
+    <ds:schemaRef ds:uri="http://schemas.openxmlformats.org/package/2006/metadata/core-properties"/>
+    <ds:schemaRef ds:uri="http://schemas.microsoft.com/office/infopath/2007/PartnerControls"/>
+    <ds:schemaRef ds:uri="1f5ecd6e-98aa-4646-bfe6-99acd4bfa1f2"/>
+    <ds:schemaRef ds:uri="http://www.w3.org/XML/1998/namespace"/>
   </ds:schemaRefs>
 </ds:datastoreItem>
 </file>
@@ -24778,20 +24789,9 @@
 </file>
 
 <file path=customXml/itemProps3.xml><?xml version="1.0" encoding="utf-8"?>
-<ds:datastoreItem xmlns:ds="http://schemas.openxmlformats.org/officeDocument/2006/customXml" ds:itemID="{F990F116-B58F-4255-B05B-DA3808E0E5C6}">
+<ds:datastoreItem xmlns:ds="http://schemas.openxmlformats.org/officeDocument/2006/customXml" ds:itemID="{758FDAC0-319D-4A54-8D8E-1D42CB1F8004}">
   <ds:schemaRefs>
-    <ds:schemaRef ds:uri="http://purl.org/dc/dcmitype/"/>
-    <ds:schemaRef ds:uri="b1dcf5e4-b140-464e-ad28-2eb3e755d828"/>
-    <ds:schemaRef ds:uri="http://schemas.microsoft.com/office/2006/metadata/properties"/>
-    <ds:schemaRef ds:uri="ed478a9f-b709-4468-8a86-34ec96f55872"/>
-    <ds:schemaRef ds:uri="http://purl.org/dc/terms/"/>
-    <ds:schemaRef ds:uri="http://schemas.microsoft.com/sharepoint/v3"/>
-    <ds:schemaRef ds:uri="http://purl.org/dc/elements/1.1/"/>
-    <ds:schemaRef ds:uri="http://schemas.microsoft.com/office/2006/documentManagement/types"/>
-    <ds:schemaRef ds:uri="http://schemas.openxmlformats.org/package/2006/metadata/core-properties"/>
-    <ds:schemaRef ds:uri="http://schemas.microsoft.com/office/infopath/2007/PartnerControls"/>
-    <ds:schemaRef ds:uri="1f5ecd6e-98aa-4646-bfe6-99acd4bfa1f2"/>
-    <ds:schemaRef ds:uri="http://www.w3.org/XML/1998/namespace"/>
+    <ds:schemaRef ds:uri="http://schemas.microsoft.com/sharepoint/v3/contenttype/forms"/>
   </ds:schemaRefs>
 </ds:datastoreItem>
 </file>

--- a/image-sources/o16n-image-source-modern-policy-servicing.pptx
+++ b/image-sources/o16n-image-source-modern-policy-servicing.pptx
@@ -382,7 +382,7 @@
               <a:rPr lang="en-US" smtClean="0">
                 <a:latin typeface="Segoe UI" pitchFamily="34" charset="0"/>
               </a:rPr>
-              <a:t>5/20/2021 10:51 AM</a:t>
+              <a:t>5/24/2021 12:37 PM</a:t>
             </a:fld>
             <a:endParaRPr lang="en-US" dirty="0">
               <a:latin typeface="Segoe UI" pitchFamily="34" charset="0"/>
@@ -679,7 +679,7 @@
           <a:p>
             <a:fld id="{38EEC551-8CDA-4EB6-89BB-2A86C9F091C8}" type="datetime8">
               <a:rPr lang="en-US" smtClean="0"/>
-              <a:t>5/20/2021 10:50 AM</a:t>
+              <a:t>5/24/2021 12:36 PM</a:t>
             </a:fld>
             <a:endParaRPr lang="en-US" dirty="0"/>
           </a:p>
@@ -1071,7 +1071,7 @@
           <a:p>
             <a:fld id="{38EEC551-8CDA-4EB6-89BB-2A86C9F091C8}" type="datetime8">
               <a:rPr lang="en-US" smtClean="0"/>
-              <a:t>5/20/2021 10:50 AM</a:t>
+              <a:t>5/24/2021 12:36 PM</a:t>
             </a:fld>
             <a:endParaRPr lang="en-US" dirty="0"/>
           </a:p>
@@ -1379,7 +1379,7 @@
                 <a:tabLst/>
                 <a:defRPr/>
               </a:pPr>
-              <a:t>5/20/2021 10:50 AM</a:t>
+              <a:t>5/24/2021 12:36 PM</a:t>
             </a:fld>
             <a:endParaRPr kumimoji="0" lang="en-US" sz="1200" b="0" i="0" u="none" strike="noStrike" kern="1200" cap="none" spc="0" normalizeH="0" baseline="0" noProof="0" dirty="0">
               <a:ln>
@@ -1759,7 +1759,7 @@
                 <a:tabLst/>
                 <a:defRPr/>
               </a:pPr>
-              <a:t>5/20/2021 10:50 AM</a:t>
+              <a:t>5/24/2021 12:36 PM</a:t>
             </a:fld>
             <a:endParaRPr kumimoji="0" lang="en-US" sz="1200" b="0" i="0" u="none" strike="noStrike" kern="1200" cap="none" spc="0" normalizeH="0" baseline="0" noProof="0" dirty="0">
               <a:ln>
@@ -2021,7 +2021,7 @@
           <a:p>
             <a:fld id="{38EEC551-8CDA-4EB6-89BB-2A86C9F091C8}" type="datetime8">
               <a:rPr lang="en-US" smtClean="0"/>
-              <a:t>5/20/2021 10:50 AM</a:t>
+              <a:t>5/24/2021 12:36 PM</a:t>
             </a:fld>
             <a:endParaRPr lang="en-US" dirty="0"/>
           </a:p>
@@ -22216,7 +22216,7 @@
               <a:defRPr/>
             </a:pPr>
             <a:r>
-              <a:rPr lang="en-US" sz="1600" kern="0" dirty="0">
+              <a:rPr lang="en-US" sz="1100" kern="0" dirty="0">
                 <a:solidFill>
                   <a:srgbClr val="FFFFFF"/>
                 </a:solidFill>
@@ -24511,31 +24511,12 @@
 </file>
 
 <file path=customXml/item1.xml><?xml version="1.0" encoding="utf-8"?>
-<p:properties xmlns:p="http://schemas.microsoft.com/office/2006/metadata/properties" xmlns:xsi="http://www.w3.org/2001/XMLSchema-instance" xmlns:pc="http://schemas.microsoft.com/office/infopath/2007/PartnerControls">
-  <documentManagement>
-    <_ip_UnifiedCompliancePolicyUIAction xmlns="http://schemas.microsoft.com/sharepoint/v3" xsi:nil="true"/>
-    <_ip_UnifiedCompliancePolicyProperties xmlns="http://schemas.microsoft.com/sharepoint/v3" xsi:nil="true"/>
-    <SharedWithUsers xmlns="b1dcf5e4-b140-464e-ad28-2eb3e755d828">
-      <UserInfo>
-        <DisplayName>Nati Nimni</DisplayName>
-        <AccountId>5713</AccountId>
-        <AccountType/>
-      </UserInfo>
-      <UserInfo>
-        <DisplayName>Heheng Li</DisplayName>
-        <AccountId>1938</AccountId>
-        <AccountType/>
-      </UserInfo>
-      <UserInfo>
-        <DisplayName>Josee Martens</DisplayName>
-        <AccountId>58</AccountId>
-        <AccountType/>
-      </UserInfo>
-    </SharedWithUsers>
-    <LastSharedByUser xmlns="ed478a9f-b709-4468-8a86-34ec96f55872">zhnan@microsoft.com</LastSharedByUser>
-    <LastSharedByTime xmlns="b1dcf5e4-b140-464e-ad28-2eb3e755d828">2017-04-22T00:50:26+00:00</LastSharedByTime>
-  </documentManagement>
-</p:properties>
+<?mso-contentType ?>
+<FormTemplates xmlns="http://schemas.microsoft.com/sharepoint/v3/contenttype/forms">
+  <Display>DocumentLibraryForm</Display>
+  <Edit>DocumentLibraryForm</Edit>
+  <New>DocumentLibraryForm</New>
+</FormTemplates>
 </file>
 
 <file path=customXml/item2.xml><?xml version="1.0" encoding="utf-8"?>
@@ -24740,29 +24721,37 @@
 </file>
 
 <file path=customXml/item3.xml><?xml version="1.0" encoding="utf-8"?>
-<?mso-contentType ?>
-<FormTemplates xmlns="http://schemas.microsoft.com/sharepoint/v3/contenttype/forms">
-  <Display>DocumentLibraryForm</Display>
-  <Edit>DocumentLibraryForm</Edit>
-  <New>DocumentLibraryForm</New>
-</FormTemplates>
+<p:properties xmlns:p="http://schemas.microsoft.com/office/2006/metadata/properties" xmlns:xsi="http://www.w3.org/2001/XMLSchema-instance" xmlns:pc="http://schemas.microsoft.com/office/infopath/2007/PartnerControls">
+  <documentManagement>
+    <_ip_UnifiedCompliancePolicyUIAction xmlns="http://schemas.microsoft.com/sharepoint/v3" xsi:nil="true"/>
+    <_ip_UnifiedCompliancePolicyProperties xmlns="http://schemas.microsoft.com/sharepoint/v3" xsi:nil="true"/>
+    <SharedWithUsers xmlns="b1dcf5e4-b140-464e-ad28-2eb3e755d828">
+      <UserInfo>
+        <DisplayName>Nati Nimni</DisplayName>
+        <AccountId>5713</AccountId>
+        <AccountType/>
+      </UserInfo>
+      <UserInfo>
+        <DisplayName>Heheng Li</DisplayName>
+        <AccountId>1938</AccountId>
+        <AccountType/>
+      </UserInfo>
+      <UserInfo>
+        <DisplayName>Josee Martens</DisplayName>
+        <AccountId>58</AccountId>
+        <AccountType/>
+      </UserInfo>
+    </SharedWithUsers>
+    <LastSharedByUser xmlns="ed478a9f-b709-4468-8a86-34ec96f55872">zhnan@microsoft.com</LastSharedByUser>
+    <LastSharedByTime xmlns="b1dcf5e4-b140-464e-ad28-2eb3e755d828">2017-04-22T00:50:26+00:00</LastSharedByTime>
+  </documentManagement>
+</p:properties>
 </file>
 
 <file path=customXml/itemProps1.xml><?xml version="1.0" encoding="utf-8"?>
-<ds:datastoreItem xmlns:ds="http://schemas.openxmlformats.org/officeDocument/2006/customXml" ds:itemID="{F990F116-B58F-4255-B05B-DA3808E0E5C6}">
+<ds:datastoreItem xmlns:ds="http://schemas.openxmlformats.org/officeDocument/2006/customXml" ds:itemID="{758FDAC0-319D-4A54-8D8E-1D42CB1F8004}">
   <ds:schemaRefs>
-    <ds:schemaRef ds:uri="http://purl.org/dc/dcmitype/"/>
-    <ds:schemaRef ds:uri="b1dcf5e4-b140-464e-ad28-2eb3e755d828"/>
-    <ds:schemaRef ds:uri="http://schemas.microsoft.com/office/2006/metadata/properties"/>
-    <ds:schemaRef ds:uri="ed478a9f-b709-4468-8a86-34ec96f55872"/>
-    <ds:schemaRef ds:uri="http://purl.org/dc/terms/"/>
-    <ds:schemaRef ds:uri="http://schemas.microsoft.com/sharepoint/v3"/>
-    <ds:schemaRef ds:uri="http://purl.org/dc/elements/1.1/"/>
-    <ds:schemaRef ds:uri="http://schemas.microsoft.com/office/2006/documentManagement/types"/>
-    <ds:schemaRef ds:uri="http://schemas.openxmlformats.org/package/2006/metadata/core-properties"/>
-    <ds:schemaRef ds:uri="http://schemas.microsoft.com/office/infopath/2007/PartnerControls"/>
-    <ds:schemaRef ds:uri="1f5ecd6e-98aa-4646-bfe6-99acd4bfa1f2"/>
-    <ds:schemaRef ds:uri="http://www.w3.org/XML/1998/namespace"/>
+    <ds:schemaRef ds:uri="http://schemas.microsoft.com/sharepoint/v3/contenttype/forms"/>
   </ds:schemaRefs>
 </ds:datastoreItem>
 </file>
@@ -24789,9 +24778,20 @@
 </file>
 
 <file path=customXml/itemProps3.xml><?xml version="1.0" encoding="utf-8"?>
-<ds:datastoreItem xmlns:ds="http://schemas.openxmlformats.org/officeDocument/2006/customXml" ds:itemID="{758FDAC0-319D-4A54-8D8E-1D42CB1F8004}">
+<ds:datastoreItem xmlns:ds="http://schemas.openxmlformats.org/officeDocument/2006/customXml" ds:itemID="{F990F116-B58F-4255-B05B-DA3808E0E5C6}">
   <ds:schemaRefs>
-    <ds:schemaRef ds:uri="http://schemas.microsoft.com/sharepoint/v3/contenttype/forms"/>
+    <ds:schemaRef ds:uri="http://purl.org/dc/dcmitype/"/>
+    <ds:schemaRef ds:uri="b1dcf5e4-b140-464e-ad28-2eb3e755d828"/>
+    <ds:schemaRef ds:uri="http://schemas.microsoft.com/office/2006/metadata/properties"/>
+    <ds:schemaRef ds:uri="ed478a9f-b709-4468-8a86-34ec96f55872"/>
+    <ds:schemaRef ds:uri="http://purl.org/dc/terms/"/>
+    <ds:schemaRef ds:uri="http://schemas.microsoft.com/sharepoint/v3"/>
+    <ds:schemaRef ds:uri="http://purl.org/dc/elements/1.1/"/>
+    <ds:schemaRef ds:uri="http://schemas.microsoft.com/office/2006/documentManagement/types"/>
+    <ds:schemaRef ds:uri="http://schemas.openxmlformats.org/package/2006/metadata/core-properties"/>
+    <ds:schemaRef ds:uri="http://schemas.microsoft.com/office/infopath/2007/PartnerControls"/>
+    <ds:schemaRef ds:uri="1f5ecd6e-98aa-4646-bfe6-99acd4bfa1f2"/>
+    <ds:schemaRef ds:uri="http://www.w3.org/XML/1998/namespace"/>
   </ds:schemaRefs>
 </ds:datastoreItem>
 </file>

--- a/image-sources/o16n-image-source-modern-policy-servicing.pptx
+++ b/image-sources/o16n-image-source-modern-policy-servicing.pptx
@@ -382,7 +382,7 @@
               <a:rPr lang="en-US" smtClean="0">
                 <a:latin typeface="Segoe UI" pitchFamily="34" charset="0"/>
               </a:rPr>
-              <a:t>5/24/2021 12:37 PM</a:t>
+              <a:t>6/18/2021 3:56 PM</a:t>
             </a:fld>
             <a:endParaRPr lang="en-US" dirty="0">
               <a:latin typeface="Segoe UI" pitchFamily="34" charset="0"/>
@@ -679,7 +679,7 @@
           <a:p>
             <a:fld id="{38EEC551-8CDA-4EB6-89BB-2A86C9F091C8}" type="datetime8">
               <a:rPr lang="en-US" smtClean="0"/>
-              <a:t>5/24/2021 12:36 PM</a:t>
+              <a:t>6/18/2021 3:56 PM</a:t>
             </a:fld>
             <a:endParaRPr lang="en-US" dirty="0"/>
           </a:p>
@@ -1071,7 +1071,7 @@
           <a:p>
             <a:fld id="{38EEC551-8CDA-4EB6-89BB-2A86C9F091C8}" type="datetime8">
               <a:rPr lang="en-US" smtClean="0"/>
-              <a:t>5/24/2021 12:36 PM</a:t>
+              <a:t>6/18/2021 3:56 PM</a:t>
             </a:fld>
             <a:endParaRPr lang="en-US" dirty="0"/>
           </a:p>
@@ -1379,7 +1379,7 @@
                 <a:tabLst/>
                 <a:defRPr/>
               </a:pPr>
-              <a:t>5/24/2021 12:36 PM</a:t>
+              <a:t>6/18/2021 3:56 PM</a:t>
             </a:fld>
             <a:endParaRPr kumimoji="0" lang="en-US" sz="1200" b="0" i="0" u="none" strike="noStrike" kern="1200" cap="none" spc="0" normalizeH="0" baseline="0" noProof="0" dirty="0">
               <a:ln>
@@ -1759,7 +1759,7 @@
                 <a:tabLst/>
                 <a:defRPr/>
               </a:pPr>
-              <a:t>5/24/2021 12:36 PM</a:t>
+              <a:t>6/18/2021 3:56 PM</a:t>
             </a:fld>
             <a:endParaRPr kumimoji="0" lang="en-US" sz="1200" b="0" i="0" u="none" strike="noStrike" kern="1200" cap="none" spc="0" normalizeH="0" baseline="0" noProof="0" dirty="0">
               <a:ln>
@@ -2021,7 +2021,7 @@
           <a:p>
             <a:fld id="{38EEC551-8CDA-4EB6-89BB-2A86C9F091C8}" type="datetime8">
               <a:rPr lang="en-US" smtClean="0"/>
-              <a:t>5/24/2021 12:36 PM</a:t>
+              <a:t>6/18/2021 3:56 PM</a:t>
             </a:fld>
             <a:endParaRPr lang="en-US" dirty="0"/>
           </a:p>
@@ -19110,7 +19110,7 @@
         </p:nvSpPr>
         <p:spPr bwMode="auto">
           <a:xfrm>
-            <a:off x="820744" y="1183727"/>
+            <a:off x="173472" y="700589"/>
             <a:ext cx="12763193" cy="914400"/>
           </a:xfrm>
           <a:prstGeom prst="rect">
@@ -19196,7 +19196,7 @@
         </p:nvSpPr>
         <p:spPr bwMode="auto">
           <a:xfrm>
-            <a:off x="820744" y="2213793"/>
+            <a:off x="173472" y="1730655"/>
             <a:ext cx="12763193" cy="914400"/>
           </a:xfrm>
           <a:prstGeom prst="rect">
@@ -19282,7 +19282,7 @@
         </p:nvSpPr>
         <p:spPr bwMode="auto">
           <a:xfrm>
-            <a:off x="820744" y="3243859"/>
+            <a:off x="173472" y="2760721"/>
             <a:ext cx="12763193" cy="914400"/>
           </a:xfrm>
           <a:prstGeom prst="rect">
@@ -19368,7 +19368,7 @@
         </p:nvSpPr>
         <p:spPr bwMode="auto">
           <a:xfrm>
-            <a:off x="820744" y="4273925"/>
+            <a:off x="173472" y="3790787"/>
             <a:ext cx="12763193" cy="914400"/>
           </a:xfrm>
           <a:prstGeom prst="rect">
@@ -19454,7 +19454,7 @@
         </p:nvSpPr>
         <p:spPr bwMode="auto">
           <a:xfrm>
-            <a:off x="820744" y="5303989"/>
+            <a:off x="173472" y="4820851"/>
             <a:ext cx="12763193" cy="914400"/>
           </a:xfrm>
           <a:prstGeom prst="rect">
@@ -19540,7 +19540,7 @@
         </p:nvSpPr>
         <p:spPr>
           <a:xfrm>
-            <a:off x="1295211" y="781060"/>
+            <a:off x="647939" y="297922"/>
             <a:ext cx="1323041" cy="452044"/>
           </a:xfrm>
           <a:prstGeom prst="rect">
@@ -19589,7 +19589,7 @@
         </p:nvSpPr>
         <p:spPr>
           <a:xfrm>
-            <a:off x="2338204" y="794294"/>
+            <a:off x="1690932" y="311156"/>
             <a:ext cx="1323041" cy="452044"/>
           </a:xfrm>
           <a:prstGeom prst="rect">
@@ -19638,7 +19638,7 @@
         </p:nvSpPr>
         <p:spPr>
           <a:xfrm>
-            <a:off x="3381197" y="803123"/>
+            <a:off x="2733925" y="319985"/>
             <a:ext cx="1323041" cy="452044"/>
           </a:xfrm>
           <a:prstGeom prst="rect">
@@ -19687,7 +19687,7 @@
         </p:nvSpPr>
         <p:spPr>
           <a:xfrm>
-            <a:off x="4424190" y="794145"/>
+            <a:off x="3776918" y="311007"/>
             <a:ext cx="1323041" cy="452044"/>
           </a:xfrm>
           <a:prstGeom prst="rect">
@@ -19736,7 +19736,7 @@
         </p:nvSpPr>
         <p:spPr>
           <a:xfrm>
-            <a:off x="5467183" y="781059"/>
+            <a:off x="4819911" y="297921"/>
             <a:ext cx="1323041" cy="452044"/>
           </a:xfrm>
           <a:prstGeom prst="rect">
@@ -19785,7 +19785,7 @@
         </p:nvSpPr>
         <p:spPr>
           <a:xfrm>
-            <a:off x="3395683" y="500278"/>
+            <a:off x="2748411" y="17140"/>
             <a:ext cx="1323041" cy="452044"/>
           </a:xfrm>
           <a:prstGeom prst="rect">
@@ -19835,7 +19835,7 @@
         </p:nvSpPr>
         <p:spPr>
           <a:xfrm>
-            <a:off x="5481716" y="500278"/>
+            <a:off x="4834444" y="17140"/>
             <a:ext cx="1323041" cy="452044"/>
           </a:xfrm>
           <a:prstGeom prst="rect">
@@ -19885,7 +19885,7 @@
         </p:nvSpPr>
         <p:spPr>
           <a:xfrm>
-            <a:off x="1309650" y="500278"/>
+            <a:off x="662378" y="17140"/>
             <a:ext cx="1323041" cy="452044"/>
           </a:xfrm>
           <a:prstGeom prst="rect">
@@ -19937,7 +19937,7 @@
         </p:nvCxnSpPr>
         <p:spPr>
           <a:xfrm>
-            <a:off x="7175723" y="1173339"/>
+            <a:off x="6528451" y="690201"/>
             <a:ext cx="0" cy="5045055"/>
           </a:xfrm>
           <a:prstGeom prst="line">
@@ -19984,7 +19984,7 @@
         </p:nvSpPr>
         <p:spPr>
           <a:xfrm>
-            <a:off x="6510176" y="800063"/>
+            <a:off x="5862904" y="316925"/>
             <a:ext cx="1323041" cy="452044"/>
           </a:xfrm>
           <a:prstGeom prst="rect">
@@ -20035,7 +20035,7 @@
         </p:nvCxnSpPr>
         <p:spPr>
           <a:xfrm>
-            <a:off x="1960863" y="1155469"/>
+            <a:off x="1313591" y="672331"/>
             <a:ext cx="0" cy="5062925"/>
           </a:xfrm>
           <a:prstGeom prst="line">
@@ -20084,7 +20084,7 @@
         </p:nvCxnSpPr>
         <p:spPr>
           <a:xfrm>
-            <a:off x="5089779" y="1166191"/>
+            <a:off x="4442507" y="683053"/>
             <a:ext cx="0" cy="5052203"/>
           </a:xfrm>
           <a:prstGeom prst="line">
@@ -20133,7 +20133,7 @@
         </p:nvCxnSpPr>
         <p:spPr>
           <a:xfrm>
-            <a:off x="3003835" y="1159042"/>
+            <a:off x="2356563" y="675904"/>
             <a:ext cx="0" cy="5059351"/>
           </a:xfrm>
           <a:prstGeom prst="line">
@@ -20182,7 +20182,7 @@
         </p:nvCxnSpPr>
         <p:spPr>
           <a:xfrm>
-            <a:off x="4046807" y="1162617"/>
+            <a:off x="3399535" y="679479"/>
             <a:ext cx="0" cy="5055777"/>
           </a:xfrm>
           <a:prstGeom prst="line">
@@ -20231,7 +20231,7 @@
         </p:nvCxnSpPr>
         <p:spPr>
           <a:xfrm>
-            <a:off x="6132751" y="1169764"/>
+            <a:off x="5485479" y="686626"/>
             <a:ext cx="0" cy="5048629"/>
           </a:xfrm>
           <a:prstGeom prst="line">
@@ -20278,7 +20278,7 @@
         </p:nvSpPr>
         <p:spPr>
           <a:xfrm>
-            <a:off x="820740" y="1351781"/>
+            <a:off x="173468" y="868643"/>
             <a:ext cx="1445652" cy="578305"/>
           </a:xfrm>
           <a:prstGeom prst="rect">
@@ -20327,7 +20327,7 @@
         </p:nvSpPr>
         <p:spPr>
           <a:xfrm>
-            <a:off x="820740" y="2381846"/>
+            <a:off x="173468" y="1898708"/>
             <a:ext cx="1445652" cy="578305"/>
           </a:xfrm>
           <a:prstGeom prst="rect">
@@ -20376,7 +20376,7 @@
         </p:nvSpPr>
         <p:spPr>
           <a:xfrm>
-            <a:off x="820740" y="3411912"/>
+            <a:off x="173468" y="2928774"/>
             <a:ext cx="1445652" cy="578305"/>
           </a:xfrm>
           <a:prstGeom prst="rect">
@@ -20425,7 +20425,7 @@
         </p:nvSpPr>
         <p:spPr>
           <a:xfrm>
-            <a:off x="820740" y="4456119"/>
+            <a:off x="173468" y="3972981"/>
             <a:ext cx="1445652" cy="578305"/>
           </a:xfrm>
           <a:prstGeom prst="rect">
@@ -20474,7 +20474,7 @@
         </p:nvSpPr>
         <p:spPr>
           <a:xfrm>
-            <a:off x="820740" y="5486183"/>
+            <a:off x="173468" y="5003045"/>
             <a:ext cx="1445652" cy="578305"/>
           </a:xfrm>
           <a:prstGeom prst="rect">
@@ -20529,7 +20529,7 @@
         </p:nvSpPr>
         <p:spPr>
           <a:xfrm>
-            <a:off x="7553169" y="788673"/>
+            <a:off x="6905897" y="305535"/>
             <a:ext cx="1323041" cy="452044"/>
           </a:xfrm>
           <a:prstGeom prst="rect">
@@ -20578,7 +20578,7 @@
         </p:nvSpPr>
         <p:spPr>
           <a:xfrm>
-            <a:off x="7567749" y="500278"/>
+            <a:off x="6920477" y="17140"/>
             <a:ext cx="1323041" cy="452044"/>
           </a:xfrm>
           <a:prstGeom prst="rect">
@@ -20630,7 +20630,7 @@
         </p:nvCxnSpPr>
         <p:spPr>
           <a:xfrm>
-            <a:off x="9261667" y="1174566"/>
+            <a:off x="8614395" y="691428"/>
             <a:ext cx="0" cy="5043827"/>
           </a:xfrm>
           <a:prstGeom prst="line">
@@ -20677,7 +20677,7 @@
         </p:nvSpPr>
         <p:spPr>
           <a:xfrm>
-            <a:off x="8596162" y="807677"/>
+            <a:off x="7948890" y="324539"/>
             <a:ext cx="1323041" cy="452044"/>
           </a:xfrm>
           <a:prstGeom prst="rect">
@@ -20728,7 +20728,7 @@
         </p:nvCxnSpPr>
         <p:spPr>
           <a:xfrm>
-            <a:off x="8218695" y="1170995"/>
+            <a:off x="7571423" y="687857"/>
             <a:ext cx="0" cy="5047399"/>
           </a:xfrm>
           <a:prstGeom prst="line">
@@ -20775,7 +20775,7 @@
         </p:nvSpPr>
         <p:spPr>
           <a:xfrm>
-            <a:off x="9639155" y="767115"/>
+            <a:off x="8991883" y="283977"/>
             <a:ext cx="1323041" cy="452044"/>
           </a:xfrm>
           <a:prstGeom prst="rect">
@@ -20824,7 +20824,7 @@
         </p:nvSpPr>
         <p:spPr>
           <a:xfrm>
-            <a:off x="9653784" y="500278"/>
+            <a:off x="9006512" y="17140"/>
             <a:ext cx="1323041" cy="452044"/>
           </a:xfrm>
           <a:prstGeom prst="rect">
@@ -20876,7 +20876,7 @@
         </p:nvCxnSpPr>
         <p:spPr>
           <a:xfrm>
-            <a:off x="11347609" y="1150664"/>
+            <a:off x="10700337" y="667526"/>
             <a:ext cx="0" cy="5067729"/>
           </a:xfrm>
           <a:prstGeom prst="line">
@@ -20923,7 +20923,7 @@
         </p:nvSpPr>
         <p:spPr>
           <a:xfrm>
-            <a:off x="10682146" y="787396"/>
+            <a:off x="10034874" y="304258"/>
             <a:ext cx="1323041" cy="452044"/>
           </a:xfrm>
           <a:prstGeom prst="rect">
@@ -20974,7 +20974,7 @@
         </p:nvCxnSpPr>
         <p:spPr>
           <a:xfrm>
-            <a:off x="10304639" y="1147091"/>
+            <a:off x="9657367" y="663953"/>
             <a:ext cx="0" cy="5071303"/>
           </a:xfrm>
           <a:prstGeom prst="line">
@@ -21021,7 +21021,7 @@
         </p:nvGrpSpPr>
         <p:grpSpPr>
           <a:xfrm>
-            <a:off x="1818757" y="1351780"/>
+            <a:off x="1171485" y="868642"/>
             <a:ext cx="4313999" cy="578211"/>
             <a:chOff x="2984325" y="784386"/>
             <a:chExt cx="4313999" cy="578211"/>
@@ -21287,7 +21287,7 @@
         </p:nvGrpSpPr>
         <p:grpSpPr>
           <a:xfrm>
-            <a:off x="2597943" y="2390621"/>
+            <a:off x="1950671" y="1907483"/>
             <a:ext cx="4313999" cy="578211"/>
             <a:chOff x="2984325" y="784386"/>
             <a:chExt cx="4313999" cy="578211"/>
@@ -21553,7 +21553,7 @@
         </p:nvGrpSpPr>
         <p:grpSpPr>
           <a:xfrm>
-            <a:off x="3527895" y="3411912"/>
+            <a:off x="2880623" y="2928774"/>
             <a:ext cx="4313999" cy="578211"/>
             <a:chOff x="2984325" y="784386"/>
             <a:chExt cx="4313999" cy="578211"/>
@@ -21819,7 +21819,7 @@
         </p:nvGrpSpPr>
         <p:grpSpPr>
           <a:xfrm>
-            <a:off x="4262467" y="4442024"/>
+            <a:off x="3615195" y="3958886"/>
             <a:ext cx="4313999" cy="578211"/>
             <a:chOff x="2984325" y="784386"/>
             <a:chExt cx="4313999" cy="578211"/>
@@ -22085,7 +22085,7 @@
         </p:nvSpPr>
         <p:spPr bwMode="auto">
           <a:xfrm>
-            <a:off x="7183704" y="5490490"/>
+            <a:off x="6536432" y="5007352"/>
             <a:ext cx="2086257" cy="578210"/>
           </a:xfrm>
           <a:prstGeom prst="rect">
@@ -22164,8 +22164,8 @@
         </p:nvSpPr>
         <p:spPr bwMode="auto">
           <a:xfrm>
-            <a:off x="9269960" y="5490491"/>
-            <a:ext cx="4036465" cy="578210"/>
+            <a:off x="8622688" y="5007353"/>
+            <a:ext cx="4163148" cy="578210"/>
           </a:xfrm>
           <a:prstGeom prst="rect">
             <a:avLst/>
@@ -22243,7 +22243,7 @@
         </p:nvSpPr>
         <p:spPr bwMode="auto">
           <a:xfrm>
-            <a:off x="7041906" y="5639708"/>
+            <a:off x="6394634" y="5156570"/>
             <a:ext cx="279781" cy="279781"/>
           </a:xfrm>
           <a:prstGeom prst="diamond">
@@ -22330,7 +22330,7 @@
         </p:nvSpPr>
         <p:spPr>
           <a:xfrm>
-            <a:off x="10683769" y="790537"/>
+            <a:off x="10036497" y="307399"/>
             <a:ext cx="1323041" cy="452044"/>
           </a:xfrm>
           <a:prstGeom prst="rect">
@@ -22379,7 +22379,7 @@
         </p:nvSpPr>
         <p:spPr>
           <a:xfrm>
-            <a:off x="11726762" y="749975"/>
+            <a:off x="11079490" y="266837"/>
             <a:ext cx="1323041" cy="452044"/>
           </a:xfrm>
           <a:prstGeom prst="rect">
@@ -22428,7 +22428,7 @@
         </p:nvSpPr>
         <p:spPr>
           <a:xfrm>
-            <a:off x="11741391" y="483138"/>
+            <a:off x="11094119" y="0"/>
             <a:ext cx="1323041" cy="452044"/>
           </a:xfrm>
           <a:prstGeom prst="rect">
@@ -22478,7 +22478,7 @@
         </p:nvSpPr>
         <p:spPr>
           <a:xfrm>
-            <a:off x="12769748" y="770256"/>
+            <a:off x="12122476" y="287118"/>
             <a:ext cx="1323041" cy="452044"/>
           </a:xfrm>
           <a:prstGeom prst="rect">
@@ -22529,7 +22529,7 @@
         </p:nvCxnSpPr>
         <p:spPr>
           <a:xfrm>
-            <a:off x="11347168" y="1149471"/>
+            <a:off x="10699896" y="666333"/>
             <a:ext cx="0" cy="5043827"/>
           </a:xfrm>
           <a:prstGeom prst="line">
@@ -22578,7 +22578,7 @@
         </p:nvCxnSpPr>
         <p:spPr>
           <a:xfrm>
-            <a:off x="13433110" y="1125565"/>
+            <a:off x="12785838" y="642427"/>
             <a:ext cx="0" cy="5067729"/>
           </a:xfrm>
           <a:prstGeom prst="line">
@@ -22627,7 +22627,7 @@
         </p:nvCxnSpPr>
         <p:spPr>
           <a:xfrm>
-            <a:off x="12390140" y="1121996"/>
+            <a:off x="11742868" y="638858"/>
             <a:ext cx="0" cy="5071303"/>
           </a:xfrm>
           <a:prstGeom prst="line">
@@ -22734,7 +22734,7 @@
           <p:nvPr>
             <p:extLst>
               <p:ext uri="{D42A27DB-BD31-4B8C-83A1-F6EECF244321}">
-                <p14:modId xmlns:p14="http://schemas.microsoft.com/office/powerpoint/2010/main" val="4210659148"/>
+                <p14:modId xmlns:p14="http://schemas.microsoft.com/office/powerpoint/2010/main" val="50686073"/>
               </p:ext>
             </p:extLst>
           </p:nvPr>
@@ -23579,7 +23579,7 @@
                     <a:p>
                       <a:r>
                         <a:rPr lang="en-US" sz="1800" dirty="0"/>
-                        <a:t>6/1/2022</a:t>
+                        <a:t>7/1/2022</a:t>
                       </a:r>
                     </a:p>
                   </a:txBody>
@@ -24511,12 +24511,31 @@
 </file>
 
 <file path=customXml/item1.xml><?xml version="1.0" encoding="utf-8"?>
-<?mso-contentType ?>
-<FormTemplates xmlns="http://schemas.microsoft.com/sharepoint/v3/contenttype/forms">
-  <Display>DocumentLibraryForm</Display>
-  <Edit>DocumentLibraryForm</Edit>
-  <New>DocumentLibraryForm</New>
-</FormTemplates>
+<p:properties xmlns:p="http://schemas.microsoft.com/office/2006/metadata/properties" xmlns:xsi="http://www.w3.org/2001/XMLSchema-instance" xmlns:pc="http://schemas.microsoft.com/office/infopath/2007/PartnerControls">
+  <documentManagement>
+    <_ip_UnifiedCompliancePolicyUIAction xmlns="http://schemas.microsoft.com/sharepoint/v3" xsi:nil="true"/>
+    <_ip_UnifiedCompliancePolicyProperties xmlns="http://schemas.microsoft.com/sharepoint/v3" xsi:nil="true"/>
+    <SharedWithUsers xmlns="b1dcf5e4-b140-464e-ad28-2eb3e755d828">
+      <UserInfo>
+        <DisplayName>Nati Nimni</DisplayName>
+        <AccountId>5713</AccountId>
+        <AccountType/>
+      </UserInfo>
+      <UserInfo>
+        <DisplayName>Heheng Li</DisplayName>
+        <AccountId>1938</AccountId>
+        <AccountType/>
+      </UserInfo>
+      <UserInfo>
+        <DisplayName>Josee Martens</DisplayName>
+        <AccountId>58</AccountId>
+        <AccountType/>
+      </UserInfo>
+    </SharedWithUsers>
+    <LastSharedByUser xmlns="ed478a9f-b709-4468-8a86-34ec96f55872">zhnan@microsoft.com</LastSharedByUser>
+    <LastSharedByTime xmlns="b1dcf5e4-b140-464e-ad28-2eb3e755d828">2017-04-22T00:50:26+00:00</LastSharedByTime>
+  </documentManagement>
+</p:properties>
 </file>
 
 <file path=customXml/item2.xml><?xml version="1.0" encoding="utf-8"?>
@@ -24721,37 +24740,29 @@
 </file>
 
 <file path=customXml/item3.xml><?xml version="1.0" encoding="utf-8"?>
-<p:properties xmlns:p="http://schemas.microsoft.com/office/2006/metadata/properties" xmlns:xsi="http://www.w3.org/2001/XMLSchema-instance" xmlns:pc="http://schemas.microsoft.com/office/infopath/2007/PartnerControls">
-  <documentManagement>
-    <_ip_UnifiedCompliancePolicyUIAction xmlns="http://schemas.microsoft.com/sharepoint/v3" xsi:nil="true"/>
-    <_ip_UnifiedCompliancePolicyProperties xmlns="http://schemas.microsoft.com/sharepoint/v3" xsi:nil="true"/>
-    <SharedWithUsers xmlns="b1dcf5e4-b140-464e-ad28-2eb3e755d828">
-      <UserInfo>
-        <DisplayName>Nati Nimni</DisplayName>
-        <AccountId>5713</AccountId>
-        <AccountType/>
-      </UserInfo>
-      <UserInfo>
-        <DisplayName>Heheng Li</DisplayName>
-        <AccountId>1938</AccountId>
-        <AccountType/>
-      </UserInfo>
-      <UserInfo>
-        <DisplayName>Josee Martens</DisplayName>
-        <AccountId>58</AccountId>
-        <AccountType/>
-      </UserInfo>
-    </SharedWithUsers>
-    <LastSharedByUser xmlns="ed478a9f-b709-4468-8a86-34ec96f55872">zhnan@microsoft.com</LastSharedByUser>
-    <LastSharedByTime xmlns="b1dcf5e4-b140-464e-ad28-2eb3e755d828">2017-04-22T00:50:26+00:00</LastSharedByTime>
-  </documentManagement>
-</p:properties>
+<?mso-contentType ?>
+<FormTemplates xmlns="http://schemas.microsoft.com/sharepoint/v3/contenttype/forms">
+  <Display>DocumentLibraryForm</Display>
+  <Edit>DocumentLibraryForm</Edit>
+  <New>DocumentLibraryForm</New>
+</FormTemplates>
 </file>
 
 <file path=customXml/itemProps1.xml><?xml version="1.0" encoding="utf-8"?>
-<ds:datastoreItem xmlns:ds="http://schemas.openxmlformats.org/officeDocument/2006/customXml" ds:itemID="{758FDAC0-319D-4A54-8D8E-1D42CB1F8004}">
+<ds:datastoreItem xmlns:ds="http://schemas.openxmlformats.org/officeDocument/2006/customXml" ds:itemID="{F990F116-B58F-4255-B05B-DA3808E0E5C6}">
   <ds:schemaRefs>
-    <ds:schemaRef ds:uri="http://schemas.microsoft.com/sharepoint/v3/contenttype/forms"/>
+    <ds:schemaRef ds:uri="http://purl.org/dc/dcmitype/"/>
+    <ds:schemaRef ds:uri="b1dcf5e4-b140-464e-ad28-2eb3e755d828"/>
+    <ds:schemaRef ds:uri="http://schemas.microsoft.com/office/2006/metadata/properties"/>
+    <ds:schemaRef ds:uri="ed478a9f-b709-4468-8a86-34ec96f55872"/>
+    <ds:schemaRef ds:uri="http://purl.org/dc/terms/"/>
+    <ds:schemaRef ds:uri="http://schemas.microsoft.com/sharepoint/v3"/>
+    <ds:schemaRef ds:uri="http://purl.org/dc/elements/1.1/"/>
+    <ds:schemaRef ds:uri="http://schemas.microsoft.com/office/2006/documentManagement/types"/>
+    <ds:schemaRef ds:uri="http://schemas.openxmlformats.org/package/2006/metadata/core-properties"/>
+    <ds:schemaRef ds:uri="http://schemas.microsoft.com/office/infopath/2007/PartnerControls"/>
+    <ds:schemaRef ds:uri="1f5ecd6e-98aa-4646-bfe6-99acd4bfa1f2"/>
+    <ds:schemaRef ds:uri="http://www.w3.org/XML/1998/namespace"/>
   </ds:schemaRefs>
 </ds:datastoreItem>
 </file>
@@ -24778,20 +24789,9 @@
 </file>
 
 <file path=customXml/itemProps3.xml><?xml version="1.0" encoding="utf-8"?>
-<ds:datastoreItem xmlns:ds="http://schemas.openxmlformats.org/officeDocument/2006/customXml" ds:itemID="{F990F116-B58F-4255-B05B-DA3808E0E5C6}">
+<ds:datastoreItem xmlns:ds="http://schemas.openxmlformats.org/officeDocument/2006/customXml" ds:itemID="{758FDAC0-319D-4A54-8D8E-1D42CB1F8004}">
   <ds:schemaRefs>
-    <ds:schemaRef ds:uri="http://purl.org/dc/dcmitype/"/>
-    <ds:schemaRef ds:uri="b1dcf5e4-b140-464e-ad28-2eb3e755d828"/>
-    <ds:schemaRef ds:uri="http://schemas.microsoft.com/office/2006/metadata/properties"/>
-    <ds:schemaRef ds:uri="ed478a9f-b709-4468-8a86-34ec96f55872"/>
-    <ds:schemaRef ds:uri="http://purl.org/dc/terms/"/>
-    <ds:schemaRef ds:uri="http://schemas.microsoft.com/sharepoint/v3"/>
-    <ds:schemaRef ds:uri="http://purl.org/dc/elements/1.1/"/>
-    <ds:schemaRef ds:uri="http://schemas.microsoft.com/office/2006/documentManagement/types"/>
-    <ds:schemaRef ds:uri="http://schemas.openxmlformats.org/package/2006/metadata/core-properties"/>
-    <ds:schemaRef ds:uri="http://schemas.microsoft.com/office/infopath/2007/PartnerControls"/>
-    <ds:schemaRef ds:uri="1f5ecd6e-98aa-4646-bfe6-99acd4bfa1f2"/>
-    <ds:schemaRef ds:uri="http://www.w3.org/XML/1998/namespace"/>
+    <ds:schemaRef ds:uri="http://schemas.microsoft.com/sharepoint/v3/contenttype/forms"/>
   </ds:schemaRefs>
 </ds:datastoreItem>
 </file>
